--- a/기획/하스스톤/카드게임(하스스톤,섀도우버스,yugioh masterduel) 분석서.pptx
+++ b/기획/하스스톤/카드게임(하스스톤,섀도우버스,yugioh masterduel) 분석서.pptx
@@ -5,22 +5,20 @@
     <p:sldMasterId id="2147484370" r:id="rId1"/>
   </p:sldMasterIdLst>
   <p:notesMasterIdLst>
-    <p:notesMasterId r:id="rId12"/>
+    <p:notesMasterId r:id="rId10"/>
   </p:notesMasterIdLst>
   <p:handoutMasterIdLst>
-    <p:handoutMasterId r:id="rId13"/>
+    <p:handoutMasterId r:id="rId11"/>
   </p:handoutMasterIdLst>
   <p:sldIdLst>
     <p:sldId id="256" r:id="rId2"/>
     <p:sldId id="257" r:id="rId3"/>
     <p:sldId id="258" r:id="rId4"/>
-    <p:sldId id="261" r:id="rId5"/>
-    <p:sldId id="259" r:id="rId6"/>
-    <p:sldId id="262" r:id="rId7"/>
-    <p:sldId id="263" r:id="rId8"/>
-    <p:sldId id="264" r:id="rId9"/>
-    <p:sldId id="265" r:id="rId10"/>
-    <p:sldId id="266" r:id="rId11"/>
+    <p:sldId id="267" r:id="rId5"/>
+    <p:sldId id="261" r:id="rId6"/>
+    <p:sldId id="259" r:id="rId7"/>
+    <p:sldId id="262" r:id="rId8"/>
+    <p:sldId id="268" r:id="rId9"/>
   </p:sldIdLst>
   <p:sldSz cx="12192000" cy="6858000"/>
   <p:notesSz cx="6858000" cy="9144000"/>
@@ -284,7 +282,7 @@
           <a:p>
             <a:fld id="{4E9214C1-2863-45BA-A7C5-D5EA3C3D4C30}" type="datetimeFigureOut">
               <a:rPr lang="ko-KR" altLang="en-US" smtClean="0"/>
-              <a:t>2024-06-12</a:t>
+              <a:t>2024-06-24</a:t>
             </a:fld>
             <a:endParaRPr lang="ko-KR" altLang="en-US"/>
           </a:p>
@@ -449,7 +447,7 @@
           <a:p>
             <a:fld id="{8F563C85-90F6-445D-9B5B-8ABB00FB3043}" type="datetimeFigureOut">
               <a:rPr lang="ko-KR" altLang="en-US" smtClean="0"/>
-              <a:t>2024-06-12</a:t>
+              <a:t>2024-06-24</a:t>
             </a:fld>
             <a:endParaRPr lang="ko-KR" altLang="en-US"/>
           </a:p>
@@ -865,7 +863,7 @@
           <a:p>
             <a:fld id="{20B16B34-ED2F-4269-81E8-097D50C90279}" type="slidenum">
               <a:rPr lang="ko-KR" altLang="en-US" smtClean="0"/>
-              <a:t>4</a:t>
+              <a:t>5</a:t>
             </a:fld>
             <a:endParaRPr lang="ko-KR" altLang="en-US"/>
           </a:p>
@@ -949,7 +947,7 @@
           <a:p>
             <a:fld id="{20B16B34-ED2F-4269-81E8-097D50C90279}" type="slidenum">
               <a:rPr lang="ko-KR" altLang="en-US" smtClean="0"/>
-              <a:t>5</a:t>
+              <a:t>6</a:t>
             </a:fld>
             <a:endParaRPr lang="ko-KR" altLang="en-US"/>
           </a:p>
@@ -1033,7 +1031,7 @@
           <a:p>
             <a:fld id="{20B16B34-ED2F-4269-81E8-097D50C90279}" type="slidenum">
               <a:rPr lang="ko-KR" altLang="en-US" smtClean="0"/>
-              <a:t>6</a:t>
+              <a:t>7</a:t>
             </a:fld>
             <a:endParaRPr lang="ko-KR" altLang="en-US"/>
           </a:p>
@@ -1117,7 +1115,7 @@
           <a:p>
             <a:fld id="{20B16B34-ED2F-4269-81E8-097D50C90279}" type="slidenum">
               <a:rPr lang="ko-KR" altLang="en-US" smtClean="0"/>
-              <a:t>7</a:t>
+              <a:t>8</a:t>
             </a:fld>
             <a:endParaRPr lang="ko-KR" altLang="en-US"/>
           </a:p>
@@ -1126,259 +1124,7 @@
     </p:spTree>
     <p:extLst>
       <p:ext uri="{BB962C8B-B14F-4D97-AF65-F5344CB8AC3E}">
-        <p14:creationId xmlns:p14="http://schemas.microsoft.com/office/powerpoint/2010/main" val="3784781461"/>
-      </p:ext>
-    </p:extLst>
-  </p:cSld>
-  <p:clrMapOvr>
-    <a:masterClrMapping/>
-  </p:clrMapOvr>
-</p:notes>
-</file>
-
-<file path=ppt/notesSlides/notesSlide6.xml><?xml version="1.0" encoding="utf-8"?>
-<p:notes xmlns:a="http://schemas.openxmlformats.org/drawingml/2006/main" xmlns:r="http://schemas.openxmlformats.org/officeDocument/2006/relationships" xmlns:p="http://schemas.openxmlformats.org/presentationml/2006/main">
-  <p:cSld>
-    <p:spTree>
-      <p:nvGrpSpPr>
-        <p:cNvPr id="1" name=""/>
-        <p:cNvGrpSpPr/>
-        <p:nvPr/>
-      </p:nvGrpSpPr>
-      <p:grpSpPr>
-        <a:xfrm>
-          <a:off x="0" y="0"/>
-          <a:ext cx="0" cy="0"/>
-          <a:chOff x="0" y="0"/>
-          <a:chExt cx="0" cy="0"/>
-        </a:xfrm>
-      </p:grpSpPr>
-      <p:sp>
-        <p:nvSpPr>
-          <p:cNvPr id="2" name="슬라이드 이미지 개체 틀 1"/>
-          <p:cNvSpPr>
-            <a:spLocks noGrp="1" noRot="1" noChangeAspect="1"/>
-          </p:cNvSpPr>
-          <p:nvPr>
-            <p:ph type="sldImg"/>
-          </p:nvPr>
-        </p:nvSpPr>
-        <p:spPr/>
-      </p:sp>
-      <p:sp>
-        <p:nvSpPr>
-          <p:cNvPr id="3" name="슬라이드 노트 개체 틀 2"/>
-          <p:cNvSpPr>
-            <a:spLocks noGrp="1"/>
-          </p:cNvSpPr>
-          <p:nvPr>
-            <p:ph type="body" idx="1"/>
-          </p:nvPr>
-        </p:nvSpPr>
-        <p:spPr/>
-        <p:txBody>
-          <a:bodyPr/>
-          <a:lstStyle/>
-          <a:p>
-            <a:endParaRPr lang="ko-KR" altLang="en-US" dirty="0"/>
-          </a:p>
-        </p:txBody>
-      </p:sp>
-      <p:sp>
-        <p:nvSpPr>
-          <p:cNvPr id="4" name="슬라이드 번호 개체 틀 3"/>
-          <p:cNvSpPr>
-            <a:spLocks noGrp="1"/>
-          </p:cNvSpPr>
-          <p:nvPr>
-            <p:ph type="sldNum" sz="quarter" idx="5"/>
-          </p:nvPr>
-        </p:nvSpPr>
-        <p:spPr/>
-        <p:txBody>
-          <a:bodyPr/>
-          <a:lstStyle/>
-          <a:p>
-            <a:fld id="{20B16B34-ED2F-4269-81E8-097D50C90279}" type="slidenum">
-              <a:rPr lang="ko-KR" altLang="en-US" smtClean="0"/>
-              <a:t>8</a:t>
-            </a:fld>
-            <a:endParaRPr lang="ko-KR" altLang="en-US"/>
-          </a:p>
-        </p:txBody>
-      </p:sp>
-    </p:spTree>
-    <p:extLst>
-      <p:ext uri="{BB962C8B-B14F-4D97-AF65-F5344CB8AC3E}">
-        <p14:creationId xmlns:p14="http://schemas.microsoft.com/office/powerpoint/2010/main" val="1221423162"/>
-      </p:ext>
-    </p:extLst>
-  </p:cSld>
-  <p:clrMapOvr>
-    <a:masterClrMapping/>
-  </p:clrMapOvr>
-</p:notes>
-</file>
-
-<file path=ppt/notesSlides/notesSlide7.xml><?xml version="1.0" encoding="utf-8"?>
-<p:notes xmlns:a="http://schemas.openxmlformats.org/drawingml/2006/main" xmlns:r="http://schemas.openxmlformats.org/officeDocument/2006/relationships" xmlns:p="http://schemas.openxmlformats.org/presentationml/2006/main">
-  <p:cSld>
-    <p:spTree>
-      <p:nvGrpSpPr>
-        <p:cNvPr id="1" name=""/>
-        <p:cNvGrpSpPr/>
-        <p:nvPr/>
-      </p:nvGrpSpPr>
-      <p:grpSpPr>
-        <a:xfrm>
-          <a:off x="0" y="0"/>
-          <a:ext cx="0" cy="0"/>
-          <a:chOff x="0" y="0"/>
-          <a:chExt cx="0" cy="0"/>
-        </a:xfrm>
-      </p:grpSpPr>
-      <p:sp>
-        <p:nvSpPr>
-          <p:cNvPr id="2" name="슬라이드 이미지 개체 틀 1"/>
-          <p:cNvSpPr>
-            <a:spLocks noGrp="1" noRot="1" noChangeAspect="1"/>
-          </p:cNvSpPr>
-          <p:nvPr>
-            <p:ph type="sldImg"/>
-          </p:nvPr>
-        </p:nvSpPr>
-        <p:spPr/>
-      </p:sp>
-      <p:sp>
-        <p:nvSpPr>
-          <p:cNvPr id="3" name="슬라이드 노트 개체 틀 2"/>
-          <p:cNvSpPr>
-            <a:spLocks noGrp="1"/>
-          </p:cNvSpPr>
-          <p:nvPr>
-            <p:ph type="body" idx="1"/>
-          </p:nvPr>
-        </p:nvSpPr>
-        <p:spPr/>
-        <p:txBody>
-          <a:bodyPr/>
-          <a:lstStyle/>
-          <a:p>
-            <a:endParaRPr lang="ko-KR" altLang="en-US" dirty="0"/>
-          </a:p>
-        </p:txBody>
-      </p:sp>
-      <p:sp>
-        <p:nvSpPr>
-          <p:cNvPr id="4" name="슬라이드 번호 개체 틀 3"/>
-          <p:cNvSpPr>
-            <a:spLocks noGrp="1"/>
-          </p:cNvSpPr>
-          <p:nvPr>
-            <p:ph type="sldNum" sz="quarter" idx="5"/>
-          </p:nvPr>
-        </p:nvSpPr>
-        <p:spPr/>
-        <p:txBody>
-          <a:bodyPr/>
-          <a:lstStyle/>
-          <a:p>
-            <a:fld id="{20B16B34-ED2F-4269-81E8-097D50C90279}" type="slidenum">
-              <a:rPr lang="ko-KR" altLang="en-US" smtClean="0"/>
-              <a:t>9</a:t>
-            </a:fld>
-            <a:endParaRPr lang="ko-KR" altLang="en-US"/>
-          </a:p>
-        </p:txBody>
-      </p:sp>
-    </p:spTree>
-    <p:extLst>
-      <p:ext uri="{BB962C8B-B14F-4D97-AF65-F5344CB8AC3E}">
-        <p14:creationId xmlns:p14="http://schemas.microsoft.com/office/powerpoint/2010/main" val="2684178757"/>
-      </p:ext>
-    </p:extLst>
-  </p:cSld>
-  <p:clrMapOvr>
-    <a:masterClrMapping/>
-  </p:clrMapOvr>
-</p:notes>
-</file>
-
-<file path=ppt/notesSlides/notesSlide8.xml><?xml version="1.0" encoding="utf-8"?>
-<p:notes xmlns:a="http://schemas.openxmlformats.org/drawingml/2006/main" xmlns:r="http://schemas.openxmlformats.org/officeDocument/2006/relationships" xmlns:p="http://schemas.openxmlformats.org/presentationml/2006/main">
-  <p:cSld>
-    <p:spTree>
-      <p:nvGrpSpPr>
-        <p:cNvPr id="1" name=""/>
-        <p:cNvGrpSpPr/>
-        <p:nvPr/>
-      </p:nvGrpSpPr>
-      <p:grpSpPr>
-        <a:xfrm>
-          <a:off x="0" y="0"/>
-          <a:ext cx="0" cy="0"/>
-          <a:chOff x="0" y="0"/>
-          <a:chExt cx="0" cy="0"/>
-        </a:xfrm>
-      </p:grpSpPr>
-      <p:sp>
-        <p:nvSpPr>
-          <p:cNvPr id="2" name="슬라이드 이미지 개체 틀 1"/>
-          <p:cNvSpPr>
-            <a:spLocks noGrp="1" noRot="1" noChangeAspect="1"/>
-          </p:cNvSpPr>
-          <p:nvPr>
-            <p:ph type="sldImg"/>
-          </p:nvPr>
-        </p:nvSpPr>
-        <p:spPr/>
-      </p:sp>
-      <p:sp>
-        <p:nvSpPr>
-          <p:cNvPr id="3" name="슬라이드 노트 개체 틀 2"/>
-          <p:cNvSpPr>
-            <a:spLocks noGrp="1"/>
-          </p:cNvSpPr>
-          <p:nvPr>
-            <p:ph type="body" idx="1"/>
-          </p:nvPr>
-        </p:nvSpPr>
-        <p:spPr/>
-        <p:txBody>
-          <a:bodyPr/>
-          <a:lstStyle/>
-          <a:p>
-            <a:endParaRPr lang="ko-KR" altLang="en-US" dirty="0"/>
-          </a:p>
-        </p:txBody>
-      </p:sp>
-      <p:sp>
-        <p:nvSpPr>
-          <p:cNvPr id="4" name="슬라이드 번호 개체 틀 3"/>
-          <p:cNvSpPr>
-            <a:spLocks noGrp="1"/>
-          </p:cNvSpPr>
-          <p:nvPr>
-            <p:ph type="sldNum" sz="quarter" idx="5"/>
-          </p:nvPr>
-        </p:nvSpPr>
-        <p:spPr/>
-        <p:txBody>
-          <a:bodyPr/>
-          <a:lstStyle/>
-          <a:p>
-            <a:fld id="{20B16B34-ED2F-4269-81E8-097D50C90279}" type="slidenum">
-              <a:rPr lang="ko-KR" altLang="en-US" smtClean="0"/>
-              <a:t>10</a:t>
-            </a:fld>
-            <a:endParaRPr lang="ko-KR" altLang="en-US"/>
-          </a:p>
-        </p:txBody>
-      </p:sp>
-    </p:spTree>
-    <p:extLst>
-      <p:ext uri="{BB962C8B-B14F-4D97-AF65-F5344CB8AC3E}">
-        <p14:creationId xmlns:p14="http://schemas.microsoft.com/office/powerpoint/2010/main" val="482413861"/>
+        <p14:creationId xmlns:p14="http://schemas.microsoft.com/office/powerpoint/2010/main" val="1497302184"/>
       </p:ext>
     </p:extLst>
   </p:cSld>
@@ -1528,7 +1274,7 @@
             </a:pPr>
             <a:fld id="{B9320F77-B9A0-41C5-862A-B4B631284C64}" type="datetime1">
               <a:rPr lang="en-GB" altLang="en-US"/>
-              <a:t>12/06/2024</a:t>
+              <a:t>24/06/2024</a:t>
             </a:fld>
             <a:endParaRPr lang="ko-KR" altLang="en-US"/>
           </a:p>
@@ -1728,7 +1474,7 @@
             </a:pPr>
             <a:fld id="{B9320F77-B9A0-41C5-862A-B4B631284C64}" type="datetime1">
               <a:rPr lang="en-GB" altLang="en-US"/>
-              <a:t>12/06/2024</a:t>
+              <a:t>24/06/2024</a:t>
             </a:fld>
             <a:endParaRPr lang="ko-KR" altLang="en-US"/>
           </a:p>
@@ -1928,7 +1674,7 @@
             </a:pPr>
             <a:fld id="{B9320F77-B9A0-41C5-862A-B4B631284C64}" type="datetime1">
               <a:rPr lang="en-GB" altLang="en-US"/>
-              <a:t>12/06/2024</a:t>
+              <a:t>24/06/2024</a:t>
             </a:fld>
             <a:endParaRPr lang="ko-KR" altLang="en-US"/>
           </a:p>
@@ -2128,7 +1874,7 @@
             </a:pPr>
             <a:fld id="{B9320F77-B9A0-41C5-862A-B4B631284C64}" type="datetime1">
               <a:rPr lang="en-GB" altLang="en-US"/>
-              <a:t>12/06/2024</a:t>
+              <a:t>24/06/2024</a:t>
             </a:fld>
             <a:endParaRPr lang="ko-KR" altLang="en-US"/>
           </a:p>
@@ -2394,7 +2140,7 @@
             </a:pPr>
             <a:fld id="{B9320F77-B9A0-41C5-862A-B4B631284C64}" type="datetime1">
               <a:rPr lang="en-GB" altLang="en-US"/>
-              <a:t>12/06/2024</a:t>
+              <a:t>24/06/2024</a:t>
             </a:fld>
             <a:endParaRPr lang="ko-KR" altLang="en-US"/>
           </a:p>
@@ -2650,7 +2396,7 @@
             </a:pPr>
             <a:fld id="{B9320F77-B9A0-41C5-862A-B4B631284C64}" type="datetime1">
               <a:rPr lang="en-GB" altLang="en-US"/>
-              <a:t>12/06/2024</a:t>
+              <a:t>24/06/2024</a:t>
             </a:fld>
             <a:endParaRPr lang="ko-KR" altLang="en-US"/>
           </a:p>
@@ -3036,7 +2782,7 @@
             </a:pPr>
             <a:fld id="{B9320F77-B9A0-41C5-862A-B4B631284C64}" type="datetime1">
               <a:rPr lang="en-GB" altLang="en-US"/>
-              <a:t>12/06/2024</a:t>
+              <a:t>24/06/2024</a:t>
             </a:fld>
             <a:endParaRPr lang="ko-KR" altLang="en-US"/>
           </a:p>
@@ -3180,7 +2926,7 @@
             </a:pPr>
             <a:fld id="{B9320F77-B9A0-41C5-862A-B4B631284C64}" type="datetime1">
               <a:rPr lang="en-GB" altLang="en-US"/>
-              <a:t>12/06/2024</a:t>
+              <a:t>24/06/2024</a:t>
             </a:fld>
             <a:endParaRPr lang="ko-KR" altLang="en-US"/>
           </a:p>
@@ -3297,7 +3043,7 @@
             </a:pPr>
             <a:fld id="{B9320F77-B9A0-41C5-862A-B4B631284C64}" type="datetime1">
               <a:rPr lang="en-GB" altLang="en-US"/>
-              <a:t>12/06/2024</a:t>
+              <a:t>24/06/2024</a:t>
             </a:fld>
             <a:endParaRPr lang="ko-KR" altLang="en-US"/>
           </a:p>
@@ -3594,7 +3340,7 @@
             </a:pPr>
             <a:fld id="{B9320F77-B9A0-41C5-862A-B4B631284C64}" type="datetime1">
               <a:rPr lang="en-GB" altLang="en-US"/>
-              <a:t>12/06/2024</a:t>
+              <a:t>24/06/2024</a:t>
             </a:fld>
             <a:endParaRPr lang="ko-KR" altLang="en-US"/>
           </a:p>
@@ -3868,7 +3614,7 @@
             </a:pPr>
             <a:fld id="{B9320F77-B9A0-41C5-862A-B4B631284C64}" type="datetime1">
               <a:rPr lang="en-GB" altLang="en-US"/>
-              <a:t>12/06/2024</a:t>
+              <a:t>24/06/2024</a:t>
             </a:fld>
             <a:endParaRPr lang="ko-KR" altLang="en-US"/>
           </a:p>
@@ -4098,7 +3844,7 @@
             </a:pPr>
             <a:fld id="{B9320F77-B9A0-41C5-862A-B4B631284C64}" type="datetime1">
               <a:rPr lang="en-GB" altLang="en-US"/>
-              <a:t>12/06/2024</a:t>
+              <a:t>24/06/2024</a:t>
             </a:fld>
             <a:endParaRPr lang="ko-KR" altLang="en-US"/>
           </a:p>
@@ -4612,1133 +4358,6 @@
 </p:sld>
 </file>
 
-<file path=ppt/slides/slide10.xml><?xml version="1.0" encoding="utf-8"?>
-<p:sld xmlns:a="http://schemas.openxmlformats.org/drawingml/2006/main" xmlns:r="http://schemas.openxmlformats.org/officeDocument/2006/relationships" xmlns:p="http://schemas.openxmlformats.org/presentationml/2006/main">
-  <p:cSld>
-    <p:spTree>
-      <p:nvGrpSpPr>
-        <p:cNvPr id="1" name=""/>
-        <p:cNvGrpSpPr/>
-        <p:nvPr/>
-      </p:nvGrpSpPr>
-      <p:grpSpPr>
-        <a:xfrm>
-          <a:off x="0" y="0"/>
-          <a:ext cx="0" cy="0"/>
-          <a:chOff x="0" y="0"/>
-          <a:chExt cx="0" cy="0"/>
-        </a:xfrm>
-      </p:grpSpPr>
-      <p:sp>
-        <p:nvSpPr>
-          <p:cNvPr id="2" name="제목 1"/>
-          <p:cNvSpPr txBox="1">
-            <a:spLocks noGrp="1"/>
-          </p:cNvSpPr>
-          <p:nvPr>
-            <p:ph type="title"/>
-          </p:nvPr>
-        </p:nvSpPr>
-        <p:spPr>
-          <a:xfrm>
-            <a:off x="839788" y="368301"/>
-            <a:ext cx="10512425" cy="1071562"/>
-          </a:xfrm>
-          <a:prstGeom prst="rect">
-            <a:avLst/>
-          </a:prstGeom>
-        </p:spPr>
-        <p:txBody>
-          <a:bodyPr vert="horz" wrap="square" lIns="91440" tIns="45720" rIns="91440" bIns="45720" numCol="1" anchor="ctr">
-            <a:normAutofit/>
-          </a:bodyPr>
-          <a:lstStyle/>
-          <a:p>
-            <a:pPr marL="0" indent="0" rtl="0" latinLnBrk="0">
-              <a:buFontTx/>
-              <a:buNone/>
-            </a:pPr>
-            <a:r>
-              <a:rPr lang="ko-KR" altLang="en-US" dirty="0"/>
-              <a:t>결론</a:t>
-            </a:r>
-          </a:p>
-        </p:txBody>
-      </p:sp>
-      <p:sp>
-        <p:nvSpPr>
-          <p:cNvPr id="4" name="Rect 0"/>
-          <p:cNvSpPr txBox="1">
-            <a:spLocks noGrp="1"/>
-          </p:cNvSpPr>
-          <p:nvPr>
-            <p:ph type="sldNum" idx="12"/>
-          </p:nvPr>
-        </p:nvSpPr>
-        <p:spPr>
-          <a:xfrm>
-            <a:off x="8610600" y="6356350"/>
-            <a:ext cx="2743835" cy="365760"/>
-          </a:xfrm>
-          <a:prstGeom prst="rect">
-            <a:avLst/>
-          </a:prstGeom>
-        </p:spPr>
-        <p:txBody>
-          <a:bodyPr vert="horz" wrap="square" lIns="91440" tIns="45720" rIns="91440" bIns="45720" anchor="ctr">
-            <a:noAutofit/>
-          </a:bodyPr>
-          <a:lstStyle/>
-          <a:p>
-            <a:pPr marL="0" indent="0" latinLnBrk="0">
-              <a:buFontTx/>
-              <a:buNone/>
-            </a:pPr>
-            <a:fld id="{B9320F77-B9A0-41C5-862A-B4B631284C64}" type="slidenum">
-              <a:rPr lang="ko-KR" altLang="en-US"/>
-              <a:t>10</a:t>
-            </a:fld>
-            <a:endParaRPr lang="ko-KR" altLang="en-US"/>
-          </a:p>
-        </p:txBody>
-      </p:sp>
-      <p:graphicFrame>
-        <p:nvGraphicFramePr>
-          <p:cNvPr id="3" name="표 1">
-            <a:extLst>
-              <a:ext uri="{FF2B5EF4-FFF2-40B4-BE49-F238E27FC236}">
-                <a16:creationId xmlns:a16="http://schemas.microsoft.com/office/drawing/2014/main" id="{FAFCBE83-C24C-A2F0-1A48-5BF6EAB3E091}"/>
-              </a:ext>
-            </a:extLst>
-          </p:cNvPr>
-          <p:cNvGraphicFramePr>
-            <a:graphicFrameLocks noGrp="1"/>
-          </p:cNvGraphicFramePr>
-          <p:nvPr>
-            <p:extLst>
-              <p:ext uri="{D42A27DB-BD31-4B8C-83A1-F6EECF244321}">
-                <p14:modId xmlns:p14="http://schemas.microsoft.com/office/powerpoint/2010/main" val="977091346"/>
-              </p:ext>
-            </p:extLst>
-          </p:nvPr>
-        </p:nvGraphicFramePr>
-        <p:xfrm>
-          <a:off x="839788" y="1439863"/>
-          <a:ext cx="10514647" cy="4437380"/>
-        </p:xfrm>
-        <a:graphic>
-          <a:graphicData uri="http://schemas.openxmlformats.org/drawingml/2006/table">
-            <a:tbl>
-              <a:tblPr firstRow="1" bandRow="1">
-                <a:tableStyleId>{5C22544A-7EE6-4342-B048-85BDC9FD1C3A}</a:tableStyleId>
-              </a:tblPr>
-              <a:tblGrid>
-                <a:gridCol w="10514647">
-                  <a:extLst>
-                    <a:ext uri="{9D8B030D-6E8A-4147-A177-3AD203B41FA5}">
-                      <a16:colId xmlns:a16="http://schemas.microsoft.com/office/drawing/2014/main" val="20000"/>
-                    </a:ext>
-                  </a:extLst>
-                </a:gridCol>
-              </a:tblGrid>
-              <a:tr h="0">
-                <a:tc>
-                  <a:txBody>
-                    <a:bodyPr/>
-                    <a:lstStyle/>
-                    <a:p>
-                      <a:pPr marL="0" indent="0" hangingPunct="1"/>
-                      <a:r>
-                        <a:rPr lang="ko-KR" altLang="en-US" sz="1400" b="0" i="0" kern="1200" dirty="0">
-                          <a:solidFill>
-                            <a:schemeClr val="tx1"/>
-                          </a:solidFill>
-                          <a:latin typeface="맑은 고딕" charset="0"/>
-                          <a:ea typeface="맑은 고딕" charset="0"/>
-                        </a:rPr>
-                        <a:t>카드 게임에서 카드를 설계함에 있어서 카드의 효과가 플레이어에게 부정적인 경험을 가지지 않는 적절한 효과와 적절한 </a:t>
-                      </a:r>
-                      <a:r>
-                        <a:rPr lang="en-US" altLang="ko-KR" sz="1400" b="0" i="0" kern="1200" dirty="0">
-                          <a:solidFill>
-                            <a:schemeClr val="tx1"/>
-                          </a:solidFill>
-                          <a:latin typeface="맑은 고딕" charset="0"/>
-                          <a:ea typeface="맑은 고딕" charset="0"/>
-                        </a:rPr>
-                        <a:t>‘</a:t>
-                      </a:r>
-                      <a:r>
-                        <a:rPr lang="ko-KR" altLang="en-US" sz="1400" b="0" i="0" kern="1200" dirty="0">
-                          <a:solidFill>
-                            <a:schemeClr val="tx1"/>
-                          </a:solidFill>
-                          <a:latin typeface="맑은 고딕" charset="0"/>
-                          <a:ea typeface="맑은 고딕" charset="0"/>
-                        </a:rPr>
-                        <a:t>고유 명사</a:t>
-                      </a:r>
-                      <a:r>
-                        <a:rPr lang="en-US" altLang="ko-KR" sz="1400" b="0" i="0" kern="1200" dirty="0">
-                          <a:solidFill>
-                            <a:schemeClr val="tx1"/>
-                          </a:solidFill>
-                          <a:latin typeface="맑은 고딕" charset="0"/>
-                          <a:ea typeface="맑은 고딕" charset="0"/>
-                        </a:rPr>
-                        <a:t>’</a:t>
-                      </a:r>
-                      <a:r>
-                        <a:rPr lang="ko-KR" altLang="en-US" sz="1400" b="0" i="0" kern="1200" dirty="0">
-                          <a:solidFill>
-                            <a:schemeClr val="tx1"/>
-                          </a:solidFill>
-                          <a:latin typeface="맑은 고딕" charset="0"/>
-                          <a:ea typeface="맑은 고딕" charset="0"/>
-                        </a:rPr>
-                        <a:t>를 활용하여 카드의 효과 텍스트를 축약하여 가독성을 높이고</a:t>
-                      </a:r>
-                      <a:r>
-                        <a:rPr lang="en-US" altLang="ko-KR" sz="1400" b="0" i="0" kern="1200" dirty="0">
-                          <a:solidFill>
-                            <a:schemeClr val="tx1"/>
-                          </a:solidFill>
-                          <a:latin typeface="맑은 고딕" charset="0"/>
-                          <a:ea typeface="맑은 고딕" charset="0"/>
-                        </a:rPr>
-                        <a:t>, </a:t>
-                      </a:r>
-                      <a:r>
-                        <a:rPr lang="ko-KR" altLang="en-US" sz="1400" b="0" i="0" kern="1200" dirty="0">
-                          <a:solidFill>
-                            <a:schemeClr val="tx1"/>
-                          </a:solidFill>
-                          <a:latin typeface="맑은 고딕" charset="0"/>
-                          <a:ea typeface="맑은 고딕" charset="0"/>
-                        </a:rPr>
-                        <a:t>동시에 </a:t>
-                      </a:r>
-                      <a:r>
-                        <a:rPr lang="en-US" altLang="ko-KR" sz="1400" b="0" i="0" kern="1200" dirty="0">
-                          <a:solidFill>
-                            <a:schemeClr val="tx1"/>
-                          </a:solidFill>
-                          <a:latin typeface="맑은 고딕" charset="0"/>
-                          <a:ea typeface="맑은 고딕" charset="0"/>
-                        </a:rPr>
-                        <a:t>‘</a:t>
-                      </a:r>
-                      <a:r>
-                        <a:rPr lang="ko-KR" altLang="en-US" sz="1400" b="0" i="0" kern="1200" dirty="0">
-                          <a:solidFill>
-                            <a:schemeClr val="tx1"/>
-                          </a:solidFill>
-                          <a:latin typeface="맑은 고딕" charset="0"/>
-                          <a:ea typeface="맑은 고딕" charset="0"/>
-                        </a:rPr>
-                        <a:t>고유 명사</a:t>
-                      </a:r>
-                      <a:r>
-                        <a:rPr lang="en-US" altLang="ko-KR" sz="1400" b="0" i="0" kern="1200" dirty="0">
-                          <a:solidFill>
-                            <a:schemeClr val="tx1"/>
-                          </a:solidFill>
-                          <a:latin typeface="맑은 고딕" charset="0"/>
-                          <a:ea typeface="맑은 고딕" charset="0"/>
-                        </a:rPr>
-                        <a:t>’</a:t>
-                      </a:r>
-                      <a:r>
-                        <a:rPr lang="ko-KR" altLang="en-US" sz="1400" b="0" i="0" kern="1200" dirty="0">
-                          <a:solidFill>
-                            <a:schemeClr val="tx1"/>
-                          </a:solidFill>
-                          <a:latin typeface="맑은 고딕" charset="0"/>
-                          <a:ea typeface="맑은 고딕" charset="0"/>
-                        </a:rPr>
-                        <a:t>들의 의미를 플레이어들이 원하는 순간에 확인 할 수 있는 수단을 마련 해야 한다</a:t>
-                      </a:r>
-                      <a:r>
-                        <a:rPr lang="en-US" altLang="ko-KR" sz="1400" b="0" i="0" kern="1200" dirty="0">
-                          <a:solidFill>
-                            <a:schemeClr val="tx1"/>
-                          </a:solidFill>
-                          <a:latin typeface="맑은 고딕" charset="0"/>
-                          <a:ea typeface="맑은 고딕" charset="0"/>
-                        </a:rPr>
-                        <a:t>.</a:t>
-                      </a:r>
-                    </a:p>
-                    <a:p>
-                      <a:pPr marL="0" indent="0" hangingPunct="1"/>
-                      <a:endParaRPr lang="en-US" altLang="ko-KR" sz="1400" b="0" i="0" kern="1200" dirty="0">
-                        <a:solidFill>
-                          <a:schemeClr val="tx1"/>
-                        </a:solidFill>
-                        <a:latin typeface="맑은 고딕" charset="0"/>
-                        <a:ea typeface="맑은 고딕" charset="0"/>
-                      </a:endParaRPr>
-                    </a:p>
-                    <a:p>
-                      <a:pPr marL="0" indent="0" hangingPunct="1"/>
-                      <a:r>
-                        <a:rPr lang="ko-KR" altLang="en-US" sz="1400" b="0" i="0" kern="1200" dirty="0">
-                          <a:solidFill>
-                            <a:schemeClr val="tx1"/>
-                          </a:solidFill>
-                          <a:latin typeface="맑은 고딕" charset="0"/>
-                          <a:ea typeface="맑은 고딕" charset="0"/>
-                        </a:rPr>
-                        <a:t>마지막으로 </a:t>
-                      </a:r>
-                      <a:r>
-                        <a:rPr lang="en-US" altLang="ko-KR" sz="1400" b="0" i="0" kern="1200" dirty="0">
-                          <a:solidFill>
-                            <a:schemeClr val="tx1"/>
-                          </a:solidFill>
-                          <a:latin typeface="맑은 고딕" charset="0"/>
-                          <a:ea typeface="맑은 고딕" charset="0"/>
-                        </a:rPr>
-                        <a:t>‘</a:t>
-                      </a:r>
-                      <a:r>
-                        <a:rPr lang="ko-KR" altLang="en-US" sz="1400" b="0" i="0" kern="1200" dirty="0">
-                          <a:solidFill>
-                            <a:schemeClr val="tx1"/>
-                          </a:solidFill>
-                          <a:latin typeface="맑은 고딕" charset="0"/>
-                          <a:ea typeface="맑은 고딕" charset="0"/>
-                        </a:rPr>
-                        <a:t>하스스톤</a:t>
-                      </a:r>
-                      <a:r>
-                        <a:rPr lang="en-US" altLang="ko-KR" sz="1400" b="0" i="0" kern="1200" dirty="0">
-                          <a:solidFill>
-                            <a:schemeClr val="tx1"/>
-                          </a:solidFill>
-                          <a:latin typeface="맑은 고딕" charset="0"/>
-                          <a:ea typeface="맑은 고딕" charset="0"/>
-                        </a:rPr>
-                        <a:t>’</a:t>
-                      </a:r>
-                      <a:r>
-                        <a:rPr lang="ko-KR" altLang="en-US" sz="1400" b="0" i="0" kern="1200" dirty="0">
-                          <a:solidFill>
-                            <a:schemeClr val="tx1"/>
-                          </a:solidFill>
-                          <a:latin typeface="맑은 고딕" charset="0"/>
-                          <a:ea typeface="맑은 고딕" charset="0"/>
-                        </a:rPr>
-                        <a:t>과</a:t>
-                      </a:r>
-                      <a:r>
-                        <a:rPr lang="en-US" altLang="ko-KR" sz="1400" b="0" i="0" kern="1200" dirty="0">
-                          <a:solidFill>
-                            <a:schemeClr val="tx1"/>
-                          </a:solidFill>
-                          <a:latin typeface="맑은 고딕" charset="0"/>
-                          <a:ea typeface="맑은 고딕" charset="0"/>
-                        </a:rPr>
-                        <a:t> ‘Yu-Gi-Oh Master Duel’</a:t>
-                      </a:r>
-                      <a:r>
-                        <a:rPr lang="ko-KR" altLang="en-US" sz="1400" b="0" i="0" kern="1200" dirty="0">
-                          <a:solidFill>
-                            <a:schemeClr val="tx1"/>
-                          </a:solidFill>
-                          <a:latin typeface="맑은 고딕" charset="0"/>
-                          <a:ea typeface="맑은 고딕" charset="0"/>
-                        </a:rPr>
-                        <a:t>에서 해당 문제들이 발생한 이유는 다음과 같다</a:t>
-                      </a:r>
-                      <a:r>
-                        <a:rPr lang="en-US" altLang="ko-KR" sz="1400" b="0" i="0" kern="1200" dirty="0">
-                          <a:solidFill>
-                            <a:schemeClr val="tx1"/>
-                          </a:solidFill>
-                          <a:latin typeface="맑은 고딕" charset="0"/>
-                          <a:ea typeface="맑은 고딕" charset="0"/>
-                        </a:rPr>
-                        <a:t>.</a:t>
-                      </a:r>
-                    </a:p>
-                    <a:p>
-                      <a:pPr marL="0" indent="0" hangingPunct="1"/>
-                      <a:r>
-                        <a:rPr lang="en-US" altLang="ko-KR" sz="1400" b="0" i="0" kern="1200" dirty="0">
-                          <a:solidFill>
-                            <a:schemeClr val="tx1"/>
-                          </a:solidFill>
-                          <a:latin typeface="맑은 고딕" charset="0"/>
-                          <a:ea typeface="맑은 고딕" charset="0"/>
-                        </a:rPr>
-                        <a:t>‘</a:t>
-                      </a:r>
-                      <a:r>
-                        <a:rPr lang="ko-KR" altLang="en-US" sz="1400" b="0" i="0" kern="1200" dirty="0">
-                          <a:solidFill>
-                            <a:schemeClr val="tx1"/>
-                          </a:solidFill>
-                          <a:latin typeface="맑은 고딕" charset="0"/>
-                          <a:ea typeface="맑은 고딕" charset="0"/>
-                        </a:rPr>
-                        <a:t>하스스톤</a:t>
-                      </a:r>
-                      <a:r>
-                        <a:rPr lang="en-US" altLang="ko-KR" sz="1400" b="0" i="0" kern="1200" dirty="0">
-                          <a:solidFill>
-                            <a:schemeClr val="tx1"/>
-                          </a:solidFill>
-                          <a:latin typeface="맑은 고딕" charset="0"/>
-                          <a:ea typeface="맑은 고딕" charset="0"/>
-                        </a:rPr>
-                        <a:t>’</a:t>
-                      </a:r>
-                      <a:r>
-                        <a:rPr lang="ko-KR" altLang="en-US" sz="1400" b="0" i="0" kern="1200" dirty="0">
-                          <a:solidFill>
-                            <a:schemeClr val="tx1"/>
-                          </a:solidFill>
-                          <a:latin typeface="맑은 고딕" charset="0"/>
-                          <a:ea typeface="맑은 고딕" charset="0"/>
-                        </a:rPr>
-                        <a:t>의 경우 게임의 근본을 온라인 환경에 두고 만들었기 때문에 카드의 효과를 설계할 때 오프라인 환경에서는 구현할 수 없는 효과를 만들 때 큰 문제가 없었을 것이다</a:t>
-                      </a:r>
-                      <a:r>
-                        <a:rPr lang="en-US" altLang="ko-KR" sz="1400" b="0" i="0" kern="1200" dirty="0">
-                          <a:solidFill>
-                            <a:schemeClr val="tx1"/>
-                          </a:solidFill>
-                          <a:latin typeface="맑은 고딕" charset="0"/>
-                          <a:ea typeface="맑은 고딕" charset="0"/>
-                        </a:rPr>
-                        <a:t>. </a:t>
-                      </a:r>
-                      <a:r>
-                        <a:rPr lang="ko-KR" altLang="en-US" sz="1400" b="0" i="0" kern="1200" dirty="0">
-                          <a:solidFill>
-                            <a:schemeClr val="tx1"/>
-                          </a:solidFill>
-                          <a:latin typeface="맑은 고딕" charset="0"/>
-                          <a:ea typeface="맑은 고딕" charset="0"/>
-                        </a:rPr>
-                        <a:t>그렇기에 </a:t>
-                      </a:r>
-                      <a:r>
-                        <a:rPr lang="en-US" altLang="ko-KR" sz="1400" b="0" i="0" kern="1200" dirty="0">
-                          <a:solidFill>
-                            <a:schemeClr val="tx1"/>
-                          </a:solidFill>
-                          <a:latin typeface="맑은 고딕" charset="0"/>
-                          <a:ea typeface="맑은 고딕" charset="0"/>
-                        </a:rPr>
-                        <a:t>‘</a:t>
-                      </a:r>
-                      <a:r>
-                        <a:rPr lang="ko-KR" altLang="en-US" sz="1400" b="0" i="0" kern="1200" dirty="0">
-                          <a:solidFill>
-                            <a:schemeClr val="tx1"/>
-                          </a:solidFill>
-                          <a:latin typeface="맑은 고딕" charset="0"/>
-                          <a:ea typeface="맑은 고딕" charset="0"/>
-                        </a:rPr>
-                        <a:t>하스스톤</a:t>
-                      </a:r>
-                      <a:r>
-                        <a:rPr lang="en-US" altLang="ko-KR" sz="1400" b="0" i="0" kern="1200" dirty="0">
-                          <a:solidFill>
-                            <a:schemeClr val="tx1"/>
-                          </a:solidFill>
-                          <a:latin typeface="맑은 고딕" charset="0"/>
-                          <a:ea typeface="맑은 고딕" charset="0"/>
-                        </a:rPr>
-                        <a:t>’</a:t>
-                      </a:r>
-                      <a:r>
-                        <a:rPr lang="ko-KR" altLang="en-US" sz="1400" b="0" i="0" kern="1200" dirty="0">
-                          <a:solidFill>
-                            <a:schemeClr val="tx1"/>
-                          </a:solidFill>
-                          <a:latin typeface="맑은 고딕" charset="0"/>
-                          <a:ea typeface="맑은 고딕" charset="0"/>
-                        </a:rPr>
-                        <a:t>의 카드 디자인에는 현실에서 구현할 수 없는 요소</a:t>
-                      </a:r>
-                      <a:r>
-                        <a:rPr lang="en-US" altLang="ko-KR" sz="1400" b="0" i="0" kern="1200" dirty="0">
-                          <a:solidFill>
-                            <a:schemeClr val="tx1"/>
-                          </a:solidFill>
-                          <a:latin typeface="맑은 고딕" charset="0"/>
-                          <a:ea typeface="맑은 고딕" charset="0"/>
-                        </a:rPr>
-                        <a:t>(</a:t>
-                      </a:r>
-                      <a:r>
-                        <a:rPr lang="ko-KR" altLang="en-US" sz="1400" b="0" i="0" kern="1200" dirty="0">
-                          <a:solidFill>
-                            <a:schemeClr val="tx1"/>
-                          </a:solidFill>
-                          <a:latin typeface="맑은 고딕" charset="0"/>
-                          <a:ea typeface="맑은 고딕" charset="0"/>
-                        </a:rPr>
-                        <a:t>카드 생성</a:t>
-                      </a:r>
-                      <a:r>
-                        <a:rPr lang="en-US" altLang="ko-KR" sz="1400" b="0" i="0" kern="1200" dirty="0">
-                          <a:solidFill>
-                            <a:schemeClr val="tx1"/>
-                          </a:solidFill>
-                          <a:latin typeface="맑은 고딕" charset="0"/>
-                          <a:ea typeface="맑은 고딕" charset="0"/>
-                        </a:rPr>
-                        <a:t>, </a:t>
-                      </a:r>
-                      <a:r>
-                        <a:rPr lang="ko-KR" altLang="en-US" sz="1400" b="0" i="0" kern="1200" dirty="0">
-                          <a:solidFill>
-                            <a:schemeClr val="tx1"/>
-                          </a:solidFill>
-                          <a:latin typeface="맑은 고딕" charset="0"/>
-                          <a:ea typeface="맑은 고딕" charset="0"/>
-                        </a:rPr>
-                        <a:t>카드 변환</a:t>
-                      </a:r>
-                      <a:r>
-                        <a:rPr lang="en-US" altLang="ko-KR" sz="1400" b="0" i="0" kern="1200" dirty="0">
-                          <a:solidFill>
-                            <a:schemeClr val="tx1"/>
-                          </a:solidFill>
-                          <a:latin typeface="맑은 고딕" charset="0"/>
-                          <a:ea typeface="맑은 고딕" charset="0"/>
-                        </a:rPr>
-                        <a:t> </a:t>
-                      </a:r>
-                      <a:r>
-                        <a:rPr lang="ko-KR" altLang="en-US" sz="1400" b="0" i="0" kern="1200" dirty="0">
-                          <a:solidFill>
-                            <a:schemeClr val="tx1"/>
-                          </a:solidFill>
-                          <a:latin typeface="맑은 고딕" charset="0"/>
-                          <a:ea typeface="맑은 고딕" charset="0"/>
-                        </a:rPr>
-                        <a:t>등</a:t>
-                      </a:r>
-                      <a:r>
-                        <a:rPr lang="en-US" altLang="ko-KR" sz="1400" b="0" i="0" kern="1200" dirty="0">
-                          <a:solidFill>
-                            <a:schemeClr val="tx1"/>
-                          </a:solidFill>
-                          <a:latin typeface="맑은 고딕" charset="0"/>
-                          <a:ea typeface="맑은 고딕" charset="0"/>
-                        </a:rPr>
-                        <a:t>)</a:t>
-                      </a:r>
-                      <a:r>
-                        <a:rPr lang="ko-KR" altLang="en-US" sz="1400" b="0" i="0" kern="1200" dirty="0">
-                          <a:solidFill>
-                            <a:schemeClr val="tx1"/>
-                          </a:solidFill>
-                          <a:latin typeface="맑은 고딕" charset="0"/>
-                          <a:ea typeface="맑은 고딕" charset="0"/>
-                        </a:rPr>
-                        <a:t>들을 넣게 되었고 이 요소들이 현재 문제가 된 것이다</a:t>
-                      </a:r>
-                      <a:r>
-                        <a:rPr lang="en-US" altLang="ko-KR" sz="1400" b="0" i="0" kern="1200" dirty="0">
-                          <a:solidFill>
-                            <a:schemeClr val="tx1"/>
-                          </a:solidFill>
-                          <a:latin typeface="맑은 고딕" charset="0"/>
-                          <a:ea typeface="맑은 고딕" charset="0"/>
-                        </a:rPr>
-                        <a:t>.</a:t>
-                      </a:r>
-                    </a:p>
-                    <a:p>
-                      <a:pPr marL="0" indent="0" hangingPunct="1"/>
-                      <a:endParaRPr lang="en-US" altLang="ko-KR" sz="1400" b="0" i="0" kern="1200" dirty="0">
-                        <a:solidFill>
-                          <a:schemeClr val="tx1"/>
-                        </a:solidFill>
-                        <a:latin typeface="맑은 고딕" charset="0"/>
-                        <a:ea typeface="맑은 고딕" charset="0"/>
-                      </a:endParaRPr>
-                    </a:p>
-                    <a:p>
-                      <a:pPr marL="0" indent="0" hangingPunct="1"/>
-                      <a:r>
-                        <a:rPr lang="en-US" altLang="ko-KR" sz="1400" b="0" i="0" kern="1200" dirty="0">
-                          <a:solidFill>
-                            <a:schemeClr val="tx1"/>
-                          </a:solidFill>
-                          <a:latin typeface="맑은 고딕" charset="0"/>
-                          <a:ea typeface="맑은 고딕" charset="0"/>
-                        </a:rPr>
-                        <a:t>‘Yu-Gi-Oh Master Duel’</a:t>
-                      </a:r>
-                      <a:r>
-                        <a:rPr lang="ko-KR" altLang="en-US" sz="1400" b="0" i="0" kern="1200" dirty="0">
-                          <a:solidFill>
-                            <a:schemeClr val="tx1"/>
-                          </a:solidFill>
-                          <a:latin typeface="맑은 고딕" charset="0"/>
-                          <a:ea typeface="맑은 고딕" charset="0"/>
-                        </a:rPr>
-                        <a:t>의 경우 게임의 근본을 오프라인 보드 게임인 </a:t>
-                      </a:r>
-                      <a:r>
-                        <a:rPr lang="en-US" altLang="ko-KR" sz="1400" b="0" i="0" kern="1200" dirty="0">
-                          <a:solidFill>
-                            <a:schemeClr val="tx1"/>
-                          </a:solidFill>
-                          <a:latin typeface="맑은 고딕" charset="0"/>
-                          <a:ea typeface="맑은 고딕" charset="0"/>
-                        </a:rPr>
-                        <a:t>‘</a:t>
-                      </a:r>
-                      <a:r>
-                        <a:rPr lang="ko-KR" altLang="en-US" sz="1400" b="0" i="0" kern="1200" dirty="0">
-                          <a:solidFill>
-                            <a:schemeClr val="tx1"/>
-                          </a:solidFill>
-                          <a:latin typeface="맑은 고딕" charset="0"/>
-                          <a:ea typeface="맑은 고딕" charset="0"/>
-                        </a:rPr>
-                        <a:t>유희왕 오피셜 카드 게임</a:t>
-                      </a:r>
-                      <a:r>
-                        <a:rPr lang="en-US" altLang="ko-KR" sz="1400" b="0" i="0" kern="1200" dirty="0">
-                          <a:solidFill>
-                            <a:schemeClr val="tx1"/>
-                          </a:solidFill>
-                          <a:latin typeface="맑은 고딕" charset="0"/>
-                          <a:ea typeface="맑은 고딕" charset="0"/>
-                        </a:rPr>
-                        <a:t>(ocg)’</a:t>
-                      </a:r>
-                      <a:r>
-                        <a:rPr lang="ko-KR" altLang="en-US" sz="1400" b="0" i="0" kern="1200" dirty="0">
-                          <a:solidFill>
-                            <a:schemeClr val="tx1"/>
-                          </a:solidFill>
-                          <a:latin typeface="맑은 고딕" charset="0"/>
-                          <a:ea typeface="맑은 고딕" charset="0"/>
-                        </a:rPr>
-                        <a:t>에</a:t>
-                      </a:r>
-                      <a:r>
-                        <a:rPr lang="en-US" altLang="ko-KR" sz="1400" b="0" i="0" kern="1200" dirty="0">
-                          <a:solidFill>
-                            <a:schemeClr val="tx1"/>
-                          </a:solidFill>
-                          <a:latin typeface="맑은 고딕" charset="0"/>
-                          <a:ea typeface="맑은 고딕" charset="0"/>
-                        </a:rPr>
-                        <a:t> </a:t>
-                      </a:r>
-                      <a:r>
-                        <a:rPr lang="ko-KR" altLang="en-US" sz="1400" b="0" i="0" kern="1200" dirty="0">
-                          <a:solidFill>
-                            <a:schemeClr val="tx1"/>
-                          </a:solidFill>
-                          <a:latin typeface="맑은 고딕" charset="0"/>
-                          <a:ea typeface="맑은 고딕" charset="0"/>
-                        </a:rPr>
-                        <a:t>두고 있고 해당 보드 게임을 온라인에서 플레이할 수 있게 만든 것이다</a:t>
-                      </a:r>
-                      <a:r>
-                        <a:rPr lang="en-US" altLang="ko-KR" sz="1400" b="0" i="0" kern="1200" dirty="0">
-                          <a:solidFill>
-                            <a:schemeClr val="tx1"/>
-                          </a:solidFill>
-                          <a:latin typeface="맑은 고딕" charset="0"/>
-                          <a:ea typeface="맑은 고딕" charset="0"/>
-                        </a:rPr>
-                        <a:t>. </a:t>
-                      </a:r>
-                      <a:r>
-                        <a:rPr lang="ko-KR" altLang="en-US" sz="1400" b="0" i="0" kern="1200" dirty="0">
-                          <a:solidFill>
-                            <a:schemeClr val="tx1"/>
-                          </a:solidFill>
-                          <a:latin typeface="맑은 고딕" charset="0"/>
-                          <a:ea typeface="맑은 고딕" charset="0"/>
-                        </a:rPr>
-                        <a:t>오프라인 환경에서 카드의 다양한 효과를 구현하기 위해서는 자연스럽게 텍스트가 길어지게 되어 있고 시간이 흐르며</a:t>
-                      </a:r>
-                      <a:r>
-                        <a:rPr lang="en-US" altLang="ko-KR" sz="1400" b="0" i="0" kern="1200" dirty="0">
-                          <a:solidFill>
-                            <a:schemeClr val="tx1"/>
-                          </a:solidFill>
-                          <a:latin typeface="맑은 고딕" charset="0"/>
-                          <a:ea typeface="맑은 고딕" charset="0"/>
-                        </a:rPr>
-                        <a:t> </a:t>
-                      </a:r>
-                      <a:r>
-                        <a:rPr lang="ko-KR" altLang="en-US" sz="1400" b="0" i="0" kern="1200" dirty="0">
-                          <a:solidFill>
-                            <a:schemeClr val="tx1"/>
-                          </a:solidFill>
-                          <a:latin typeface="맑은 고딕" charset="0"/>
-                          <a:ea typeface="맑은 고딕" charset="0"/>
-                        </a:rPr>
-                        <a:t>다양한 효과들이 만들어지며 텍스트의 길이가 점점 길어져 현재에 이르게 되었다</a:t>
-                      </a:r>
-                      <a:r>
-                        <a:rPr lang="en-US" altLang="ko-KR" sz="1400" b="0" i="0" kern="1200" dirty="0">
-                          <a:solidFill>
-                            <a:schemeClr val="tx1"/>
-                          </a:solidFill>
-                          <a:latin typeface="맑은 고딕" charset="0"/>
-                          <a:ea typeface="맑은 고딕" charset="0"/>
-                        </a:rPr>
-                        <a:t>.</a:t>
-                      </a:r>
-                    </a:p>
-                    <a:p>
-                      <a:pPr marL="0" indent="0" hangingPunct="1"/>
-                      <a:r>
-                        <a:rPr lang="ko-KR" altLang="en-US" sz="1400" b="0" i="0" kern="1200" dirty="0">
-                          <a:solidFill>
-                            <a:schemeClr val="tx1"/>
-                          </a:solidFill>
-                          <a:latin typeface="맑은 고딕" charset="0"/>
-                          <a:ea typeface="맑은 고딕" charset="0"/>
-                        </a:rPr>
-                        <a:t>또한 오프라인의 실물 카드들을 기본으로 하기 때문에 </a:t>
-                      </a:r>
-                      <a:r>
-                        <a:rPr lang="en-US" altLang="ko-KR" sz="1400" b="0" i="0" kern="1200" dirty="0">
-                          <a:solidFill>
-                            <a:schemeClr val="tx1"/>
-                          </a:solidFill>
-                          <a:latin typeface="맑은 고딕" charset="0"/>
-                          <a:ea typeface="맑은 고딕" charset="0"/>
-                        </a:rPr>
-                        <a:t>‘</a:t>
-                      </a:r>
-                      <a:r>
-                        <a:rPr lang="ko-KR" altLang="en-US" sz="1400" b="0" i="0" kern="1200" dirty="0">
-                          <a:solidFill>
-                            <a:schemeClr val="tx1"/>
-                          </a:solidFill>
-                          <a:latin typeface="맑은 고딕" charset="0"/>
-                          <a:ea typeface="맑은 고딕" charset="0"/>
-                        </a:rPr>
-                        <a:t>고유 명사</a:t>
-                      </a:r>
-                      <a:r>
-                        <a:rPr lang="en-US" altLang="ko-KR" sz="1400" b="0" i="0" kern="1200" dirty="0">
-                          <a:solidFill>
-                            <a:schemeClr val="tx1"/>
-                          </a:solidFill>
-                          <a:latin typeface="맑은 고딕" charset="0"/>
-                          <a:ea typeface="맑은 고딕" charset="0"/>
-                        </a:rPr>
-                        <a:t>’</a:t>
-                      </a:r>
-                      <a:r>
-                        <a:rPr lang="ko-KR" altLang="en-US" sz="1400" b="0" i="0" kern="1200" dirty="0">
-                          <a:solidFill>
-                            <a:schemeClr val="tx1"/>
-                          </a:solidFill>
-                          <a:latin typeface="맑은 고딕" charset="0"/>
-                          <a:ea typeface="맑은 고딕" charset="0"/>
-                        </a:rPr>
-                        <a:t>를 추가 할 경우 이전에 발매된 카드들을 모두 수정할 수 없기 때문에 해당 방법을 사용할 수 없었다</a:t>
-                      </a:r>
-                      <a:r>
-                        <a:rPr lang="en-US" altLang="ko-KR" sz="1400" b="0" i="0" kern="1200" dirty="0">
-                          <a:solidFill>
-                            <a:schemeClr val="tx1"/>
-                          </a:solidFill>
-                          <a:latin typeface="맑은 고딕" charset="0"/>
-                          <a:ea typeface="맑은 고딕" charset="0"/>
-                        </a:rPr>
-                        <a:t>.</a:t>
-                      </a:r>
-                    </a:p>
-                    <a:p>
-                      <a:pPr marL="0" indent="0" hangingPunct="1"/>
-                      <a:endParaRPr lang="en-US" altLang="ko-KR" sz="1400" b="0" i="0" kern="1200" dirty="0">
-                        <a:solidFill>
-                          <a:schemeClr val="tx1"/>
-                        </a:solidFill>
-                        <a:latin typeface="맑은 고딕" charset="0"/>
-                        <a:ea typeface="맑은 고딕" charset="0"/>
-                      </a:endParaRPr>
-                    </a:p>
-                    <a:p>
-                      <a:pPr marL="0" indent="0" hangingPunct="1"/>
-                      <a:r>
-                        <a:rPr lang="ko-KR" altLang="en-US" sz="1400" b="0" i="0" kern="1200" dirty="0">
-                          <a:solidFill>
-                            <a:schemeClr val="tx1"/>
-                          </a:solidFill>
-                          <a:latin typeface="맑은 고딕" charset="0"/>
-                          <a:ea typeface="맑은 고딕" charset="0"/>
-                        </a:rPr>
-                        <a:t>반대로 </a:t>
-                      </a:r>
-                      <a:r>
-                        <a:rPr lang="en-US" altLang="ko-KR" sz="1400" b="0" i="0" kern="1200" dirty="0">
-                          <a:solidFill>
-                            <a:schemeClr val="tx1"/>
-                          </a:solidFill>
-                          <a:latin typeface="맑은 고딕" charset="0"/>
-                          <a:ea typeface="맑은 고딕" charset="0"/>
-                        </a:rPr>
-                        <a:t>‘Shadowverse’ </a:t>
-                      </a:r>
-                      <a:r>
-                        <a:rPr lang="ko-KR" altLang="en-US" sz="1400" b="0" i="0" kern="1200" dirty="0">
-                          <a:solidFill>
-                            <a:schemeClr val="tx1"/>
-                          </a:solidFill>
-                          <a:latin typeface="맑은 고딕" charset="0"/>
-                          <a:ea typeface="맑은 고딕" charset="0"/>
-                        </a:rPr>
-                        <a:t>같은 경우에는 앞선 </a:t>
-                      </a:r>
-                      <a:r>
-                        <a:rPr lang="en-US" altLang="ko-KR" sz="1400" b="0" i="0" kern="1200" dirty="0">
-                          <a:solidFill>
-                            <a:schemeClr val="tx1"/>
-                          </a:solidFill>
-                          <a:latin typeface="맑은 고딕" charset="0"/>
-                          <a:ea typeface="맑은 고딕" charset="0"/>
-                        </a:rPr>
-                        <a:t>2</a:t>
-                      </a:r>
-                      <a:r>
-                        <a:rPr lang="ko-KR" altLang="en-US" sz="1400" b="0" i="0" kern="1200" dirty="0">
-                          <a:solidFill>
-                            <a:schemeClr val="tx1"/>
-                          </a:solidFill>
-                          <a:latin typeface="맑은 고딕" charset="0"/>
-                          <a:ea typeface="맑은 고딕" charset="0"/>
-                        </a:rPr>
-                        <a:t>개의 게임보다 늦게 출시 되어 해당 문제들을 이미 인지하고 있었기에 이러한 문제들이 발생하기 않았다</a:t>
-                      </a:r>
-                      <a:r>
-                        <a:rPr lang="en-US" altLang="ko-KR" sz="1400" b="0" i="0" kern="1200" dirty="0">
-                          <a:solidFill>
-                            <a:schemeClr val="tx1"/>
-                          </a:solidFill>
-                          <a:latin typeface="맑은 고딕" charset="0"/>
-                          <a:ea typeface="맑은 고딕" charset="0"/>
-                        </a:rPr>
-                        <a:t>.</a:t>
-                      </a:r>
-                    </a:p>
-                    <a:p>
-                      <a:pPr marL="0" indent="0" hangingPunct="1"/>
-                      <a:endParaRPr lang="en-US" altLang="ko-KR" sz="1400" b="0" i="0" kern="1200" dirty="0">
-                        <a:solidFill>
-                          <a:schemeClr val="tx1"/>
-                        </a:solidFill>
-                        <a:latin typeface="맑은 고딕" charset="0"/>
-                        <a:ea typeface="맑은 고딕" charset="0"/>
-                      </a:endParaRPr>
-                    </a:p>
-                    <a:p>
-                      <a:pPr marL="0" indent="0" algn="r" hangingPunct="1"/>
-                      <a:r>
-                        <a:rPr lang="en-US" altLang="ko-KR" sz="1100" b="0" i="0" kern="1200" dirty="0">
-                          <a:solidFill>
-                            <a:schemeClr val="tx1"/>
-                          </a:solidFill>
-                          <a:latin typeface="맑은 고딕" charset="0"/>
-                          <a:ea typeface="맑은 고딕" charset="0"/>
-                        </a:rPr>
-                        <a:t>‘</a:t>
-                      </a:r>
-                      <a:r>
-                        <a:rPr lang="ko-KR" altLang="en-US" sz="1100" b="0" i="0" kern="1200" dirty="0">
-                          <a:solidFill>
-                            <a:schemeClr val="tx1"/>
-                          </a:solidFill>
-                          <a:latin typeface="맑은 고딕" charset="0"/>
-                          <a:ea typeface="맑은 고딕" charset="0"/>
-                        </a:rPr>
-                        <a:t>유희왕 오피셜 카드 게임</a:t>
-                      </a:r>
-                      <a:r>
-                        <a:rPr lang="en-US" altLang="ko-KR" sz="1100" b="0" i="0" kern="1200" dirty="0">
-                          <a:solidFill>
-                            <a:schemeClr val="tx1"/>
-                          </a:solidFill>
-                          <a:latin typeface="맑은 고딕" charset="0"/>
-                          <a:ea typeface="맑은 고딕" charset="0"/>
-                        </a:rPr>
-                        <a:t>(ocg)’ 2000</a:t>
-                      </a:r>
-                      <a:r>
-                        <a:rPr lang="ko-KR" altLang="en-US" sz="1100" b="0" i="0" kern="1200" dirty="0">
-                          <a:solidFill>
-                            <a:schemeClr val="tx1"/>
-                          </a:solidFill>
-                          <a:latin typeface="맑은 고딕" charset="0"/>
-                          <a:ea typeface="맑은 고딕" charset="0"/>
-                        </a:rPr>
-                        <a:t>년 </a:t>
-                      </a:r>
-                      <a:r>
-                        <a:rPr lang="en-US" altLang="ko-KR" sz="1100" b="0" i="0" kern="1200" dirty="0">
-                          <a:solidFill>
-                            <a:schemeClr val="tx1"/>
-                          </a:solidFill>
-                          <a:latin typeface="맑은 고딕" charset="0"/>
-                          <a:ea typeface="맑은 고딕" charset="0"/>
-                        </a:rPr>
-                        <a:t>5</a:t>
-                      </a:r>
-                      <a:r>
-                        <a:rPr lang="ko-KR" altLang="en-US" sz="1100" b="0" i="0" kern="1200" dirty="0">
-                          <a:solidFill>
-                            <a:schemeClr val="tx1"/>
-                          </a:solidFill>
-                          <a:latin typeface="맑은 고딕" charset="0"/>
-                          <a:ea typeface="맑은 고딕" charset="0"/>
-                        </a:rPr>
-                        <a:t>월 </a:t>
-                      </a:r>
-                      <a:r>
-                        <a:rPr lang="en-US" altLang="ko-KR" sz="1100" b="0" i="0" kern="1200" dirty="0">
-                          <a:solidFill>
-                            <a:schemeClr val="tx1"/>
-                          </a:solidFill>
-                          <a:latin typeface="맑은 고딕" charset="0"/>
-                          <a:ea typeface="맑은 고딕" charset="0"/>
-                        </a:rPr>
-                        <a:t>18</a:t>
-                      </a:r>
-                      <a:r>
-                        <a:rPr lang="ko-KR" altLang="en-US" sz="1100" b="0" i="0" kern="1200" dirty="0">
-                          <a:solidFill>
-                            <a:schemeClr val="tx1"/>
-                          </a:solidFill>
-                          <a:latin typeface="맑은 고딕" charset="0"/>
-                          <a:ea typeface="맑은 고딕" charset="0"/>
-                        </a:rPr>
-                        <a:t>일 첫 부스터 팩 발매</a:t>
-                      </a:r>
-                      <a:endParaRPr lang="en-US" altLang="ko-KR" sz="1100" b="0" i="0" kern="1200" dirty="0">
-                        <a:solidFill>
-                          <a:schemeClr val="tx1"/>
-                        </a:solidFill>
-                        <a:latin typeface="맑은 고딕" charset="0"/>
-                        <a:ea typeface="맑은 고딕" charset="0"/>
-                      </a:endParaRPr>
-                    </a:p>
-                    <a:p>
-                      <a:pPr marL="0" indent="0" algn="r" hangingPunct="1"/>
-                      <a:r>
-                        <a:rPr lang="en-US" altLang="ko-KR" sz="1100" b="0" i="0" kern="1200" dirty="0">
-                          <a:solidFill>
-                            <a:schemeClr val="tx1"/>
-                          </a:solidFill>
-                          <a:latin typeface="맑은 고딕" charset="0"/>
-                          <a:ea typeface="맑은 고딕" charset="0"/>
-                        </a:rPr>
-                        <a:t>‘</a:t>
-                      </a:r>
-                      <a:r>
-                        <a:rPr lang="ko-KR" altLang="en-US" sz="1100" b="0" i="0" kern="1200" dirty="0">
-                          <a:solidFill>
-                            <a:schemeClr val="tx1"/>
-                          </a:solidFill>
-                          <a:latin typeface="맑은 고딕" charset="0"/>
-                          <a:ea typeface="맑은 고딕" charset="0"/>
-                        </a:rPr>
-                        <a:t>하스스톤</a:t>
-                      </a:r>
-                      <a:r>
-                        <a:rPr lang="en-US" altLang="ko-KR" sz="1100" b="0" i="0" kern="1200" dirty="0">
-                          <a:solidFill>
-                            <a:schemeClr val="tx1"/>
-                          </a:solidFill>
-                          <a:latin typeface="맑은 고딕" charset="0"/>
-                          <a:ea typeface="맑은 고딕" charset="0"/>
-                        </a:rPr>
-                        <a:t>’ 2014</a:t>
-                      </a:r>
-                      <a:r>
-                        <a:rPr lang="ko-KR" altLang="en-US" sz="1100" b="0" i="0" kern="1200" dirty="0">
-                          <a:solidFill>
-                            <a:schemeClr val="tx1"/>
-                          </a:solidFill>
-                          <a:latin typeface="맑은 고딕" charset="0"/>
-                          <a:ea typeface="맑은 고딕" charset="0"/>
-                        </a:rPr>
-                        <a:t>년 </a:t>
-                      </a:r>
-                      <a:r>
-                        <a:rPr lang="en-US" altLang="ko-KR" sz="1100" b="0" i="0" kern="1200" dirty="0">
-                          <a:solidFill>
-                            <a:schemeClr val="tx1"/>
-                          </a:solidFill>
-                          <a:latin typeface="맑은 고딕" charset="0"/>
-                          <a:ea typeface="맑은 고딕" charset="0"/>
-                        </a:rPr>
-                        <a:t>1</a:t>
-                      </a:r>
-                      <a:r>
-                        <a:rPr lang="ko-KR" altLang="en-US" sz="1100" b="0" i="0" kern="1200" dirty="0">
-                          <a:solidFill>
-                            <a:schemeClr val="tx1"/>
-                          </a:solidFill>
-                          <a:latin typeface="맑은 고딕" charset="0"/>
-                          <a:ea typeface="맑은 고딕" charset="0"/>
-                        </a:rPr>
-                        <a:t>월 </a:t>
-                      </a:r>
-                      <a:r>
-                        <a:rPr lang="en-US" altLang="ko-KR" sz="1100" b="0" i="0" kern="1200" dirty="0">
-                          <a:solidFill>
-                            <a:schemeClr val="tx1"/>
-                          </a:solidFill>
-                          <a:latin typeface="맑은 고딕" charset="0"/>
-                          <a:ea typeface="맑은 고딕" charset="0"/>
-                        </a:rPr>
-                        <a:t>24</a:t>
-                      </a:r>
-                      <a:r>
-                        <a:rPr lang="ko-KR" altLang="en-US" sz="1100" b="0" i="0" kern="1200" dirty="0">
-                          <a:solidFill>
-                            <a:schemeClr val="tx1"/>
-                          </a:solidFill>
-                          <a:latin typeface="맑은 고딕" charset="0"/>
-                          <a:ea typeface="맑은 고딕" charset="0"/>
-                        </a:rPr>
-                        <a:t>일 오픈 베타 시작</a:t>
-                      </a:r>
-                      <a:endParaRPr lang="en-US" altLang="ko-KR" sz="1100" b="0" i="0" kern="1200" dirty="0">
-                        <a:solidFill>
-                          <a:schemeClr val="tx1"/>
-                        </a:solidFill>
-                        <a:latin typeface="맑은 고딕" charset="0"/>
-                        <a:ea typeface="맑은 고딕" charset="0"/>
-                      </a:endParaRPr>
-                    </a:p>
-                    <a:p>
-                      <a:pPr marL="0" indent="0" algn="r" hangingPunct="1"/>
-                      <a:r>
-                        <a:rPr lang="en-US" altLang="ko-KR" sz="1100" b="0" i="0" kern="1200" dirty="0">
-                          <a:solidFill>
-                            <a:schemeClr val="tx1"/>
-                          </a:solidFill>
-                          <a:latin typeface="맑은 고딕" charset="0"/>
-                          <a:ea typeface="맑은 고딕" charset="0"/>
-                        </a:rPr>
-                        <a:t>‘Shadowverse’  2016</a:t>
-                      </a:r>
-                      <a:r>
-                        <a:rPr lang="ko-KR" altLang="en-US" sz="1100" b="0" i="0" kern="1200" dirty="0">
-                          <a:solidFill>
-                            <a:schemeClr val="tx1"/>
-                          </a:solidFill>
-                          <a:latin typeface="맑은 고딕" charset="0"/>
-                          <a:ea typeface="맑은 고딕" charset="0"/>
-                        </a:rPr>
-                        <a:t>년 </a:t>
-                      </a:r>
-                      <a:r>
-                        <a:rPr lang="en-US" altLang="ko-KR" sz="1100" b="0" i="0" kern="1200" dirty="0">
-                          <a:solidFill>
-                            <a:schemeClr val="tx1"/>
-                          </a:solidFill>
-                          <a:latin typeface="맑은 고딕" charset="0"/>
-                          <a:ea typeface="맑은 고딕" charset="0"/>
-                        </a:rPr>
-                        <a:t>6</a:t>
-                      </a:r>
-                      <a:r>
-                        <a:rPr lang="ko-KR" altLang="en-US" sz="1100" b="0" i="0" kern="1200" dirty="0">
-                          <a:solidFill>
-                            <a:schemeClr val="tx1"/>
-                          </a:solidFill>
-                          <a:latin typeface="맑은 고딕" charset="0"/>
-                          <a:ea typeface="맑은 고딕" charset="0"/>
-                        </a:rPr>
-                        <a:t>월 </a:t>
-                      </a:r>
-                      <a:r>
-                        <a:rPr lang="en-US" altLang="ko-KR" sz="1100" b="0" i="0" kern="1200" dirty="0">
-                          <a:solidFill>
-                            <a:schemeClr val="tx1"/>
-                          </a:solidFill>
-                          <a:latin typeface="맑은 고딕" charset="0"/>
-                          <a:ea typeface="맑은 고딕" charset="0"/>
-                        </a:rPr>
-                        <a:t>17</a:t>
-                      </a:r>
-                      <a:r>
-                        <a:rPr lang="ko-KR" altLang="en-US" sz="1100" b="0" i="0" kern="1200" dirty="0">
-                          <a:solidFill>
-                            <a:schemeClr val="tx1"/>
-                          </a:solidFill>
-                          <a:latin typeface="맑은 고딕" charset="0"/>
-                          <a:ea typeface="맑은 고딕" charset="0"/>
-                        </a:rPr>
-                        <a:t>일 출시</a:t>
-                      </a:r>
-                    </a:p>
-                  </a:txBody>
-                  <a:tcPr marL="90170" marR="90170" marT="46990" marB="46990" anchor="ctr">
-                    <a:lnL w="12700" cmpd="sng">
-                      <a:noFill/>
-                    </a:lnL>
-                    <a:lnR w="12700" cmpd="sng">
-                      <a:noFill/>
-                    </a:lnR>
-                    <a:lnT w="12700" cap="flat" cmpd="sng" algn="ctr">
-                      <a:noFill/>
-                      <a:prstDash val="solid"/>
-                      <a:round/>
-                      <a:headEnd type="none" w="med" len="med"/>
-                      <a:tailEnd type="none" w="med" len="med"/>
-                    </a:lnT>
-                    <a:lnB w="12700" cmpd="sng">
-                      <a:noFill/>
-                    </a:lnB>
-                    <a:lnTlToBr w="12700" cmpd="sng">
-                      <a:noFill/>
-                      <a:prstDash val="solid"/>
-                    </a:lnTlToBr>
-                    <a:lnBlToTr w="12700" cmpd="sng">
-                      <a:noFill/>
-                      <a:prstDash val="solid"/>
-                    </a:lnBlToTr>
-                    <a:noFill/>
-                  </a:tcPr>
-                </a:tc>
-                <a:extLst>
-                  <a:ext uri="{0D108BD9-81ED-4DB2-BD59-A6C34878D82A}">
-                    <a16:rowId xmlns:a16="http://schemas.microsoft.com/office/drawing/2014/main" val="10001"/>
-                  </a:ext>
-                </a:extLst>
-              </a:tr>
-            </a:tbl>
-          </a:graphicData>
-        </a:graphic>
-      </p:graphicFrame>
-    </p:spTree>
-    <p:extLst>
-      <p:ext uri="{BB962C8B-B14F-4D97-AF65-F5344CB8AC3E}">
-        <p14:creationId xmlns:p14="http://schemas.microsoft.com/office/powerpoint/2010/main" val="2374097806"/>
-      </p:ext>
-    </p:extLst>
-  </p:cSld>
-  <p:clrMapOvr>
-    <a:masterClrMapping/>
-  </p:clrMapOvr>
-</p:sld>
-</file>
-
 <file path=ppt/slides/slide2.xml><?xml version="1.0" encoding="utf-8"?>
 <p:sld xmlns:a="http://schemas.openxmlformats.org/drawingml/2006/main" xmlns:r="http://schemas.openxmlformats.org/officeDocument/2006/relationships" xmlns:p="http://schemas.openxmlformats.org/presentationml/2006/main">
   <p:cSld>
@@ -5801,14 +4420,14 @@
           <p:nvPr>
             <p:extLst>
               <p:ext uri="{D42A27DB-BD31-4B8C-83A1-F6EECF244321}">
-                <p14:modId xmlns:p14="http://schemas.microsoft.com/office/powerpoint/2010/main" val="3666843206"/>
+                <p14:modId xmlns:p14="http://schemas.microsoft.com/office/powerpoint/2010/main" val="2535379065"/>
               </p:ext>
             </p:extLst>
           </p:nvPr>
         </p:nvGraphicFramePr>
         <p:xfrm>
-          <a:off x="1769096" y="1899920"/>
-          <a:ext cx="3241040" cy="3058160"/>
+          <a:off x="1600420" y="1917774"/>
+          <a:ext cx="3241040" cy="2448560"/>
         </p:xfrm>
         <a:graphic>
           <a:graphicData uri="http://schemas.openxmlformats.org/drawingml/2006/table">
@@ -5896,42 +4515,6 @@
                     <a:p>
                       <a:pPr marL="0" indent="0" algn="l" hangingPunct="1"/>
                       <a:r>
-                        <a:rPr lang="ko-KR" altLang="en-US" sz="2000" b="0" i="0" kern="1200" dirty="0">
-                          <a:solidFill>
-                            <a:schemeClr val="tx1"/>
-                          </a:solidFill>
-                          <a:latin typeface="맑은 고딕" charset="0"/>
-                          <a:ea typeface="맑은 고딕" charset="0"/>
-                        </a:rPr>
-                        <a:t>과도한 랜덤성 텍스트</a:t>
-                      </a:r>
-                      <a:endParaRPr lang="en-US" altLang="ko-KR" sz="2000" b="0" i="0" kern="1200" dirty="0">
-                        <a:solidFill>
-                          <a:schemeClr val="tx1"/>
-                        </a:solidFill>
-                        <a:latin typeface="맑은 고딕" charset="0"/>
-                        <a:ea typeface="맑은 고딕" charset="0"/>
-                      </a:endParaRPr>
-                    </a:p>
-                    <a:p>
-                      <a:pPr marL="0" marR="0" lvl="0" indent="0" algn="r" defTabSz="914400" rtl="0" eaLnBrk="1" fontAlgn="auto" latinLnBrk="1" hangingPunct="1">
-                        <a:lnSpc>
-                          <a:spcPct val="100000"/>
-                        </a:lnSpc>
-                        <a:spcBef>
-                          <a:spcPts val="0"/>
-                        </a:spcBef>
-                        <a:spcAft>
-                          <a:spcPts val="0"/>
-                        </a:spcAft>
-                        <a:buClrTx/>
-                        <a:buSzTx/>
-                        <a:buFontTx/>
-                        <a:buNone/>
-                        <a:tabLst/>
-                        <a:defRPr/>
-                      </a:pPr>
-                      <a:r>
                         <a:rPr lang="ko-KR" altLang="en-US" sz="1600" b="0" i="0" kern="1200" dirty="0">
                           <a:solidFill>
                             <a:schemeClr val="tx1"/>
@@ -5939,79 +4522,7 @@
                           <a:latin typeface="맑은 고딕" charset="0"/>
                           <a:ea typeface="맑은 고딕" charset="0"/>
                         </a:rPr>
-                        <a:t>개요</a:t>
-                      </a:r>
-                      <a:endParaRPr lang="en-US" altLang="ko-KR" sz="1600" b="0" i="0" kern="1200" dirty="0">
-                        <a:solidFill>
-                          <a:schemeClr val="tx1"/>
-                        </a:solidFill>
-                        <a:latin typeface="맑은 고딕" charset="0"/>
-                        <a:ea typeface="맑은 고딕" charset="0"/>
-                      </a:endParaRPr>
-                    </a:p>
-                    <a:p>
-                      <a:pPr marL="0" marR="0" lvl="0" indent="0" algn="r" defTabSz="914400" rtl="0" eaLnBrk="1" fontAlgn="auto" latinLnBrk="1" hangingPunct="1">
-                        <a:lnSpc>
-                          <a:spcPct val="100000"/>
-                        </a:lnSpc>
-                        <a:spcBef>
-                          <a:spcPts val="0"/>
-                        </a:spcBef>
-                        <a:spcAft>
-                          <a:spcPts val="0"/>
-                        </a:spcAft>
-                        <a:buClrTx/>
-                        <a:buSzTx/>
-                        <a:buFontTx/>
-                        <a:buNone/>
-                        <a:tabLst/>
-                        <a:defRPr/>
-                      </a:pPr>
-                      <a:r>
-                        <a:rPr lang="ko-KR" altLang="en-US" sz="1600" b="0" i="0" kern="1200" dirty="0">
-                          <a:solidFill>
-                            <a:schemeClr val="tx1"/>
-                          </a:solidFill>
-                          <a:latin typeface="맑은 고딕" charset="0"/>
-                          <a:ea typeface="맑은 고딕" charset="0"/>
-                        </a:rPr>
-                        <a:t>예시</a:t>
-                      </a:r>
-                      <a:endParaRPr lang="en-US" altLang="ko-KR" sz="1600" b="0" i="0" kern="1200" dirty="0">
-                        <a:solidFill>
-                          <a:schemeClr val="tx1"/>
-                        </a:solidFill>
-                        <a:latin typeface="맑은 고딕" charset="0"/>
-                        <a:ea typeface="맑은 고딕" charset="0"/>
-                      </a:endParaRPr>
-                    </a:p>
-                    <a:p>
-                      <a:pPr marL="0" marR="0" lvl="0" indent="0" algn="r" defTabSz="914400" rtl="0" eaLnBrk="1" fontAlgn="auto" latinLnBrk="1" hangingPunct="1">
-                        <a:lnSpc>
-                          <a:spcPct val="100000"/>
-                        </a:lnSpc>
-                        <a:spcBef>
-                          <a:spcPts val="0"/>
-                        </a:spcBef>
-                        <a:spcAft>
-                          <a:spcPts val="0"/>
-                        </a:spcAft>
-                        <a:buClrTx/>
-                        <a:buSzTx/>
-                        <a:buFontTx/>
-                        <a:buNone/>
-                        <a:tabLst/>
-                        <a:defRPr/>
-                      </a:pPr>
-                      <a:r>
-                        <a:rPr lang="ko-KR" altLang="en-US" sz="1600" b="0" i="0" kern="1200" dirty="0">
-                          <a:solidFill>
-                            <a:schemeClr val="tx1"/>
-                          </a:solidFill>
-                          <a:latin typeface="맑은 고딕" charset="0"/>
-                          <a:ea typeface="맑은 고딕" charset="0"/>
-                        </a:rPr>
-                        <a:t>개선 방향</a:t>
+                        <a:t>게임 선정 이유</a:t>
                       </a:r>
                     </a:p>
                   </a:txBody>
@@ -6067,7 +4578,11 @@
                     <a:bodyPr/>
                     <a:lstStyle/>
                     <a:p>
-                      <a:pPr marL="0" indent="0" algn="l" hangingPunct="1"/>
+                      <a:pPr marL="0" indent="0" algn="l" hangingPunct="1">
+                        <a:lnSpc>
+                          <a:spcPct val="100000"/>
+                        </a:lnSpc>
+                      </a:pPr>
                       <a:r>
                         <a:rPr lang="ko-KR" altLang="en-US" sz="2000" b="0" i="0" kern="1200" dirty="0">
                           <a:solidFill>
@@ -6076,9 +4591,23 @@
                           <a:latin typeface="맑은 고딕" charset="0"/>
                           <a:ea typeface="맑은 고딕" charset="0"/>
                         </a:rPr>
-                        <a:t>가독성이 떨어지는 텍스트</a:t>
+                        <a:t>과도한 랜덤성 텍스트</a:t>
                       </a:r>
                       <a:endParaRPr lang="en-US" altLang="ko-KR" sz="2000" b="0" i="0" kern="1200" dirty="0">
+                        <a:solidFill>
+                          <a:schemeClr val="tx1"/>
+                        </a:solidFill>
+                        <a:latin typeface="맑은 고딕" charset="0"/>
+                        <a:ea typeface="맑은 고딕" charset="0"/>
+                      </a:endParaRPr>
+                    </a:p>
+                    <a:p>
+                      <a:pPr marL="0" indent="0" algn="l" hangingPunct="1">
+                        <a:lnSpc>
+                          <a:spcPct val="100000"/>
+                        </a:lnSpc>
+                      </a:pPr>
+                      <a:endParaRPr lang="en-US" altLang="ko-KR" sz="1800" b="0" i="0" kern="1200" dirty="0">
                         <a:solidFill>
                           <a:schemeClr val="tx1"/>
                         </a:solidFill>
@@ -6105,16 +4634,16 @@
                         <a:defRPr/>
                       </a:pPr>
                       <a:r>
-                        <a:rPr lang="ko-KR" altLang="en-US" sz="1600" b="0" i="0" kern="1200" dirty="0">
-                          <a:solidFill>
-                            <a:schemeClr val="tx1"/>
-                          </a:solidFill>
-                          <a:latin typeface="맑은 고딕" charset="0"/>
-                          <a:ea typeface="맑은 고딕" charset="0"/>
-                        </a:rPr>
-                        <a:t>개요</a:t>
-                      </a:r>
-                      <a:endParaRPr lang="en-US" altLang="ko-KR" sz="1600" b="0" i="0" kern="1200" dirty="0">
+                        <a:rPr lang="ko-KR" altLang="en-US" sz="1400" b="0" i="0" kern="1200" dirty="0">
+                          <a:solidFill>
+                            <a:schemeClr val="tx1"/>
+                          </a:solidFill>
+                          <a:latin typeface="맑은 고딕" charset="0"/>
+                          <a:ea typeface="맑은 고딕" charset="0"/>
+                        </a:rPr>
+                        <a:t>과거 및 현 상황</a:t>
+                      </a:r>
+                      <a:endParaRPr lang="en-US" altLang="ko-KR" sz="1400" b="0" i="0" kern="1200" dirty="0">
                         <a:solidFill>
                           <a:schemeClr val="tx1"/>
                         </a:solidFill>
@@ -6140,17 +4669,7 @@
                         <a:tabLst/>
                         <a:defRPr/>
                       </a:pPr>
-                      <a:r>
-                        <a:rPr lang="ko-KR" altLang="en-US" sz="1600" b="0" i="0" kern="1200" dirty="0">
-                          <a:solidFill>
-                            <a:schemeClr val="tx1"/>
-                          </a:solidFill>
-                          <a:latin typeface="맑은 고딕" charset="0"/>
-                          <a:ea typeface="맑은 고딕" charset="0"/>
-                        </a:rPr>
-                        <a:t>예시</a:t>
-                      </a:r>
-                      <a:endParaRPr lang="en-US" altLang="ko-KR" sz="1600" b="0" i="0" kern="1200" dirty="0">
+                      <a:endParaRPr lang="en-US" altLang="ko-KR" sz="1400" b="0" i="0" kern="1200" dirty="0">
                         <a:solidFill>
                           <a:schemeClr val="tx1"/>
                         </a:solidFill>
@@ -6177,16 +4696,16 @@
                         <a:defRPr/>
                       </a:pPr>
                       <a:r>
-                        <a:rPr lang="ko-KR" altLang="en-US" sz="1600" b="0" i="0" kern="1200" dirty="0">
-                          <a:solidFill>
-                            <a:schemeClr val="tx1"/>
-                          </a:solidFill>
-                          <a:latin typeface="맑은 고딕" charset="0"/>
-                          <a:ea typeface="맑은 고딕" charset="0"/>
-                        </a:rPr>
-                        <a:t>개선 방향</a:t>
-                      </a:r>
-                      <a:endParaRPr lang="en-US" altLang="ko-KR" sz="1600" b="0" i="0" kern="1200" dirty="0">
+                        <a:rPr lang="ko-KR" altLang="en-US" sz="1400" b="0" i="0" kern="1200" dirty="0">
+                          <a:solidFill>
+                            <a:schemeClr val="tx1"/>
+                          </a:solidFill>
+                          <a:latin typeface="맑은 고딕" charset="0"/>
+                          <a:ea typeface="맑은 고딕" charset="0"/>
+                        </a:rPr>
+                        <a:t>개선 방향 및 기대 효과</a:t>
+                      </a:r>
+                      <a:endParaRPr lang="en-US" altLang="ko-KR" sz="1400" b="0" i="0" kern="1200" dirty="0">
                         <a:solidFill>
                           <a:schemeClr val="tx1"/>
                         </a:solidFill>
@@ -6256,7 +4775,7 @@
                           <a:latin typeface="맑은 고딕" charset="0"/>
                           <a:ea typeface="맑은 고딕" charset="0"/>
                         </a:rPr>
-                        <a:t>결론</a:t>
+                        <a:t>사견 및 이유</a:t>
                       </a:r>
                     </a:p>
                   </a:txBody>
@@ -6415,14 +4934,14 @@
           <p:nvPr>
             <p:extLst>
               <p:ext uri="{D42A27DB-BD31-4B8C-83A1-F6EECF244321}">
-                <p14:modId xmlns:p14="http://schemas.microsoft.com/office/powerpoint/2010/main" val="41406282"/>
+                <p14:modId xmlns:p14="http://schemas.microsoft.com/office/powerpoint/2010/main" val="326910671"/>
               </p:ext>
             </p:extLst>
           </p:nvPr>
         </p:nvGraphicFramePr>
         <p:xfrm>
-          <a:off x="2257742" y="3061970"/>
-          <a:ext cx="7676515" cy="734060"/>
+          <a:off x="1539960" y="2848610"/>
+          <a:ext cx="9112079" cy="1160780"/>
         </p:xfrm>
         <a:graphic>
           <a:graphicData uri="http://schemas.openxmlformats.org/drawingml/2006/table">
@@ -6431,7 +4950,7 @@
                 <a:tableStyleId>{5C22544A-7EE6-4342-B048-85BDC9FD1C3A}</a:tableStyleId>
               </a:tblPr>
               <a:tblGrid>
-                <a:gridCol w="7676515">
+                <a:gridCol w="9112079">
                   <a:extLst>
                     <a:ext uri="{9D8B030D-6E8A-4147-A177-3AD203B41FA5}">
                       <a16:colId xmlns:a16="http://schemas.microsoft.com/office/drawing/2014/main" val="20000"/>
@@ -6454,7 +4973,7 @@
                           <a:latin typeface="맑은 고딕" charset="0"/>
                           <a:ea typeface="맑은 고딕" charset="0"/>
                         </a:rPr>
-                        <a:t>해당 문서는 각기 다른 방식을 가진 카드 게임 하스스톤</a:t>
+                        <a:t>해당 문서는 각기 다른 카드 게임인 하스스톤</a:t>
                       </a:r>
                       <a:r>
                         <a:rPr lang="en-US" altLang="ko-KR" sz="1400" b="0" i="0" kern="1200" dirty="0">
@@ -6474,7 +4993,140 @@
                           <a:latin typeface="맑은 고딕" charset="0"/>
                           <a:ea typeface="맑은 고딕" charset="0"/>
                         </a:rPr>
-                        <a:t>의 시스템적 문제점들을 분석하여 개선 방향과 추후 카드 게임을 제작할 경우 주의해야 할 요소들을 파악하여 카드를 디자인 하기 위해서 작성되었다</a:t>
+                        <a:t>의 시스템을 분석하여 게임 별 시스템적 문제</a:t>
+                      </a:r>
+                      <a:r>
+                        <a:rPr lang="en-US" altLang="ko-KR" sz="1400" b="0" i="0" kern="1200" dirty="0">
+                          <a:solidFill>
+                            <a:schemeClr val="tx1"/>
+                          </a:solidFill>
+                          <a:latin typeface="맑은 고딕" charset="0"/>
+                          <a:ea typeface="맑은 고딕" charset="0"/>
+                        </a:rPr>
+                        <a:t>, </a:t>
+                      </a:r>
+                      <a:r>
+                        <a:rPr lang="ko-KR" altLang="en-US" sz="1400" b="0" i="0" kern="1200" dirty="0">
+                          <a:solidFill>
+                            <a:schemeClr val="tx1"/>
+                          </a:solidFill>
+                          <a:latin typeface="맑은 고딕" charset="0"/>
+                          <a:ea typeface="맑은 고딕" charset="0"/>
+                        </a:rPr>
+                        <a:t>문제의 원인</a:t>
+                      </a:r>
+                      <a:r>
+                        <a:rPr lang="en-US" altLang="ko-KR" sz="1400" b="0" i="0" kern="1200" dirty="0">
+                          <a:solidFill>
+                            <a:schemeClr val="tx1"/>
+                          </a:solidFill>
+                          <a:latin typeface="맑은 고딕" charset="0"/>
+                          <a:ea typeface="맑은 고딕" charset="0"/>
+                        </a:rPr>
+                        <a:t>,</a:t>
+                      </a:r>
+                      <a:r>
+                        <a:rPr lang="ko-KR" altLang="en-US" sz="1400" b="0" i="0" kern="1200" dirty="0">
+                          <a:solidFill>
+                            <a:schemeClr val="tx1"/>
+                          </a:solidFill>
+                          <a:latin typeface="맑은 고딕" charset="0"/>
+                          <a:ea typeface="맑은 고딕" charset="0"/>
+                        </a:rPr>
+                        <a:t> 현 상황</a:t>
+                      </a:r>
+                      <a:r>
+                        <a:rPr lang="en-US" altLang="ko-KR" sz="1400" b="0" i="0" kern="1200" dirty="0">
+                          <a:solidFill>
+                            <a:schemeClr val="tx1"/>
+                          </a:solidFill>
+                          <a:latin typeface="맑은 고딕" charset="0"/>
+                          <a:ea typeface="맑은 고딕" charset="0"/>
+                        </a:rPr>
+                        <a:t> </a:t>
+                      </a:r>
+                      <a:r>
+                        <a:rPr lang="ko-KR" altLang="en-US" sz="1400" b="0" i="0" kern="1200" dirty="0">
+                          <a:solidFill>
+                            <a:schemeClr val="tx1"/>
+                          </a:solidFill>
+                          <a:latin typeface="맑은 고딕" charset="0"/>
+                          <a:ea typeface="맑은 고딕" charset="0"/>
+                        </a:rPr>
+                        <a:t>파악하고</a:t>
+                      </a:r>
+                      <a:r>
+                        <a:rPr lang="en-US" altLang="ko-KR" sz="1400" b="0" i="0" kern="1200" dirty="0">
+                          <a:solidFill>
+                            <a:schemeClr val="tx1"/>
+                          </a:solidFill>
+                          <a:latin typeface="맑은 고딕" charset="0"/>
+                          <a:ea typeface="맑은 고딕" charset="0"/>
+                        </a:rPr>
+                        <a:t>, </a:t>
+                      </a:r>
+                      <a:r>
+                        <a:rPr lang="ko-KR" altLang="en-US" sz="1400" b="0" i="0" kern="1200" dirty="0">
+                          <a:solidFill>
+                            <a:schemeClr val="tx1"/>
+                          </a:solidFill>
+                          <a:latin typeface="맑은 고딕" charset="0"/>
+                          <a:ea typeface="맑은 고딕" charset="0"/>
+                        </a:rPr>
+                        <a:t>그 내용을 토대로 개선 방향 분석하기 위해 작성되었다</a:t>
+                      </a:r>
+                      <a:r>
+                        <a:rPr lang="en-US" altLang="ko-KR" sz="1400" b="0" i="0" kern="1200" dirty="0">
+                          <a:solidFill>
+                            <a:schemeClr val="tx1"/>
+                          </a:solidFill>
+                          <a:latin typeface="맑은 고딕" charset="0"/>
+                          <a:ea typeface="맑은 고딕" charset="0"/>
+                        </a:rPr>
+                        <a:t>.</a:t>
+                      </a:r>
+                    </a:p>
+                    <a:p>
+                      <a:pPr marL="0" indent="0" hangingPunct="1"/>
+                      <a:endParaRPr lang="en-US" altLang="ko-KR" sz="1400" b="0" i="0" kern="1200" dirty="0">
+                        <a:solidFill>
+                          <a:schemeClr val="tx1"/>
+                        </a:solidFill>
+                        <a:latin typeface="맑은 고딕" charset="0"/>
+                        <a:ea typeface="맑은 고딕" charset="0"/>
+                      </a:endParaRPr>
+                    </a:p>
+                    <a:p>
+                      <a:pPr marL="0" indent="0" hangingPunct="1"/>
+                      <a:r>
+                        <a:rPr lang="ko-KR" altLang="en-US" sz="1400" b="0" i="0" kern="1200" dirty="0">
+                          <a:solidFill>
+                            <a:schemeClr val="tx1"/>
+                          </a:solidFill>
+                          <a:latin typeface="맑은 고딕" charset="0"/>
+                          <a:ea typeface="맑은 고딕" charset="0"/>
+                        </a:rPr>
+                        <a:t>또한</a:t>
+                      </a:r>
+                      <a:r>
+                        <a:rPr lang="en-US" altLang="ko-KR" sz="1400" b="0" i="0" kern="1200" dirty="0">
+                          <a:solidFill>
+                            <a:schemeClr val="tx1"/>
+                          </a:solidFill>
+                          <a:latin typeface="맑은 고딕" charset="0"/>
+                          <a:ea typeface="맑은 고딕" charset="0"/>
+                        </a:rPr>
+                        <a:t>, </a:t>
+                      </a:r>
+                      <a:r>
+                        <a:rPr lang="ko-KR" altLang="en-US" sz="1400" b="0" i="0" kern="1200" dirty="0">
+                          <a:solidFill>
+                            <a:schemeClr val="tx1"/>
+                          </a:solidFill>
+                          <a:latin typeface="맑은 고딕" charset="0"/>
+                          <a:ea typeface="맑은 고딕" charset="0"/>
+                        </a:rPr>
+                        <a:t>해당 분석서를 작성하는 과정에서 나오는 결론들을 바탕으로 기획 중인 카드 게임의 카드 디자인 가이드 라인과 주의사항을 확립하여 해당 기획의 완성도를 높이는 것을 목표로 하고 있다</a:t>
                       </a:r>
                       <a:r>
                         <a:rPr lang="en-US" altLang="ko-KR" sz="1400" b="0" i="0" kern="1200" dirty="0">
@@ -6631,6 +5283,1445 @@
             </a:pPr>
             <a:r>
               <a:rPr lang="ko-KR" altLang="en-US" dirty="0"/>
+              <a:t>게임 선정 이유</a:t>
+            </a:r>
+          </a:p>
+        </p:txBody>
+      </p:sp>
+      <p:graphicFrame>
+        <p:nvGraphicFramePr>
+          <p:cNvPr id="3" name="표 1"/>
+          <p:cNvGraphicFramePr>
+            <a:graphicFrameLocks noGrp="1"/>
+          </p:cNvGraphicFramePr>
+          <p:nvPr>
+            <p:extLst>
+              <p:ext uri="{D42A27DB-BD31-4B8C-83A1-F6EECF244321}">
+                <p14:modId xmlns:p14="http://schemas.microsoft.com/office/powerpoint/2010/main" val="958576738"/>
+              </p:ext>
+            </p:extLst>
+          </p:nvPr>
+        </p:nvGraphicFramePr>
+        <p:xfrm>
+          <a:off x="839788" y="1547452"/>
+          <a:ext cx="10514647" cy="1160780"/>
+        </p:xfrm>
+        <a:graphic>
+          <a:graphicData uri="http://schemas.openxmlformats.org/drawingml/2006/table">
+            <a:tbl>
+              <a:tblPr firstRow="1" bandRow="1">
+                <a:tableStyleId>{5C22544A-7EE6-4342-B048-85BDC9FD1C3A}</a:tableStyleId>
+              </a:tblPr>
+              <a:tblGrid>
+                <a:gridCol w="10514647">
+                  <a:extLst>
+                    <a:ext uri="{9D8B030D-6E8A-4147-A177-3AD203B41FA5}">
+                      <a16:colId xmlns:a16="http://schemas.microsoft.com/office/drawing/2014/main" val="20000"/>
+                    </a:ext>
+                  </a:extLst>
+                </a:gridCol>
+              </a:tblGrid>
+              <a:tr h="0">
+                <a:tc>
+                  <a:txBody>
+                    <a:bodyPr/>
+                    <a:lstStyle/>
+                    <a:p>
+                      <a:pPr marL="0" indent="0" hangingPunct="1"/>
+                      <a:r>
+                        <a:rPr lang="en-US" altLang="ko-KR" sz="1400" b="1" i="0" kern="1200" dirty="0">
+                          <a:solidFill>
+                            <a:schemeClr val="tx1"/>
+                          </a:solidFill>
+                          <a:latin typeface="맑은 고딕" charset="0"/>
+                          <a:ea typeface="맑은 고딕" charset="0"/>
+                        </a:rPr>
+                        <a:t>‘</a:t>
+                      </a:r>
+                      <a:r>
+                        <a:rPr lang="ko-KR" altLang="en-US" sz="1400" b="1" i="0" kern="1200" dirty="0">
+                          <a:solidFill>
+                            <a:schemeClr val="tx1"/>
+                          </a:solidFill>
+                          <a:latin typeface="맑은 고딕" charset="0"/>
+                          <a:ea typeface="맑은 고딕" charset="0"/>
+                        </a:rPr>
+                        <a:t>하스스톤</a:t>
+                      </a:r>
+                      <a:r>
+                        <a:rPr lang="en-US" altLang="ko-KR" sz="1400" b="1" i="0" kern="1200" dirty="0">
+                          <a:solidFill>
+                            <a:schemeClr val="tx1"/>
+                          </a:solidFill>
+                          <a:latin typeface="맑은 고딕" charset="0"/>
+                          <a:ea typeface="맑은 고딕" charset="0"/>
+                        </a:rPr>
+                        <a:t>’</a:t>
+                      </a:r>
+                      <a:r>
+                        <a:rPr lang="ko-KR" altLang="en-US" sz="1400" b="0" i="0" kern="1200" dirty="0">
+                          <a:solidFill>
+                            <a:schemeClr val="tx1"/>
+                          </a:solidFill>
+                          <a:latin typeface="맑은 고딕" charset="0"/>
+                          <a:ea typeface="맑은 고딕" charset="0"/>
+                        </a:rPr>
+                        <a:t>은 온라인 환경을 전제로 제작되었다</a:t>
+                      </a:r>
+                      <a:r>
+                        <a:rPr lang="en-US" altLang="ko-KR" sz="1400" b="0" i="0" kern="1200" dirty="0">
+                          <a:solidFill>
+                            <a:schemeClr val="tx1"/>
+                          </a:solidFill>
+                          <a:latin typeface="맑은 고딕" charset="0"/>
+                          <a:ea typeface="맑은 고딕" charset="0"/>
+                        </a:rPr>
+                        <a:t>. </a:t>
+                      </a:r>
+                      <a:r>
+                        <a:rPr lang="ko-KR" altLang="en-US" sz="1400" b="0" i="0" kern="1200" dirty="0">
+                          <a:solidFill>
+                            <a:schemeClr val="tx1"/>
+                          </a:solidFill>
+                          <a:latin typeface="맑은 고딕" charset="0"/>
+                          <a:ea typeface="맑은 고딕" charset="0"/>
+                        </a:rPr>
+                        <a:t>그렇기 때문에 기존에 있었던 오프라인 환경의 카드 게임들인 </a:t>
+                      </a:r>
+                      <a:r>
+                        <a:rPr lang="en-US" altLang="ko-KR" sz="1400" b="0" i="0" kern="1200" dirty="0">
+                          <a:solidFill>
+                            <a:schemeClr val="tx1"/>
+                          </a:solidFill>
+                          <a:latin typeface="맑은 고딕" charset="0"/>
+                          <a:ea typeface="맑은 고딕" charset="0"/>
+                        </a:rPr>
+                        <a:t>‘Magic : the Gathering’</a:t>
+                      </a:r>
+                      <a:r>
+                        <a:rPr lang="ko-KR" altLang="en-US" sz="1400" b="0" i="0" kern="1200" dirty="0">
+                          <a:solidFill>
+                            <a:schemeClr val="tx1"/>
+                          </a:solidFill>
+                          <a:latin typeface="맑은 고딕" charset="0"/>
+                          <a:ea typeface="맑은 고딕" charset="0"/>
+                        </a:rPr>
+                        <a:t>과</a:t>
+                      </a:r>
+                      <a:r>
+                        <a:rPr lang="en-US" altLang="ko-KR" sz="1400" b="0" i="0" kern="1200" dirty="0">
+                          <a:solidFill>
+                            <a:schemeClr val="tx1"/>
+                          </a:solidFill>
+                          <a:latin typeface="맑은 고딕" charset="0"/>
+                          <a:ea typeface="맑은 고딕" charset="0"/>
+                        </a:rPr>
+                        <a:t> ‘</a:t>
+                      </a:r>
+                      <a:r>
+                        <a:rPr lang="ko-KR" altLang="en-US" sz="1400" b="0" i="0" kern="1200" dirty="0">
+                          <a:solidFill>
+                            <a:schemeClr val="tx1"/>
+                          </a:solidFill>
+                          <a:latin typeface="맑은 고딕" charset="0"/>
+                          <a:ea typeface="맑은 고딕" charset="0"/>
+                        </a:rPr>
+                        <a:t>유희왕 오피셜 카드게임</a:t>
+                      </a:r>
+                      <a:r>
+                        <a:rPr lang="en-US" altLang="ko-KR" sz="1400" b="0" i="0" kern="1200" dirty="0">
+                          <a:solidFill>
+                            <a:schemeClr val="tx1"/>
+                          </a:solidFill>
+                          <a:latin typeface="맑은 고딕" charset="0"/>
+                          <a:ea typeface="맑은 고딕" charset="0"/>
+                        </a:rPr>
+                        <a:t>’</a:t>
+                      </a:r>
+                      <a:r>
+                        <a:rPr lang="ko-KR" altLang="en-US" sz="1400" b="0" i="0" kern="1200" dirty="0">
+                          <a:solidFill>
+                            <a:schemeClr val="tx1"/>
+                          </a:solidFill>
+                          <a:latin typeface="맑은 고딕" charset="0"/>
+                          <a:ea typeface="맑은 고딕" charset="0"/>
+                        </a:rPr>
+                        <a:t>과 달리 카드의 효과를 디자인 하는데 제약이 상대적으로 적어 오프라인 환경에서는 재현할 수 없는 효과</a:t>
+                      </a:r>
+                      <a:r>
+                        <a:rPr lang="en-US" altLang="ko-KR" sz="1400" b="0" i="0" kern="1200" dirty="0">
+                          <a:solidFill>
+                            <a:schemeClr val="tx1"/>
+                          </a:solidFill>
+                          <a:latin typeface="맑은 고딕" charset="0"/>
+                          <a:ea typeface="맑은 고딕" charset="0"/>
+                        </a:rPr>
+                        <a:t>(</a:t>
+                      </a:r>
+                      <a:r>
+                        <a:rPr lang="ko-KR" altLang="en-US" sz="1400" b="0" i="0" kern="1200" dirty="0">
+                          <a:solidFill>
+                            <a:schemeClr val="tx1"/>
+                          </a:solidFill>
+                          <a:latin typeface="맑은 고딕" charset="0"/>
+                          <a:ea typeface="맑은 고딕" charset="0"/>
+                        </a:rPr>
+                        <a:t>넓은 범위의 랜덤성 효과</a:t>
+                      </a:r>
+                      <a:r>
+                        <a:rPr lang="en-US" altLang="ko-KR" sz="1400" b="0" i="0" kern="1200" dirty="0">
+                          <a:solidFill>
+                            <a:schemeClr val="tx1"/>
+                          </a:solidFill>
+                          <a:latin typeface="맑은 고딕" charset="0"/>
+                          <a:ea typeface="맑은 고딕" charset="0"/>
+                        </a:rPr>
+                        <a:t>, </a:t>
+                      </a:r>
+                      <a:r>
+                        <a:rPr lang="ko-KR" altLang="en-US" sz="1400" b="0" i="0" kern="1200" dirty="0">
+                          <a:solidFill>
+                            <a:schemeClr val="tx1"/>
+                          </a:solidFill>
+                          <a:latin typeface="맑은 고딕" charset="0"/>
+                          <a:ea typeface="맑은 고딕" charset="0"/>
+                        </a:rPr>
+                        <a:t>카드의 변형 등</a:t>
+                      </a:r>
+                      <a:r>
+                        <a:rPr lang="en-US" altLang="ko-KR" sz="1400" b="0" i="0" kern="1200" dirty="0">
+                          <a:solidFill>
+                            <a:schemeClr val="tx1"/>
+                          </a:solidFill>
+                          <a:latin typeface="맑은 고딕" charset="0"/>
+                          <a:ea typeface="맑은 고딕" charset="0"/>
+                        </a:rPr>
+                        <a:t>)</a:t>
+                      </a:r>
+                      <a:r>
+                        <a:rPr lang="ko-KR" altLang="en-US" sz="1400" b="0" i="0" kern="1200" dirty="0">
+                          <a:solidFill>
+                            <a:schemeClr val="tx1"/>
+                          </a:solidFill>
+                          <a:latin typeface="맑은 고딕" charset="0"/>
+                          <a:ea typeface="맑은 고딕" charset="0"/>
+                        </a:rPr>
+                        <a:t>를 구현할 수 있다</a:t>
+                      </a:r>
+                      <a:r>
+                        <a:rPr lang="en-US" altLang="ko-KR" sz="1400" b="0" i="0" kern="1200" dirty="0">
+                          <a:solidFill>
+                            <a:schemeClr val="tx1"/>
+                          </a:solidFill>
+                          <a:latin typeface="맑은 고딕" charset="0"/>
+                          <a:ea typeface="맑은 고딕" charset="0"/>
+                        </a:rPr>
+                        <a:t>. </a:t>
+                      </a:r>
+                      <a:r>
+                        <a:rPr lang="ko-KR" altLang="en-US" sz="1400" b="0" i="0" kern="1200" dirty="0">
+                          <a:solidFill>
+                            <a:schemeClr val="tx1"/>
+                          </a:solidFill>
+                          <a:latin typeface="맑은 고딕" charset="0"/>
+                          <a:ea typeface="맑은 고딕" charset="0"/>
+                        </a:rPr>
+                        <a:t>또한</a:t>
+                      </a:r>
+                      <a:r>
+                        <a:rPr lang="en-US" altLang="ko-KR" sz="1400" b="0" i="0" kern="1200" dirty="0">
+                          <a:solidFill>
+                            <a:schemeClr val="tx1"/>
+                          </a:solidFill>
+                          <a:latin typeface="맑은 고딕" charset="0"/>
+                          <a:ea typeface="맑은 고딕" charset="0"/>
+                        </a:rPr>
+                        <a:t>,</a:t>
+                      </a:r>
+                      <a:r>
+                        <a:rPr lang="ko-KR" altLang="en-US" sz="1400" b="0" i="0" kern="1200" dirty="0">
+                          <a:solidFill>
+                            <a:schemeClr val="tx1"/>
+                          </a:solidFill>
+                          <a:latin typeface="맑은 고딕" charset="0"/>
+                          <a:ea typeface="맑은 고딕" charset="0"/>
+                        </a:rPr>
+                        <a:t> 카드에 문제</a:t>
+                      </a:r>
+                      <a:r>
+                        <a:rPr lang="en-US" altLang="ko-KR" sz="1400" b="0" i="0" kern="1200" dirty="0">
+                          <a:solidFill>
+                            <a:schemeClr val="tx1"/>
+                          </a:solidFill>
+                          <a:latin typeface="맑은 고딕" charset="0"/>
+                          <a:ea typeface="맑은 고딕" charset="0"/>
+                        </a:rPr>
+                        <a:t>(</a:t>
+                      </a:r>
+                      <a:r>
+                        <a:rPr lang="ko-KR" altLang="en-US" sz="1400" b="0" i="0" kern="1200" dirty="0">
+                          <a:solidFill>
+                            <a:schemeClr val="tx1"/>
+                          </a:solidFill>
+                          <a:latin typeface="맑은 고딕" charset="0"/>
+                          <a:ea typeface="맑은 고딕" charset="0"/>
+                        </a:rPr>
+                        <a:t>밸런스</a:t>
+                      </a:r>
+                      <a:r>
+                        <a:rPr lang="en-US" altLang="ko-KR" sz="1400" b="0" i="0" kern="1200" dirty="0">
+                          <a:solidFill>
+                            <a:schemeClr val="tx1"/>
+                          </a:solidFill>
+                          <a:latin typeface="맑은 고딕" charset="0"/>
+                          <a:ea typeface="맑은 고딕" charset="0"/>
+                        </a:rPr>
+                        <a:t>, </a:t>
+                      </a:r>
+                      <a:r>
+                        <a:rPr lang="ko-KR" altLang="en-US" sz="1400" b="0" i="0" kern="1200" dirty="0">
+                          <a:solidFill>
+                            <a:schemeClr val="tx1"/>
+                          </a:solidFill>
+                          <a:latin typeface="맑은 고딕" charset="0"/>
+                          <a:ea typeface="맑은 고딕" charset="0"/>
+                        </a:rPr>
+                        <a:t>오타</a:t>
+                      </a:r>
+                      <a:r>
+                        <a:rPr lang="en-US" altLang="ko-KR" sz="1400" b="0" i="0" kern="1200" dirty="0">
+                          <a:solidFill>
+                            <a:schemeClr val="tx1"/>
+                          </a:solidFill>
+                          <a:latin typeface="맑은 고딕" charset="0"/>
+                          <a:ea typeface="맑은 고딕" charset="0"/>
+                        </a:rPr>
+                        <a:t>, </a:t>
+                      </a:r>
+                      <a:r>
+                        <a:rPr lang="ko-KR" altLang="en-US" sz="1400" b="0" i="0" kern="1200" dirty="0">
+                          <a:solidFill>
+                            <a:schemeClr val="tx1"/>
+                          </a:solidFill>
+                          <a:latin typeface="맑은 고딕" charset="0"/>
+                          <a:ea typeface="맑은 고딕" charset="0"/>
+                        </a:rPr>
+                        <a:t>오류 등</a:t>
+                      </a:r>
+                      <a:r>
+                        <a:rPr lang="en-US" altLang="ko-KR" sz="1400" b="0" i="0" kern="1200" dirty="0">
+                          <a:solidFill>
+                            <a:schemeClr val="tx1"/>
+                          </a:solidFill>
+                          <a:latin typeface="맑은 고딕" charset="0"/>
+                          <a:ea typeface="맑은 고딕" charset="0"/>
+                        </a:rPr>
+                        <a:t>)</a:t>
+                      </a:r>
+                      <a:r>
+                        <a:rPr lang="ko-KR" altLang="en-US" sz="1400" b="0" i="0" kern="1200" dirty="0">
+                          <a:solidFill>
+                            <a:schemeClr val="tx1"/>
+                          </a:solidFill>
+                          <a:latin typeface="맑은 고딕" charset="0"/>
+                          <a:ea typeface="맑은 고딕" charset="0"/>
+                        </a:rPr>
+                        <a:t>가 발생할 경우 즉각적으로 수정 및 보완이 가능하며</a:t>
+                      </a:r>
+                      <a:r>
+                        <a:rPr lang="en-US" altLang="ko-KR" sz="1400" b="0" i="0" kern="1200" dirty="0">
+                          <a:solidFill>
+                            <a:schemeClr val="tx1"/>
+                          </a:solidFill>
+                          <a:latin typeface="맑은 고딕" charset="0"/>
+                          <a:ea typeface="맑은 고딕" charset="0"/>
+                        </a:rPr>
+                        <a:t>, </a:t>
+                      </a:r>
+                      <a:r>
+                        <a:rPr lang="ko-KR" altLang="en-US" sz="1400" b="0" i="0" kern="1200" dirty="0">
+                          <a:solidFill>
+                            <a:schemeClr val="tx1"/>
+                          </a:solidFill>
+                          <a:latin typeface="맑은 고딕" charset="0"/>
+                          <a:ea typeface="맑은 고딕" charset="0"/>
+                        </a:rPr>
+                        <a:t>카드의 효과들을 키워드로 축약하여 플레이어의 이해를 돕는 동시에 해당 키워드의 해설을 게임 중에 플레이어에게 보여줄 수 있다</a:t>
+                      </a:r>
+                      <a:r>
+                        <a:rPr lang="en-US" altLang="ko-KR" sz="1400" b="0" i="0" kern="1200" dirty="0">
+                          <a:solidFill>
+                            <a:schemeClr val="tx1"/>
+                          </a:solidFill>
+                          <a:latin typeface="맑은 고딕" charset="0"/>
+                          <a:ea typeface="맑은 고딕" charset="0"/>
+                        </a:rPr>
+                        <a:t>.</a:t>
+                      </a:r>
+                      <a:endParaRPr lang="ko-KR" altLang="en-US" sz="1400" b="0" i="0" kern="1200" dirty="0">
+                        <a:solidFill>
+                          <a:schemeClr val="tx1"/>
+                        </a:solidFill>
+                        <a:latin typeface="맑은 고딕" charset="0"/>
+                        <a:ea typeface="맑은 고딕" charset="0"/>
+                      </a:endParaRPr>
+                    </a:p>
+                  </a:txBody>
+                  <a:tcPr marL="90170" marR="90170" marT="46990" marB="46990" anchor="ctr">
+                    <a:lnL w="12700" cmpd="sng">
+                      <a:noFill/>
+                    </a:lnL>
+                    <a:lnR w="12700" cmpd="sng">
+                      <a:noFill/>
+                    </a:lnR>
+                    <a:lnT w="12700" cap="flat" cmpd="sng" algn="ctr">
+                      <a:noFill/>
+                      <a:prstDash val="solid"/>
+                      <a:round/>
+                      <a:headEnd type="none" w="med" len="med"/>
+                      <a:tailEnd type="none" w="med" len="med"/>
+                    </a:lnT>
+                    <a:lnB w="12700" cmpd="sng">
+                      <a:noFill/>
+                    </a:lnB>
+                    <a:lnTlToBr w="12700" cmpd="sng">
+                      <a:noFill/>
+                      <a:prstDash val="solid"/>
+                    </a:lnTlToBr>
+                    <a:lnBlToTr w="12700" cmpd="sng">
+                      <a:noFill/>
+                      <a:prstDash val="solid"/>
+                    </a:lnBlToTr>
+                    <a:noFill/>
+                  </a:tcPr>
+                </a:tc>
+                <a:extLst>
+                  <a:ext uri="{0D108BD9-81ED-4DB2-BD59-A6C34878D82A}">
+                    <a16:rowId xmlns:a16="http://schemas.microsoft.com/office/drawing/2014/main" val="10001"/>
+                  </a:ext>
+                </a:extLst>
+              </a:tr>
+            </a:tbl>
+          </a:graphicData>
+        </a:graphic>
+      </p:graphicFrame>
+      <p:sp>
+        <p:nvSpPr>
+          <p:cNvPr id="4" name="Rect 0"/>
+          <p:cNvSpPr txBox="1">
+            <a:spLocks noGrp="1"/>
+          </p:cNvSpPr>
+          <p:nvPr>
+            <p:ph type="sldNum" idx="12"/>
+          </p:nvPr>
+        </p:nvSpPr>
+        <p:spPr>
+          <a:xfrm>
+            <a:off x="8610600" y="6356350"/>
+            <a:ext cx="2743835" cy="365760"/>
+          </a:xfrm>
+          <a:prstGeom prst="rect">
+            <a:avLst/>
+          </a:prstGeom>
+        </p:spPr>
+        <p:txBody>
+          <a:bodyPr vert="horz" wrap="square" lIns="91440" tIns="45720" rIns="91440" bIns="45720" anchor="ctr">
+            <a:noAutofit/>
+          </a:bodyPr>
+          <a:lstStyle/>
+          <a:p>
+            <a:pPr marL="0" indent="0" latinLnBrk="0">
+              <a:buFontTx/>
+              <a:buNone/>
+            </a:pPr>
+            <a:fld id="{B9320F77-B9A0-41C5-862A-B4B631284C64}" type="slidenum">
+              <a:rPr lang="ko-KR" altLang="en-US"/>
+              <a:t>4</a:t>
+            </a:fld>
+            <a:endParaRPr lang="ko-KR" altLang="en-US"/>
+          </a:p>
+        </p:txBody>
+      </p:sp>
+      <p:graphicFrame>
+        <p:nvGraphicFramePr>
+          <p:cNvPr id="7" name="표 1">
+            <a:extLst>
+              <a:ext uri="{FF2B5EF4-FFF2-40B4-BE49-F238E27FC236}">
+                <a16:creationId xmlns:a16="http://schemas.microsoft.com/office/drawing/2014/main" id="{F84C2742-8F05-2AF2-5525-2EB8F7A0AD85}"/>
+              </a:ext>
+            </a:extLst>
+          </p:cNvPr>
+          <p:cNvGraphicFramePr>
+            <a:graphicFrameLocks noGrp="1"/>
+          </p:cNvGraphicFramePr>
+          <p:nvPr>
+            <p:extLst>
+              <p:ext uri="{D42A27DB-BD31-4B8C-83A1-F6EECF244321}">
+                <p14:modId xmlns:p14="http://schemas.microsoft.com/office/powerpoint/2010/main" val="1167735103"/>
+              </p:ext>
+            </p:extLst>
+          </p:nvPr>
+        </p:nvGraphicFramePr>
+        <p:xfrm>
+          <a:off x="839788" y="2746173"/>
+          <a:ext cx="10514647" cy="947420"/>
+        </p:xfrm>
+        <a:graphic>
+          <a:graphicData uri="http://schemas.openxmlformats.org/drawingml/2006/table">
+            <a:tbl>
+              <a:tblPr firstRow="1" bandRow="1">
+                <a:tableStyleId>{5C22544A-7EE6-4342-B048-85BDC9FD1C3A}</a:tableStyleId>
+              </a:tblPr>
+              <a:tblGrid>
+                <a:gridCol w="10514647">
+                  <a:extLst>
+                    <a:ext uri="{9D8B030D-6E8A-4147-A177-3AD203B41FA5}">
+                      <a16:colId xmlns:a16="http://schemas.microsoft.com/office/drawing/2014/main" val="20000"/>
+                    </a:ext>
+                  </a:extLst>
+                </a:gridCol>
+              </a:tblGrid>
+              <a:tr h="0">
+                <a:tc>
+                  <a:txBody>
+                    <a:bodyPr/>
+                    <a:lstStyle/>
+                    <a:p>
+                      <a:pPr marL="0" indent="0" hangingPunct="1"/>
+                      <a:r>
+                        <a:rPr lang="en-US" altLang="ko-KR" sz="1400" b="1" i="0" kern="1200" dirty="0">
+                          <a:solidFill>
+                            <a:schemeClr val="tx1"/>
+                          </a:solidFill>
+                          <a:latin typeface="맑은 고딕" charset="0"/>
+                          <a:ea typeface="맑은 고딕" charset="0"/>
+                        </a:rPr>
+                        <a:t>‘Yu-Gi-Oh Master Duel’</a:t>
+                      </a:r>
+                      <a:r>
+                        <a:rPr lang="ko-KR" altLang="en-US" sz="1400" b="0" i="0" kern="1200" dirty="0">
+                          <a:solidFill>
+                            <a:schemeClr val="tx1"/>
+                          </a:solidFill>
+                          <a:latin typeface="맑은 고딕" charset="0"/>
+                          <a:ea typeface="맑은 고딕" charset="0"/>
+                        </a:rPr>
+                        <a:t>은 오프라인 카드 게임인 </a:t>
+                      </a:r>
+                      <a:r>
+                        <a:rPr lang="en-US" altLang="ko-KR" sz="1400" b="0" i="0" kern="1200" dirty="0">
+                          <a:solidFill>
+                            <a:schemeClr val="tx1"/>
+                          </a:solidFill>
+                          <a:latin typeface="맑은 고딕" charset="0"/>
+                          <a:ea typeface="맑은 고딕" charset="0"/>
+                        </a:rPr>
+                        <a:t>‘</a:t>
+                      </a:r>
+                      <a:r>
+                        <a:rPr lang="ko-KR" altLang="en-US" sz="1400" b="0" i="0" kern="1200" dirty="0">
+                          <a:solidFill>
+                            <a:schemeClr val="tx1"/>
+                          </a:solidFill>
+                          <a:latin typeface="맑은 고딕" charset="0"/>
+                          <a:ea typeface="맑은 고딕" charset="0"/>
+                        </a:rPr>
+                        <a:t>유희왕 오피셜 카드게임</a:t>
+                      </a:r>
+                      <a:r>
+                        <a:rPr lang="en-US" altLang="ko-KR" sz="1400" b="0" i="0" kern="1200" dirty="0">
+                          <a:solidFill>
+                            <a:schemeClr val="tx1"/>
+                          </a:solidFill>
+                          <a:latin typeface="맑은 고딕" charset="0"/>
+                          <a:ea typeface="맑은 고딕" charset="0"/>
+                        </a:rPr>
+                        <a:t>’</a:t>
+                      </a:r>
+                      <a:r>
+                        <a:rPr lang="ko-KR" altLang="en-US" sz="1400" b="0" i="0" kern="1200" dirty="0">
+                          <a:solidFill>
+                            <a:schemeClr val="tx1"/>
+                          </a:solidFill>
+                          <a:latin typeface="맑은 고딕" charset="0"/>
+                          <a:ea typeface="맑은 고딕" charset="0"/>
+                        </a:rPr>
+                        <a:t>을 온라인에서 즐길 수 있게끔 제작된 게임이다</a:t>
+                      </a:r>
+                      <a:r>
+                        <a:rPr lang="en-US" altLang="ko-KR" sz="1400" b="0" i="0" kern="1200" dirty="0">
+                          <a:solidFill>
+                            <a:schemeClr val="tx1"/>
+                          </a:solidFill>
+                          <a:latin typeface="맑은 고딕" charset="0"/>
+                          <a:ea typeface="맑은 고딕" charset="0"/>
+                        </a:rPr>
+                        <a:t>. </a:t>
+                      </a:r>
+                      <a:r>
+                        <a:rPr lang="ko-KR" altLang="en-US" sz="1400" b="0" i="0" kern="1200" dirty="0">
+                          <a:solidFill>
+                            <a:schemeClr val="tx1"/>
+                          </a:solidFill>
+                          <a:latin typeface="맑은 고딕" charset="0"/>
+                          <a:ea typeface="맑은 고딕" charset="0"/>
+                        </a:rPr>
+                        <a:t>그렇기에 카드의 디자인 또한 오프라인 환경에서 사용하는 것을 전제로 설계되었다</a:t>
+                      </a:r>
+                      <a:r>
+                        <a:rPr lang="en-US" altLang="ko-KR" sz="1400" b="0" i="0" kern="1200" dirty="0">
+                          <a:solidFill>
+                            <a:schemeClr val="tx1"/>
+                          </a:solidFill>
+                          <a:latin typeface="맑은 고딕" charset="0"/>
+                          <a:ea typeface="맑은 고딕" charset="0"/>
+                        </a:rPr>
+                        <a:t>. </a:t>
+                      </a:r>
+                      <a:r>
+                        <a:rPr lang="ko-KR" altLang="en-US" sz="1400" b="0" i="0" kern="1200" dirty="0">
+                          <a:solidFill>
+                            <a:schemeClr val="tx1"/>
+                          </a:solidFill>
+                          <a:latin typeface="맑은 고딕" charset="0"/>
+                          <a:ea typeface="맑은 고딕" charset="0"/>
+                        </a:rPr>
+                        <a:t>또한</a:t>
+                      </a:r>
+                      <a:r>
+                        <a:rPr lang="en-US" altLang="ko-KR" sz="1400" b="0" i="0" kern="1200" dirty="0">
+                          <a:solidFill>
+                            <a:schemeClr val="tx1"/>
+                          </a:solidFill>
+                          <a:latin typeface="맑은 고딕" charset="0"/>
+                          <a:ea typeface="맑은 고딕" charset="0"/>
+                        </a:rPr>
+                        <a:t>,</a:t>
+                      </a:r>
+                      <a:r>
+                        <a:rPr lang="ko-KR" altLang="en-US" sz="1400" b="0" i="0" kern="1200" dirty="0">
+                          <a:solidFill>
+                            <a:schemeClr val="tx1"/>
+                          </a:solidFill>
+                          <a:latin typeface="맑은 고딕" charset="0"/>
+                          <a:ea typeface="맑은 고딕" charset="0"/>
+                        </a:rPr>
+                        <a:t> </a:t>
+                      </a:r>
+                      <a:r>
+                        <a:rPr lang="en-US" altLang="ko-KR" sz="1400" b="0" i="0" kern="1200" dirty="0">
+                          <a:solidFill>
+                            <a:schemeClr val="tx1"/>
+                          </a:solidFill>
+                          <a:latin typeface="맑은 고딕" charset="0"/>
+                          <a:ea typeface="맑은 고딕" charset="0"/>
+                        </a:rPr>
+                        <a:t>‘</a:t>
+                      </a:r>
+                      <a:r>
+                        <a:rPr lang="ko-KR" altLang="en-US" sz="1400" b="0" i="0" kern="1200" dirty="0">
+                          <a:solidFill>
+                            <a:schemeClr val="tx1"/>
+                          </a:solidFill>
+                          <a:latin typeface="맑은 고딕" charset="0"/>
+                          <a:ea typeface="맑은 고딕" charset="0"/>
+                        </a:rPr>
+                        <a:t>하스스톤</a:t>
+                      </a:r>
+                      <a:r>
+                        <a:rPr lang="en-US" altLang="ko-KR" sz="1400" b="0" i="0" kern="1200" dirty="0">
+                          <a:solidFill>
+                            <a:schemeClr val="tx1"/>
+                          </a:solidFill>
+                          <a:latin typeface="맑은 고딕" charset="0"/>
+                          <a:ea typeface="맑은 고딕" charset="0"/>
+                        </a:rPr>
+                        <a:t>’</a:t>
+                      </a:r>
+                      <a:r>
+                        <a:rPr lang="ko-KR" altLang="en-US" sz="1400" b="0" i="0" kern="1200" dirty="0">
+                          <a:solidFill>
+                            <a:schemeClr val="tx1"/>
+                          </a:solidFill>
+                          <a:latin typeface="맑은 고딕" charset="0"/>
+                          <a:ea typeface="맑은 고딕" charset="0"/>
+                        </a:rPr>
+                        <a:t>과 달리 오프라인에서 발매된 카드들을 기반으로 만들어 졌고</a:t>
+                      </a:r>
+                      <a:r>
+                        <a:rPr lang="en-US" altLang="ko-KR" sz="1400" b="0" i="0" kern="1200" dirty="0">
+                          <a:solidFill>
+                            <a:schemeClr val="tx1"/>
+                          </a:solidFill>
+                          <a:latin typeface="맑은 고딕" charset="0"/>
+                          <a:ea typeface="맑은 고딕" charset="0"/>
+                        </a:rPr>
+                        <a:t>, </a:t>
+                      </a:r>
+                      <a:r>
+                        <a:rPr lang="ko-KR" altLang="en-US" sz="1400" b="0" i="0" kern="1200" dirty="0">
+                          <a:solidFill>
+                            <a:schemeClr val="tx1"/>
+                          </a:solidFill>
+                          <a:latin typeface="맑은 고딕" charset="0"/>
+                          <a:ea typeface="맑은 고딕" charset="0"/>
+                        </a:rPr>
+                        <a:t>이미 상품으로써 발매된 카드의 수정을 할 수 없기 때문에 카드의 문제</a:t>
+                      </a:r>
+                      <a:r>
+                        <a:rPr lang="en-US" altLang="ko-KR" sz="1400" b="0" i="0" kern="1200" dirty="0">
+                          <a:solidFill>
+                            <a:schemeClr val="tx1"/>
+                          </a:solidFill>
+                          <a:latin typeface="맑은 고딕" charset="0"/>
+                          <a:ea typeface="맑은 고딕" charset="0"/>
+                        </a:rPr>
+                        <a:t>(</a:t>
+                      </a:r>
+                      <a:r>
+                        <a:rPr lang="ko-KR" altLang="en-US" sz="1400" b="0" i="0" kern="1200" dirty="0">
+                          <a:solidFill>
+                            <a:schemeClr val="tx1"/>
+                          </a:solidFill>
+                          <a:latin typeface="맑은 고딕" charset="0"/>
+                          <a:ea typeface="맑은 고딕" charset="0"/>
+                        </a:rPr>
+                        <a:t>밸런스</a:t>
+                      </a:r>
+                      <a:r>
+                        <a:rPr lang="en-US" altLang="ko-KR" sz="1400" b="0" i="0" kern="1200" dirty="0">
+                          <a:solidFill>
+                            <a:schemeClr val="tx1"/>
+                          </a:solidFill>
+                          <a:latin typeface="맑은 고딕" charset="0"/>
+                          <a:ea typeface="맑은 고딕" charset="0"/>
+                        </a:rPr>
+                        <a:t>, </a:t>
+                      </a:r>
+                      <a:r>
+                        <a:rPr lang="ko-KR" altLang="en-US" sz="1400" b="0" i="0" kern="1200" dirty="0">
+                          <a:solidFill>
+                            <a:schemeClr val="tx1"/>
+                          </a:solidFill>
+                          <a:latin typeface="맑은 고딕" charset="0"/>
+                          <a:ea typeface="맑은 고딕" charset="0"/>
+                        </a:rPr>
+                        <a:t>오타</a:t>
+                      </a:r>
+                      <a:r>
+                        <a:rPr lang="en-US" altLang="ko-KR" sz="1400" b="0" i="0" kern="1200" dirty="0">
+                          <a:solidFill>
+                            <a:schemeClr val="tx1"/>
+                          </a:solidFill>
+                          <a:latin typeface="맑은 고딕" charset="0"/>
+                          <a:ea typeface="맑은 고딕" charset="0"/>
+                        </a:rPr>
+                        <a:t>, </a:t>
+                      </a:r>
+                      <a:r>
+                        <a:rPr lang="ko-KR" altLang="en-US" sz="1400" b="0" i="0" kern="1200" dirty="0">
+                          <a:solidFill>
+                            <a:schemeClr val="tx1"/>
+                          </a:solidFill>
+                          <a:latin typeface="맑은 고딕" charset="0"/>
+                          <a:ea typeface="맑은 고딕" charset="0"/>
+                        </a:rPr>
+                        <a:t>오류 등</a:t>
+                      </a:r>
+                      <a:r>
+                        <a:rPr lang="en-US" altLang="ko-KR" sz="1400" b="0" i="0" kern="1200" dirty="0">
+                          <a:solidFill>
+                            <a:schemeClr val="tx1"/>
+                          </a:solidFill>
+                          <a:latin typeface="맑은 고딕" charset="0"/>
+                          <a:ea typeface="맑은 고딕" charset="0"/>
+                        </a:rPr>
+                        <a:t>)</a:t>
+                      </a:r>
+                      <a:r>
+                        <a:rPr lang="ko-KR" altLang="en-US" sz="1400" b="0" i="0" kern="1200" dirty="0">
+                          <a:solidFill>
+                            <a:schemeClr val="tx1"/>
+                          </a:solidFill>
+                          <a:latin typeface="맑은 고딕" charset="0"/>
+                          <a:ea typeface="맑은 고딕" charset="0"/>
+                        </a:rPr>
+                        <a:t>가 발생하는 경우에도 즉각적인 수정 및 보완이 불가능하다</a:t>
+                      </a:r>
+                      <a:r>
+                        <a:rPr lang="en-US" altLang="ko-KR" sz="1400" b="0" i="0" kern="1200" dirty="0">
+                          <a:solidFill>
+                            <a:schemeClr val="tx1"/>
+                          </a:solidFill>
+                          <a:latin typeface="맑은 고딕" charset="0"/>
+                          <a:ea typeface="맑은 고딕" charset="0"/>
+                        </a:rPr>
+                        <a:t>.</a:t>
+                      </a:r>
+                      <a:endParaRPr lang="ko-KR" altLang="en-US" sz="1400" b="0" i="0" kern="1200" dirty="0">
+                        <a:solidFill>
+                          <a:schemeClr val="tx1"/>
+                        </a:solidFill>
+                        <a:latin typeface="맑은 고딕" charset="0"/>
+                        <a:ea typeface="맑은 고딕" charset="0"/>
+                      </a:endParaRPr>
+                    </a:p>
+                  </a:txBody>
+                  <a:tcPr marL="90170" marR="90170" marT="46990" marB="46990" anchor="ctr">
+                    <a:lnL w="12700" cmpd="sng">
+                      <a:noFill/>
+                    </a:lnL>
+                    <a:lnR w="12700" cmpd="sng">
+                      <a:noFill/>
+                    </a:lnR>
+                    <a:lnT w="12700" cap="flat" cmpd="sng" algn="ctr">
+                      <a:noFill/>
+                      <a:prstDash val="solid"/>
+                      <a:round/>
+                      <a:headEnd type="none" w="med" len="med"/>
+                      <a:tailEnd type="none" w="med" len="med"/>
+                    </a:lnT>
+                    <a:lnB w="12700" cmpd="sng">
+                      <a:noFill/>
+                    </a:lnB>
+                    <a:lnTlToBr w="12700" cmpd="sng">
+                      <a:noFill/>
+                      <a:prstDash val="solid"/>
+                    </a:lnTlToBr>
+                    <a:lnBlToTr w="12700" cmpd="sng">
+                      <a:noFill/>
+                      <a:prstDash val="solid"/>
+                    </a:lnBlToTr>
+                    <a:noFill/>
+                  </a:tcPr>
+                </a:tc>
+                <a:extLst>
+                  <a:ext uri="{0D108BD9-81ED-4DB2-BD59-A6C34878D82A}">
+                    <a16:rowId xmlns:a16="http://schemas.microsoft.com/office/drawing/2014/main" val="10001"/>
+                  </a:ext>
+                </a:extLst>
+              </a:tr>
+            </a:tbl>
+          </a:graphicData>
+        </a:graphic>
+      </p:graphicFrame>
+      <p:graphicFrame>
+        <p:nvGraphicFramePr>
+          <p:cNvPr id="8" name="표 1">
+            <a:extLst>
+              <a:ext uri="{FF2B5EF4-FFF2-40B4-BE49-F238E27FC236}">
+                <a16:creationId xmlns:a16="http://schemas.microsoft.com/office/drawing/2014/main" id="{30C56912-C09F-0706-C931-E27A193D9D87}"/>
+              </a:ext>
+            </a:extLst>
+          </p:cNvPr>
+          <p:cNvGraphicFramePr>
+            <a:graphicFrameLocks noGrp="1"/>
+          </p:cNvGraphicFramePr>
+          <p:nvPr>
+            <p:extLst>
+              <p:ext uri="{D42A27DB-BD31-4B8C-83A1-F6EECF244321}">
+                <p14:modId xmlns:p14="http://schemas.microsoft.com/office/powerpoint/2010/main" val="109910499"/>
+              </p:ext>
+            </p:extLst>
+          </p:nvPr>
+        </p:nvGraphicFramePr>
+        <p:xfrm>
+          <a:off x="839788" y="3731534"/>
+          <a:ext cx="10514647" cy="734060"/>
+        </p:xfrm>
+        <a:graphic>
+          <a:graphicData uri="http://schemas.openxmlformats.org/drawingml/2006/table">
+            <a:tbl>
+              <a:tblPr firstRow="1" bandRow="1">
+                <a:tableStyleId>{5C22544A-7EE6-4342-B048-85BDC9FD1C3A}</a:tableStyleId>
+              </a:tblPr>
+              <a:tblGrid>
+                <a:gridCol w="10514647">
+                  <a:extLst>
+                    <a:ext uri="{9D8B030D-6E8A-4147-A177-3AD203B41FA5}">
+                      <a16:colId xmlns:a16="http://schemas.microsoft.com/office/drawing/2014/main" val="20000"/>
+                    </a:ext>
+                  </a:extLst>
+                </a:gridCol>
+              </a:tblGrid>
+              <a:tr h="0">
+                <a:tc>
+                  <a:txBody>
+                    <a:bodyPr/>
+                    <a:lstStyle/>
+                    <a:p>
+                      <a:pPr marL="0" indent="0" hangingPunct="1"/>
+                      <a:r>
+                        <a:rPr lang="en-US" altLang="ko-KR" sz="1400" b="1" i="0" kern="1200" dirty="0">
+                          <a:solidFill>
+                            <a:schemeClr val="tx1"/>
+                          </a:solidFill>
+                          <a:latin typeface="맑은 고딕" charset="0"/>
+                          <a:ea typeface="맑은 고딕" charset="0"/>
+                        </a:rPr>
+                        <a:t>‘Shadowverse’</a:t>
+                      </a:r>
+                      <a:r>
+                        <a:rPr lang="ko-KR" altLang="en-US" sz="1400" b="0" i="0" kern="1200" dirty="0">
+                          <a:solidFill>
+                            <a:schemeClr val="tx1"/>
+                          </a:solidFill>
+                          <a:latin typeface="맑은 고딕" charset="0"/>
+                          <a:ea typeface="맑은 고딕" charset="0"/>
+                        </a:rPr>
+                        <a:t>의 경우는 </a:t>
+                      </a:r>
+                      <a:r>
+                        <a:rPr lang="en-US" altLang="ko-KR" sz="1400" b="0" i="0" kern="1200" dirty="0">
+                          <a:solidFill>
+                            <a:schemeClr val="tx1"/>
+                          </a:solidFill>
+                          <a:latin typeface="맑은 고딕" charset="0"/>
+                          <a:ea typeface="맑은 고딕" charset="0"/>
+                        </a:rPr>
+                        <a:t>‘</a:t>
+                      </a:r>
+                      <a:r>
+                        <a:rPr lang="ko-KR" altLang="en-US" sz="1400" b="0" i="0" kern="1200" dirty="0">
+                          <a:solidFill>
+                            <a:schemeClr val="tx1"/>
+                          </a:solidFill>
+                          <a:latin typeface="맑은 고딕" charset="0"/>
+                          <a:ea typeface="맑은 고딕" charset="0"/>
+                        </a:rPr>
+                        <a:t>하스스톤</a:t>
+                      </a:r>
+                      <a:r>
+                        <a:rPr lang="en-US" altLang="ko-KR" sz="1400" b="0" i="0" kern="1200" dirty="0">
+                          <a:solidFill>
+                            <a:schemeClr val="tx1"/>
+                          </a:solidFill>
+                          <a:latin typeface="맑은 고딕" charset="0"/>
+                          <a:ea typeface="맑은 고딕" charset="0"/>
+                        </a:rPr>
+                        <a:t>’</a:t>
+                      </a:r>
+                      <a:r>
+                        <a:rPr lang="ko-KR" altLang="en-US" sz="1400" b="0" i="0" kern="1200" dirty="0">
+                          <a:solidFill>
+                            <a:schemeClr val="tx1"/>
+                          </a:solidFill>
+                          <a:latin typeface="맑은 고딕" charset="0"/>
+                          <a:ea typeface="맑은 고딕" charset="0"/>
+                        </a:rPr>
+                        <a:t>과 </a:t>
+                      </a:r>
+                      <a:r>
+                        <a:rPr lang="en-US" altLang="ko-KR" sz="1400" b="0" i="0" kern="1200" dirty="0">
+                          <a:solidFill>
+                            <a:schemeClr val="tx1"/>
+                          </a:solidFill>
+                          <a:latin typeface="맑은 고딕" charset="0"/>
+                          <a:ea typeface="맑은 고딕" charset="0"/>
+                        </a:rPr>
+                        <a:t>‘Yu-Gi-Oh Master Duel’</a:t>
+                      </a:r>
+                      <a:r>
+                        <a:rPr lang="ko-KR" altLang="en-US" sz="1400" b="0" i="0" kern="1200" dirty="0">
+                          <a:solidFill>
+                            <a:schemeClr val="tx1"/>
+                          </a:solidFill>
+                          <a:latin typeface="맑은 고딕" charset="0"/>
+                          <a:ea typeface="맑은 고딕" charset="0"/>
+                        </a:rPr>
+                        <a:t>보다 상대적으로 늦게 발매되었으며</a:t>
+                      </a:r>
+                      <a:r>
+                        <a:rPr lang="en-US" altLang="ko-KR" sz="1400" b="0" i="0" kern="1200" dirty="0">
+                          <a:solidFill>
+                            <a:schemeClr val="tx1"/>
+                          </a:solidFill>
+                          <a:latin typeface="맑은 고딕" charset="0"/>
+                          <a:ea typeface="맑은 고딕" charset="0"/>
+                        </a:rPr>
+                        <a:t>, ‘</a:t>
+                      </a:r>
+                      <a:r>
+                        <a:rPr lang="ko-KR" altLang="en-US" sz="1400" b="0" i="0" kern="1200" dirty="0">
+                          <a:solidFill>
+                            <a:schemeClr val="tx1"/>
+                          </a:solidFill>
+                          <a:latin typeface="맑은 고딕" charset="0"/>
+                          <a:ea typeface="맑은 고딕" charset="0"/>
+                        </a:rPr>
+                        <a:t>하스스톤</a:t>
+                      </a:r>
+                      <a:r>
+                        <a:rPr lang="en-US" altLang="ko-KR" sz="1400" b="0" i="0" kern="1200" dirty="0">
+                          <a:solidFill>
+                            <a:schemeClr val="tx1"/>
+                          </a:solidFill>
+                          <a:latin typeface="맑은 고딕" charset="0"/>
+                          <a:ea typeface="맑은 고딕" charset="0"/>
+                        </a:rPr>
+                        <a:t>’</a:t>
+                      </a:r>
+                      <a:r>
+                        <a:rPr lang="ko-KR" altLang="en-US" sz="1400" b="0" i="0" kern="1200" dirty="0">
+                          <a:solidFill>
+                            <a:schemeClr val="tx1"/>
+                          </a:solidFill>
+                          <a:latin typeface="맑은 고딕" charset="0"/>
+                          <a:ea typeface="맑은 고딕" charset="0"/>
+                        </a:rPr>
+                        <a:t>과 같은 랜덤성을 가지고 있지만</a:t>
+                      </a:r>
+                      <a:r>
+                        <a:rPr lang="en-US" altLang="ko-KR" sz="1400" b="0" i="0" kern="1200" dirty="0">
+                          <a:solidFill>
+                            <a:schemeClr val="tx1"/>
+                          </a:solidFill>
+                          <a:latin typeface="맑은 고딕" charset="0"/>
+                          <a:ea typeface="맑은 고딕" charset="0"/>
+                        </a:rPr>
+                        <a:t>, </a:t>
+                      </a:r>
+                      <a:r>
+                        <a:rPr lang="ko-KR" altLang="en-US" sz="1400" b="0" i="0" kern="1200" dirty="0">
+                          <a:solidFill>
+                            <a:schemeClr val="tx1"/>
+                          </a:solidFill>
+                          <a:latin typeface="맑은 고딕" charset="0"/>
+                          <a:ea typeface="맑은 고딕" charset="0"/>
+                        </a:rPr>
+                        <a:t>효과의 범위를 한정하여 오프라인에서 조금 어렵더라도 구현이 가능한 텍스트를 가지는 등 온라인 환경과 오프라인 환경의 중간에 해당하는 카드 디자인을 보여준다</a:t>
+                      </a:r>
+                      <a:r>
+                        <a:rPr lang="en-US" altLang="ko-KR" sz="1400" b="0" i="0" kern="1200" dirty="0">
+                          <a:solidFill>
+                            <a:schemeClr val="tx1"/>
+                          </a:solidFill>
+                          <a:latin typeface="맑은 고딕" charset="0"/>
+                          <a:ea typeface="맑은 고딕" charset="0"/>
+                        </a:rPr>
+                        <a:t>. </a:t>
+                      </a:r>
+                      <a:endParaRPr lang="ko-KR" altLang="en-US" sz="1400" b="0" i="0" kern="1200" dirty="0">
+                        <a:solidFill>
+                          <a:schemeClr val="tx1"/>
+                        </a:solidFill>
+                        <a:latin typeface="맑은 고딕" charset="0"/>
+                        <a:ea typeface="맑은 고딕" charset="0"/>
+                      </a:endParaRPr>
+                    </a:p>
+                  </a:txBody>
+                  <a:tcPr marL="90170" marR="90170" marT="46990" marB="46990" anchor="ctr">
+                    <a:lnL w="12700" cmpd="sng">
+                      <a:noFill/>
+                    </a:lnL>
+                    <a:lnR w="12700" cmpd="sng">
+                      <a:noFill/>
+                    </a:lnR>
+                    <a:lnT w="12700" cap="flat" cmpd="sng" algn="ctr">
+                      <a:noFill/>
+                      <a:prstDash val="solid"/>
+                      <a:round/>
+                      <a:headEnd type="none" w="med" len="med"/>
+                      <a:tailEnd type="none" w="med" len="med"/>
+                    </a:lnT>
+                    <a:lnB w="12700" cmpd="sng">
+                      <a:noFill/>
+                    </a:lnB>
+                    <a:lnTlToBr w="12700" cmpd="sng">
+                      <a:noFill/>
+                      <a:prstDash val="solid"/>
+                    </a:lnTlToBr>
+                    <a:lnBlToTr w="12700" cmpd="sng">
+                      <a:noFill/>
+                      <a:prstDash val="solid"/>
+                    </a:lnBlToTr>
+                    <a:noFill/>
+                  </a:tcPr>
+                </a:tc>
+                <a:extLst>
+                  <a:ext uri="{0D108BD9-81ED-4DB2-BD59-A6C34878D82A}">
+                    <a16:rowId xmlns:a16="http://schemas.microsoft.com/office/drawing/2014/main" val="10001"/>
+                  </a:ext>
+                </a:extLst>
+              </a:tr>
+            </a:tbl>
+          </a:graphicData>
+        </a:graphic>
+      </p:graphicFrame>
+      <p:graphicFrame>
+        <p:nvGraphicFramePr>
+          <p:cNvPr id="5" name="표 1">
+            <a:extLst>
+              <a:ext uri="{FF2B5EF4-FFF2-40B4-BE49-F238E27FC236}">
+                <a16:creationId xmlns:a16="http://schemas.microsoft.com/office/drawing/2014/main" id="{F7D57B44-39DB-9F4A-F88B-B7DCC8EE5EDB}"/>
+              </a:ext>
+            </a:extLst>
+          </p:cNvPr>
+          <p:cNvGraphicFramePr>
+            <a:graphicFrameLocks noGrp="1"/>
+          </p:cNvGraphicFramePr>
+          <p:nvPr>
+            <p:extLst>
+              <p:ext uri="{D42A27DB-BD31-4B8C-83A1-F6EECF244321}">
+                <p14:modId xmlns:p14="http://schemas.microsoft.com/office/powerpoint/2010/main" val="1317569924"/>
+              </p:ext>
+            </p:extLst>
+          </p:nvPr>
+        </p:nvGraphicFramePr>
+        <p:xfrm>
+          <a:off x="839788" y="4853202"/>
+          <a:ext cx="10514647" cy="947420"/>
+        </p:xfrm>
+        <a:graphic>
+          <a:graphicData uri="http://schemas.openxmlformats.org/drawingml/2006/table">
+            <a:tbl>
+              <a:tblPr firstRow="1" bandRow="1">
+                <a:tableStyleId>{5C22544A-7EE6-4342-B048-85BDC9FD1C3A}</a:tableStyleId>
+              </a:tblPr>
+              <a:tblGrid>
+                <a:gridCol w="10514647">
+                  <a:extLst>
+                    <a:ext uri="{9D8B030D-6E8A-4147-A177-3AD203B41FA5}">
+                      <a16:colId xmlns:a16="http://schemas.microsoft.com/office/drawing/2014/main" val="20000"/>
+                    </a:ext>
+                  </a:extLst>
+                </a:gridCol>
+              </a:tblGrid>
+              <a:tr h="0">
+                <a:tc>
+                  <a:txBody>
+                    <a:bodyPr/>
+                    <a:lstStyle/>
+                    <a:p>
+                      <a:pPr marL="0" indent="0" hangingPunct="1"/>
+                      <a:r>
+                        <a:rPr lang="ko-KR" altLang="en-US" sz="1400" b="0" i="0" kern="1200" dirty="0">
+                          <a:solidFill>
+                            <a:schemeClr val="tx1"/>
+                          </a:solidFill>
+                          <a:latin typeface="맑은 고딕" charset="0"/>
+                          <a:ea typeface="맑은 고딕" charset="0"/>
+                        </a:rPr>
+                        <a:t>선정된 게임들은 개발된 환경</a:t>
+                      </a:r>
+                      <a:r>
+                        <a:rPr lang="en-US" altLang="ko-KR" sz="1400" b="0" i="0" kern="1200" dirty="0">
+                          <a:solidFill>
+                            <a:schemeClr val="tx1"/>
+                          </a:solidFill>
+                          <a:latin typeface="맑은 고딕" charset="0"/>
+                          <a:ea typeface="맑은 고딕" charset="0"/>
+                        </a:rPr>
+                        <a:t>(</a:t>
+                      </a:r>
+                      <a:r>
+                        <a:rPr lang="ko-KR" altLang="en-US" sz="1400" b="0" i="0" kern="1200" dirty="0">
+                          <a:solidFill>
+                            <a:schemeClr val="tx1"/>
+                          </a:solidFill>
+                          <a:latin typeface="맑은 고딕" charset="0"/>
+                          <a:ea typeface="맑은 고딕" charset="0"/>
+                        </a:rPr>
+                        <a:t>오프라인</a:t>
+                      </a:r>
+                      <a:r>
+                        <a:rPr lang="en-US" altLang="ko-KR" sz="1400" b="0" i="0" kern="1200" dirty="0">
+                          <a:solidFill>
+                            <a:schemeClr val="tx1"/>
+                          </a:solidFill>
+                          <a:latin typeface="맑은 고딕" charset="0"/>
+                          <a:ea typeface="맑은 고딕" charset="0"/>
+                        </a:rPr>
+                        <a:t>, </a:t>
+                      </a:r>
+                      <a:r>
+                        <a:rPr lang="ko-KR" altLang="en-US" sz="1400" b="0" i="0" kern="1200" dirty="0">
+                          <a:solidFill>
+                            <a:schemeClr val="tx1"/>
+                          </a:solidFill>
+                          <a:latin typeface="맑은 고딕" charset="0"/>
+                          <a:ea typeface="맑은 고딕" charset="0"/>
+                        </a:rPr>
+                        <a:t>온라인</a:t>
+                      </a:r>
+                      <a:r>
+                        <a:rPr lang="en-US" altLang="ko-KR" sz="1400" b="0" i="0" kern="1200" dirty="0">
+                          <a:solidFill>
+                            <a:schemeClr val="tx1"/>
+                          </a:solidFill>
+                          <a:latin typeface="맑은 고딕" charset="0"/>
+                          <a:ea typeface="맑은 고딕" charset="0"/>
+                        </a:rPr>
+                        <a:t>)</a:t>
+                      </a:r>
+                      <a:r>
+                        <a:rPr lang="ko-KR" altLang="en-US" sz="1400" b="0" i="0" kern="1200" dirty="0">
+                          <a:solidFill>
+                            <a:schemeClr val="tx1"/>
+                          </a:solidFill>
+                          <a:latin typeface="맑은 고딕" charset="0"/>
+                          <a:ea typeface="맑은 고딕" charset="0"/>
+                        </a:rPr>
+                        <a:t>의 차이가 있으며</a:t>
+                      </a:r>
+                      <a:r>
+                        <a:rPr lang="en-US" altLang="ko-KR" sz="1400" b="0" i="0" kern="1200" dirty="0">
+                          <a:solidFill>
+                            <a:schemeClr val="tx1"/>
+                          </a:solidFill>
+                          <a:latin typeface="맑은 고딕" charset="0"/>
+                          <a:ea typeface="맑은 고딕" charset="0"/>
+                        </a:rPr>
+                        <a:t>, </a:t>
+                      </a:r>
+                      <a:r>
+                        <a:rPr lang="ko-KR" altLang="en-US" sz="1400" b="0" i="0" kern="1200" dirty="0">
+                          <a:solidFill>
+                            <a:schemeClr val="tx1"/>
+                          </a:solidFill>
+                          <a:latin typeface="맑은 고딕" charset="0"/>
+                          <a:ea typeface="맑은 고딕" charset="0"/>
+                        </a:rPr>
+                        <a:t>이러한 환경의 차이는 게임의 다양한 요소에서 차이점을 만들어 내었다</a:t>
+                      </a:r>
+                      <a:r>
+                        <a:rPr lang="en-US" altLang="ko-KR" sz="1400" b="0" i="0" kern="1200" dirty="0">
+                          <a:solidFill>
+                            <a:schemeClr val="tx1"/>
+                          </a:solidFill>
+                          <a:latin typeface="맑은 고딕" charset="0"/>
+                          <a:ea typeface="맑은 고딕" charset="0"/>
+                        </a:rPr>
+                        <a:t>. ‘</a:t>
+                      </a:r>
+                      <a:r>
+                        <a:rPr lang="ko-KR" altLang="en-US" sz="1400" b="0" i="0" kern="1200" dirty="0">
+                          <a:solidFill>
+                            <a:schemeClr val="tx1"/>
+                          </a:solidFill>
+                          <a:latin typeface="맑은 고딕" charset="0"/>
+                          <a:ea typeface="맑은 고딕" charset="0"/>
+                        </a:rPr>
+                        <a:t>하스스톤</a:t>
+                      </a:r>
+                      <a:r>
+                        <a:rPr lang="en-US" altLang="ko-KR" sz="1400" b="0" i="0" kern="1200" dirty="0">
+                          <a:solidFill>
+                            <a:schemeClr val="tx1"/>
+                          </a:solidFill>
+                          <a:latin typeface="맑은 고딕" charset="0"/>
+                          <a:ea typeface="맑은 고딕" charset="0"/>
+                        </a:rPr>
+                        <a:t>’</a:t>
+                      </a:r>
+                      <a:r>
+                        <a:rPr lang="ko-KR" altLang="en-US" sz="1400" b="0" i="0" kern="1200" dirty="0">
+                          <a:solidFill>
+                            <a:schemeClr val="tx1"/>
+                          </a:solidFill>
+                          <a:latin typeface="맑은 고딕" charset="0"/>
+                          <a:ea typeface="맑은 고딕" charset="0"/>
+                        </a:rPr>
+                        <a:t>과 </a:t>
+                      </a:r>
+                      <a:r>
+                        <a:rPr lang="en-US" altLang="ko-KR" sz="1400" b="0" i="0" kern="1200" dirty="0">
+                          <a:solidFill>
+                            <a:schemeClr val="tx1"/>
+                          </a:solidFill>
+                          <a:latin typeface="맑은 고딕" charset="0"/>
+                          <a:ea typeface="맑은 고딕" charset="0"/>
+                        </a:rPr>
+                        <a:t>‘Yu-Gi-Oh Master Duel’</a:t>
+                      </a:r>
+                      <a:r>
+                        <a:rPr lang="ko-KR" altLang="en-US" sz="1400" b="0" i="0" kern="1200" dirty="0">
+                          <a:solidFill>
+                            <a:schemeClr val="tx1"/>
+                          </a:solidFill>
+                          <a:latin typeface="맑은 고딕" charset="0"/>
+                          <a:ea typeface="맑은 고딕" charset="0"/>
+                        </a:rPr>
+                        <a:t>은 각각 온라인과 오프라인 환경에서 개발된 게임이며</a:t>
+                      </a:r>
+                      <a:r>
+                        <a:rPr lang="en-US" altLang="ko-KR" sz="1400" b="0" i="0" kern="1200" dirty="0">
+                          <a:solidFill>
+                            <a:schemeClr val="tx1"/>
+                          </a:solidFill>
+                          <a:latin typeface="맑은 고딕" charset="0"/>
+                          <a:ea typeface="맑은 고딕" charset="0"/>
+                        </a:rPr>
+                        <a:t>, ‘Shadowverse’</a:t>
+                      </a:r>
+                      <a:r>
+                        <a:rPr lang="ko-KR" altLang="en-US" sz="1400" b="0" i="0" kern="1200" dirty="0">
+                          <a:solidFill>
+                            <a:schemeClr val="tx1"/>
+                          </a:solidFill>
+                          <a:latin typeface="맑은 고딕" charset="0"/>
+                          <a:ea typeface="맑은 고딕" charset="0"/>
+                        </a:rPr>
+                        <a:t>의 경우는 두 게임의 중간에 해당하는 환경에서 개발이 되었다</a:t>
+                      </a:r>
+                      <a:r>
+                        <a:rPr lang="en-US" altLang="ko-KR" sz="1400" b="0" i="0" kern="1200" dirty="0">
+                          <a:solidFill>
+                            <a:schemeClr val="tx1"/>
+                          </a:solidFill>
+                          <a:latin typeface="맑은 고딕" charset="0"/>
+                          <a:ea typeface="맑은 고딕" charset="0"/>
+                        </a:rPr>
+                        <a:t>. </a:t>
+                      </a:r>
+                      <a:r>
+                        <a:rPr lang="ko-KR" altLang="en-US" sz="1400" b="0" i="0" kern="1200" dirty="0">
+                          <a:solidFill>
+                            <a:schemeClr val="tx1"/>
+                          </a:solidFill>
+                          <a:latin typeface="맑은 고딕" charset="0"/>
+                          <a:ea typeface="맑은 고딕" charset="0"/>
+                        </a:rPr>
+                        <a:t>이러한 개발 환경에 따른 게임의 차이를 비교하여 기획 중인 게임의 카드 디자인에 어떠한 방식이 어울리는지 분석하기 위하여 해당 </a:t>
+                      </a:r>
+                      <a:r>
+                        <a:rPr lang="en-US" altLang="ko-KR" sz="1400" b="0" i="0" kern="1200" dirty="0">
+                          <a:solidFill>
+                            <a:schemeClr val="tx1"/>
+                          </a:solidFill>
+                          <a:latin typeface="맑은 고딕" charset="0"/>
+                          <a:ea typeface="맑은 고딕" charset="0"/>
+                        </a:rPr>
+                        <a:t>3</a:t>
+                      </a:r>
+                      <a:r>
+                        <a:rPr lang="ko-KR" altLang="en-US" sz="1400" b="0" i="0" kern="1200" dirty="0">
+                          <a:solidFill>
+                            <a:schemeClr val="tx1"/>
+                          </a:solidFill>
+                          <a:latin typeface="맑은 고딕" charset="0"/>
+                          <a:ea typeface="맑은 고딕" charset="0"/>
+                        </a:rPr>
+                        <a:t>개의 게임을 선정하였다</a:t>
+                      </a:r>
+                      <a:r>
+                        <a:rPr lang="en-US" altLang="ko-KR" sz="1400" b="0" i="0" kern="1200" dirty="0">
+                          <a:solidFill>
+                            <a:schemeClr val="tx1"/>
+                          </a:solidFill>
+                          <a:latin typeface="맑은 고딕" charset="0"/>
+                          <a:ea typeface="맑은 고딕" charset="0"/>
+                        </a:rPr>
+                        <a:t>.</a:t>
+                      </a:r>
+                      <a:endParaRPr lang="ko-KR" altLang="en-US" sz="1400" b="0" i="0" kern="1200" dirty="0">
+                        <a:solidFill>
+                          <a:schemeClr val="tx1"/>
+                        </a:solidFill>
+                        <a:latin typeface="맑은 고딕" charset="0"/>
+                        <a:ea typeface="맑은 고딕" charset="0"/>
+                      </a:endParaRPr>
+                    </a:p>
+                  </a:txBody>
+                  <a:tcPr marL="90170" marR="90170" marT="46990" marB="46990" anchor="ctr">
+                    <a:lnL w="12700" cmpd="sng">
+                      <a:noFill/>
+                    </a:lnL>
+                    <a:lnR w="12700" cmpd="sng">
+                      <a:noFill/>
+                    </a:lnR>
+                    <a:lnT w="12700" cap="flat" cmpd="sng" algn="ctr">
+                      <a:noFill/>
+                      <a:prstDash val="solid"/>
+                      <a:round/>
+                      <a:headEnd type="none" w="med" len="med"/>
+                      <a:tailEnd type="none" w="med" len="med"/>
+                    </a:lnT>
+                    <a:lnB w="12700" cmpd="sng">
+                      <a:noFill/>
+                    </a:lnB>
+                    <a:lnTlToBr w="12700" cmpd="sng">
+                      <a:noFill/>
+                      <a:prstDash val="solid"/>
+                    </a:lnTlToBr>
+                    <a:lnBlToTr w="12700" cmpd="sng">
+                      <a:noFill/>
+                      <a:prstDash val="solid"/>
+                    </a:lnBlToTr>
+                    <a:noFill/>
+                  </a:tcPr>
+                </a:tc>
+                <a:extLst>
+                  <a:ext uri="{0D108BD9-81ED-4DB2-BD59-A6C34878D82A}">
+                    <a16:rowId xmlns:a16="http://schemas.microsoft.com/office/drawing/2014/main" val="10001"/>
+                  </a:ext>
+                </a:extLst>
+              </a:tr>
+            </a:tbl>
+          </a:graphicData>
+        </a:graphic>
+      </p:graphicFrame>
+    </p:spTree>
+    <p:extLst>
+      <p:ext uri="{BB962C8B-B14F-4D97-AF65-F5344CB8AC3E}">
+        <p14:creationId xmlns:p14="http://schemas.microsoft.com/office/powerpoint/2010/main" val="3373746432"/>
+      </p:ext>
+    </p:extLst>
+  </p:cSld>
+  <p:clrMapOvr>
+    <a:masterClrMapping/>
+  </p:clrMapOvr>
+</p:sld>
+</file>
+
+<file path=ppt/slides/slide5.xml><?xml version="1.0" encoding="utf-8"?>
+<p:sld xmlns:a="http://schemas.openxmlformats.org/drawingml/2006/main" xmlns:r="http://schemas.openxmlformats.org/officeDocument/2006/relationships" xmlns:p="http://schemas.openxmlformats.org/presentationml/2006/main">
+  <p:cSld>
+    <p:spTree>
+      <p:nvGrpSpPr>
+        <p:cNvPr id="1" name=""/>
+        <p:cNvGrpSpPr/>
+        <p:nvPr/>
+      </p:nvGrpSpPr>
+      <p:grpSpPr>
+        <a:xfrm>
+          <a:off x="0" y="0"/>
+          <a:ext cx="0" cy="0"/>
+          <a:chOff x="0" y="0"/>
+          <a:chExt cx="0" cy="0"/>
+        </a:xfrm>
+      </p:grpSpPr>
+      <p:sp>
+        <p:nvSpPr>
+          <p:cNvPr id="2" name="제목 1"/>
+          <p:cNvSpPr txBox="1">
+            <a:spLocks noGrp="1"/>
+          </p:cNvSpPr>
+          <p:nvPr>
+            <p:ph type="title"/>
+          </p:nvPr>
+        </p:nvSpPr>
+        <p:spPr>
+          <a:xfrm>
+            <a:off x="839788" y="368301"/>
+            <a:ext cx="10512425" cy="1071562"/>
+          </a:xfrm>
+          <a:prstGeom prst="rect">
+            <a:avLst/>
+          </a:prstGeom>
+        </p:spPr>
+        <p:txBody>
+          <a:bodyPr vert="horz" wrap="square" lIns="91440" tIns="45720" rIns="91440" bIns="45720" numCol="1" anchor="ctr">
+            <a:normAutofit/>
+          </a:bodyPr>
+          <a:lstStyle/>
+          <a:p>
+            <a:pPr marL="0" indent="0" rtl="0" latinLnBrk="0">
+              <a:buFontTx/>
+              <a:buNone/>
+            </a:pPr>
+            <a:r>
+              <a:rPr lang="ko-KR" altLang="en-US" dirty="0"/>
               <a:t>과도한 랜덤성 텍스트</a:t>
             </a:r>
           </a:p>
@@ -6667,7 +6758,7 @@
             </a:pPr>
             <a:fld id="{B9320F77-B9A0-41C5-862A-B4B631284C64}" type="slidenum">
               <a:rPr lang="ko-KR" altLang="en-US"/>
-              <a:t>4</a:t>
+              <a:t>5</a:t>
             </a:fld>
             <a:endParaRPr lang="ko-KR" altLang="en-US"/>
           </a:p>
@@ -6688,14 +6779,14 @@
           <p:nvPr>
             <p:extLst>
               <p:ext uri="{D42A27DB-BD31-4B8C-83A1-F6EECF244321}">
-                <p14:modId xmlns:p14="http://schemas.microsoft.com/office/powerpoint/2010/main" val="2768776723"/>
+                <p14:modId xmlns:p14="http://schemas.microsoft.com/office/powerpoint/2010/main" val="1536787990"/>
               </p:ext>
             </p:extLst>
           </p:nvPr>
         </p:nvGraphicFramePr>
         <p:xfrm>
-          <a:off x="1004411" y="2552024"/>
-          <a:ext cx="10183178" cy="2534920"/>
+          <a:off x="1004411" y="2019645"/>
+          <a:ext cx="10183178" cy="3175000"/>
         </p:xfrm>
         <a:graphic>
           <a:graphicData uri="http://schemas.openxmlformats.org/drawingml/2006/table">
@@ -6887,7 +6978,7 @@
                           <a:latin typeface="맑은 고딕" charset="0"/>
                           <a:ea typeface="맑은 고딕" charset="0"/>
                         </a:rPr>
-                        <a:t>카드의 효과 텍스트에는 다양한 효과를 가진 텍스트가 존재한다</a:t>
+                        <a:t>카드 게임의 카드들은 다양한 효과를 가진 텍스트 가지고 있다</a:t>
                       </a:r>
                       <a:r>
                         <a:rPr lang="en-US" altLang="ko-KR" sz="1400" b="0" i="0" kern="1200" dirty="0">
@@ -6903,16 +6994,6 @@
                     <a:p>
                       <a:pPr marL="0" indent="0" hangingPunct="1"/>
                       <a:r>
-                        <a:rPr lang="ko-KR" altLang="en-US" sz="1400" b="0" i="0" kern="1200" dirty="0">
-                          <a:solidFill>
-                            <a:schemeClr val="tx1"/>
-                          </a:solidFill>
-                          <a:latin typeface="맑은 고딕" charset="0"/>
-                          <a:ea typeface="맑은 고딕" charset="0"/>
-                        </a:rPr>
-                        <a:t>일부 카드에 경우 </a:t>
-                      </a:r>
-                      <a:r>
                         <a:rPr lang="en-US" altLang="ko-KR" sz="1400" b="0" i="0" kern="1200" dirty="0">
                           <a:solidFill>
                             <a:schemeClr val="tx1"/>
@@ -6930,6 +7011,46 @@
                           <a:latin typeface="맑은 고딕" charset="0"/>
                           <a:ea typeface="맑은 고딕" charset="0"/>
                         </a:rPr>
+                        <a:t>하스스톤</a:t>
+                      </a:r>
+                      <a:r>
+                        <a:rPr lang="en-US" altLang="ko-KR" sz="1400" b="0" i="0" kern="1200" dirty="0">
+                          <a:solidFill>
+                            <a:schemeClr val="tx1"/>
+                          </a:solidFill>
+                          <a:latin typeface="맑은 고딕" charset="0"/>
+                          <a:ea typeface="맑은 고딕" charset="0"/>
+                        </a:rPr>
+                        <a:t>’</a:t>
+                      </a:r>
+                      <a:r>
+                        <a:rPr lang="ko-KR" altLang="en-US" sz="1400" b="0" i="0" kern="1200" dirty="0">
+                          <a:solidFill>
+                            <a:schemeClr val="tx1"/>
+                          </a:solidFill>
+                          <a:latin typeface="맑은 고딕" charset="0"/>
+                          <a:ea typeface="맑은 고딕" charset="0"/>
+                        </a:rPr>
+                        <a:t>에 경우 </a:t>
+                      </a:r>
+                      <a:r>
+                        <a:rPr lang="en-US" altLang="ko-KR" sz="1400" b="0" i="0" kern="1200" dirty="0">
+                          <a:solidFill>
+                            <a:schemeClr val="tx1"/>
+                          </a:solidFill>
+                          <a:latin typeface="맑은 고딕" charset="0"/>
+                          <a:ea typeface="맑은 고딕" charset="0"/>
+                        </a:rPr>
+                        <a:t>‘</a:t>
+                      </a:r>
+                      <a:r>
+                        <a:rPr lang="ko-KR" altLang="en-US" sz="1400" b="0" i="0" kern="1200" dirty="0">
+                          <a:solidFill>
+                            <a:schemeClr val="tx1"/>
+                          </a:solidFill>
+                          <a:latin typeface="맑은 고딕" charset="0"/>
+                          <a:ea typeface="맑은 고딕" charset="0"/>
+                        </a:rPr>
                         <a:t>무작위</a:t>
                       </a:r>
                       <a:r>
@@ -6950,7 +7071,7 @@
                           <a:latin typeface="맑은 고딕" charset="0"/>
                           <a:ea typeface="맑은 고딕" charset="0"/>
                         </a:rPr>
-                        <a:t>와 같은 과도한 램던성을 부여하는</a:t>
+                        <a:t>와 같은 과도한 램던성을 가지는</a:t>
                       </a:r>
                       <a:r>
                         <a:rPr lang="en-US" altLang="ko-KR" sz="1400" b="0" i="0" kern="1200" dirty="0">
@@ -6970,7 +7091,7 @@
                           <a:latin typeface="맑은 고딕" charset="0"/>
                           <a:ea typeface="맑은 고딕" charset="0"/>
                         </a:rPr>
-                        <a:t>텍스트가 적혀 있는 경우가 있다</a:t>
+                        <a:t>텍스트를 가지는 카드가 존재한다</a:t>
                       </a:r>
                       <a:r>
                         <a:rPr lang="en-US" altLang="ko-KR" sz="1400" b="0" i="0" kern="1200" dirty="0">
@@ -7003,30 +7124,47 @@
                           <a:latin typeface="맑은 고딕" charset="0"/>
                           <a:ea typeface="맑은 고딕" charset="0"/>
                         </a:rPr>
-                        <a:t>게임에서 랜덤성은 플레이어가 게임을 플레이할 때 얻는 경험이 매순간 다른 경험으로 느껴지게 해주는 변수이다</a:t>
-                      </a:r>
-                      <a:r>
-                        <a:rPr lang="en-US" altLang="ko-KR" sz="1400" b="0" i="0" kern="1200" dirty="0">
-                          <a:solidFill>
-                            <a:schemeClr val="tx1"/>
-                          </a:solidFill>
-                          <a:latin typeface="맑은 고딕" charset="0"/>
-                          <a:ea typeface="맑은 고딕" charset="0"/>
-                        </a:rPr>
-                        <a:t>.</a:t>
-                      </a:r>
-                    </a:p>
-                    <a:p>
-                      <a:pPr marL="0" indent="0" hangingPunct="1"/>
-                      <a:r>
-                        <a:rPr lang="ko-KR" altLang="en-US" sz="1400" b="0" i="0" kern="1200" dirty="0">
-                          <a:solidFill>
-                            <a:schemeClr val="tx1"/>
-                          </a:solidFill>
-                          <a:latin typeface="맑은 고딕" charset="0"/>
-                          <a:ea typeface="맑은 고딕" charset="0"/>
-                        </a:rPr>
-                        <a:t>카드 게임에는 기본적으로 ‘</a:t>
+                        <a:t>적절한 랜덤성은 플레이어에게 매순간 다른 경험을 주고</a:t>
+                      </a:r>
+                      <a:r>
+                        <a:rPr lang="en-US" altLang="ko-KR" sz="1400" b="0" i="0" kern="1200" dirty="0">
+                          <a:solidFill>
+                            <a:schemeClr val="tx1"/>
+                          </a:solidFill>
+                          <a:latin typeface="맑은 고딕" charset="0"/>
+                          <a:ea typeface="맑은 고딕" charset="0"/>
+                        </a:rPr>
+                        <a:t>, </a:t>
+                      </a:r>
+                      <a:r>
+                        <a:rPr lang="ko-KR" altLang="en-US" sz="1400" b="0" i="0" kern="1200" dirty="0">
+                          <a:solidFill>
+                            <a:schemeClr val="tx1"/>
+                          </a:solidFill>
+                          <a:latin typeface="맑은 고딕" charset="0"/>
+                          <a:ea typeface="맑은 고딕" charset="0"/>
+                        </a:rPr>
+                        <a:t>게임을 지루하기 않게 해주는 변수의 역할을 한다</a:t>
+                      </a:r>
+                      <a:r>
+                        <a:rPr lang="en-US" altLang="ko-KR" sz="1400" b="0" i="0" kern="1200" dirty="0">
+                          <a:solidFill>
+                            <a:schemeClr val="tx1"/>
+                          </a:solidFill>
+                          <a:latin typeface="맑은 고딕" charset="0"/>
+                          <a:ea typeface="맑은 고딕" charset="0"/>
+                        </a:rPr>
+                        <a:t>. </a:t>
+                      </a:r>
+                      <a:r>
+                        <a:rPr lang="ko-KR" altLang="en-US" sz="1400" b="0" i="0" kern="1200" dirty="0">
+                          <a:solidFill>
+                            <a:schemeClr val="tx1"/>
+                          </a:solidFill>
+                          <a:latin typeface="맑은 고딕" charset="0"/>
+                          <a:ea typeface="맑은 고딕" charset="0"/>
+                        </a:rPr>
+                        <a:t>하지만 카드 게임에는 기본적으로 ‘</a:t>
                       </a:r>
                       <a:r>
                         <a:rPr lang="ko-KR" altLang="en-US" sz="1400" b="0" i="0" kern="1200" dirty="0" err="1">
@@ -7096,40 +7234,37 @@
                           <a:latin typeface="맑은 고딕" charset="0"/>
                           <a:ea typeface="맑은 고딕" charset="0"/>
                         </a:rPr>
-                        <a:t>.</a:t>
-                      </a:r>
-                    </a:p>
-                    <a:p>
-                      <a:pPr marL="0" indent="0" hangingPunct="1"/>
-                      <a:r>
-                        <a:rPr lang="ko-KR" altLang="en-US" sz="1400" b="0" i="0" kern="1200" dirty="0">
-                          <a:solidFill>
-                            <a:schemeClr val="tx1"/>
-                          </a:solidFill>
-                          <a:latin typeface="맑은 고딕" charset="0"/>
-                          <a:ea typeface="맑은 고딕" charset="0"/>
-                        </a:rPr>
-                        <a:t>하지만 </a:t>
-                      </a:r>
-                      <a:r>
-                        <a:rPr lang="ko-KR" altLang="en-US" sz="1400" b="0" i="0" kern="1200" dirty="0" err="1">
-                          <a:solidFill>
-                            <a:schemeClr val="tx1"/>
-                          </a:solidFill>
-                          <a:latin typeface="맑은 고딕" charset="0"/>
-                          <a:ea typeface="맑은 고딕" charset="0"/>
-                        </a:rPr>
-                        <a:t>하스스톤은</a:t>
-                      </a:r>
-                      <a:r>
-                        <a:rPr lang="ko-KR" altLang="en-US" sz="1400" b="0" i="0" kern="1200" dirty="0">
-                          <a:solidFill>
-                            <a:schemeClr val="tx1"/>
-                          </a:solidFill>
-                          <a:latin typeface="맑은 고딕" charset="0"/>
-                          <a:ea typeface="맑은 고딕" charset="0"/>
-                        </a:rPr>
-                        <a:t> ‘무작위 카드</a:t>
+                        <a:t>. </a:t>
+                      </a:r>
+                      <a:r>
+                        <a:rPr lang="ko-KR" altLang="en-US" sz="1400" b="0" i="0" kern="1200" dirty="0">
+                          <a:solidFill>
+                            <a:schemeClr val="tx1"/>
+                          </a:solidFill>
+                          <a:latin typeface="맑은 고딕" charset="0"/>
+                          <a:ea typeface="맑은 고딕" charset="0"/>
+                        </a:rPr>
+                        <a:t>단</a:t>
+                      </a:r>
+                      <a:r>
+                        <a:rPr lang="en-US" altLang="ko-KR" sz="1400" b="0" i="0" kern="1200" dirty="0">
+                          <a:solidFill>
+                            <a:schemeClr val="tx1"/>
+                          </a:solidFill>
+                          <a:latin typeface="맑은 고딕" charset="0"/>
+                          <a:ea typeface="맑은 고딕" charset="0"/>
+                        </a:rPr>
+                        <a:t>, ’</a:t>
+                      </a:r>
+                      <a:r>
+                        <a:rPr lang="ko-KR" altLang="en-US" sz="1400" b="0" i="0" kern="1200" dirty="0">
+                          <a:solidFill>
+                            <a:schemeClr val="tx1"/>
+                          </a:solidFill>
+                          <a:latin typeface="맑은 고딕" charset="0"/>
+                          <a:ea typeface="맑은 고딕" charset="0"/>
+                        </a:rPr>
+                        <a:t>하스스톤</a:t>
                       </a:r>
                       <a:r>
                         <a:rPr lang="en-US" altLang="ko-KR" sz="1400" b="0" i="0" kern="1200" dirty="0">
@@ -7149,6 +7284,26 @@
                           <a:latin typeface="맑은 고딕" charset="0"/>
                           <a:ea typeface="맑은 고딕" charset="0"/>
                         </a:rPr>
+                        <a:t>의 경우는 ‘무작위 카드</a:t>
+                      </a:r>
+                      <a:r>
+                        <a:rPr lang="en-US" altLang="ko-KR" sz="1400" b="0" i="0" kern="1200" dirty="0">
+                          <a:solidFill>
+                            <a:schemeClr val="tx1"/>
+                          </a:solidFill>
+                          <a:latin typeface="맑은 고딕" charset="0"/>
+                          <a:ea typeface="맑은 고딕" charset="0"/>
+                        </a:rPr>
+                        <a:t>’</a:t>
+                      </a:r>
+                      <a:r>
+                        <a:rPr lang="ko-KR" altLang="en-US" sz="1400" b="0" i="0" kern="1200" dirty="0">
+                          <a:solidFill>
+                            <a:schemeClr val="tx1"/>
+                          </a:solidFill>
+                          <a:latin typeface="맑은 고딕" charset="0"/>
+                          <a:ea typeface="맑은 고딕" charset="0"/>
+                        </a:rPr>
                         <a:t>나 </a:t>
                       </a:r>
                       <a:r>
@@ -7190,49 +7345,6 @@
                           <a:ea typeface="맑은 고딕" charset="0"/>
                         </a:rPr>
                         <a:t> 같은 과도한 랜덤성의 텍스트를 가진 카드들이 다수 존재한다</a:t>
-                      </a:r>
-                      <a:r>
-                        <a:rPr lang="en-US" altLang="ko-KR" sz="1400" b="0" i="0" kern="1200" dirty="0">
-                          <a:solidFill>
-                            <a:schemeClr val="tx1"/>
-                          </a:solidFill>
-                          <a:latin typeface="맑은 고딕" charset="0"/>
-                          <a:ea typeface="맑은 고딕" charset="0"/>
-                        </a:rPr>
-                        <a:t>.</a:t>
-                      </a:r>
-                    </a:p>
-                    <a:p>
-                      <a:pPr marL="0" indent="0" hangingPunct="1"/>
-                      <a:r>
-                        <a:rPr lang="ko-KR" altLang="en-US" sz="1400" b="0" i="0" kern="1200" dirty="0">
-                          <a:solidFill>
-                            <a:schemeClr val="tx1"/>
-                          </a:solidFill>
-                          <a:latin typeface="맑은 고딕" charset="0"/>
-                          <a:ea typeface="맑은 고딕" charset="0"/>
-                        </a:rPr>
-                        <a:t>이러한 텍스트는 플레이어가 예측할 수 없으며</a:t>
-                      </a:r>
-                      <a:r>
-                        <a:rPr lang="en-US" altLang="ko-KR" sz="1400" b="0" i="0" kern="1200" dirty="0">
-                          <a:solidFill>
-                            <a:schemeClr val="tx1"/>
-                          </a:solidFill>
-                          <a:latin typeface="맑은 고딕" charset="0"/>
-                          <a:ea typeface="맑은 고딕" charset="0"/>
-                        </a:rPr>
-                        <a:t>, </a:t>
-                      </a:r>
-                      <a:r>
-                        <a:rPr lang="ko-KR" altLang="en-US" sz="1400" b="0" i="0" kern="1200" dirty="0">
-                          <a:solidFill>
-                            <a:schemeClr val="tx1"/>
-                          </a:solidFill>
-                          <a:latin typeface="맑은 고딕" charset="0"/>
-                          <a:ea typeface="맑은 고딕" charset="0"/>
-                        </a:rPr>
-                        <a:t>대비할 수 없는 요소다</a:t>
                       </a:r>
                       <a:r>
                         <a:rPr lang="en-US" altLang="ko-KR" sz="1400" b="0" i="0" kern="1200" dirty="0">
@@ -7265,7 +7377,7 @@
                           <a:latin typeface="맑은 고딕" charset="0"/>
                           <a:ea typeface="맑은 고딕" charset="0"/>
                         </a:rPr>
-                        <a:t>적절한 랜덤성은 게임에 재미를 줄 수 있는 변수가 되지만</a:t>
+                        <a:t>과도한 랜덤성은 플레이어에게 즐거움이 아닌 불편함을 줄 수 있으며</a:t>
                       </a:r>
                       <a:r>
                         <a:rPr lang="en-US" altLang="ko-KR" sz="1400" b="0" i="0" kern="1200" dirty="0">
@@ -7285,2020 +7397,27 @@
                           <a:latin typeface="맑은 고딕" charset="0"/>
                           <a:ea typeface="맑은 고딕" charset="0"/>
                         </a:rPr>
-                        <a:t>과도한 랜덤성은 승부를 단순히 운으로 승부가 결판나는 부정적인</a:t>
-                      </a:r>
-                      <a:endParaRPr lang="en-US" altLang="ko-KR" sz="1400" b="0" i="0" kern="1200" dirty="0">
-                        <a:solidFill>
-                          <a:schemeClr val="tx1"/>
-                        </a:solidFill>
-                        <a:latin typeface="맑은 고딕" charset="0"/>
-                        <a:ea typeface="맑은 고딕" charset="0"/>
-                      </a:endParaRPr>
-                    </a:p>
-                    <a:p>
-                      <a:pPr marL="0" indent="0" hangingPunct="1"/>
-                      <a:r>
-                        <a:rPr lang="ko-KR" altLang="en-US" sz="1400" b="0" i="0" kern="1200" dirty="0">
-                          <a:solidFill>
-                            <a:schemeClr val="tx1"/>
-                          </a:solidFill>
-                          <a:latin typeface="맑은 고딕" charset="0"/>
-                          <a:ea typeface="맑은 고딕" charset="0"/>
-                        </a:rPr>
-                        <a:t>경험이 될 수 있다</a:t>
-                      </a:r>
-                      <a:r>
-                        <a:rPr lang="en-US" altLang="ko-KR" sz="1400" b="0" i="0" kern="1200" dirty="0">
-                          <a:solidFill>
-                            <a:schemeClr val="tx1"/>
-                          </a:solidFill>
-                          <a:latin typeface="맑은 고딕" charset="0"/>
-                          <a:ea typeface="맑은 고딕" charset="0"/>
-                        </a:rPr>
-                        <a:t>.</a:t>
-                      </a:r>
-                    </a:p>
-                  </a:txBody>
-                  <a:tcPr marL="90170" marR="90170" marT="46990" marB="46990" anchor="ctr">
-                    <a:lnL w="12700" cmpd="sng">
-                      <a:noFill/>
-                    </a:lnL>
-                    <a:lnR w="12700" cmpd="sng">
-                      <a:noFill/>
-                    </a:lnR>
-                    <a:lnT w="12700" cap="flat" cmpd="sng" algn="ctr">
-                      <a:solidFill>
-                        <a:schemeClr val="tx1"/>
-                      </a:solidFill>
-                      <a:prstDash val="solid"/>
-                      <a:round/>
-                      <a:headEnd type="none" w="med" len="med"/>
-                      <a:tailEnd type="none" w="med" len="med"/>
-                    </a:lnT>
-                    <a:lnB w="12700" cap="flat" cmpd="sng" algn="ctr">
-                      <a:noFill/>
-                      <a:prstDash val="solid"/>
-                      <a:round/>
-                      <a:headEnd type="none" w="med" len="med"/>
-                      <a:tailEnd type="none" w="med" len="med"/>
-                    </a:lnB>
-                    <a:lnTlToBr w="12700" cmpd="sng">
-                      <a:noFill/>
-                      <a:prstDash val="solid"/>
-                    </a:lnTlToBr>
-                    <a:lnBlToTr w="12700" cmpd="sng">
-                      <a:noFill/>
-                      <a:prstDash val="solid"/>
-                    </a:lnBlToTr>
-                    <a:noFill/>
-                  </a:tcPr>
-                </a:tc>
-                <a:tc hMerge="1">
-                  <a:txBody>
-                    <a:bodyPr/>
-                    <a:lstStyle/>
-                    <a:p>
-                      <a:pPr marL="0" marR="0" lvl="0" indent="0" algn="l" defTabSz="914400" rtl="0" eaLnBrk="1" fontAlgn="auto" latinLnBrk="1" hangingPunct="1">
-                        <a:lnSpc>
-                          <a:spcPct val="100000"/>
-                        </a:lnSpc>
-                        <a:spcBef>
-                          <a:spcPts val="0"/>
-                        </a:spcBef>
-                        <a:spcAft>
-                          <a:spcPts val="0"/>
-                        </a:spcAft>
-                        <a:buClrTx/>
-                        <a:buSzTx/>
-                        <a:buFontTx/>
-                        <a:buNone/>
-                        <a:tabLst/>
-                        <a:defRPr/>
-                      </a:pPr>
-                      <a:endParaRPr lang="ko-KR" altLang="en-US" sz="1400" b="0" i="0" kern="1200" dirty="0">
-                        <a:solidFill>
-                          <a:schemeClr val="tx1"/>
-                        </a:solidFill>
-                        <a:latin typeface="맑은 고딕" charset="0"/>
-                        <a:ea typeface="맑은 고딕" charset="0"/>
-                      </a:endParaRPr>
-                    </a:p>
-                  </a:txBody>
-                  <a:tcPr marL="90170" marR="90170" marT="46990" marB="46990" anchor="ctr">
-                    <a:lnL w="12700" cap="flat" cmpd="sng" algn="ctr">
-                      <a:solidFill>
-                        <a:schemeClr val="tx1"/>
-                      </a:solidFill>
-                      <a:prstDash val="solid"/>
-                      <a:round/>
-                      <a:headEnd type="none" w="med" len="med"/>
-                      <a:tailEnd type="none" w="med" len="med"/>
-                    </a:lnL>
-                    <a:lnR w="12700" cmpd="sng">
-                      <a:noFill/>
-                    </a:lnR>
-                    <a:lnT w="12700" cap="flat" cmpd="sng" algn="ctr">
-                      <a:solidFill>
-                        <a:schemeClr val="tx1"/>
-                      </a:solidFill>
-                      <a:prstDash val="solid"/>
-                      <a:round/>
-                      <a:headEnd type="none" w="med" len="med"/>
-                      <a:tailEnd type="none" w="med" len="med"/>
-                    </a:lnT>
-                    <a:lnB w="12700" cap="flat" cmpd="sng" algn="ctr">
-                      <a:solidFill>
-                        <a:schemeClr val="tx1"/>
-                      </a:solidFill>
-                      <a:prstDash val="solid"/>
-                      <a:round/>
-                      <a:headEnd type="none" w="med" len="med"/>
-                      <a:tailEnd type="none" w="med" len="med"/>
-                    </a:lnB>
-                    <a:lnTlToBr w="12700" cmpd="sng">
-                      <a:noFill/>
-                      <a:prstDash val="solid"/>
-                    </a:lnTlToBr>
-                    <a:lnBlToTr w="12700" cmpd="sng">
-                      <a:noFill/>
-                      <a:prstDash val="solid"/>
-                    </a:lnBlToTr>
-                    <a:noFill/>
-                  </a:tcPr>
-                </a:tc>
-                <a:extLst>
-                  <a:ext uri="{0D108BD9-81ED-4DB2-BD59-A6C34878D82A}">
-                    <a16:rowId xmlns:a16="http://schemas.microsoft.com/office/drawing/2014/main" val="10002"/>
-                  </a:ext>
-                </a:extLst>
-              </a:tr>
-            </a:tbl>
-          </a:graphicData>
-        </a:graphic>
-      </p:graphicFrame>
-      <p:graphicFrame>
-        <p:nvGraphicFramePr>
-          <p:cNvPr id="6" name="표 5">
-            <a:extLst>
-              <a:ext uri="{FF2B5EF4-FFF2-40B4-BE49-F238E27FC236}">
-                <a16:creationId xmlns:a16="http://schemas.microsoft.com/office/drawing/2014/main" id="{F7B5D92A-1F32-65BF-C466-7312B3140491}"/>
-              </a:ext>
-            </a:extLst>
-          </p:cNvPr>
-          <p:cNvGraphicFramePr>
-            <a:graphicFrameLocks noGrp="1"/>
-          </p:cNvGraphicFramePr>
-          <p:nvPr>
-            <p:extLst>
-              <p:ext uri="{D42A27DB-BD31-4B8C-83A1-F6EECF244321}">
-                <p14:modId xmlns:p14="http://schemas.microsoft.com/office/powerpoint/2010/main" val="611102938"/>
-              </p:ext>
-            </p:extLst>
-          </p:nvPr>
-        </p:nvGraphicFramePr>
-        <p:xfrm>
-          <a:off x="6260623" y="6049010"/>
-          <a:ext cx="4926966" cy="307340"/>
-        </p:xfrm>
-        <a:graphic>
-          <a:graphicData uri="http://schemas.openxmlformats.org/drawingml/2006/table">
-            <a:tbl>
-              <a:tblPr firstRow="1" bandRow="1">
-                <a:tableStyleId>{5C22544A-7EE6-4342-B048-85BDC9FD1C3A}</a:tableStyleId>
-              </a:tblPr>
-              <a:tblGrid>
-                <a:gridCol w="719913">
-                  <a:extLst>
-                    <a:ext uri="{9D8B030D-6E8A-4147-A177-3AD203B41FA5}">
-                      <a16:colId xmlns:a16="http://schemas.microsoft.com/office/drawing/2014/main" val="3261300969"/>
-                    </a:ext>
-                  </a:extLst>
-                </a:gridCol>
-                <a:gridCol w="4207053">
-                  <a:extLst>
-                    <a:ext uri="{9D8B030D-6E8A-4147-A177-3AD203B41FA5}">
-                      <a16:colId xmlns:a16="http://schemas.microsoft.com/office/drawing/2014/main" val="3452121122"/>
-                    </a:ext>
-                  </a:extLst>
-                </a:gridCol>
-              </a:tblGrid>
-              <a:tr h="0">
-                <a:tc>
-                  <a:txBody>
-                    <a:bodyPr/>
-                    <a:lstStyle/>
-                    <a:p>
-                      <a:pPr marL="0" indent="0" algn="ctr" hangingPunct="1"/>
-                      <a:r>
-                        <a:rPr lang="ko-KR" altLang="en-US" sz="1400" b="0" i="0" kern="1200" dirty="0">
-                          <a:solidFill>
-                            <a:schemeClr val="tx1"/>
-                          </a:solidFill>
-                          <a:latin typeface="맑은 고딕" charset="0"/>
-                          <a:ea typeface="맑은 고딕" charset="0"/>
-                        </a:rPr>
-                        <a:t>텍스트</a:t>
-                      </a:r>
-                    </a:p>
-                  </a:txBody>
-                  <a:tcPr marL="90170" marR="90170" marT="46990" marB="46990" anchor="ctr">
-                    <a:lnL w="12700" cmpd="sng">
-                      <a:noFill/>
-                    </a:lnL>
-                    <a:lnR w="12700" cap="flat" cmpd="sng" algn="ctr">
-                      <a:solidFill>
-                        <a:schemeClr val="tx1"/>
-                      </a:solidFill>
-                      <a:prstDash val="solid"/>
-                      <a:round/>
-                      <a:headEnd type="none" w="med" len="med"/>
-                      <a:tailEnd type="none" w="med" len="med"/>
-                    </a:lnR>
-                    <a:lnT w="12700" cap="flat" cmpd="sng" algn="ctr">
-                      <a:noFill/>
-                      <a:prstDash val="solid"/>
-                      <a:round/>
-                      <a:headEnd type="none" w="med" len="med"/>
-                      <a:tailEnd type="none" w="med" len="med"/>
-                    </a:lnT>
-                    <a:lnB w="12700" cap="flat" cmpd="sng" algn="ctr">
-                      <a:noFill/>
-                      <a:prstDash val="solid"/>
-                      <a:round/>
-                      <a:headEnd type="none" w="med" len="med"/>
-                      <a:tailEnd type="none" w="med" len="med"/>
-                    </a:lnB>
-                    <a:lnTlToBr w="12700" cmpd="sng">
-                      <a:noFill/>
-                      <a:prstDash val="solid"/>
-                    </a:lnTlToBr>
-                    <a:lnBlToTr w="12700" cmpd="sng">
-                      <a:noFill/>
-                      <a:prstDash val="solid"/>
-                    </a:lnBlToTr>
-                    <a:noFill/>
-                  </a:tcPr>
-                </a:tc>
-                <a:tc>
-                  <a:txBody>
-                    <a:bodyPr/>
-                    <a:lstStyle/>
-                    <a:p>
-                      <a:pPr marL="0" indent="0" hangingPunct="1"/>
-                      <a:r>
-                        <a:rPr lang="ko-KR" altLang="en-US" sz="1400" b="0" i="0" kern="1200" dirty="0">
-                          <a:solidFill>
-                            <a:schemeClr val="tx1"/>
-                          </a:solidFill>
-                          <a:latin typeface="맑은 고딕" charset="0"/>
-                          <a:ea typeface="맑은 고딕" charset="0"/>
-                        </a:rPr>
-                        <a:t>카드에 쓰여 있는 카드의 효과가 적혀 있는 글이다</a:t>
-                      </a:r>
-                      <a:r>
-                        <a:rPr lang="en-US" altLang="ko-KR" sz="1400" b="0" i="0" kern="1200" dirty="0">
-                          <a:solidFill>
-                            <a:schemeClr val="tx1"/>
-                          </a:solidFill>
-                          <a:latin typeface="맑은 고딕" charset="0"/>
-                          <a:ea typeface="맑은 고딕" charset="0"/>
-                        </a:rPr>
-                        <a:t>. </a:t>
-                      </a:r>
-                      <a:endParaRPr lang="ko-KR" altLang="en-US" sz="1400" b="0" i="0" kern="1200" dirty="0">
-                        <a:solidFill>
-                          <a:schemeClr val="tx1"/>
-                        </a:solidFill>
-                        <a:latin typeface="맑은 고딕" charset="0"/>
-                        <a:ea typeface="맑은 고딕" charset="0"/>
-                      </a:endParaRPr>
-                    </a:p>
-                  </a:txBody>
-                  <a:tcPr marL="90170" marR="90170" marT="46990" marB="46990" anchor="ctr">
-                    <a:lnL w="12700" cap="flat" cmpd="sng" algn="ctr">
-                      <a:solidFill>
-                        <a:schemeClr val="tx1"/>
-                      </a:solidFill>
-                      <a:prstDash val="solid"/>
-                      <a:round/>
-                      <a:headEnd type="none" w="med" len="med"/>
-                      <a:tailEnd type="none" w="med" len="med"/>
-                    </a:lnL>
-                    <a:lnR w="12700" cmpd="sng">
-                      <a:noFill/>
-                    </a:lnR>
-                    <a:lnT w="12700" cap="flat" cmpd="sng" algn="ctr">
-                      <a:noFill/>
-                      <a:prstDash val="solid"/>
-                      <a:round/>
-                      <a:headEnd type="none" w="med" len="med"/>
-                      <a:tailEnd type="none" w="med" len="med"/>
-                    </a:lnT>
-                    <a:lnB w="12700" cap="flat" cmpd="sng" algn="ctr">
-                      <a:noFill/>
-                      <a:prstDash val="solid"/>
-                      <a:round/>
-                      <a:headEnd type="none" w="med" len="med"/>
-                      <a:tailEnd type="none" w="med" len="med"/>
-                    </a:lnB>
-                    <a:lnTlToBr w="12700" cmpd="sng">
-                      <a:noFill/>
-                      <a:prstDash val="solid"/>
-                    </a:lnTlToBr>
-                    <a:lnBlToTr w="12700" cmpd="sng">
-                      <a:noFill/>
-                      <a:prstDash val="solid"/>
-                    </a:lnBlToTr>
-                    <a:noFill/>
-                  </a:tcPr>
-                </a:tc>
-                <a:extLst>
-                  <a:ext uri="{0D108BD9-81ED-4DB2-BD59-A6C34878D82A}">
-                    <a16:rowId xmlns:a16="http://schemas.microsoft.com/office/drawing/2014/main" val="2513938861"/>
-                  </a:ext>
-                </a:extLst>
-              </a:tr>
-            </a:tbl>
-          </a:graphicData>
-        </a:graphic>
-      </p:graphicFrame>
-    </p:spTree>
-    <p:extLst>
-      <p:ext uri="{BB962C8B-B14F-4D97-AF65-F5344CB8AC3E}">
-        <p14:creationId xmlns:p14="http://schemas.microsoft.com/office/powerpoint/2010/main" val="2462906942"/>
-      </p:ext>
-    </p:extLst>
-  </p:cSld>
-  <p:clrMapOvr>
-    <a:masterClrMapping/>
-  </p:clrMapOvr>
-</p:sld>
-</file>
-
-<file path=ppt/slides/slide5.xml><?xml version="1.0" encoding="utf-8"?>
-<p:sld xmlns:a="http://schemas.openxmlformats.org/drawingml/2006/main" xmlns:r="http://schemas.openxmlformats.org/officeDocument/2006/relationships" xmlns:p="http://schemas.openxmlformats.org/presentationml/2006/main">
-  <p:cSld>
-    <p:spTree>
-      <p:nvGrpSpPr>
-        <p:cNvPr id="1" name=""/>
-        <p:cNvGrpSpPr/>
-        <p:nvPr/>
-      </p:nvGrpSpPr>
-      <p:grpSpPr>
-        <a:xfrm>
-          <a:off x="0" y="0"/>
-          <a:ext cx="0" cy="0"/>
-          <a:chOff x="0" y="0"/>
-          <a:chExt cx="0" cy="0"/>
-        </a:xfrm>
-      </p:grpSpPr>
-      <p:sp>
-        <p:nvSpPr>
-          <p:cNvPr id="2" name="제목 1"/>
-          <p:cNvSpPr txBox="1">
-            <a:spLocks noGrp="1"/>
-          </p:cNvSpPr>
-          <p:nvPr>
-            <p:ph type="title"/>
-          </p:nvPr>
-        </p:nvSpPr>
-        <p:spPr>
-          <a:xfrm>
-            <a:off x="839788" y="368301"/>
-            <a:ext cx="10512425" cy="1071562"/>
-          </a:xfrm>
-          <a:prstGeom prst="rect">
-            <a:avLst/>
-          </a:prstGeom>
-        </p:spPr>
-        <p:txBody>
-          <a:bodyPr vert="horz" wrap="square" lIns="91440" tIns="45720" rIns="91440" bIns="45720" numCol="1" anchor="ctr">
-            <a:normAutofit/>
-          </a:bodyPr>
-          <a:lstStyle/>
-          <a:p>
-            <a:pPr marL="0" indent="0" rtl="0" latinLnBrk="0">
-              <a:buFontTx/>
-              <a:buNone/>
-            </a:pPr>
-            <a:r>
-              <a:rPr lang="ko-KR" altLang="en-US" dirty="0"/>
-              <a:t>과도한 랜덤성 텍스트</a:t>
-            </a:r>
-            <a:r>
-              <a:rPr lang="en-US" altLang="ko-KR" dirty="0"/>
-              <a:t>-</a:t>
-            </a:r>
-            <a:r>
-              <a:rPr lang="ko-KR" altLang="en-US" dirty="0"/>
-              <a:t>예시</a:t>
-            </a:r>
-          </a:p>
-        </p:txBody>
-      </p:sp>
-      <p:sp>
-        <p:nvSpPr>
-          <p:cNvPr id="4" name="Rect 0"/>
-          <p:cNvSpPr txBox="1">
-            <a:spLocks noGrp="1"/>
-          </p:cNvSpPr>
-          <p:nvPr>
-            <p:ph type="sldNum" idx="12"/>
-          </p:nvPr>
-        </p:nvSpPr>
-        <p:spPr>
-          <a:xfrm>
-            <a:off x="8610600" y="6356350"/>
-            <a:ext cx="2743835" cy="365760"/>
-          </a:xfrm>
-          <a:prstGeom prst="rect">
-            <a:avLst/>
-          </a:prstGeom>
-        </p:spPr>
-        <p:txBody>
-          <a:bodyPr vert="horz" wrap="square" lIns="91440" tIns="45720" rIns="91440" bIns="45720" anchor="ctr">
-            <a:noAutofit/>
-          </a:bodyPr>
-          <a:lstStyle/>
-          <a:p>
-            <a:pPr marL="0" indent="0" latinLnBrk="0">
-              <a:buFontTx/>
-              <a:buNone/>
-            </a:pPr>
-            <a:fld id="{B9320F77-B9A0-41C5-862A-B4B631284C64}" type="slidenum">
-              <a:rPr lang="ko-KR" altLang="en-US"/>
-              <a:t>5</a:t>
-            </a:fld>
-            <a:endParaRPr lang="ko-KR" altLang="en-US"/>
-          </a:p>
-        </p:txBody>
-      </p:sp>
-      <p:graphicFrame>
-        <p:nvGraphicFramePr>
-          <p:cNvPr id="5" name="표 1">
-            <a:extLst>
-              <a:ext uri="{FF2B5EF4-FFF2-40B4-BE49-F238E27FC236}">
-                <a16:creationId xmlns:a16="http://schemas.microsoft.com/office/drawing/2014/main" id="{DEDED56A-C738-DB16-B7C6-C421F6EC1230}"/>
-              </a:ext>
-            </a:extLst>
-          </p:cNvPr>
-          <p:cNvGraphicFramePr>
-            <a:graphicFrameLocks noGrp="1"/>
-          </p:cNvGraphicFramePr>
-          <p:nvPr>
-            <p:extLst>
-              <p:ext uri="{D42A27DB-BD31-4B8C-83A1-F6EECF244321}">
-                <p14:modId xmlns:p14="http://schemas.microsoft.com/office/powerpoint/2010/main" val="4115421279"/>
-              </p:ext>
-            </p:extLst>
-          </p:nvPr>
-        </p:nvGraphicFramePr>
-        <p:xfrm>
-          <a:off x="1004411" y="4327797"/>
-          <a:ext cx="10183178" cy="1160780"/>
-        </p:xfrm>
-        <a:graphic>
-          <a:graphicData uri="http://schemas.openxmlformats.org/drawingml/2006/table">
-            <a:tbl>
-              <a:tblPr firstRow="1" bandRow="1">
-                <a:tableStyleId>{5C22544A-7EE6-4342-B048-85BDC9FD1C3A}</a:tableStyleId>
-              </a:tblPr>
-              <a:tblGrid>
-                <a:gridCol w="10183178">
-                  <a:extLst>
-                    <a:ext uri="{9D8B030D-6E8A-4147-A177-3AD203B41FA5}">
-                      <a16:colId xmlns:a16="http://schemas.microsoft.com/office/drawing/2014/main" val="20000"/>
-                    </a:ext>
-                  </a:extLst>
-                </a:gridCol>
-              </a:tblGrid>
-              <a:tr h="0">
-                <a:tc>
-                  <a:txBody>
-                    <a:bodyPr/>
-                    <a:lstStyle/>
-                    <a:p>
-                      <a:pPr marL="0" indent="0" algn="l" hangingPunct="1"/>
-                      <a:r>
-                        <a:rPr lang="ko-KR" altLang="en-US" sz="1400" b="0" i="0" kern="1200" dirty="0">
-                          <a:solidFill>
-                            <a:schemeClr val="tx1"/>
-                          </a:solidFill>
-                          <a:latin typeface="맑은 고딕" charset="0"/>
-                          <a:ea typeface="맑은 고딕" charset="0"/>
-                        </a:rPr>
-                        <a:t>과도한 랜덤성을 가진 텍스트의 가장 큰 예시는 </a:t>
-                      </a:r>
-                      <a:r>
-                        <a:rPr lang="en-US" altLang="ko-KR" sz="1400" b="0" i="0" kern="1200" dirty="0">
-                          <a:solidFill>
-                            <a:schemeClr val="tx1"/>
-                          </a:solidFill>
-                          <a:latin typeface="맑은 고딕" charset="0"/>
-                          <a:ea typeface="맑은 고딕" charset="0"/>
-                        </a:rPr>
-                        <a:t>‘</a:t>
-                      </a:r>
-                      <a:r>
-                        <a:rPr lang="ko-KR" altLang="en-US" sz="1400" b="0" i="0" kern="1200" dirty="0">
-                          <a:solidFill>
-                            <a:schemeClr val="tx1"/>
-                          </a:solidFill>
-                          <a:latin typeface="맑은 고딕" charset="0"/>
-                          <a:ea typeface="맑은 고딕" charset="0"/>
-                        </a:rPr>
-                        <a:t>하스스톤</a:t>
-                      </a:r>
-                      <a:r>
-                        <a:rPr lang="en-US" altLang="ko-KR" sz="1400" b="0" i="0" kern="1200" dirty="0">
-                          <a:solidFill>
-                            <a:schemeClr val="tx1"/>
-                          </a:solidFill>
-                          <a:latin typeface="맑은 고딕" charset="0"/>
-                          <a:ea typeface="맑은 고딕" charset="0"/>
-                        </a:rPr>
-                        <a:t>’</a:t>
-                      </a:r>
-                      <a:r>
-                        <a:rPr lang="ko-KR" altLang="en-US" sz="1400" b="0" i="0" kern="1200" dirty="0">
-                          <a:solidFill>
-                            <a:schemeClr val="tx1"/>
-                          </a:solidFill>
-                          <a:latin typeface="맑은 고딕" charset="0"/>
-                          <a:ea typeface="맑은 고딕" charset="0"/>
-                        </a:rPr>
-                        <a:t>의 </a:t>
-                      </a:r>
-                      <a:r>
-                        <a:rPr lang="en-US" altLang="ko-KR" sz="1400" b="0" i="0" kern="1200" dirty="0">
-                          <a:solidFill>
-                            <a:schemeClr val="tx1"/>
-                          </a:solidFill>
-                          <a:latin typeface="맑은 고딕" charset="0"/>
-                          <a:ea typeface="맑은 고딕" charset="0"/>
-                        </a:rPr>
-                        <a:t>‘</a:t>
-                      </a:r>
-                      <a:r>
-                        <a:rPr lang="ko-KR" altLang="en-US" sz="1400" b="0" i="0" kern="1200" dirty="0">
-                          <a:solidFill>
-                            <a:schemeClr val="tx1"/>
-                          </a:solidFill>
-                          <a:latin typeface="맑은 고딕" charset="0"/>
-                          <a:ea typeface="맑은 고딕" charset="0"/>
-                        </a:rPr>
-                        <a:t>불안정한 </a:t>
-                      </a:r>
-                      <a:r>
-                        <a:rPr lang="ko-KR" altLang="en-US" sz="1400" b="0" i="0" kern="1200" dirty="0" err="1">
-                          <a:solidFill>
-                            <a:schemeClr val="tx1"/>
-                          </a:solidFill>
-                          <a:latin typeface="맑은 고딕" charset="0"/>
-                          <a:ea typeface="맑은 고딕" charset="0"/>
-                        </a:rPr>
-                        <a:t>차원문</a:t>
-                      </a:r>
-                      <a:r>
-                        <a:rPr lang="en-US" altLang="ko-KR" sz="1400" b="0" i="0" kern="1200" dirty="0">
-                          <a:solidFill>
-                            <a:schemeClr val="tx1"/>
-                          </a:solidFill>
-                          <a:latin typeface="맑은 고딕" charset="0"/>
-                          <a:ea typeface="맑은 고딕" charset="0"/>
-                        </a:rPr>
-                        <a:t>’</a:t>
-                      </a:r>
-                      <a:r>
-                        <a:rPr lang="ko-KR" altLang="en-US" sz="1400" b="0" i="0" kern="1200" dirty="0">
-                          <a:solidFill>
-                            <a:schemeClr val="tx1"/>
-                          </a:solidFill>
-                          <a:latin typeface="맑은 고딕" charset="0"/>
-                          <a:ea typeface="맑은 고딕" charset="0"/>
-                        </a:rPr>
-                        <a:t>과 </a:t>
-                      </a:r>
-                      <a:r>
-                        <a:rPr lang="en-US" altLang="ko-KR" sz="1400" b="0" i="0" kern="1200" dirty="0">
-                          <a:solidFill>
-                            <a:schemeClr val="tx1"/>
-                          </a:solidFill>
-                          <a:latin typeface="맑은 고딕" charset="0"/>
-                          <a:ea typeface="맑은 고딕" charset="0"/>
-                        </a:rPr>
-                        <a:t>‘</a:t>
-                      </a:r>
-                      <a:r>
-                        <a:rPr lang="ko-KR" altLang="en-US" sz="1400" b="0" i="0" kern="1200" dirty="0">
-                          <a:solidFill>
-                            <a:schemeClr val="tx1"/>
-                          </a:solidFill>
-                          <a:latin typeface="맑은 고딕" charset="0"/>
-                          <a:ea typeface="맑은 고딕" charset="0"/>
-                        </a:rPr>
-                        <a:t>희망의 끝 </a:t>
-                      </a:r>
-                      <a:r>
-                        <a:rPr lang="ko-KR" altLang="en-US" sz="1400" b="0" i="0" kern="1200" dirty="0" err="1">
-                          <a:solidFill>
-                            <a:schemeClr val="tx1"/>
-                          </a:solidFill>
-                          <a:latin typeface="맑은 고딕" charset="0"/>
-                          <a:ea typeface="맑은 고딕" charset="0"/>
-                        </a:rPr>
-                        <a:t>요그사론</a:t>
-                      </a:r>
-                      <a:r>
-                        <a:rPr lang="en-US" altLang="ko-KR" sz="1400" b="0" i="0" kern="1200" dirty="0">
-                          <a:solidFill>
-                            <a:schemeClr val="tx1"/>
-                          </a:solidFill>
-                          <a:latin typeface="맑은 고딕" charset="0"/>
-                          <a:ea typeface="맑은 고딕" charset="0"/>
-                        </a:rPr>
-                        <a:t>’</a:t>
-                      </a:r>
-                      <a:r>
-                        <a:rPr lang="ko-KR" altLang="en-US" sz="1400" b="0" i="0" kern="1200" dirty="0">
-                          <a:solidFill>
-                            <a:schemeClr val="tx1"/>
-                          </a:solidFill>
-                          <a:latin typeface="맑은 고딕" charset="0"/>
-                          <a:ea typeface="맑은 고딕" charset="0"/>
-                        </a:rPr>
-                        <a:t>이라는 카드가 있다</a:t>
-                      </a:r>
-                      <a:r>
-                        <a:rPr lang="en-US" altLang="ko-KR" sz="1400" b="0" i="0" kern="1200" dirty="0">
-                          <a:solidFill>
-                            <a:schemeClr val="tx1"/>
-                          </a:solidFill>
-                          <a:latin typeface="맑은 고딕" charset="0"/>
-                          <a:ea typeface="맑은 고딕" charset="0"/>
-                        </a:rPr>
-                        <a:t>.</a:t>
-                      </a:r>
-                    </a:p>
-                    <a:p>
-                      <a:pPr marL="0" indent="0" algn="l" hangingPunct="1"/>
-                      <a:r>
-                        <a:rPr lang="ko-KR" altLang="en-US" sz="1400" b="0" i="0" kern="1200" dirty="0">
-                          <a:solidFill>
-                            <a:schemeClr val="tx1"/>
-                          </a:solidFill>
-                          <a:latin typeface="맑은 고딕" charset="0"/>
-                          <a:ea typeface="맑은 고딕" charset="0"/>
-                        </a:rPr>
-                        <a:t>이 카드들의 텍스트의 공통점은 매우 넓은 범위 내에서 무작위 카드를 지정한다는 것이다</a:t>
-                      </a:r>
-                      <a:r>
-                        <a:rPr lang="en-US" altLang="ko-KR" sz="1400" b="0" i="0" kern="1200" dirty="0">
-                          <a:solidFill>
-                            <a:schemeClr val="tx1"/>
-                          </a:solidFill>
-                          <a:latin typeface="맑은 고딕" charset="0"/>
-                          <a:ea typeface="맑은 고딕" charset="0"/>
-                        </a:rPr>
-                        <a:t>.</a:t>
-                      </a:r>
-                    </a:p>
-                    <a:p>
-                      <a:pPr marL="0" indent="0" algn="l" hangingPunct="1"/>
-                      <a:endParaRPr lang="en-US" altLang="ko-KR" sz="1400" b="0" i="0" kern="1200" dirty="0">
-                        <a:solidFill>
-                          <a:schemeClr val="tx1"/>
-                        </a:solidFill>
-                        <a:latin typeface="맑은 고딕" charset="0"/>
-                        <a:ea typeface="맑은 고딕" charset="0"/>
-                      </a:endParaRPr>
-                    </a:p>
-                    <a:p>
-                      <a:pPr marL="0" indent="0" algn="l" hangingPunct="1"/>
-                      <a:r>
-                        <a:rPr lang="ko-KR" altLang="en-US" sz="1400" b="0" i="0" kern="1200" dirty="0">
-                          <a:solidFill>
-                            <a:schemeClr val="tx1"/>
-                          </a:solidFill>
-                          <a:latin typeface="맑은 고딕" charset="0"/>
-                          <a:ea typeface="맑은 고딕" charset="0"/>
-                        </a:rPr>
-                        <a:t>또한</a:t>
-                      </a:r>
-                      <a:r>
-                        <a:rPr lang="en-US" altLang="ko-KR" sz="1400" b="0" i="0" kern="1200" dirty="0">
-                          <a:solidFill>
-                            <a:schemeClr val="tx1"/>
-                          </a:solidFill>
-                          <a:latin typeface="맑은 고딕" charset="0"/>
-                          <a:ea typeface="맑은 고딕" charset="0"/>
-                        </a:rPr>
-                        <a:t>, ‘</a:t>
-                      </a:r>
-                      <a:r>
-                        <a:rPr lang="ko-KR" altLang="en-US" sz="1400" b="0" i="0" kern="1200" dirty="0">
-                          <a:solidFill>
-                            <a:schemeClr val="tx1"/>
-                          </a:solidFill>
-                          <a:latin typeface="맑은 고딕" charset="0"/>
-                          <a:ea typeface="맑은 고딕" charset="0"/>
-                        </a:rPr>
-                        <a:t>희망의 끝 </a:t>
-                      </a:r>
-                      <a:r>
-                        <a:rPr lang="ko-KR" altLang="en-US" sz="1400" b="0" i="0" kern="1200" dirty="0" err="1">
-                          <a:solidFill>
-                            <a:schemeClr val="tx1"/>
-                          </a:solidFill>
-                          <a:latin typeface="맑은 고딕" charset="0"/>
-                          <a:ea typeface="맑은 고딕" charset="0"/>
-                        </a:rPr>
-                        <a:t>요그사론</a:t>
-                      </a:r>
-                      <a:r>
-                        <a:rPr lang="en-US" altLang="ko-KR" sz="1400" b="0" i="0" kern="1200" dirty="0">
-                          <a:solidFill>
-                            <a:schemeClr val="tx1"/>
-                          </a:solidFill>
-                          <a:latin typeface="맑은 고딕" charset="0"/>
-                          <a:ea typeface="맑은 고딕" charset="0"/>
-                        </a:rPr>
-                        <a:t>’</a:t>
-                      </a:r>
-                      <a:r>
-                        <a:rPr lang="ko-KR" altLang="en-US" sz="1400" b="0" i="0" kern="1200" dirty="0">
-                          <a:solidFill>
-                            <a:schemeClr val="tx1"/>
-                          </a:solidFill>
-                          <a:latin typeface="맑은 고딕" charset="0"/>
-                          <a:ea typeface="맑은 고딕" charset="0"/>
-                        </a:rPr>
-                        <a:t>의 경우 대회에서 많이 기용되며</a:t>
-                      </a:r>
-                      <a:r>
-                        <a:rPr lang="en-US" altLang="ko-KR" sz="1400" b="0" i="0" kern="1200" dirty="0">
-                          <a:solidFill>
-                            <a:schemeClr val="tx1"/>
-                          </a:solidFill>
-                          <a:latin typeface="맑은 고딕" charset="0"/>
-                          <a:ea typeface="맑은 고딕" charset="0"/>
-                        </a:rPr>
-                        <a:t>, </a:t>
-                      </a:r>
-                      <a:r>
-                        <a:rPr lang="ko-KR" altLang="en-US" sz="1400" b="0" i="0" kern="1200" dirty="0">
-                          <a:solidFill>
-                            <a:schemeClr val="tx1"/>
-                          </a:solidFill>
-                          <a:latin typeface="맑은 고딕" charset="0"/>
-                          <a:ea typeface="맑은 고딕" charset="0"/>
-                        </a:rPr>
-                        <a:t>해당 경기의 승패를 순전히 운에 맞기 경우를 만들어 내며</a:t>
-                      </a:r>
-                      <a:r>
-                        <a:rPr lang="en-US" altLang="ko-KR" sz="1400" b="0" i="0" kern="1200" dirty="0">
-                          <a:solidFill>
-                            <a:schemeClr val="tx1"/>
-                          </a:solidFill>
-                          <a:latin typeface="맑은 고딕" charset="0"/>
-                          <a:ea typeface="맑은 고딕" charset="0"/>
-                        </a:rPr>
-                        <a:t>,</a:t>
-                      </a:r>
-                    </a:p>
-                    <a:p>
-                      <a:pPr marL="0" indent="0" algn="l" hangingPunct="1"/>
-                      <a:r>
-                        <a:rPr lang="en-US" altLang="ko-KR" sz="1400" b="0" i="0" kern="1200" dirty="0">
-                          <a:solidFill>
-                            <a:schemeClr val="tx1"/>
-                          </a:solidFill>
-                          <a:latin typeface="맑은 고딕" charset="0"/>
-                          <a:ea typeface="맑은 고딕" charset="0"/>
-                        </a:rPr>
-                        <a:t>‘</a:t>
-                      </a:r>
-                      <a:r>
-                        <a:rPr lang="ko-KR" altLang="en-US" sz="1400" b="0" i="0" kern="1200" dirty="0">
-                          <a:solidFill>
-                            <a:schemeClr val="tx1"/>
-                          </a:solidFill>
-                          <a:latin typeface="맑은 고딕" charset="0"/>
-                          <a:ea typeface="맑은 고딕" charset="0"/>
-                        </a:rPr>
-                        <a:t>하스스톤</a:t>
-                      </a:r>
-                      <a:r>
-                        <a:rPr lang="en-US" altLang="ko-KR" sz="1400" b="0" i="0" kern="1200" dirty="0">
-                          <a:solidFill>
-                            <a:schemeClr val="tx1"/>
-                          </a:solidFill>
-                          <a:latin typeface="맑은 고딕" charset="0"/>
-                          <a:ea typeface="맑은 고딕" charset="0"/>
-                        </a:rPr>
-                        <a:t>’</a:t>
-                      </a:r>
-                      <a:r>
-                        <a:rPr lang="ko-KR" altLang="en-US" sz="1400" b="0" i="0" kern="1200" dirty="0">
-                          <a:solidFill>
-                            <a:schemeClr val="tx1"/>
-                          </a:solidFill>
-                          <a:latin typeface="맑은 고딕" charset="0"/>
-                          <a:ea typeface="맑은 고딕" charset="0"/>
-                        </a:rPr>
-                        <a:t>을 </a:t>
-                      </a:r>
-                      <a:r>
-                        <a:rPr lang="en-US" altLang="ko-KR" sz="1400" b="0" i="0" kern="1200" dirty="0">
-                          <a:solidFill>
-                            <a:schemeClr val="tx1"/>
-                          </a:solidFill>
-                          <a:latin typeface="맑은 고딕" charset="0"/>
-                          <a:ea typeface="맑은 고딕" charset="0"/>
-                        </a:rPr>
-                        <a:t>‘</a:t>
-                      </a:r>
-                      <a:r>
-                        <a:rPr lang="ko-KR" altLang="en-US" sz="1400" b="0" i="0" kern="1200" dirty="0" err="1">
-                          <a:solidFill>
-                            <a:schemeClr val="tx1"/>
-                          </a:solidFill>
-                          <a:latin typeface="맑은 고딕" charset="0"/>
-                          <a:ea typeface="맑은 고딕" charset="0"/>
-                        </a:rPr>
-                        <a:t>운빨ㅈ망겜</a:t>
-                      </a:r>
-                      <a:r>
-                        <a:rPr lang="en-US" altLang="ko-KR" sz="1400" b="0" i="0" kern="1200" dirty="0">
-                          <a:solidFill>
-                            <a:schemeClr val="tx1"/>
-                          </a:solidFill>
-                          <a:latin typeface="맑은 고딕" charset="0"/>
-                          <a:ea typeface="맑은 고딕" charset="0"/>
-                        </a:rPr>
-                        <a:t>’</a:t>
-                      </a:r>
-                      <a:r>
-                        <a:rPr lang="ko-KR" altLang="en-US" sz="1400" b="0" i="0" kern="1200" dirty="0">
-                          <a:solidFill>
-                            <a:schemeClr val="tx1"/>
-                          </a:solidFill>
-                          <a:latin typeface="맑은 고딕" charset="0"/>
-                          <a:ea typeface="맑은 고딕" charset="0"/>
-                        </a:rPr>
-                        <a:t>이라는 </a:t>
-                      </a:r>
-                      <a:r>
-                        <a:rPr lang="ko-KR" altLang="en-US" sz="1400" b="0" i="0" kern="1200" dirty="0" err="1">
-                          <a:solidFill>
-                            <a:schemeClr val="tx1"/>
-                          </a:solidFill>
-                          <a:latin typeface="맑은 고딕" charset="0"/>
-                          <a:ea typeface="맑은 고딕" charset="0"/>
-                        </a:rPr>
-                        <a:t>멸칭으로</a:t>
-                      </a:r>
-                      <a:r>
-                        <a:rPr lang="ko-KR" altLang="en-US" sz="1400" b="0" i="0" kern="1200" dirty="0">
-                          <a:solidFill>
-                            <a:schemeClr val="tx1"/>
-                          </a:solidFill>
-                          <a:latin typeface="맑은 고딕" charset="0"/>
-                          <a:ea typeface="맑은 고딕" charset="0"/>
-                        </a:rPr>
-                        <a:t> 부르는 가장 큰 원인이 되었다</a:t>
-                      </a:r>
-                      <a:r>
-                        <a:rPr lang="en-US" altLang="ko-KR" sz="1400" b="0" i="0" kern="1200" dirty="0">
-                          <a:solidFill>
-                            <a:schemeClr val="tx1"/>
-                          </a:solidFill>
-                          <a:latin typeface="맑은 고딕" charset="0"/>
-                          <a:ea typeface="맑은 고딕" charset="0"/>
-                        </a:rPr>
-                        <a:t>.</a:t>
-                      </a:r>
-                    </a:p>
-                  </a:txBody>
-                  <a:tcPr marL="90170" marR="90170" marT="46990" marB="46990" anchor="ctr">
-                    <a:lnL w="12700" cmpd="sng">
-                      <a:noFill/>
-                    </a:lnL>
-                    <a:lnR w="12700" cmpd="sng">
-                      <a:noFill/>
-                    </a:lnR>
-                    <a:lnT w="12700" cap="flat" cmpd="sng" algn="ctr">
-                      <a:noFill/>
-                      <a:prstDash val="solid"/>
-                      <a:round/>
-                      <a:headEnd type="none" w="med" len="med"/>
-                      <a:tailEnd type="none" w="med" len="med"/>
-                    </a:lnT>
-                    <a:lnB w="12700" cap="flat" cmpd="sng" algn="ctr">
-                      <a:noFill/>
-                      <a:prstDash val="solid"/>
-                      <a:round/>
-                      <a:headEnd type="none" w="med" len="med"/>
-                      <a:tailEnd type="none" w="med" len="med"/>
-                    </a:lnB>
-                    <a:lnTlToBr w="12700" cmpd="sng">
-                      <a:noFill/>
-                      <a:prstDash val="solid"/>
-                    </a:lnTlToBr>
-                    <a:lnBlToTr w="12700" cmpd="sng">
-                      <a:noFill/>
-                      <a:prstDash val="solid"/>
-                    </a:lnBlToTr>
-                    <a:noFill/>
-                  </a:tcPr>
-                </a:tc>
-                <a:extLst>
-                  <a:ext uri="{0D108BD9-81ED-4DB2-BD59-A6C34878D82A}">
-                    <a16:rowId xmlns:a16="http://schemas.microsoft.com/office/drawing/2014/main" val="10001"/>
-                  </a:ext>
-                </a:extLst>
-              </a:tr>
-            </a:tbl>
-          </a:graphicData>
-        </a:graphic>
-      </p:graphicFrame>
-      <p:pic>
-        <p:nvPicPr>
-          <p:cNvPr id="9" name="그림 8" descr="텍스트, 만화 영화, 스크린샷이(가) 표시된 사진&#10;&#10;자동 생성된 설명">
-            <a:extLst>
-              <a:ext uri="{FF2B5EF4-FFF2-40B4-BE49-F238E27FC236}">
-                <a16:creationId xmlns:a16="http://schemas.microsoft.com/office/drawing/2014/main" id="{26EA61C5-58D3-DADE-CD13-28D70FD8866D}"/>
-              </a:ext>
-            </a:extLst>
-          </p:cNvPr>
-          <p:cNvPicPr>
-            <a:picLocks noChangeAspect="1"/>
-          </p:cNvPicPr>
-          <p:nvPr/>
-        </p:nvPicPr>
-        <p:blipFill>
-          <a:blip r:embed="rId3">
-            <a:extLst>
-              <a:ext uri="{28A0092B-C50C-407E-A947-70E740481C1C}">
-                <a14:useLocalDpi xmlns:a14="http://schemas.microsoft.com/office/drawing/2010/main" val="0"/>
-              </a:ext>
-            </a:extLst>
-          </a:blip>
-          <a:stretch>
-            <a:fillRect/>
-          </a:stretch>
-        </p:blipFill>
-        <p:spPr>
-          <a:xfrm>
-            <a:off x="3742441" y="1442300"/>
-            <a:ext cx="2025590" cy="2690480"/>
-          </a:xfrm>
-          <a:prstGeom prst="rect">
-            <a:avLst/>
-          </a:prstGeom>
-        </p:spPr>
-      </p:pic>
-      <p:pic>
-        <p:nvPicPr>
-          <p:cNvPr id="11" name="그림 10" descr="텍스트, 만화 영화, 그래픽 디자인, 스크린샷이(가) 표시된 사진&#10;&#10;자동 생성된 설명">
-            <a:extLst>
-              <a:ext uri="{FF2B5EF4-FFF2-40B4-BE49-F238E27FC236}">
-                <a16:creationId xmlns:a16="http://schemas.microsoft.com/office/drawing/2014/main" id="{22CBA25B-5B41-52D3-421F-80A43BB96213}"/>
-              </a:ext>
-            </a:extLst>
-          </p:cNvPr>
-          <p:cNvPicPr>
-            <a:picLocks noChangeAspect="1"/>
-          </p:cNvPicPr>
-          <p:nvPr/>
-        </p:nvPicPr>
-        <p:blipFill>
-          <a:blip r:embed="rId4">
-            <a:extLst>
-              <a:ext uri="{28A0092B-C50C-407E-A947-70E740481C1C}">
-                <a14:useLocalDpi xmlns:a14="http://schemas.microsoft.com/office/drawing/2010/main" val="0"/>
-              </a:ext>
-            </a:extLst>
-          </a:blip>
-          <a:stretch>
-            <a:fillRect/>
-          </a:stretch>
-        </p:blipFill>
-        <p:spPr>
-          <a:xfrm>
-            <a:off x="6569242" y="1440546"/>
-            <a:ext cx="1940020" cy="2690480"/>
-          </a:xfrm>
-          <a:prstGeom prst="rect">
-            <a:avLst/>
-          </a:prstGeom>
-        </p:spPr>
-      </p:pic>
-    </p:spTree>
-    <p:extLst>
-      <p:ext uri="{BB962C8B-B14F-4D97-AF65-F5344CB8AC3E}">
-        <p14:creationId xmlns:p14="http://schemas.microsoft.com/office/powerpoint/2010/main" val="1851482465"/>
-      </p:ext>
-    </p:extLst>
-  </p:cSld>
-  <p:clrMapOvr>
-    <a:masterClrMapping/>
-  </p:clrMapOvr>
-</p:sld>
-</file>
-
-<file path=ppt/slides/slide6.xml><?xml version="1.0" encoding="utf-8"?>
-<p:sld xmlns:a="http://schemas.openxmlformats.org/drawingml/2006/main" xmlns:r="http://schemas.openxmlformats.org/officeDocument/2006/relationships" xmlns:p="http://schemas.openxmlformats.org/presentationml/2006/main">
-  <p:cSld>
-    <p:spTree>
-      <p:nvGrpSpPr>
-        <p:cNvPr id="1" name=""/>
-        <p:cNvGrpSpPr/>
-        <p:nvPr/>
-      </p:nvGrpSpPr>
-      <p:grpSpPr>
-        <a:xfrm>
-          <a:off x="0" y="0"/>
-          <a:ext cx="0" cy="0"/>
-          <a:chOff x="0" y="0"/>
-          <a:chExt cx="0" cy="0"/>
-        </a:xfrm>
-      </p:grpSpPr>
-      <p:sp>
-        <p:nvSpPr>
-          <p:cNvPr id="2" name="제목 1"/>
-          <p:cNvSpPr txBox="1">
-            <a:spLocks noGrp="1"/>
-          </p:cNvSpPr>
-          <p:nvPr>
-            <p:ph type="title"/>
-          </p:nvPr>
-        </p:nvSpPr>
-        <p:spPr>
-          <a:xfrm>
-            <a:off x="839788" y="368301"/>
-            <a:ext cx="10512425" cy="1071562"/>
-          </a:xfrm>
-          <a:prstGeom prst="rect">
-            <a:avLst/>
-          </a:prstGeom>
-        </p:spPr>
-        <p:txBody>
-          <a:bodyPr vert="horz" wrap="square" lIns="91440" tIns="45720" rIns="91440" bIns="45720" numCol="1" anchor="ctr">
-            <a:normAutofit/>
-          </a:bodyPr>
-          <a:lstStyle/>
-          <a:p>
-            <a:pPr marL="0" indent="0" rtl="0" latinLnBrk="0">
-              <a:buFontTx/>
-              <a:buNone/>
-            </a:pPr>
-            <a:r>
-              <a:rPr lang="ko-KR" altLang="en-US" dirty="0"/>
-              <a:t>과도한 랜덤성 텍스트</a:t>
-            </a:r>
-            <a:r>
-              <a:rPr lang="en-US" altLang="ko-KR" dirty="0"/>
-              <a:t>-</a:t>
-            </a:r>
-            <a:r>
-              <a:rPr lang="ko-KR" altLang="en-US" dirty="0"/>
-              <a:t>개선 방향</a:t>
-            </a:r>
-          </a:p>
-        </p:txBody>
-      </p:sp>
-      <p:sp>
-        <p:nvSpPr>
-          <p:cNvPr id="4" name="Rect 0"/>
-          <p:cNvSpPr txBox="1">
-            <a:spLocks noGrp="1"/>
-          </p:cNvSpPr>
-          <p:nvPr>
-            <p:ph type="sldNum" idx="12"/>
-          </p:nvPr>
-        </p:nvSpPr>
-        <p:spPr>
-          <a:xfrm>
-            <a:off x="8610600" y="6356350"/>
-            <a:ext cx="2743835" cy="365760"/>
-          </a:xfrm>
-          <a:prstGeom prst="rect">
-            <a:avLst/>
-          </a:prstGeom>
-        </p:spPr>
-        <p:txBody>
-          <a:bodyPr vert="horz" wrap="square" lIns="91440" tIns="45720" rIns="91440" bIns="45720" anchor="ctr">
-            <a:noAutofit/>
-          </a:bodyPr>
-          <a:lstStyle/>
-          <a:p>
-            <a:pPr marL="0" indent="0" latinLnBrk="0">
-              <a:buFontTx/>
-              <a:buNone/>
-            </a:pPr>
-            <a:fld id="{B9320F77-B9A0-41C5-862A-B4B631284C64}" type="slidenum">
-              <a:rPr lang="ko-KR" altLang="en-US"/>
-              <a:t>6</a:t>
-            </a:fld>
-            <a:endParaRPr lang="ko-KR" altLang="en-US"/>
-          </a:p>
-        </p:txBody>
-      </p:sp>
-      <p:graphicFrame>
-        <p:nvGraphicFramePr>
-          <p:cNvPr id="5" name="표 1">
-            <a:extLst>
-              <a:ext uri="{FF2B5EF4-FFF2-40B4-BE49-F238E27FC236}">
-                <a16:creationId xmlns:a16="http://schemas.microsoft.com/office/drawing/2014/main" id="{DEDED56A-C738-DB16-B7C6-C421F6EC1230}"/>
-              </a:ext>
-            </a:extLst>
-          </p:cNvPr>
-          <p:cNvGraphicFramePr>
-            <a:graphicFrameLocks noGrp="1"/>
-          </p:cNvGraphicFramePr>
-          <p:nvPr>
-            <p:extLst>
-              <p:ext uri="{D42A27DB-BD31-4B8C-83A1-F6EECF244321}">
-                <p14:modId xmlns:p14="http://schemas.microsoft.com/office/powerpoint/2010/main" val="1993639277"/>
-              </p:ext>
-            </p:extLst>
-          </p:nvPr>
-        </p:nvGraphicFramePr>
-        <p:xfrm>
-          <a:off x="1229836" y="4327267"/>
-          <a:ext cx="9732328" cy="947420"/>
-        </p:xfrm>
-        <a:graphic>
-          <a:graphicData uri="http://schemas.openxmlformats.org/drawingml/2006/table">
-            <a:tbl>
-              <a:tblPr firstRow="1" bandRow="1">
-                <a:tableStyleId>{5C22544A-7EE6-4342-B048-85BDC9FD1C3A}</a:tableStyleId>
-              </a:tblPr>
-              <a:tblGrid>
-                <a:gridCol w="9732328">
-                  <a:extLst>
-                    <a:ext uri="{9D8B030D-6E8A-4147-A177-3AD203B41FA5}">
-                      <a16:colId xmlns:a16="http://schemas.microsoft.com/office/drawing/2014/main" val="20000"/>
-                    </a:ext>
-                  </a:extLst>
-                </a:gridCol>
-              </a:tblGrid>
-              <a:tr h="0">
-                <a:tc>
-                  <a:txBody>
-                    <a:bodyPr/>
-                    <a:lstStyle/>
-                    <a:p>
-                      <a:pPr marL="0" indent="0" algn="l" hangingPunct="1"/>
-                      <a:r>
-                        <a:rPr lang="ko-KR" altLang="en-US" sz="1400" b="0" i="0" kern="1200" dirty="0">
-                          <a:solidFill>
-                            <a:schemeClr val="tx1"/>
-                          </a:solidFill>
-                          <a:latin typeface="맑은 고딕" charset="0"/>
-                          <a:ea typeface="맑은 고딕" charset="0"/>
-                        </a:rPr>
-                        <a:t>반대로 랜덤성을 가지고 있지만 범위를 한정하여 적절한 변수를 가진 텍스트로는 </a:t>
-                      </a:r>
-                      <a:r>
-                        <a:rPr lang="en-US" altLang="ko-KR" sz="1400" b="0" i="0" kern="1200" dirty="0">
-                          <a:solidFill>
-                            <a:schemeClr val="tx1"/>
-                          </a:solidFill>
-                          <a:latin typeface="맑은 고딕" charset="0"/>
-                          <a:ea typeface="맑은 고딕" charset="0"/>
-                        </a:rPr>
-                        <a:t>‘Shadowverse’</a:t>
-                      </a:r>
-                      <a:r>
-                        <a:rPr lang="ko-KR" altLang="en-US" sz="1400" b="0" i="0" kern="1200" dirty="0">
-                          <a:solidFill>
-                            <a:schemeClr val="tx1"/>
-                          </a:solidFill>
-                          <a:latin typeface="맑은 고딕" charset="0"/>
-                          <a:ea typeface="맑은 고딕" charset="0"/>
-                        </a:rPr>
-                        <a:t>의 카드들과</a:t>
-                      </a:r>
-                      <a:endParaRPr lang="en-US" altLang="ko-KR" sz="1400" b="0" i="0" kern="1200" dirty="0">
-                        <a:solidFill>
-                          <a:schemeClr val="tx1"/>
-                        </a:solidFill>
-                        <a:latin typeface="맑은 고딕" charset="0"/>
-                        <a:ea typeface="맑은 고딕" charset="0"/>
-                      </a:endParaRPr>
-                    </a:p>
-                    <a:p>
-                      <a:pPr marL="0" indent="0" algn="l" hangingPunct="1"/>
-                      <a:r>
-                        <a:rPr lang="ko-KR" altLang="en-US" sz="1400" b="0" i="0" kern="1200" dirty="0">
-                          <a:solidFill>
-                            <a:schemeClr val="tx1"/>
-                          </a:solidFill>
-                          <a:latin typeface="맑은 고딕" charset="0"/>
-                          <a:ea typeface="맑은 고딕" charset="0"/>
-                        </a:rPr>
-                        <a:t>랜덤성을 모두 드로우와 관련된 텍스트로 한정 시킨</a:t>
-                      </a:r>
-                      <a:r>
-                        <a:rPr lang="en-US" altLang="ko-KR" sz="1400" b="0" i="0" kern="1200" dirty="0">
-                          <a:solidFill>
-                            <a:schemeClr val="tx1"/>
-                          </a:solidFill>
-                          <a:latin typeface="맑은 고딕" charset="0"/>
-                          <a:ea typeface="맑은 고딕" charset="0"/>
-                        </a:rPr>
-                        <a:t> Yu-Gi-Oh Master Duel</a:t>
-                      </a:r>
-                      <a:r>
-                        <a:rPr lang="ko-KR" altLang="en-US" sz="1400" b="0" i="0" kern="1200" dirty="0">
-                          <a:solidFill>
-                            <a:schemeClr val="tx1"/>
-                          </a:solidFill>
-                          <a:latin typeface="맑은 고딕" charset="0"/>
-                          <a:ea typeface="맑은 고딕" charset="0"/>
-                        </a:rPr>
-                        <a:t>의 경우가 있다</a:t>
-                      </a:r>
-                      <a:r>
-                        <a:rPr lang="en-US" altLang="ko-KR" sz="1400" b="0" i="0" kern="1200" dirty="0">
-                          <a:solidFill>
-                            <a:schemeClr val="tx1"/>
-                          </a:solidFill>
-                          <a:latin typeface="맑은 고딕" charset="0"/>
-                          <a:ea typeface="맑은 고딕" charset="0"/>
-                        </a:rPr>
-                        <a:t>.</a:t>
-                      </a:r>
-                    </a:p>
-                    <a:p>
-                      <a:pPr marL="0" indent="0" algn="l" hangingPunct="1"/>
-                      <a:endParaRPr lang="en-US" altLang="ko-KR" sz="1400" b="0" i="0" kern="1200" dirty="0">
-                        <a:solidFill>
-                          <a:schemeClr val="tx1"/>
-                        </a:solidFill>
-                        <a:latin typeface="맑은 고딕" charset="0"/>
-                        <a:ea typeface="맑은 고딕" charset="0"/>
-                      </a:endParaRPr>
-                    </a:p>
-                    <a:p>
-                      <a:pPr marL="0" indent="0" algn="l" hangingPunct="1"/>
-                      <a:r>
-                        <a:rPr lang="ko-KR" altLang="en-US" sz="1400" b="0" i="0" kern="1200" dirty="0">
-                          <a:solidFill>
-                            <a:schemeClr val="tx1"/>
-                          </a:solidFill>
-                          <a:latin typeface="맑은 고딕" charset="0"/>
-                          <a:ea typeface="맑은 고딕" charset="0"/>
-                        </a:rPr>
-                        <a:t>카드 게임에 랜덤성 텍스트는 그 </a:t>
-                      </a:r>
-                      <a:r>
-                        <a:rPr lang="en-US" altLang="ko-KR" sz="1400" b="0" i="0" kern="1200" dirty="0">
-                          <a:solidFill>
-                            <a:schemeClr val="tx1"/>
-                          </a:solidFill>
-                          <a:latin typeface="맑은 고딕" charset="0"/>
-                          <a:ea typeface="맑은 고딕" charset="0"/>
-                        </a:rPr>
-                        <a:t>‘</a:t>
-                      </a:r>
-                      <a:r>
-                        <a:rPr lang="ko-KR" altLang="en-US" sz="1400" b="0" i="0" kern="1200" dirty="0">
-                          <a:solidFill>
-                            <a:schemeClr val="tx1"/>
-                          </a:solidFill>
-                          <a:latin typeface="맑은 고딕" charset="0"/>
-                          <a:ea typeface="맑은 고딕" charset="0"/>
-                        </a:rPr>
-                        <a:t>범위를 한정</a:t>
-                      </a:r>
-                      <a:r>
-                        <a:rPr lang="en-US" altLang="ko-KR" sz="1400" b="0" i="0" kern="1200" dirty="0">
-                          <a:solidFill>
-                            <a:schemeClr val="tx1"/>
-                          </a:solidFill>
-                          <a:latin typeface="맑은 고딕" charset="0"/>
-                          <a:ea typeface="맑은 고딕" charset="0"/>
-                        </a:rPr>
-                        <a:t>’ </a:t>
-                      </a:r>
-                      <a:r>
-                        <a:rPr lang="ko-KR" altLang="en-US" sz="1400" b="0" i="0" kern="1200" dirty="0">
-                          <a:solidFill>
-                            <a:schemeClr val="tx1"/>
-                          </a:solidFill>
-                          <a:latin typeface="맑은 고딕" charset="0"/>
-                          <a:ea typeface="맑은 고딕" charset="0"/>
-                        </a:rPr>
-                        <a:t>시키거나 </a:t>
-                      </a:r>
-                      <a:r>
-                        <a:rPr lang="en-US" altLang="ko-KR" sz="1400" b="0" i="0" kern="1200" dirty="0">
-                          <a:solidFill>
-                            <a:schemeClr val="tx1"/>
-                          </a:solidFill>
-                          <a:latin typeface="맑은 고딕" charset="0"/>
-                          <a:ea typeface="맑은 고딕" charset="0"/>
-                        </a:rPr>
-                        <a:t>‘</a:t>
-                      </a:r>
-                      <a:r>
-                        <a:rPr lang="ko-KR" altLang="en-US" sz="1400" b="0" i="0" kern="1200" dirty="0">
-                          <a:solidFill>
-                            <a:schemeClr val="tx1"/>
-                          </a:solidFill>
-                          <a:latin typeface="맑은 고딕" charset="0"/>
-                          <a:ea typeface="맑은 고딕" charset="0"/>
-                        </a:rPr>
-                        <a:t>드로우와 관련된 효과</a:t>
-                      </a:r>
-                      <a:r>
-                        <a:rPr lang="en-US" altLang="ko-KR" sz="1400" b="0" i="0" kern="1200" dirty="0">
-                          <a:solidFill>
-                            <a:schemeClr val="tx1"/>
-                          </a:solidFill>
-                          <a:latin typeface="맑은 고딕" charset="0"/>
-                          <a:ea typeface="맑은 고딕" charset="0"/>
-                        </a:rPr>
-                        <a:t>‘ </a:t>
-                      </a:r>
-                      <a:r>
-                        <a:rPr lang="ko-KR" altLang="en-US" sz="1400" b="0" i="0" kern="1200" dirty="0">
-                          <a:solidFill>
-                            <a:schemeClr val="tx1"/>
-                          </a:solidFill>
-                          <a:latin typeface="맑은 고딕" charset="0"/>
-                          <a:ea typeface="맑은 고딕" charset="0"/>
-                        </a:rPr>
-                        <a:t>만을 사용하는 방향으로 설계해야 한다</a:t>
-                      </a:r>
-                      <a:r>
-                        <a:rPr lang="en-US" altLang="ko-KR" sz="1400" b="0" i="0" kern="1200" dirty="0">
-                          <a:solidFill>
-                            <a:schemeClr val="tx1"/>
-                          </a:solidFill>
-                          <a:latin typeface="맑은 고딕" charset="0"/>
-                          <a:ea typeface="맑은 고딕" charset="0"/>
-                        </a:rPr>
-                        <a:t>.</a:t>
-                      </a:r>
-                    </a:p>
-                  </a:txBody>
-                  <a:tcPr marL="90170" marR="90170" marT="46990" marB="46990" anchor="ctr">
-                    <a:lnL w="12700" cmpd="sng">
-                      <a:noFill/>
-                    </a:lnL>
-                    <a:lnR w="12700" cmpd="sng">
-                      <a:noFill/>
-                    </a:lnR>
-                    <a:lnT w="12700" cap="flat" cmpd="sng" algn="ctr">
-                      <a:noFill/>
-                      <a:prstDash val="solid"/>
-                      <a:round/>
-                      <a:headEnd type="none" w="med" len="med"/>
-                      <a:tailEnd type="none" w="med" len="med"/>
-                    </a:lnT>
-                    <a:lnB w="12700" cap="flat" cmpd="sng" algn="ctr">
-                      <a:noFill/>
-                      <a:prstDash val="solid"/>
-                      <a:round/>
-                      <a:headEnd type="none" w="med" len="med"/>
-                      <a:tailEnd type="none" w="med" len="med"/>
-                    </a:lnB>
-                    <a:lnTlToBr w="12700" cmpd="sng">
-                      <a:noFill/>
-                      <a:prstDash val="solid"/>
-                    </a:lnTlToBr>
-                    <a:lnBlToTr w="12700" cmpd="sng">
-                      <a:noFill/>
-                      <a:prstDash val="solid"/>
-                    </a:lnBlToTr>
-                    <a:noFill/>
-                  </a:tcPr>
-                </a:tc>
-                <a:extLst>
-                  <a:ext uri="{0D108BD9-81ED-4DB2-BD59-A6C34878D82A}">
-                    <a16:rowId xmlns:a16="http://schemas.microsoft.com/office/drawing/2014/main" val="10001"/>
-                  </a:ext>
-                </a:extLst>
-              </a:tr>
-            </a:tbl>
-          </a:graphicData>
-        </a:graphic>
-      </p:graphicFrame>
-      <p:pic>
-        <p:nvPicPr>
-          <p:cNvPr id="6" name="그림 5" descr="텍스트, 스크린샷, PC 게임, 비디오 게임 소프트웨어이(가) 표시된 사진&#10;&#10;자동 생성된 설명">
-            <a:extLst>
-              <a:ext uri="{FF2B5EF4-FFF2-40B4-BE49-F238E27FC236}">
-                <a16:creationId xmlns:a16="http://schemas.microsoft.com/office/drawing/2014/main" id="{89F23E14-B43B-7EE1-C445-A8402825E1F8}"/>
-              </a:ext>
-            </a:extLst>
-          </p:cNvPr>
-          <p:cNvPicPr>
-            <a:picLocks noChangeAspect="1"/>
-          </p:cNvPicPr>
-          <p:nvPr/>
-        </p:nvPicPr>
-        <p:blipFill>
-          <a:blip r:embed="rId3" cstate="print">
-            <a:extLst>
-              <a:ext uri="{28A0092B-C50C-407E-A947-70E740481C1C}">
-                <a14:useLocalDpi xmlns:a14="http://schemas.microsoft.com/office/drawing/2010/main" val="0"/>
-              </a:ext>
-            </a:extLst>
-          </a:blip>
-          <a:stretch>
-            <a:fillRect/>
-          </a:stretch>
-        </p:blipFill>
-        <p:spPr>
-          <a:xfrm>
-            <a:off x="2479406" y="1449388"/>
-            <a:ext cx="4827553" cy="2487542"/>
-          </a:xfrm>
-          <a:prstGeom prst="rect">
-            <a:avLst/>
-          </a:prstGeom>
-        </p:spPr>
-      </p:pic>
-      <p:graphicFrame>
-        <p:nvGraphicFramePr>
-          <p:cNvPr id="7" name="표 6">
-            <a:extLst>
-              <a:ext uri="{FF2B5EF4-FFF2-40B4-BE49-F238E27FC236}">
-                <a16:creationId xmlns:a16="http://schemas.microsoft.com/office/drawing/2014/main" id="{D0255E05-A8AB-A1A0-0984-2CD16BA11C84}"/>
-              </a:ext>
-            </a:extLst>
-          </p:cNvPr>
-          <p:cNvGraphicFramePr>
-            <a:graphicFrameLocks noGrp="1"/>
-          </p:cNvGraphicFramePr>
-          <p:nvPr>
-            <p:extLst>
-              <p:ext uri="{D42A27DB-BD31-4B8C-83A1-F6EECF244321}">
-                <p14:modId xmlns:p14="http://schemas.microsoft.com/office/powerpoint/2010/main" val="564051244"/>
-              </p:ext>
-            </p:extLst>
-          </p:nvPr>
-        </p:nvGraphicFramePr>
-        <p:xfrm>
-          <a:off x="6260623" y="6049010"/>
-          <a:ext cx="4926966" cy="307340"/>
-        </p:xfrm>
-        <a:graphic>
-          <a:graphicData uri="http://schemas.openxmlformats.org/drawingml/2006/table">
-            <a:tbl>
-              <a:tblPr firstRow="1" bandRow="1">
-                <a:tableStyleId>{5C22544A-7EE6-4342-B048-85BDC9FD1C3A}</a:tableStyleId>
-              </a:tblPr>
-              <a:tblGrid>
-                <a:gridCol w="719913">
-                  <a:extLst>
-                    <a:ext uri="{9D8B030D-6E8A-4147-A177-3AD203B41FA5}">
-                      <a16:colId xmlns:a16="http://schemas.microsoft.com/office/drawing/2014/main" val="3261300969"/>
-                    </a:ext>
-                  </a:extLst>
-                </a:gridCol>
-                <a:gridCol w="4207053">
-                  <a:extLst>
-                    <a:ext uri="{9D8B030D-6E8A-4147-A177-3AD203B41FA5}">
-                      <a16:colId xmlns:a16="http://schemas.microsoft.com/office/drawing/2014/main" val="3452121122"/>
-                    </a:ext>
-                  </a:extLst>
-                </a:gridCol>
-              </a:tblGrid>
-              <a:tr h="0">
-                <a:tc>
-                  <a:txBody>
-                    <a:bodyPr/>
-                    <a:lstStyle/>
-                    <a:p>
-                      <a:pPr marL="0" indent="0" algn="ctr" hangingPunct="1"/>
-                      <a:r>
-                        <a:rPr lang="ko-KR" altLang="en-US" sz="1400" b="0" i="0" kern="1200" dirty="0">
-                          <a:solidFill>
-                            <a:schemeClr val="tx1"/>
-                          </a:solidFill>
-                          <a:latin typeface="맑은 고딕" charset="0"/>
-                          <a:ea typeface="맑은 고딕" charset="0"/>
-                        </a:rPr>
-                        <a:t>드로우</a:t>
-                      </a:r>
-                    </a:p>
-                  </a:txBody>
-                  <a:tcPr marL="90170" marR="90170" marT="46990" marB="46990" anchor="ctr">
-                    <a:lnL w="12700" cmpd="sng">
-                      <a:noFill/>
-                    </a:lnL>
-                    <a:lnR w="12700" cap="flat" cmpd="sng" algn="ctr">
-                      <a:solidFill>
-                        <a:schemeClr val="tx1"/>
-                      </a:solidFill>
-                      <a:prstDash val="solid"/>
-                      <a:round/>
-                      <a:headEnd type="none" w="med" len="med"/>
-                      <a:tailEnd type="none" w="med" len="med"/>
-                    </a:lnR>
-                    <a:lnT w="12700" cap="flat" cmpd="sng" algn="ctr">
-                      <a:noFill/>
-                      <a:prstDash val="solid"/>
-                      <a:round/>
-                      <a:headEnd type="none" w="med" len="med"/>
-                      <a:tailEnd type="none" w="med" len="med"/>
-                    </a:lnT>
-                    <a:lnB w="12700" cap="flat" cmpd="sng" algn="ctr">
-                      <a:noFill/>
-                      <a:prstDash val="solid"/>
-                      <a:round/>
-                      <a:headEnd type="none" w="med" len="med"/>
-                      <a:tailEnd type="none" w="med" len="med"/>
-                    </a:lnB>
-                    <a:lnTlToBr w="12700" cmpd="sng">
-                      <a:noFill/>
-                      <a:prstDash val="solid"/>
-                    </a:lnTlToBr>
-                    <a:lnBlToTr w="12700" cmpd="sng">
-                      <a:noFill/>
-                      <a:prstDash val="solid"/>
-                    </a:lnBlToTr>
-                    <a:noFill/>
-                  </a:tcPr>
-                </a:tc>
-                <a:tc>
-                  <a:txBody>
-                    <a:bodyPr/>
-                    <a:lstStyle/>
-                    <a:p>
-                      <a:pPr marL="0" indent="0" hangingPunct="1"/>
-                      <a:r>
-                        <a:rPr lang="ko-KR" altLang="en-US" sz="1400" b="0" i="0" kern="1200" dirty="0" err="1">
-                          <a:solidFill>
-                            <a:schemeClr val="tx1"/>
-                          </a:solidFill>
-                          <a:latin typeface="맑은 고딕" charset="0"/>
-                          <a:ea typeface="맑은 고딕" charset="0"/>
-                        </a:rPr>
-                        <a:t>덱에서</a:t>
-                      </a:r>
-                      <a:r>
-                        <a:rPr lang="ko-KR" altLang="en-US" sz="1400" b="0" i="0" kern="1200" dirty="0">
-                          <a:solidFill>
-                            <a:schemeClr val="tx1"/>
-                          </a:solidFill>
-                          <a:latin typeface="맑은 고딕" charset="0"/>
-                          <a:ea typeface="맑은 고딕" charset="0"/>
-                        </a:rPr>
-                        <a:t> 카드를 지정된 숫자 만큼 뽑는 효과</a:t>
-                      </a:r>
-                    </a:p>
-                  </a:txBody>
-                  <a:tcPr marL="90170" marR="90170" marT="46990" marB="46990" anchor="ctr">
-                    <a:lnL w="12700" cap="flat" cmpd="sng" algn="ctr">
-                      <a:solidFill>
-                        <a:schemeClr val="tx1"/>
-                      </a:solidFill>
-                      <a:prstDash val="solid"/>
-                      <a:round/>
-                      <a:headEnd type="none" w="med" len="med"/>
-                      <a:tailEnd type="none" w="med" len="med"/>
-                    </a:lnL>
-                    <a:lnR w="12700" cmpd="sng">
-                      <a:noFill/>
-                    </a:lnR>
-                    <a:lnT w="12700" cap="flat" cmpd="sng" algn="ctr">
-                      <a:noFill/>
-                      <a:prstDash val="solid"/>
-                      <a:round/>
-                      <a:headEnd type="none" w="med" len="med"/>
-                      <a:tailEnd type="none" w="med" len="med"/>
-                    </a:lnT>
-                    <a:lnB w="12700" cap="flat" cmpd="sng" algn="ctr">
-                      <a:noFill/>
-                      <a:prstDash val="solid"/>
-                      <a:round/>
-                      <a:headEnd type="none" w="med" len="med"/>
-                      <a:tailEnd type="none" w="med" len="med"/>
-                    </a:lnB>
-                    <a:lnTlToBr w="12700" cmpd="sng">
-                      <a:noFill/>
-                      <a:prstDash val="solid"/>
-                    </a:lnTlToBr>
-                    <a:lnBlToTr w="12700" cmpd="sng">
-                      <a:noFill/>
-                      <a:prstDash val="solid"/>
-                    </a:lnBlToTr>
-                    <a:noFill/>
-                  </a:tcPr>
-                </a:tc>
-                <a:extLst>
-                  <a:ext uri="{0D108BD9-81ED-4DB2-BD59-A6C34878D82A}">
-                    <a16:rowId xmlns:a16="http://schemas.microsoft.com/office/drawing/2014/main" val="2513938861"/>
-                  </a:ext>
-                </a:extLst>
-              </a:tr>
-            </a:tbl>
-          </a:graphicData>
-        </a:graphic>
-      </p:graphicFrame>
-      <p:pic>
-        <p:nvPicPr>
-          <p:cNvPr id="10" name="그림 9" descr="텍스트, 스크린샷, 멀티미디어 소프트웨어, 소프트웨어이(가) 표시된 사진&#10;&#10;자동 생성된 설명">
-            <a:extLst>
-              <a:ext uri="{FF2B5EF4-FFF2-40B4-BE49-F238E27FC236}">
-                <a16:creationId xmlns:a16="http://schemas.microsoft.com/office/drawing/2014/main" id="{D5E7719C-1813-033F-B0FF-57122450B713}"/>
-              </a:ext>
-            </a:extLst>
-          </p:cNvPr>
-          <p:cNvPicPr>
-            <a:picLocks noChangeAspect="1"/>
-          </p:cNvPicPr>
-          <p:nvPr/>
-        </p:nvPicPr>
-        <p:blipFill rotWithShape="1">
-          <a:blip r:embed="rId4">
-            <a:extLst>
-              <a:ext uri="{28A0092B-C50C-407E-A947-70E740481C1C}">
-                <a14:useLocalDpi xmlns:a14="http://schemas.microsoft.com/office/drawing/2010/main" val="0"/>
-              </a:ext>
-            </a:extLst>
-          </a:blip>
-          <a:srcRect l="2320" t="7710" r="70618" b="2349"/>
-          <a:stretch/>
-        </p:blipFill>
-        <p:spPr>
-          <a:xfrm>
-            <a:off x="7731166" y="1449388"/>
-            <a:ext cx="1758868" cy="2487542"/>
-          </a:xfrm>
-          <a:prstGeom prst="rect">
-            <a:avLst/>
-          </a:prstGeom>
-        </p:spPr>
-      </p:pic>
-    </p:spTree>
-    <p:extLst>
-      <p:ext uri="{BB962C8B-B14F-4D97-AF65-F5344CB8AC3E}">
-        <p14:creationId xmlns:p14="http://schemas.microsoft.com/office/powerpoint/2010/main" val="2423305097"/>
-      </p:ext>
-    </p:extLst>
-  </p:cSld>
-  <p:clrMapOvr>
-    <a:masterClrMapping/>
-  </p:clrMapOvr>
-</p:sld>
-</file>
-
-<file path=ppt/slides/slide7.xml><?xml version="1.0" encoding="utf-8"?>
-<p:sld xmlns:a="http://schemas.openxmlformats.org/drawingml/2006/main" xmlns:r="http://schemas.openxmlformats.org/officeDocument/2006/relationships" xmlns:p="http://schemas.openxmlformats.org/presentationml/2006/main">
-  <p:cSld>
-    <p:spTree>
-      <p:nvGrpSpPr>
-        <p:cNvPr id="1" name=""/>
-        <p:cNvGrpSpPr/>
-        <p:nvPr/>
-      </p:nvGrpSpPr>
-      <p:grpSpPr>
-        <a:xfrm>
-          <a:off x="0" y="0"/>
-          <a:ext cx="0" cy="0"/>
-          <a:chOff x="0" y="0"/>
-          <a:chExt cx="0" cy="0"/>
-        </a:xfrm>
-      </p:grpSpPr>
-      <p:sp>
-        <p:nvSpPr>
-          <p:cNvPr id="2" name="제목 1"/>
-          <p:cNvSpPr txBox="1">
-            <a:spLocks noGrp="1"/>
-          </p:cNvSpPr>
-          <p:nvPr>
-            <p:ph type="title"/>
-          </p:nvPr>
-        </p:nvSpPr>
-        <p:spPr>
-          <a:xfrm>
-            <a:off x="839788" y="368301"/>
-            <a:ext cx="10512425" cy="1071562"/>
-          </a:xfrm>
-          <a:prstGeom prst="rect">
-            <a:avLst/>
-          </a:prstGeom>
-        </p:spPr>
-        <p:txBody>
-          <a:bodyPr vert="horz" wrap="square" lIns="91440" tIns="45720" rIns="91440" bIns="45720" numCol="1" anchor="ctr">
-            <a:normAutofit/>
-          </a:bodyPr>
-          <a:lstStyle/>
-          <a:p>
-            <a:pPr marL="0" indent="0" rtl="0" latinLnBrk="0">
-              <a:buFontTx/>
-              <a:buNone/>
-            </a:pPr>
-            <a:r>
-              <a:rPr lang="ko-KR" altLang="en-US" dirty="0"/>
-              <a:t>가독성이 떨어지는 텍스트</a:t>
-            </a:r>
-          </a:p>
-        </p:txBody>
-      </p:sp>
-      <p:sp>
-        <p:nvSpPr>
-          <p:cNvPr id="4" name="Rect 0"/>
-          <p:cNvSpPr txBox="1">
-            <a:spLocks noGrp="1"/>
-          </p:cNvSpPr>
-          <p:nvPr>
-            <p:ph type="sldNum" idx="12"/>
-          </p:nvPr>
-        </p:nvSpPr>
-        <p:spPr>
-          <a:xfrm>
-            <a:off x="8610600" y="6356350"/>
-            <a:ext cx="2743835" cy="365760"/>
-          </a:xfrm>
-          <a:prstGeom prst="rect">
-            <a:avLst/>
-          </a:prstGeom>
-        </p:spPr>
-        <p:txBody>
-          <a:bodyPr vert="horz" wrap="square" lIns="91440" tIns="45720" rIns="91440" bIns="45720" anchor="ctr">
-            <a:noAutofit/>
-          </a:bodyPr>
-          <a:lstStyle/>
-          <a:p>
-            <a:pPr marL="0" indent="0" latinLnBrk="0">
-              <a:buFontTx/>
-              <a:buNone/>
-            </a:pPr>
-            <a:fld id="{B9320F77-B9A0-41C5-862A-B4B631284C64}" type="slidenum">
-              <a:rPr lang="ko-KR" altLang="en-US"/>
-              <a:t>7</a:t>
-            </a:fld>
-            <a:endParaRPr lang="ko-KR" altLang="en-US"/>
-          </a:p>
-        </p:txBody>
-      </p:sp>
-      <p:graphicFrame>
-        <p:nvGraphicFramePr>
-          <p:cNvPr id="5" name="표 1">
-            <a:extLst>
-              <a:ext uri="{FF2B5EF4-FFF2-40B4-BE49-F238E27FC236}">
-                <a16:creationId xmlns:a16="http://schemas.microsoft.com/office/drawing/2014/main" id="{DEDED56A-C738-DB16-B7C6-C421F6EC1230}"/>
-              </a:ext>
-            </a:extLst>
-          </p:cNvPr>
-          <p:cNvGraphicFramePr>
-            <a:graphicFrameLocks noGrp="1"/>
-          </p:cNvGraphicFramePr>
-          <p:nvPr>
-            <p:extLst>
-              <p:ext uri="{D42A27DB-BD31-4B8C-83A1-F6EECF244321}">
-                <p14:modId xmlns:p14="http://schemas.microsoft.com/office/powerpoint/2010/main" val="3893714965"/>
-              </p:ext>
-            </p:extLst>
-          </p:nvPr>
-        </p:nvGraphicFramePr>
-        <p:xfrm>
-          <a:off x="1412398" y="2694940"/>
-          <a:ext cx="9367203" cy="1468120"/>
-        </p:xfrm>
-        <a:graphic>
-          <a:graphicData uri="http://schemas.openxmlformats.org/drawingml/2006/table">
-            <a:tbl>
-              <a:tblPr firstRow="1" bandRow="1">
-                <a:tableStyleId>{5C22544A-7EE6-4342-B048-85BDC9FD1C3A}</a:tableStyleId>
-              </a:tblPr>
-              <a:tblGrid>
-                <a:gridCol w="2582228">
-                  <a:extLst>
-                    <a:ext uri="{9D8B030D-6E8A-4147-A177-3AD203B41FA5}">
-                      <a16:colId xmlns:a16="http://schemas.microsoft.com/office/drawing/2014/main" val="20000"/>
-                    </a:ext>
-                  </a:extLst>
-                </a:gridCol>
-                <a:gridCol w="6784975">
-                  <a:extLst>
-                    <a:ext uri="{9D8B030D-6E8A-4147-A177-3AD203B41FA5}">
-                      <a16:colId xmlns:a16="http://schemas.microsoft.com/office/drawing/2014/main" val="20001"/>
-                    </a:ext>
-                  </a:extLst>
-                </a:gridCol>
-              </a:tblGrid>
-              <a:tr h="0">
-                <a:tc>
-                  <a:txBody>
-                    <a:bodyPr/>
-                    <a:lstStyle/>
-                    <a:p>
-                      <a:pPr marL="0" indent="0" algn="ctr" hangingPunct="1"/>
-                      <a:r>
-                        <a:rPr lang="ko-KR" altLang="en-US" sz="1400" b="0" i="0" kern="1200" dirty="0">
-                          <a:solidFill>
-                            <a:schemeClr val="tx1"/>
-                          </a:solidFill>
-                          <a:latin typeface="맑은 고딕" charset="0"/>
-                          <a:ea typeface="맑은 고딕" charset="0"/>
-                        </a:rPr>
-                        <a:t>가독성이 떨어지는 텍스트란</a:t>
-                      </a:r>
-                      <a:r>
-                        <a:rPr lang="en-US" altLang="ko-KR" sz="1400" b="0" i="0" kern="1200" dirty="0">
-                          <a:solidFill>
-                            <a:schemeClr val="tx1"/>
-                          </a:solidFill>
-                          <a:latin typeface="맑은 고딕" charset="0"/>
-                          <a:ea typeface="맑은 고딕" charset="0"/>
-                        </a:rPr>
-                        <a:t>?</a:t>
-                      </a:r>
-                      <a:endParaRPr lang="ko-KR" altLang="en-US" sz="1400" b="0" i="0" kern="1200" dirty="0">
-                        <a:solidFill>
-                          <a:schemeClr val="tx1"/>
-                        </a:solidFill>
-                        <a:latin typeface="맑은 고딕" charset="0"/>
-                        <a:ea typeface="맑은 고딕" charset="0"/>
-                      </a:endParaRPr>
-                    </a:p>
-                  </a:txBody>
-                  <a:tcPr marL="90170" marR="90170" marT="46990" marB="46990" anchor="ctr">
-                    <a:lnL w="12700" cmpd="sng">
-                      <a:noFill/>
-                    </a:lnL>
-                    <a:lnR w="12700" cap="flat" cmpd="sng" algn="ctr">
-                      <a:solidFill>
-                        <a:schemeClr val="tx1"/>
-                      </a:solidFill>
-                      <a:prstDash val="solid"/>
-                      <a:round/>
-                      <a:headEnd type="none" w="med" len="med"/>
-                      <a:tailEnd type="none" w="med" len="med"/>
-                    </a:lnR>
-                    <a:lnT w="12700" cap="flat" cmpd="sng" algn="ctr">
-                      <a:noFill/>
-                      <a:prstDash val="solid"/>
-                      <a:round/>
-                      <a:headEnd type="none" w="med" len="med"/>
-                      <a:tailEnd type="none" w="med" len="med"/>
-                    </a:lnT>
-                    <a:lnB w="12700" cap="flat" cmpd="sng" algn="ctr">
-                      <a:solidFill>
-                        <a:schemeClr val="tx1"/>
-                      </a:solidFill>
-                      <a:prstDash val="solid"/>
-                      <a:round/>
-                      <a:headEnd type="none" w="med" len="med"/>
-                      <a:tailEnd type="none" w="med" len="med"/>
-                    </a:lnB>
-                    <a:lnTlToBr w="12700" cmpd="sng">
-                      <a:noFill/>
-                      <a:prstDash val="solid"/>
-                    </a:lnTlToBr>
-                    <a:lnBlToTr w="12700" cmpd="sng">
-                      <a:noFill/>
-                      <a:prstDash val="solid"/>
-                    </a:lnBlToTr>
-                    <a:noFill/>
-                  </a:tcPr>
-                </a:tc>
-                <a:tc>
-                  <a:txBody>
-                    <a:bodyPr/>
-                    <a:lstStyle/>
-                    <a:p>
-                      <a:pPr marL="0" marR="0" lvl="0" indent="0" algn="l" defTabSz="914400" rtl="0" eaLnBrk="1" fontAlgn="auto" latinLnBrk="1" hangingPunct="1">
-                        <a:lnSpc>
-                          <a:spcPct val="100000"/>
-                        </a:lnSpc>
-                        <a:spcBef>
-                          <a:spcPts val="0"/>
-                        </a:spcBef>
-                        <a:spcAft>
-                          <a:spcPts val="0"/>
-                        </a:spcAft>
-                        <a:buClrTx/>
-                        <a:buSzTx/>
-                        <a:buFontTx/>
-                        <a:buNone/>
-                        <a:tabLst/>
-                        <a:defRPr/>
-                      </a:pPr>
-                      <a:endParaRPr lang="ko-KR" altLang="en-US" sz="1400" b="0" i="0" kern="1200" dirty="0">
-                        <a:solidFill>
-                          <a:schemeClr val="tx1"/>
-                        </a:solidFill>
-                        <a:latin typeface="맑은 고딕" charset="0"/>
-                        <a:ea typeface="맑은 고딕" charset="0"/>
-                      </a:endParaRPr>
-                    </a:p>
-                  </a:txBody>
-                  <a:tcPr marL="90170" marR="90170" marT="46990" marB="46990" anchor="ctr">
-                    <a:lnL w="12700" cap="flat" cmpd="sng" algn="ctr">
-                      <a:solidFill>
-                        <a:schemeClr val="tx1"/>
-                      </a:solidFill>
-                      <a:prstDash val="solid"/>
-                      <a:round/>
-                      <a:headEnd type="none" w="med" len="med"/>
-                      <a:tailEnd type="none" w="med" len="med"/>
-                    </a:lnL>
-                    <a:lnR w="12700" cmpd="sng">
-                      <a:noFill/>
-                    </a:lnR>
-                    <a:lnT w="12700" cap="flat" cmpd="sng" algn="ctr">
-                      <a:noFill/>
-                      <a:prstDash val="solid"/>
-                      <a:round/>
-                      <a:headEnd type="none" w="med" len="med"/>
-                      <a:tailEnd type="none" w="med" len="med"/>
-                    </a:lnT>
-                    <a:lnB w="12700" cap="flat" cmpd="sng" algn="ctr">
-                      <a:solidFill>
-                        <a:schemeClr val="tx1"/>
-                      </a:solidFill>
-                      <a:prstDash val="solid"/>
-                      <a:round/>
-                      <a:headEnd type="none" w="med" len="med"/>
-                      <a:tailEnd type="none" w="med" len="med"/>
-                    </a:lnB>
-                    <a:lnTlToBr w="12700" cmpd="sng">
-                      <a:noFill/>
-                      <a:prstDash val="solid"/>
-                    </a:lnTlToBr>
-                    <a:lnBlToTr w="12700" cmpd="sng">
-                      <a:noFill/>
-                      <a:prstDash val="solid"/>
-                    </a:lnBlToTr>
-                    <a:noFill/>
-                  </a:tcPr>
-                </a:tc>
-                <a:extLst>
-                  <a:ext uri="{0D108BD9-81ED-4DB2-BD59-A6C34878D82A}">
-                    <a16:rowId xmlns:a16="http://schemas.microsoft.com/office/drawing/2014/main" val="10001"/>
-                  </a:ext>
-                </a:extLst>
-              </a:tr>
-              <a:tr h="0">
-                <a:tc gridSpan="2">
-                  <a:txBody>
-                    <a:bodyPr/>
-                    <a:lstStyle/>
-                    <a:p>
-                      <a:pPr marL="0" indent="0" hangingPunct="1"/>
-                      <a:r>
-                        <a:rPr lang="ko-KR" altLang="en-US" sz="1400" b="0" i="0" kern="1200" dirty="0">
-                          <a:solidFill>
-                            <a:schemeClr val="tx1"/>
-                          </a:solidFill>
-                          <a:latin typeface="맑은 고딕" charset="0"/>
-                          <a:ea typeface="맑은 고딕" charset="0"/>
-                        </a:rPr>
-                        <a:t>카드 게임은 기본적으로 카드별로 고유의 효과를 가지며</a:t>
-                      </a:r>
-                      <a:r>
-                        <a:rPr lang="en-US" altLang="ko-KR" sz="1400" b="0" i="0" kern="1200" dirty="0">
-                          <a:solidFill>
-                            <a:schemeClr val="tx1"/>
-                          </a:solidFill>
-                          <a:latin typeface="맑은 고딕" charset="0"/>
-                          <a:ea typeface="맑은 고딕" charset="0"/>
-                        </a:rPr>
-                        <a:t>, </a:t>
-                      </a:r>
-                      <a:r>
-                        <a:rPr lang="ko-KR" altLang="en-US" sz="1400" b="0" i="0" kern="1200" dirty="0">
-                          <a:solidFill>
-                            <a:schemeClr val="tx1"/>
-                          </a:solidFill>
-                          <a:latin typeface="맑은 고딕" charset="0"/>
-                          <a:ea typeface="맑은 고딕" charset="0"/>
-                        </a:rPr>
-                        <a:t>효과를 알기 위해서는 카드의 효과 텍스트를 읽어야 한다</a:t>
-                      </a:r>
-                      <a:r>
-                        <a:rPr lang="en-US" altLang="ko-KR" sz="1400" b="0" i="0" kern="1200" dirty="0">
-                          <a:solidFill>
-                            <a:schemeClr val="tx1"/>
-                          </a:solidFill>
-                          <a:latin typeface="맑은 고딕" charset="0"/>
-                          <a:ea typeface="맑은 고딕" charset="0"/>
-                        </a:rPr>
-                        <a:t>.</a:t>
-                      </a:r>
-                    </a:p>
-                    <a:p>
-                      <a:pPr marL="0" indent="0" hangingPunct="1"/>
-                      <a:r>
-                        <a:rPr lang="ko-KR" altLang="en-US" sz="1400" b="0" i="0" kern="1200" dirty="0">
-                          <a:solidFill>
-                            <a:schemeClr val="tx1"/>
-                          </a:solidFill>
-                          <a:latin typeface="맑은 고딕" charset="0"/>
-                          <a:ea typeface="맑은 고딕" charset="0"/>
-                        </a:rPr>
-                        <a:t>그렇기에 플레이어가 효과를 정확하게 이해할 수 있는 텍스트를 사용하는 것이 중요하다</a:t>
+                        <a:t>특히 카드 게임과 같은 사람과 사람 간의 대전을 전제로 하는 게임에서는 단순히 운으로 승패가 결판나는 불쾌한</a:t>
+                      </a:r>
+                      <a:r>
+                        <a:rPr lang="en-US" altLang="ko-KR" sz="1400" b="0" i="0" kern="1200" dirty="0">
+                          <a:solidFill>
+                            <a:schemeClr val="tx1"/>
+                          </a:solidFill>
+                          <a:latin typeface="맑은 고딕" charset="0"/>
+                          <a:ea typeface="맑은 고딕" charset="0"/>
+                        </a:rPr>
+                        <a:t> </a:t>
+                      </a:r>
+                      <a:r>
+                        <a:rPr lang="ko-KR" altLang="en-US" sz="1400" b="0" i="0" kern="1200" dirty="0">
+                          <a:solidFill>
+                            <a:schemeClr val="tx1"/>
+                          </a:solidFill>
+                          <a:latin typeface="맑은 고딕" charset="0"/>
+                          <a:ea typeface="맑은 고딕" charset="0"/>
+                        </a:rPr>
+                        <a:t>경험으로 작용한다</a:t>
                       </a:r>
                       <a:r>
                         <a:rPr lang="en-US" altLang="ko-KR" sz="1400" b="0" i="0" kern="1200" dirty="0">
@@ -9331,47 +7450,47 @@
                           <a:latin typeface="맑은 고딕" charset="0"/>
                           <a:ea typeface="맑은 고딕" charset="0"/>
                         </a:rPr>
-                        <a:t>하지만 일부 텍스트의 경우 그 의미를 이해할 수 없는 </a:t>
-                      </a:r>
-                      <a:r>
-                        <a:rPr lang="en-US" altLang="ko-KR" sz="1400" b="0" i="0" kern="1200" dirty="0">
-                          <a:solidFill>
-                            <a:schemeClr val="tx1"/>
-                          </a:solidFill>
-                          <a:latin typeface="맑은 고딕" charset="0"/>
-                          <a:ea typeface="맑은 고딕" charset="0"/>
-                        </a:rPr>
-                        <a:t>‘</a:t>
-                      </a:r>
-                      <a:r>
-                        <a:rPr lang="ko-KR" altLang="en-US" sz="1400" b="0" i="0" kern="1200" dirty="0">
-                          <a:solidFill>
-                            <a:schemeClr val="tx1"/>
-                          </a:solidFill>
-                          <a:latin typeface="맑은 고딕" charset="0"/>
-                          <a:ea typeface="맑은 고딕" charset="0"/>
-                        </a:rPr>
-                        <a:t>고유 명사</a:t>
-                      </a:r>
-                      <a:r>
-                        <a:rPr lang="en-US" altLang="ko-KR" sz="1400" b="0" i="0" kern="1200" dirty="0">
-                          <a:solidFill>
-                            <a:schemeClr val="tx1"/>
-                          </a:solidFill>
-                          <a:latin typeface="맑은 고딕" charset="0"/>
-                          <a:ea typeface="맑은 고딕" charset="0"/>
-                        </a:rPr>
-                        <a:t>’</a:t>
-                      </a:r>
-                      <a:r>
-                        <a:rPr lang="ko-KR" altLang="en-US" sz="1400" b="0" i="0" kern="1200" dirty="0">
-                          <a:solidFill>
-                            <a:schemeClr val="tx1"/>
-                          </a:solidFill>
-                          <a:latin typeface="맑은 고딕" charset="0"/>
-                          <a:ea typeface="맑은 고딕" charset="0"/>
-                        </a:rPr>
-                        <a:t>로 이루어져 있거나</a:t>
+                        <a:t>그렇기에 </a:t>
+                      </a:r>
+                      <a:r>
+                        <a:rPr lang="en-US" altLang="ko-KR" sz="1400" b="0" i="0" kern="1200" dirty="0">
+                          <a:solidFill>
+                            <a:schemeClr val="tx1"/>
+                          </a:solidFill>
+                          <a:latin typeface="맑은 고딕" charset="0"/>
+                          <a:ea typeface="맑은 고딕" charset="0"/>
+                        </a:rPr>
+                        <a:t>‘Shadowverse’</a:t>
+                      </a:r>
+                      <a:r>
+                        <a:rPr lang="ko-KR" altLang="en-US" sz="1400" b="0" i="0" kern="1200" dirty="0">
+                          <a:solidFill>
+                            <a:schemeClr val="tx1"/>
+                          </a:solidFill>
+                          <a:latin typeface="맑은 고딕" charset="0"/>
+                          <a:ea typeface="맑은 고딕" charset="0"/>
+                        </a:rPr>
+                        <a:t>의 경우에는 랜덤성의 범위를 특정 키워드</a:t>
+                      </a:r>
+                      <a:r>
+                        <a:rPr lang="en-US" altLang="ko-KR" sz="1400" b="0" i="0" kern="1200" dirty="0">
+                          <a:solidFill>
+                            <a:schemeClr val="tx1"/>
+                          </a:solidFill>
+                          <a:latin typeface="맑은 고딕" charset="0"/>
+                          <a:ea typeface="맑은 고딕" charset="0"/>
+                        </a:rPr>
+                        <a:t>(</a:t>
+                      </a:r>
+                      <a:r>
+                        <a:rPr lang="ko-KR" altLang="en-US" sz="1400" b="0" i="0" kern="1200" dirty="0">
+                          <a:solidFill>
+                            <a:schemeClr val="tx1"/>
+                          </a:solidFill>
+                          <a:latin typeface="맑은 고딕" charset="0"/>
+                          <a:ea typeface="맑은 고딕" charset="0"/>
+                        </a:rPr>
+                        <a:t>종족</a:t>
                       </a:r>
                       <a:r>
                         <a:rPr lang="en-US" altLang="ko-KR" sz="1400" b="0" i="0" kern="1200" dirty="0">
@@ -9391,7 +7510,67 @@
                           <a:latin typeface="맑은 고딕" charset="0"/>
                           <a:ea typeface="맑은 고딕" charset="0"/>
                         </a:rPr>
-                        <a:t>카드의 효과 텍스트가 과도하게 길어 이해하기 어려운 경우들이 생기기도 한다</a:t>
+                        <a:t>직업</a:t>
+                      </a:r>
+                      <a:r>
+                        <a:rPr lang="en-US" altLang="ko-KR" sz="1400" b="0" i="0" kern="1200" dirty="0">
+                          <a:solidFill>
+                            <a:schemeClr val="tx1"/>
+                          </a:solidFill>
+                          <a:latin typeface="맑은 고딕" charset="0"/>
+                          <a:ea typeface="맑은 고딕" charset="0"/>
+                        </a:rPr>
+                        <a:t>, </a:t>
+                      </a:r>
+                      <a:r>
+                        <a:rPr lang="ko-KR" altLang="en-US" sz="1400" b="0" i="0" kern="1200" dirty="0">
+                          <a:solidFill>
+                            <a:schemeClr val="tx1"/>
+                          </a:solidFill>
+                          <a:latin typeface="맑은 고딕" charset="0"/>
+                          <a:ea typeface="맑은 고딕" charset="0"/>
+                        </a:rPr>
+                        <a:t>카테고리 등등</a:t>
+                      </a:r>
+                      <a:r>
+                        <a:rPr lang="en-US" altLang="ko-KR" sz="1400" b="0" i="0" kern="1200" dirty="0">
+                          <a:solidFill>
+                            <a:schemeClr val="tx1"/>
+                          </a:solidFill>
+                          <a:latin typeface="맑은 고딕" charset="0"/>
+                          <a:ea typeface="맑은 고딕" charset="0"/>
+                        </a:rPr>
+                        <a:t>)</a:t>
+                      </a:r>
+                      <a:r>
+                        <a:rPr lang="ko-KR" altLang="en-US" sz="1400" b="0" i="0" kern="1200" dirty="0">
+                          <a:solidFill>
+                            <a:schemeClr val="tx1"/>
+                          </a:solidFill>
+                          <a:latin typeface="맑은 고딕" charset="0"/>
+                          <a:ea typeface="맑은 고딕" charset="0"/>
+                        </a:rPr>
+                        <a:t>으로 한정 시켜 랜덤성을 적절하게 조절하며</a:t>
+                      </a:r>
+                      <a:r>
+                        <a:rPr lang="en-US" altLang="ko-KR" sz="1400" b="0" i="0" kern="1200" dirty="0">
+                          <a:solidFill>
+                            <a:schemeClr val="tx1"/>
+                          </a:solidFill>
+                          <a:latin typeface="맑은 고딕" charset="0"/>
+                          <a:ea typeface="맑은 고딕" charset="0"/>
+                        </a:rPr>
+                        <a:t>, ‘Yu-Gi-Oh Master Duel’</a:t>
+                      </a:r>
+                      <a:r>
+                        <a:rPr lang="ko-KR" altLang="en-US" sz="1400" b="0" i="0" kern="1200" dirty="0">
+                          <a:solidFill>
+                            <a:schemeClr val="tx1"/>
+                          </a:solidFill>
+                          <a:latin typeface="맑은 고딕" charset="0"/>
+                          <a:ea typeface="맑은 고딕" charset="0"/>
+                        </a:rPr>
+                        <a:t>의 경우에는 오프라인 환경을 기반으로 개발되어 랜덤성 텍스트는 대부분 카드를 뽑거나 넘겨서 확인하는 방식이다</a:t>
                       </a:r>
                       <a:r>
                         <a:rPr lang="en-US" altLang="ko-KR" sz="1400" b="0" i="0" kern="1200" dirty="0">
@@ -9525,7 +7704,2026 @@
     </p:spTree>
     <p:extLst>
       <p:ext uri="{BB962C8B-B14F-4D97-AF65-F5344CB8AC3E}">
-        <p14:creationId xmlns:p14="http://schemas.microsoft.com/office/powerpoint/2010/main" val="134724416"/>
+        <p14:creationId xmlns:p14="http://schemas.microsoft.com/office/powerpoint/2010/main" val="2462906942"/>
+      </p:ext>
+    </p:extLst>
+  </p:cSld>
+  <p:clrMapOvr>
+    <a:masterClrMapping/>
+  </p:clrMapOvr>
+</p:sld>
+</file>
+
+<file path=ppt/slides/slide6.xml><?xml version="1.0" encoding="utf-8"?>
+<p:sld xmlns:a="http://schemas.openxmlformats.org/drawingml/2006/main" xmlns:r="http://schemas.openxmlformats.org/officeDocument/2006/relationships" xmlns:p="http://schemas.openxmlformats.org/presentationml/2006/main">
+  <p:cSld>
+    <p:spTree>
+      <p:nvGrpSpPr>
+        <p:cNvPr id="1" name=""/>
+        <p:cNvGrpSpPr/>
+        <p:nvPr/>
+      </p:nvGrpSpPr>
+      <p:grpSpPr>
+        <a:xfrm>
+          <a:off x="0" y="0"/>
+          <a:ext cx="0" cy="0"/>
+          <a:chOff x="0" y="0"/>
+          <a:chExt cx="0" cy="0"/>
+        </a:xfrm>
+      </p:grpSpPr>
+      <p:sp>
+        <p:nvSpPr>
+          <p:cNvPr id="2" name="제목 1"/>
+          <p:cNvSpPr txBox="1">
+            <a:spLocks noGrp="1"/>
+          </p:cNvSpPr>
+          <p:nvPr>
+            <p:ph type="title"/>
+          </p:nvPr>
+        </p:nvSpPr>
+        <p:spPr>
+          <a:xfrm>
+            <a:off x="839788" y="368301"/>
+            <a:ext cx="10512425" cy="1071562"/>
+          </a:xfrm>
+          <a:prstGeom prst="rect">
+            <a:avLst/>
+          </a:prstGeom>
+        </p:spPr>
+        <p:txBody>
+          <a:bodyPr vert="horz" wrap="square" lIns="91440" tIns="45720" rIns="91440" bIns="45720" numCol="1" anchor="ctr">
+            <a:normAutofit/>
+          </a:bodyPr>
+          <a:lstStyle/>
+          <a:p>
+            <a:pPr marL="0" indent="0" rtl="0" latinLnBrk="0">
+              <a:buFontTx/>
+              <a:buNone/>
+            </a:pPr>
+            <a:r>
+              <a:rPr lang="ko-KR" altLang="en-US" dirty="0"/>
+              <a:t>과거 및 현 상황</a:t>
+            </a:r>
+          </a:p>
+        </p:txBody>
+      </p:sp>
+      <p:sp>
+        <p:nvSpPr>
+          <p:cNvPr id="4" name="Rect 0"/>
+          <p:cNvSpPr txBox="1">
+            <a:spLocks noGrp="1"/>
+          </p:cNvSpPr>
+          <p:nvPr>
+            <p:ph type="sldNum" idx="12"/>
+          </p:nvPr>
+        </p:nvSpPr>
+        <p:spPr>
+          <a:xfrm>
+            <a:off x="8610600" y="6356350"/>
+            <a:ext cx="2743835" cy="365760"/>
+          </a:xfrm>
+          <a:prstGeom prst="rect">
+            <a:avLst/>
+          </a:prstGeom>
+        </p:spPr>
+        <p:txBody>
+          <a:bodyPr vert="horz" wrap="square" lIns="91440" tIns="45720" rIns="91440" bIns="45720" anchor="ctr">
+            <a:noAutofit/>
+          </a:bodyPr>
+          <a:lstStyle/>
+          <a:p>
+            <a:pPr marL="0" indent="0" latinLnBrk="0">
+              <a:buFontTx/>
+              <a:buNone/>
+            </a:pPr>
+            <a:fld id="{B9320F77-B9A0-41C5-862A-B4B631284C64}" type="slidenum">
+              <a:rPr lang="ko-KR" altLang="en-US"/>
+              <a:t>6</a:t>
+            </a:fld>
+            <a:endParaRPr lang="ko-KR" altLang="en-US"/>
+          </a:p>
+        </p:txBody>
+      </p:sp>
+      <p:pic>
+        <p:nvPicPr>
+          <p:cNvPr id="11" name="그림 10" descr="텍스트, 만화 영화, 그래픽 디자인, 스크린샷이(가) 표시된 사진&#10;&#10;자동 생성된 설명">
+            <a:extLst>
+              <a:ext uri="{FF2B5EF4-FFF2-40B4-BE49-F238E27FC236}">
+                <a16:creationId xmlns:a16="http://schemas.microsoft.com/office/drawing/2014/main" id="{22CBA25B-5B41-52D3-421F-80A43BB96213}"/>
+              </a:ext>
+            </a:extLst>
+          </p:cNvPr>
+          <p:cNvPicPr>
+            <a:picLocks noChangeAspect="1"/>
+          </p:cNvPicPr>
+          <p:nvPr/>
+        </p:nvPicPr>
+        <p:blipFill>
+          <a:blip r:embed="rId3">
+            <a:extLst>
+              <a:ext uri="{28A0092B-C50C-407E-A947-70E740481C1C}">
+                <a14:useLocalDpi xmlns:a14="http://schemas.microsoft.com/office/drawing/2010/main" val="0"/>
+              </a:ext>
+            </a:extLst>
+          </a:blip>
+          <a:stretch>
+            <a:fillRect/>
+          </a:stretch>
+        </p:blipFill>
+        <p:spPr>
+          <a:xfrm>
+            <a:off x="906780" y="1823381"/>
+            <a:ext cx="1157761" cy="1605619"/>
+          </a:xfrm>
+          <a:prstGeom prst="rect">
+            <a:avLst/>
+          </a:prstGeom>
+        </p:spPr>
+      </p:pic>
+      <p:graphicFrame>
+        <p:nvGraphicFramePr>
+          <p:cNvPr id="3" name="표 1">
+            <a:extLst>
+              <a:ext uri="{FF2B5EF4-FFF2-40B4-BE49-F238E27FC236}">
+                <a16:creationId xmlns:a16="http://schemas.microsoft.com/office/drawing/2014/main" id="{FF59D5AF-A9BB-D997-8C45-4006D91D0833}"/>
+              </a:ext>
+            </a:extLst>
+          </p:cNvPr>
+          <p:cNvGraphicFramePr>
+            <a:graphicFrameLocks noGrp="1"/>
+          </p:cNvGraphicFramePr>
+          <p:nvPr>
+            <p:extLst>
+              <p:ext uri="{D42A27DB-BD31-4B8C-83A1-F6EECF244321}">
+                <p14:modId xmlns:p14="http://schemas.microsoft.com/office/powerpoint/2010/main" val="401547478"/>
+              </p:ext>
+            </p:extLst>
+          </p:nvPr>
+        </p:nvGraphicFramePr>
+        <p:xfrm>
+          <a:off x="2133600" y="1841500"/>
+          <a:ext cx="9218612" cy="1587500"/>
+        </p:xfrm>
+        <a:graphic>
+          <a:graphicData uri="http://schemas.openxmlformats.org/drawingml/2006/table">
+            <a:tbl>
+              <a:tblPr firstRow="1" bandRow="1">
+                <a:tableStyleId>{5C22544A-7EE6-4342-B048-85BDC9FD1C3A}</a:tableStyleId>
+              </a:tblPr>
+              <a:tblGrid>
+                <a:gridCol w="9218612">
+                  <a:extLst>
+                    <a:ext uri="{9D8B030D-6E8A-4147-A177-3AD203B41FA5}">
+                      <a16:colId xmlns:a16="http://schemas.microsoft.com/office/drawing/2014/main" val="20000"/>
+                    </a:ext>
+                  </a:extLst>
+                </a:gridCol>
+              </a:tblGrid>
+              <a:tr h="0">
+                <a:tc>
+                  <a:txBody>
+                    <a:bodyPr/>
+                    <a:lstStyle/>
+                    <a:p>
+                      <a:pPr marL="0" marR="0" lvl="0" indent="0" algn="l" defTabSz="914400" rtl="0" eaLnBrk="1" fontAlgn="auto" latinLnBrk="1" hangingPunct="1">
+                        <a:lnSpc>
+                          <a:spcPct val="100000"/>
+                        </a:lnSpc>
+                        <a:spcBef>
+                          <a:spcPts val="0"/>
+                        </a:spcBef>
+                        <a:spcAft>
+                          <a:spcPts val="0"/>
+                        </a:spcAft>
+                        <a:buClrTx/>
+                        <a:buSzTx/>
+                        <a:buFontTx/>
+                        <a:buNone/>
+                        <a:tabLst/>
+                        <a:defRPr/>
+                      </a:pPr>
+                      <a:r>
+                        <a:rPr lang="en-US" altLang="ko-KR" sz="1400" b="0" i="0" kern="1200" dirty="0">
+                          <a:solidFill>
+                            <a:schemeClr val="tx1"/>
+                          </a:solidFill>
+                          <a:latin typeface="맑은 고딕" charset="0"/>
+                          <a:ea typeface="맑은 고딕" charset="0"/>
+                        </a:rPr>
+                        <a:t>‘</a:t>
+                      </a:r>
+                      <a:r>
+                        <a:rPr lang="ko-KR" altLang="en-US" sz="1400" b="0" i="0" kern="1200" dirty="0">
+                          <a:solidFill>
+                            <a:schemeClr val="tx1"/>
+                          </a:solidFill>
+                          <a:latin typeface="맑은 고딕" charset="0"/>
+                          <a:ea typeface="맑은 고딕" charset="0"/>
+                        </a:rPr>
+                        <a:t>하스스톤</a:t>
+                      </a:r>
+                      <a:r>
+                        <a:rPr lang="en-US" altLang="ko-KR" sz="1400" b="0" i="0" kern="1200" dirty="0">
+                          <a:solidFill>
+                            <a:schemeClr val="tx1"/>
+                          </a:solidFill>
+                          <a:latin typeface="맑은 고딕" charset="0"/>
+                          <a:ea typeface="맑은 고딕" charset="0"/>
+                        </a:rPr>
+                        <a:t>’</a:t>
+                      </a:r>
+                      <a:r>
+                        <a:rPr lang="ko-KR" altLang="en-US" sz="1400" b="0" i="0" kern="1200" dirty="0">
+                          <a:solidFill>
+                            <a:schemeClr val="tx1"/>
+                          </a:solidFill>
+                          <a:latin typeface="맑은 고딕" charset="0"/>
+                          <a:ea typeface="맑은 고딕" charset="0"/>
+                        </a:rPr>
+                        <a:t>에서 과도한 랜덤성을 가지는 카드 중에서도 가장 극단적인 카드는 </a:t>
+                      </a:r>
+                      <a:r>
+                        <a:rPr lang="en-US" altLang="ko-KR" sz="1400" b="0" i="0" kern="1200" dirty="0">
+                          <a:solidFill>
+                            <a:schemeClr val="tx1"/>
+                          </a:solidFill>
+                          <a:latin typeface="맑은 고딕" charset="0"/>
+                          <a:ea typeface="맑은 고딕" charset="0"/>
+                        </a:rPr>
+                        <a:t>‘</a:t>
+                      </a:r>
+                      <a:r>
+                        <a:rPr lang="ko-KR" altLang="en-US" sz="1400" b="0" i="0" kern="1200" dirty="0">
+                          <a:solidFill>
+                            <a:schemeClr val="tx1"/>
+                          </a:solidFill>
+                          <a:latin typeface="맑은 고딕" charset="0"/>
+                          <a:ea typeface="맑은 고딕" charset="0"/>
+                        </a:rPr>
+                        <a:t>희망의 끝 </a:t>
+                      </a:r>
+                      <a:r>
+                        <a:rPr lang="ko-KR" altLang="en-US" sz="1400" b="0" i="0" kern="1200" dirty="0" err="1">
+                          <a:solidFill>
+                            <a:schemeClr val="tx1"/>
+                          </a:solidFill>
+                          <a:latin typeface="맑은 고딕" charset="0"/>
+                          <a:ea typeface="맑은 고딕" charset="0"/>
+                        </a:rPr>
+                        <a:t>요그사론</a:t>
+                      </a:r>
+                      <a:r>
+                        <a:rPr lang="en-US" altLang="ko-KR" sz="1400" b="0" i="0" kern="1200" dirty="0">
+                          <a:solidFill>
+                            <a:schemeClr val="tx1"/>
+                          </a:solidFill>
+                          <a:latin typeface="맑은 고딕" charset="0"/>
+                          <a:ea typeface="맑은 고딕" charset="0"/>
+                        </a:rPr>
+                        <a:t>’</a:t>
+                      </a:r>
+                      <a:r>
+                        <a:rPr lang="ko-KR" altLang="en-US" sz="1400" b="0" i="0" kern="1200" dirty="0">
+                          <a:solidFill>
+                            <a:schemeClr val="tx1"/>
+                          </a:solidFill>
+                          <a:latin typeface="맑은 고딕" charset="0"/>
+                          <a:ea typeface="맑은 고딕" charset="0"/>
+                        </a:rPr>
+                        <a:t>이다</a:t>
+                      </a:r>
+                      <a:r>
+                        <a:rPr lang="en-US" altLang="ko-KR" sz="1400" b="0" i="0" kern="1200" dirty="0">
+                          <a:solidFill>
+                            <a:schemeClr val="tx1"/>
+                          </a:solidFill>
+                          <a:latin typeface="맑은 고딕" charset="0"/>
+                          <a:ea typeface="맑은 고딕" charset="0"/>
+                        </a:rPr>
+                        <a:t>. </a:t>
+                      </a:r>
+                      <a:r>
+                        <a:rPr lang="ko-KR" altLang="en-US" sz="1400" b="0" i="0" kern="1200" dirty="0">
+                          <a:solidFill>
+                            <a:schemeClr val="tx1"/>
+                          </a:solidFill>
+                          <a:latin typeface="맑은 고딕" charset="0"/>
+                          <a:ea typeface="맑은 고딕" charset="0"/>
+                        </a:rPr>
+                        <a:t>해당 카드들의 문제점은 사용시 그 결과를 아무도 예측할 수 없으며</a:t>
+                      </a:r>
+                      <a:r>
+                        <a:rPr lang="en-US" altLang="ko-KR" sz="1400" b="0" i="0" kern="1200" dirty="0">
+                          <a:solidFill>
+                            <a:schemeClr val="tx1"/>
+                          </a:solidFill>
+                          <a:latin typeface="맑은 고딕" charset="0"/>
+                          <a:ea typeface="맑은 고딕" charset="0"/>
+                        </a:rPr>
+                        <a:t>, </a:t>
+                      </a:r>
+                      <a:r>
+                        <a:rPr lang="ko-KR" altLang="en-US" sz="1400" b="0" i="0" kern="1200" dirty="0">
+                          <a:solidFill>
+                            <a:schemeClr val="tx1"/>
+                          </a:solidFill>
+                          <a:latin typeface="맑은 고딕" charset="0"/>
+                          <a:ea typeface="맑은 고딕" charset="0"/>
+                        </a:rPr>
+                        <a:t>동시에 단순히 운이 좋을 경우 불리한 상황을 게임을 역전하거나 승패를 결정 지을 수 있는 극단적인 카드라는 것이다</a:t>
+                      </a:r>
+                      <a:r>
+                        <a:rPr lang="en-US" altLang="ko-KR" sz="1400" b="0" i="0" kern="1200" dirty="0">
+                          <a:solidFill>
+                            <a:schemeClr val="tx1"/>
+                          </a:solidFill>
+                          <a:latin typeface="맑은 고딕" charset="0"/>
+                          <a:ea typeface="맑은 고딕" charset="0"/>
+                        </a:rPr>
+                        <a:t>. </a:t>
+                      </a:r>
+                      <a:r>
+                        <a:rPr lang="ko-KR" altLang="en-US" sz="1400" b="0" i="0" kern="1200" dirty="0">
+                          <a:solidFill>
+                            <a:schemeClr val="tx1"/>
+                          </a:solidFill>
+                          <a:latin typeface="맑은 고딕" charset="0"/>
+                          <a:ea typeface="맑은 고딕" charset="0"/>
+                        </a:rPr>
+                        <a:t>특히 </a:t>
+                      </a:r>
+                      <a:r>
+                        <a:rPr lang="en-US" altLang="ko-KR" sz="1400" b="0" i="0" kern="1200" dirty="0">
+                          <a:solidFill>
+                            <a:schemeClr val="tx1"/>
+                          </a:solidFill>
+                          <a:latin typeface="맑은 고딕" charset="0"/>
+                          <a:ea typeface="맑은 고딕" charset="0"/>
+                        </a:rPr>
+                        <a:t>‘</a:t>
+                      </a:r>
+                      <a:r>
+                        <a:rPr lang="ko-KR" altLang="en-US" sz="1400" b="0" i="0" kern="1200" dirty="0">
+                          <a:solidFill>
+                            <a:schemeClr val="tx1"/>
+                          </a:solidFill>
+                          <a:latin typeface="맑은 고딕" charset="0"/>
+                          <a:ea typeface="맑은 고딕" charset="0"/>
+                        </a:rPr>
+                        <a:t>희망의 끝 </a:t>
+                      </a:r>
+                      <a:r>
+                        <a:rPr lang="ko-KR" altLang="en-US" sz="1400" b="0" i="0" kern="1200" dirty="0" err="1">
+                          <a:solidFill>
+                            <a:schemeClr val="tx1"/>
+                          </a:solidFill>
+                          <a:latin typeface="맑은 고딕" charset="0"/>
+                          <a:ea typeface="맑은 고딕" charset="0"/>
+                        </a:rPr>
+                        <a:t>요그사론</a:t>
+                      </a:r>
+                      <a:r>
+                        <a:rPr lang="en-US" altLang="ko-KR" sz="1400" b="0" i="0" kern="1200" dirty="0">
+                          <a:solidFill>
+                            <a:schemeClr val="tx1"/>
+                          </a:solidFill>
+                          <a:latin typeface="맑은 고딕" charset="0"/>
+                          <a:ea typeface="맑은 고딕" charset="0"/>
+                        </a:rPr>
+                        <a:t>’</a:t>
+                      </a:r>
+                      <a:r>
+                        <a:rPr lang="ko-KR" altLang="en-US" sz="1400" b="0" i="0" kern="1200" dirty="0">
+                          <a:solidFill>
+                            <a:schemeClr val="tx1"/>
+                          </a:solidFill>
+                          <a:latin typeface="맑은 고딕" charset="0"/>
+                          <a:ea typeface="맑은 고딕" charset="0"/>
+                        </a:rPr>
+                        <a:t>의 경우 처음 공개되었을 때는 단순히 재미를 위한 예능 카드라는 평가가 많았지만</a:t>
+                      </a:r>
+                      <a:r>
+                        <a:rPr lang="en-US" altLang="ko-KR" sz="1400" b="0" i="0" kern="1200" dirty="0">
+                          <a:solidFill>
+                            <a:schemeClr val="tx1"/>
+                          </a:solidFill>
+                          <a:latin typeface="맑은 고딕" charset="0"/>
+                          <a:ea typeface="맑은 고딕" charset="0"/>
+                        </a:rPr>
+                        <a:t>, </a:t>
+                      </a:r>
+                      <a:r>
+                        <a:rPr lang="ko-KR" altLang="en-US" sz="1400" b="0" i="0" kern="1200" dirty="0">
+                          <a:solidFill>
+                            <a:schemeClr val="tx1"/>
+                          </a:solidFill>
+                          <a:latin typeface="맑은 고딕" charset="0"/>
+                          <a:ea typeface="맑은 고딕" charset="0"/>
+                        </a:rPr>
+                        <a:t>많은 플레이어들의 연구 결과 불리한 상황의 경기도 역전할 수 있는 조커 카드로써 기용되기 시작했고</a:t>
+                      </a:r>
+                      <a:r>
+                        <a:rPr lang="en-US" altLang="ko-KR" sz="1400" b="0" i="0" kern="1200" dirty="0">
+                          <a:solidFill>
+                            <a:schemeClr val="tx1"/>
+                          </a:solidFill>
+                          <a:latin typeface="맑은 고딕" charset="0"/>
+                          <a:ea typeface="맑은 고딕" charset="0"/>
+                        </a:rPr>
+                        <a:t>, </a:t>
+                      </a:r>
+                      <a:r>
+                        <a:rPr lang="ko-KR" altLang="en-US" sz="1400" b="0" i="0" kern="1200" dirty="0">
+                          <a:solidFill>
+                            <a:schemeClr val="tx1"/>
+                          </a:solidFill>
+                          <a:latin typeface="맑은 고딕" charset="0"/>
+                          <a:ea typeface="맑은 고딕" charset="0"/>
+                        </a:rPr>
+                        <a:t>당시 </a:t>
+                      </a:r>
+                      <a:r>
+                        <a:rPr lang="en-US" altLang="ko-KR" sz="1400" b="0" i="0" kern="1200" dirty="0">
+                          <a:solidFill>
+                            <a:schemeClr val="tx1"/>
+                          </a:solidFill>
+                          <a:latin typeface="맑은 고딕" charset="0"/>
+                          <a:ea typeface="맑은 고딕" charset="0"/>
+                        </a:rPr>
+                        <a:t>‘</a:t>
+                      </a:r>
+                      <a:r>
+                        <a:rPr lang="ko-KR" altLang="en-US" sz="1400" b="0" i="0" kern="1200" dirty="0">
+                          <a:solidFill>
+                            <a:schemeClr val="tx1"/>
+                          </a:solidFill>
+                          <a:latin typeface="맑은 고딕" charset="0"/>
+                          <a:ea typeface="맑은 고딕" charset="0"/>
+                        </a:rPr>
+                        <a:t>하스스톤</a:t>
+                      </a:r>
+                      <a:r>
+                        <a:rPr lang="en-US" altLang="ko-KR" sz="1400" b="0" i="0" kern="1200" dirty="0">
+                          <a:solidFill>
+                            <a:schemeClr val="tx1"/>
+                          </a:solidFill>
+                          <a:latin typeface="맑은 고딕" charset="0"/>
+                          <a:ea typeface="맑은 고딕" charset="0"/>
+                        </a:rPr>
+                        <a:t>’</a:t>
+                      </a:r>
+                      <a:r>
+                        <a:rPr lang="ko-KR" altLang="en-US" sz="1400" b="0" i="0" kern="1200" dirty="0">
+                          <a:solidFill>
+                            <a:schemeClr val="tx1"/>
+                          </a:solidFill>
+                          <a:latin typeface="맑은 고딕" charset="0"/>
+                          <a:ea typeface="맑은 고딕" charset="0"/>
+                        </a:rPr>
+                        <a:t>의 프로 리그에서도 활용될 만큼 강력한 카드로 평가 받은 끝에 </a:t>
+                      </a:r>
+                      <a:r>
+                        <a:rPr lang="ko-KR" altLang="en-US" sz="1400" b="0" i="0" kern="1200" dirty="0" err="1">
+                          <a:solidFill>
+                            <a:schemeClr val="tx1"/>
+                          </a:solidFill>
+                          <a:latin typeface="맑은 고딕" charset="0"/>
+                          <a:ea typeface="맑은 고딕" charset="0"/>
+                        </a:rPr>
+                        <a:t>너프를</a:t>
+                      </a:r>
+                      <a:r>
+                        <a:rPr lang="ko-KR" altLang="en-US" sz="1400" b="0" i="0" kern="1200" dirty="0">
+                          <a:solidFill>
+                            <a:schemeClr val="tx1"/>
+                          </a:solidFill>
+                          <a:latin typeface="맑은 고딕" charset="0"/>
+                          <a:ea typeface="맑은 고딕" charset="0"/>
+                        </a:rPr>
+                        <a:t> 받게 되었다</a:t>
+                      </a:r>
+                      <a:r>
+                        <a:rPr lang="en-US" altLang="ko-KR" sz="1400" b="0" i="0" kern="1200" dirty="0">
+                          <a:solidFill>
+                            <a:schemeClr val="tx1"/>
+                          </a:solidFill>
+                          <a:latin typeface="맑은 고딕" charset="0"/>
+                          <a:ea typeface="맑은 고딕" charset="0"/>
+                        </a:rPr>
+                        <a:t>.</a:t>
+                      </a:r>
+                    </a:p>
+                    <a:p>
+                      <a:pPr marL="0" marR="0" lvl="0" indent="0" algn="l" defTabSz="914400" rtl="0" eaLnBrk="1" fontAlgn="auto" latinLnBrk="1" hangingPunct="1">
+                        <a:lnSpc>
+                          <a:spcPct val="100000"/>
+                        </a:lnSpc>
+                        <a:spcBef>
+                          <a:spcPts val="0"/>
+                        </a:spcBef>
+                        <a:spcAft>
+                          <a:spcPts val="0"/>
+                        </a:spcAft>
+                        <a:buClrTx/>
+                        <a:buSzTx/>
+                        <a:buFontTx/>
+                        <a:buNone/>
+                        <a:tabLst/>
+                        <a:defRPr/>
+                      </a:pPr>
+                      <a:r>
+                        <a:rPr lang="ko-KR" altLang="en-US" sz="1400" b="0" i="0" kern="1200" dirty="0">
+                          <a:solidFill>
+                            <a:schemeClr val="tx1"/>
+                          </a:solidFill>
+                          <a:latin typeface="맑은 고딕" charset="0"/>
+                          <a:ea typeface="맑은 고딕" charset="0"/>
+                        </a:rPr>
+                        <a:t>결론적으로 해당 카드는 </a:t>
+                      </a:r>
+                      <a:r>
+                        <a:rPr lang="en-US" altLang="ko-KR" sz="1400" b="0" i="0" kern="1200" dirty="0">
+                          <a:solidFill>
+                            <a:schemeClr val="tx1"/>
+                          </a:solidFill>
+                          <a:latin typeface="맑은 고딕" charset="0"/>
+                          <a:ea typeface="맑은 고딕" charset="0"/>
+                        </a:rPr>
+                        <a:t>‘</a:t>
+                      </a:r>
+                      <a:r>
+                        <a:rPr lang="ko-KR" altLang="en-US" sz="1400" b="0" i="0" kern="1200" dirty="0">
+                          <a:solidFill>
+                            <a:schemeClr val="tx1"/>
+                          </a:solidFill>
+                          <a:latin typeface="맑은 고딕" charset="0"/>
+                          <a:ea typeface="맑은 고딕" charset="0"/>
+                        </a:rPr>
+                        <a:t>하스스톤</a:t>
+                      </a:r>
+                      <a:r>
+                        <a:rPr lang="en-US" altLang="ko-KR" sz="1400" b="0" i="0" kern="1200" dirty="0">
+                          <a:solidFill>
+                            <a:schemeClr val="tx1"/>
+                          </a:solidFill>
+                          <a:latin typeface="맑은 고딕" charset="0"/>
+                          <a:ea typeface="맑은 고딕" charset="0"/>
+                        </a:rPr>
+                        <a:t>’</a:t>
+                      </a:r>
+                      <a:r>
+                        <a:rPr lang="ko-KR" altLang="en-US" sz="1400" b="0" i="0" kern="1200" dirty="0">
+                          <a:solidFill>
+                            <a:schemeClr val="tx1"/>
+                          </a:solidFill>
+                          <a:latin typeface="맑은 고딕" charset="0"/>
+                          <a:ea typeface="맑은 고딕" charset="0"/>
+                        </a:rPr>
+                        <a:t>을 </a:t>
+                      </a:r>
+                      <a:r>
+                        <a:rPr lang="en-US" altLang="ko-KR" sz="1400" b="0" i="0" kern="1200" dirty="0">
+                          <a:solidFill>
+                            <a:schemeClr val="tx1"/>
+                          </a:solidFill>
+                          <a:latin typeface="맑은 고딕" charset="0"/>
+                          <a:ea typeface="맑은 고딕" charset="0"/>
+                        </a:rPr>
+                        <a:t>‘</a:t>
+                      </a:r>
+                      <a:r>
+                        <a:rPr lang="ko-KR" altLang="en-US" sz="1400" b="0" i="0" kern="1200" dirty="0" err="1">
+                          <a:solidFill>
+                            <a:schemeClr val="tx1"/>
+                          </a:solidFill>
+                          <a:latin typeface="맑은 고딕" charset="0"/>
+                          <a:ea typeface="맑은 고딕" charset="0"/>
+                        </a:rPr>
+                        <a:t>운빨ㅈㅁ겜</a:t>
+                      </a:r>
+                      <a:r>
+                        <a:rPr lang="en-US" altLang="ko-KR" sz="1400" b="0" i="0" kern="1200" dirty="0">
+                          <a:solidFill>
+                            <a:schemeClr val="tx1"/>
+                          </a:solidFill>
+                          <a:latin typeface="맑은 고딕" charset="0"/>
+                          <a:ea typeface="맑은 고딕" charset="0"/>
+                        </a:rPr>
+                        <a:t>’</a:t>
+                      </a:r>
+                      <a:r>
+                        <a:rPr lang="ko-KR" altLang="en-US" sz="1400" b="0" i="0" kern="1200" dirty="0">
+                          <a:solidFill>
+                            <a:schemeClr val="tx1"/>
+                          </a:solidFill>
+                          <a:latin typeface="맑은 고딕" charset="0"/>
+                          <a:ea typeface="맑은 고딕" charset="0"/>
+                        </a:rPr>
+                        <a:t>이라는 </a:t>
+                      </a:r>
+                      <a:r>
+                        <a:rPr lang="ko-KR" altLang="en-US" sz="1400" b="0" i="0" kern="1200" dirty="0" err="1">
+                          <a:solidFill>
+                            <a:schemeClr val="tx1"/>
+                          </a:solidFill>
+                          <a:latin typeface="맑은 고딕" charset="0"/>
+                          <a:ea typeface="맑은 고딕" charset="0"/>
+                        </a:rPr>
+                        <a:t>멸칭으로</a:t>
+                      </a:r>
+                      <a:r>
+                        <a:rPr lang="ko-KR" altLang="en-US" sz="1400" b="0" i="0" kern="1200" dirty="0">
+                          <a:solidFill>
+                            <a:schemeClr val="tx1"/>
+                          </a:solidFill>
+                          <a:latin typeface="맑은 고딕" charset="0"/>
+                          <a:ea typeface="맑은 고딕" charset="0"/>
+                        </a:rPr>
+                        <a:t> 부르는 가장 큰 원인이 되었다</a:t>
+                      </a:r>
+                      <a:r>
+                        <a:rPr lang="en-US" altLang="ko-KR" sz="1400" b="0" i="0" kern="1200" dirty="0">
+                          <a:solidFill>
+                            <a:schemeClr val="tx1"/>
+                          </a:solidFill>
+                          <a:latin typeface="맑은 고딕" charset="0"/>
+                          <a:ea typeface="맑은 고딕" charset="0"/>
+                        </a:rPr>
+                        <a:t>.</a:t>
+                      </a:r>
+                    </a:p>
+                  </a:txBody>
+                  <a:tcPr marL="90170" marR="90170" marT="46990" marB="46990" anchor="ctr">
+                    <a:lnL w="12700" cmpd="sng">
+                      <a:noFill/>
+                    </a:lnL>
+                    <a:lnR w="12700" cmpd="sng">
+                      <a:noFill/>
+                    </a:lnR>
+                    <a:lnT w="12700" cap="flat" cmpd="sng" algn="ctr">
+                      <a:noFill/>
+                      <a:prstDash val="solid"/>
+                      <a:round/>
+                      <a:headEnd type="none" w="med" len="med"/>
+                      <a:tailEnd type="none" w="med" len="med"/>
+                    </a:lnT>
+                    <a:lnB w="12700" cap="flat" cmpd="sng" algn="ctr">
+                      <a:noFill/>
+                      <a:prstDash val="solid"/>
+                      <a:round/>
+                      <a:headEnd type="none" w="med" len="med"/>
+                      <a:tailEnd type="none" w="med" len="med"/>
+                    </a:lnB>
+                    <a:lnTlToBr w="12700" cmpd="sng">
+                      <a:noFill/>
+                      <a:prstDash val="solid"/>
+                    </a:lnTlToBr>
+                    <a:lnBlToTr w="12700" cmpd="sng">
+                      <a:noFill/>
+                      <a:prstDash val="solid"/>
+                    </a:lnBlToTr>
+                    <a:noFill/>
+                  </a:tcPr>
+                </a:tc>
+                <a:extLst>
+                  <a:ext uri="{0D108BD9-81ED-4DB2-BD59-A6C34878D82A}">
+                    <a16:rowId xmlns:a16="http://schemas.microsoft.com/office/drawing/2014/main" val="10001"/>
+                  </a:ext>
+                </a:extLst>
+              </a:tr>
+            </a:tbl>
+          </a:graphicData>
+        </a:graphic>
+      </p:graphicFrame>
+      <p:graphicFrame>
+        <p:nvGraphicFramePr>
+          <p:cNvPr id="8" name="표 1">
+            <a:extLst>
+              <a:ext uri="{FF2B5EF4-FFF2-40B4-BE49-F238E27FC236}">
+                <a16:creationId xmlns:a16="http://schemas.microsoft.com/office/drawing/2014/main" id="{CFF51AFF-F0B7-B272-9DBC-9DA937872445}"/>
+              </a:ext>
+            </a:extLst>
+          </p:cNvPr>
+          <p:cNvGraphicFramePr>
+            <a:graphicFrameLocks noGrp="1"/>
+          </p:cNvGraphicFramePr>
+          <p:nvPr>
+            <p:extLst>
+              <p:ext uri="{D42A27DB-BD31-4B8C-83A1-F6EECF244321}">
+                <p14:modId xmlns:p14="http://schemas.microsoft.com/office/powerpoint/2010/main" val="1170171858"/>
+              </p:ext>
+            </p:extLst>
+          </p:nvPr>
+        </p:nvGraphicFramePr>
+        <p:xfrm>
+          <a:off x="839787" y="3814037"/>
+          <a:ext cx="10512425" cy="1160780"/>
+        </p:xfrm>
+        <a:graphic>
+          <a:graphicData uri="http://schemas.openxmlformats.org/drawingml/2006/table">
+            <a:tbl>
+              <a:tblPr firstRow="1" bandRow="1">
+                <a:tableStyleId>{5C22544A-7EE6-4342-B048-85BDC9FD1C3A}</a:tableStyleId>
+              </a:tblPr>
+              <a:tblGrid>
+                <a:gridCol w="10512425">
+                  <a:extLst>
+                    <a:ext uri="{9D8B030D-6E8A-4147-A177-3AD203B41FA5}">
+                      <a16:colId xmlns:a16="http://schemas.microsoft.com/office/drawing/2014/main" val="20000"/>
+                    </a:ext>
+                  </a:extLst>
+                </a:gridCol>
+              </a:tblGrid>
+              <a:tr h="0">
+                <a:tc>
+                  <a:txBody>
+                    <a:bodyPr/>
+                    <a:lstStyle/>
+                    <a:p>
+                      <a:pPr marL="0" marR="0" lvl="0" indent="0" algn="l" defTabSz="914400" rtl="0" eaLnBrk="1" fontAlgn="auto" latinLnBrk="1" hangingPunct="1">
+                        <a:lnSpc>
+                          <a:spcPct val="100000"/>
+                        </a:lnSpc>
+                        <a:spcBef>
+                          <a:spcPts val="0"/>
+                        </a:spcBef>
+                        <a:spcAft>
+                          <a:spcPts val="0"/>
+                        </a:spcAft>
+                        <a:buClrTx/>
+                        <a:buSzTx/>
+                        <a:buFontTx/>
+                        <a:buNone/>
+                        <a:tabLst/>
+                        <a:defRPr/>
+                      </a:pPr>
+                      <a:r>
+                        <a:rPr lang="ko-KR" altLang="en-US" sz="1400" b="0" i="0" kern="1200" dirty="0">
+                          <a:solidFill>
+                            <a:schemeClr val="tx1"/>
+                          </a:solidFill>
+                          <a:latin typeface="맑은 고딕" charset="0"/>
+                          <a:ea typeface="맑은 고딕" charset="0"/>
+                        </a:rPr>
+                        <a:t>현재도 </a:t>
+                      </a:r>
+                      <a:r>
+                        <a:rPr lang="en-US" altLang="ko-KR" sz="1400" b="0" i="0" kern="1200" dirty="0">
+                          <a:solidFill>
+                            <a:schemeClr val="tx1"/>
+                          </a:solidFill>
+                          <a:latin typeface="맑은 고딕" charset="0"/>
+                          <a:ea typeface="맑은 고딕" charset="0"/>
+                        </a:rPr>
+                        <a:t>‘</a:t>
+                      </a:r>
+                      <a:r>
+                        <a:rPr lang="ko-KR" altLang="en-US" sz="1400" b="0" i="0" kern="1200" dirty="0">
+                          <a:solidFill>
+                            <a:schemeClr val="tx1"/>
+                          </a:solidFill>
+                          <a:latin typeface="맑은 고딕" charset="0"/>
+                          <a:ea typeface="맑은 고딕" charset="0"/>
+                        </a:rPr>
+                        <a:t>하스스톤</a:t>
+                      </a:r>
+                      <a:r>
+                        <a:rPr lang="en-US" altLang="ko-KR" sz="1400" b="0" i="0" kern="1200" dirty="0">
+                          <a:solidFill>
+                            <a:schemeClr val="tx1"/>
+                          </a:solidFill>
+                          <a:latin typeface="맑은 고딕" charset="0"/>
+                          <a:ea typeface="맑은 고딕" charset="0"/>
+                        </a:rPr>
+                        <a:t>’</a:t>
+                      </a:r>
+                      <a:r>
+                        <a:rPr lang="ko-KR" altLang="en-US" sz="1400" b="0" i="0" kern="1200" dirty="0">
+                          <a:solidFill>
+                            <a:schemeClr val="tx1"/>
+                          </a:solidFill>
+                          <a:latin typeface="맑은 고딕" charset="0"/>
+                          <a:ea typeface="맑은 고딕" charset="0"/>
+                        </a:rPr>
+                        <a:t>의 카드들은 랜덤성을 가지고 있는 텍스트</a:t>
+                      </a:r>
+                      <a:r>
+                        <a:rPr lang="en-US" altLang="ko-KR" sz="1400" b="0" i="0" kern="1200" dirty="0">
+                          <a:solidFill>
+                            <a:schemeClr val="tx1"/>
+                          </a:solidFill>
+                          <a:latin typeface="맑은 고딕" charset="0"/>
+                          <a:ea typeface="맑은 고딕" charset="0"/>
+                        </a:rPr>
+                        <a:t>(</a:t>
+                      </a:r>
+                      <a:r>
+                        <a:rPr lang="ko-KR" altLang="en-US" sz="1400" b="0" i="0" kern="1200" dirty="0">
+                          <a:solidFill>
+                            <a:schemeClr val="tx1"/>
+                          </a:solidFill>
+                          <a:latin typeface="맑은 고딕" charset="0"/>
+                          <a:ea typeface="맑은 고딕" charset="0"/>
+                        </a:rPr>
+                        <a:t>무작위</a:t>
+                      </a:r>
+                      <a:r>
+                        <a:rPr lang="en-US" altLang="ko-KR" sz="1400" b="0" i="0" kern="1200" dirty="0">
+                          <a:solidFill>
+                            <a:schemeClr val="tx1"/>
+                          </a:solidFill>
+                          <a:latin typeface="맑은 고딕" charset="0"/>
+                          <a:ea typeface="맑은 고딕" charset="0"/>
+                        </a:rPr>
+                        <a:t>)</a:t>
+                      </a:r>
+                      <a:r>
+                        <a:rPr lang="ko-KR" altLang="en-US" sz="1400" b="0" i="0" kern="1200" dirty="0">
+                          <a:solidFill>
+                            <a:schemeClr val="tx1"/>
+                          </a:solidFill>
+                          <a:latin typeface="맑은 고딕" charset="0"/>
+                          <a:ea typeface="맑은 고딕" charset="0"/>
+                        </a:rPr>
+                        <a:t>를 가진 경우가 많지만</a:t>
+                      </a:r>
+                      <a:r>
+                        <a:rPr lang="en-US" altLang="ko-KR" sz="1400" b="0" i="0" kern="1200" dirty="0">
+                          <a:solidFill>
+                            <a:schemeClr val="tx1"/>
+                          </a:solidFill>
+                          <a:latin typeface="맑은 고딕" charset="0"/>
+                          <a:ea typeface="맑은 고딕" charset="0"/>
+                        </a:rPr>
+                        <a:t>, </a:t>
+                      </a:r>
+                      <a:r>
+                        <a:rPr lang="ko-KR" altLang="en-US" sz="1400" b="0" i="0" kern="1200" dirty="0">
+                          <a:solidFill>
+                            <a:schemeClr val="tx1"/>
+                          </a:solidFill>
+                          <a:latin typeface="맑은 고딕" charset="0"/>
+                          <a:ea typeface="맑은 고딕" charset="0"/>
+                        </a:rPr>
+                        <a:t>과거에 비하여 그 범위를 많이 한정하는 경우가 있다</a:t>
+                      </a:r>
+                      <a:r>
+                        <a:rPr lang="en-US" altLang="ko-KR" sz="1400" b="0" i="0" kern="1200" dirty="0">
+                          <a:solidFill>
+                            <a:schemeClr val="tx1"/>
+                          </a:solidFill>
+                          <a:latin typeface="맑은 고딕" charset="0"/>
+                          <a:ea typeface="맑은 고딕" charset="0"/>
+                        </a:rPr>
+                        <a:t>. </a:t>
+                      </a:r>
+                      <a:r>
+                        <a:rPr lang="ko-KR" altLang="en-US" sz="1400" b="0" i="0" kern="1200" dirty="0">
+                          <a:solidFill>
+                            <a:schemeClr val="tx1"/>
+                          </a:solidFill>
+                          <a:latin typeface="맑은 고딕" charset="0"/>
+                          <a:ea typeface="맑은 고딕" charset="0"/>
+                        </a:rPr>
+                        <a:t>단</a:t>
+                      </a:r>
+                      <a:r>
+                        <a:rPr lang="en-US" altLang="ko-KR" sz="1400" b="0" i="0" kern="1200" dirty="0">
+                          <a:solidFill>
+                            <a:schemeClr val="tx1"/>
+                          </a:solidFill>
+                          <a:latin typeface="맑은 고딕" charset="0"/>
+                          <a:ea typeface="맑은 고딕" charset="0"/>
+                        </a:rPr>
+                        <a:t>,</a:t>
+                      </a:r>
+                      <a:r>
+                        <a:rPr lang="ko-KR" altLang="en-US" sz="1400" b="0" i="0" kern="1200" dirty="0">
+                          <a:solidFill>
+                            <a:schemeClr val="tx1"/>
+                          </a:solidFill>
+                          <a:latin typeface="맑은 고딕" charset="0"/>
+                          <a:ea typeface="맑은 고딕" charset="0"/>
+                        </a:rPr>
+                        <a:t> </a:t>
+                      </a:r>
+                      <a:r>
+                        <a:rPr lang="en-US" altLang="ko-KR" sz="1400" b="0" i="0" kern="1200" dirty="0">
+                          <a:solidFill>
+                            <a:schemeClr val="tx1"/>
+                          </a:solidFill>
+                          <a:latin typeface="맑은 고딕" charset="0"/>
+                          <a:ea typeface="맑은 고딕" charset="0"/>
+                        </a:rPr>
+                        <a:t>‘</a:t>
+                      </a:r>
+                      <a:r>
+                        <a:rPr lang="ko-KR" altLang="en-US" sz="1400" b="0" i="0" kern="1200" dirty="0">
+                          <a:solidFill>
+                            <a:schemeClr val="tx1"/>
+                          </a:solidFill>
+                          <a:latin typeface="맑은 고딕" charset="0"/>
+                          <a:ea typeface="맑은 고딕" charset="0"/>
+                        </a:rPr>
+                        <a:t>희망의 끝 </a:t>
+                      </a:r>
+                      <a:r>
+                        <a:rPr lang="ko-KR" altLang="en-US" sz="1400" b="0" i="0" kern="1200" dirty="0" err="1">
+                          <a:solidFill>
+                            <a:schemeClr val="tx1"/>
+                          </a:solidFill>
+                          <a:latin typeface="맑은 고딕" charset="0"/>
+                          <a:ea typeface="맑은 고딕" charset="0"/>
+                        </a:rPr>
+                        <a:t>요그사론</a:t>
+                      </a:r>
+                      <a:r>
+                        <a:rPr lang="en-US" altLang="ko-KR" sz="1400" b="0" i="0" kern="1200" dirty="0">
+                          <a:solidFill>
+                            <a:schemeClr val="tx1"/>
+                          </a:solidFill>
+                          <a:latin typeface="맑은 고딕" charset="0"/>
+                          <a:ea typeface="맑은 고딕" charset="0"/>
+                        </a:rPr>
+                        <a:t>’</a:t>
+                      </a:r>
+                      <a:r>
+                        <a:rPr lang="ko-KR" altLang="en-US" sz="1400" b="0" i="0" kern="1200" dirty="0">
+                          <a:solidFill>
+                            <a:schemeClr val="tx1"/>
+                          </a:solidFill>
+                          <a:latin typeface="맑은 고딕" charset="0"/>
+                          <a:ea typeface="맑은 고딕" charset="0"/>
+                        </a:rPr>
+                        <a:t> 같은 극단적인 결과를 가지는 경우는 드물며</a:t>
+                      </a:r>
+                      <a:r>
+                        <a:rPr lang="en-US" altLang="ko-KR" sz="1400" b="0" i="0" kern="1200" dirty="0">
+                          <a:solidFill>
+                            <a:schemeClr val="tx1"/>
+                          </a:solidFill>
+                          <a:latin typeface="맑은 고딕" charset="0"/>
+                          <a:ea typeface="맑은 고딕" charset="0"/>
+                        </a:rPr>
+                        <a:t>, </a:t>
+                      </a:r>
+                      <a:r>
+                        <a:rPr lang="ko-KR" altLang="en-US" sz="1400" b="0" i="0" kern="1200" dirty="0">
+                          <a:solidFill>
+                            <a:schemeClr val="tx1"/>
+                          </a:solidFill>
+                          <a:latin typeface="맑은 고딕" charset="0"/>
+                          <a:ea typeface="맑은 고딕" charset="0"/>
+                        </a:rPr>
+                        <a:t>극단적인 결과를 가지는 카드들은 실전성이 부족한 예능 카드로 여겨지는 경우가 많다</a:t>
+                      </a:r>
+                      <a:r>
+                        <a:rPr lang="en-US" altLang="ko-KR" sz="1400" b="0" i="0" kern="1200" dirty="0">
+                          <a:solidFill>
+                            <a:schemeClr val="tx1"/>
+                          </a:solidFill>
+                          <a:latin typeface="맑은 고딕" charset="0"/>
+                          <a:ea typeface="맑은 고딕" charset="0"/>
+                        </a:rPr>
+                        <a:t>.</a:t>
+                      </a:r>
+                    </a:p>
+                    <a:p>
+                      <a:pPr marL="0" marR="0" lvl="0" indent="0" algn="l" defTabSz="914400" rtl="0" eaLnBrk="1" fontAlgn="auto" latinLnBrk="1" hangingPunct="1">
+                        <a:lnSpc>
+                          <a:spcPct val="100000"/>
+                        </a:lnSpc>
+                        <a:spcBef>
+                          <a:spcPts val="0"/>
+                        </a:spcBef>
+                        <a:spcAft>
+                          <a:spcPts val="0"/>
+                        </a:spcAft>
+                        <a:buClrTx/>
+                        <a:buSzTx/>
+                        <a:buFontTx/>
+                        <a:buNone/>
+                        <a:tabLst/>
+                        <a:defRPr/>
+                      </a:pPr>
+                      <a:r>
+                        <a:rPr lang="ko-KR" altLang="en-US" sz="1400" b="0" i="0" kern="1200" dirty="0">
+                          <a:solidFill>
+                            <a:schemeClr val="tx1"/>
+                          </a:solidFill>
+                          <a:latin typeface="맑은 고딕" charset="0"/>
+                          <a:ea typeface="맑은 고딕" charset="0"/>
+                        </a:rPr>
+                        <a:t>결론적으로 과거부터 꾸준히 랜덤성을 띄는 텍스트와 키워드가 주기적으로 추가 되었으며</a:t>
+                      </a:r>
+                      <a:r>
+                        <a:rPr lang="en-US" altLang="ko-KR" sz="1400" b="0" i="0" kern="1200" dirty="0">
+                          <a:solidFill>
+                            <a:schemeClr val="tx1"/>
+                          </a:solidFill>
+                          <a:latin typeface="맑은 고딕" charset="0"/>
+                          <a:ea typeface="맑은 고딕" charset="0"/>
+                        </a:rPr>
+                        <a:t>, </a:t>
+                      </a:r>
+                      <a:r>
+                        <a:rPr lang="ko-KR" altLang="en-US" sz="1400" b="0" i="0" kern="1200" dirty="0">
+                          <a:solidFill>
+                            <a:schemeClr val="tx1"/>
+                          </a:solidFill>
+                          <a:latin typeface="맑은 고딕" charset="0"/>
+                          <a:ea typeface="맑은 고딕" charset="0"/>
+                        </a:rPr>
+                        <a:t>현재는 이러한 랜덤성이 일종의 차별점으로 여겨지는 경향이 있다</a:t>
+                      </a:r>
+                      <a:r>
+                        <a:rPr lang="en-US" altLang="ko-KR" sz="1400" b="0" i="0" kern="1200" dirty="0">
+                          <a:solidFill>
+                            <a:schemeClr val="tx1"/>
+                          </a:solidFill>
+                          <a:latin typeface="맑은 고딕" charset="0"/>
+                          <a:ea typeface="맑은 고딕" charset="0"/>
+                        </a:rPr>
+                        <a:t>.</a:t>
+                      </a:r>
+                    </a:p>
+                  </a:txBody>
+                  <a:tcPr marL="90170" marR="90170" marT="46990" marB="46990" anchor="ctr">
+                    <a:lnL w="12700" cmpd="sng">
+                      <a:noFill/>
+                    </a:lnL>
+                    <a:lnR w="12700" cmpd="sng">
+                      <a:noFill/>
+                    </a:lnR>
+                    <a:lnT w="12700" cap="flat" cmpd="sng" algn="ctr">
+                      <a:noFill/>
+                      <a:prstDash val="solid"/>
+                      <a:round/>
+                      <a:headEnd type="none" w="med" len="med"/>
+                      <a:tailEnd type="none" w="med" len="med"/>
+                    </a:lnT>
+                    <a:lnB w="12700" cap="flat" cmpd="sng" algn="ctr">
+                      <a:noFill/>
+                      <a:prstDash val="solid"/>
+                      <a:round/>
+                      <a:headEnd type="none" w="med" len="med"/>
+                      <a:tailEnd type="none" w="med" len="med"/>
+                    </a:lnB>
+                    <a:lnTlToBr w="12700" cmpd="sng">
+                      <a:noFill/>
+                      <a:prstDash val="solid"/>
+                    </a:lnTlToBr>
+                    <a:lnBlToTr w="12700" cmpd="sng">
+                      <a:noFill/>
+                      <a:prstDash val="solid"/>
+                    </a:lnBlToTr>
+                    <a:noFill/>
+                  </a:tcPr>
+                </a:tc>
+                <a:extLst>
+                  <a:ext uri="{0D108BD9-81ED-4DB2-BD59-A6C34878D82A}">
+                    <a16:rowId xmlns:a16="http://schemas.microsoft.com/office/drawing/2014/main" val="10001"/>
+                  </a:ext>
+                </a:extLst>
+              </a:tr>
+            </a:tbl>
+          </a:graphicData>
+        </a:graphic>
+      </p:graphicFrame>
+    </p:spTree>
+    <p:extLst>
+      <p:ext uri="{BB962C8B-B14F-4D97-AF65-F5344CB8AC3E}">
+        <p14:creationId xmlns:p14="http://schemas.microsoft.com/office/powerpoint/2010/main" val="1851482465"/>
+      </p:ext>
+    </p:extLst>
+  </p:cSld>
+  <p:clrMapOvr>
+    <a:masterClrMapping/>
+  </p:clrMapOvr>
+</p:sld>
+</file>
+
+<file path=ppt/slides/slide7.xml><?xml version="1.0" encoding="utf-8"?>
+<p:sld xmlns:a="http://schemas.openxmlformats.org/drawingml/2006/main" xmlns:r="http://schemas.openxmlformats.org/officeDocument/2006/relationships" xmlns:p="http://schemas.openxmlformats.org/presentationml/2006/main">
+  <p:cSld>
+    <p:spTree>
+      <p:nvGrpSpPr>
+        <p:cNvPr id="1" name=""/>
+        <p:cNvGrpSpPr/>
+        <p:nvPr/>
+      </p:nvGrpSpPr>
+      <p:grpSpPr>
+        <a:xfrm>
+          <a:off x="0" y="0"/>
+          <a:ext cx="0" cy="0"/>
+          <a:chOff x="0" y="0"/>
+          <a:chExt cx="0" cy="0"/>
+        </a:xfrm>
+      </p:grpSpPr>
+      <p:sp>
+        <p:nvSpPr>
+          <p:cNvPr id="2" name="제목 1"/>
+          <p:cNvSpPr txBox="1">
+            <a:spLocks noGrp="1"/>
+          </p:cNvSpPr>
+          <p:nvPr>
+            <p:ph type="title"/>
+          </p:nvPr>
+        </p:nvSpPr>
+        <p:spPr>
+          <a:xfrm>
+            <a:off x="839788" y="368301"/>
+            <a:ext cx="10512425" cy="1071562"/>
+          </a:xfrm>
+          <a:prstGeom prst="rect">
+            <a:avLst/>
+          </a:prstGeom>
+        </p:spPr>
+        <p:txBody>
+          <a:bodyPr vert="horz" wrap="square" lIns="91440" tIns="45720" rIns="91440" bIns="45720" numCol="1" anchor="ctr">
+            <a:normAutofit/>
+          </a:bodyPr>
+          <a:lstStyle/>
+          <a:p>
+            <a:pPr marL="0" indent="0" rtl="0" latinLnBrk="0">
+              <a:buFontTx/>
+              <a:buNone/>
+            </a:pPr>
+            <a:r>
+              <a:rPr lang="ko-KR" altLang="en-US" dirty="0"/>
+              <a:t>개선 방향 및 기대 효과</a:t>
+            </a:r>
+          </a:p>
+        </p:txBody>
+      </p:sp>
+      <p:sp>
+        <p:nvSpPr>
+          <p:cNvPr id="4" name="Rect 0"/>
+          <p:cNvSpPr txBox="1">
+            <a:spLocks noGrp="1"/>
+          </p:cNvSpPr>
+          <p:nvPr>
+            <p:ph type="sldNum" idx="12"/>
+          </p:nvPr>
+        </p:nvSpPr>
+        <p:spPr>
+          <a:xfrm>
+            <a:off x="8610600" y="6356350"/>
+            <a:ext cx="2743835" cy="365760"/>
+          </a:xfrm>
+          <a:prstGeom prst="rect">
+            <a:avLst/>
+          </a:prstGeom>
+        </p:spPr>
+        <p:txBody>
+          <a:bodyPr vert="horz" wrap="square" lIns="91440" tIns="45720" rIns="91440" bIns="45720" anchor="ctr">
+            <a:noAutofit/>
+          </a:bodyPr>
+          <a:lstStyle/>
+          <a:p>
+            <a:pPr marL="0" indent="0" latinLnBrk="0">
+              <a:buFontTx/>
+              <a:buNone/>
+            </a:pPr>
+            <a:fld id="{B9320F77-B9A0-41C5-862A-B4B631284C64}" type="slidenum">
+              <a:rPr lang="ko-KR" altLang="en-US"/>
+              <a:t>7</a:t>
+            </a:fld>
+            <a:endParaRPr lang="ko-KR" altLang="en-US"/>
+          </a:p>
+        </p:txBody>
+      </p:sp>
+      <p:pic>
+        <p:nvPicPr>
+          <p:cNvPr id="6" name="그림 5" descr="텍스트, 스크린샷, PC 게임, 비디오 게임 소프트웨어이(가) 표시된 사진&#10;&#10;자동 생성된 설명">
+            <a:extLst>
+              <a:ext uri="{FF2B5EF4-FFF2-40B4-BE49-F238E27FC236}">
+                <a16:creationId xmlns:a16="http://schemas.microsoft.com/office/drawing/2014/main" id="{89F23E14-B43B-7EE1-C445-A8402825E1F8}"/>
+              </a:ext>
+            </a:extLst>
+          </p:cNvPr>
+          <p:cNvPicPr>
+            <a:picLocks noChangeAspect="1"/>
+          </p:cNvPicPr>
+          <p:nvPr/>
+        </p:nvPicPr>
+        <p:blipFill rotWithShape="1">
+          <a:blip r:embed="rId3" cstate="print">
+            <a:extLst>
+              <a:ext uri="{28A0092B-C50C-407E-A947-70E740481C1C}">
+                <a14:useLocalDpi xmlns:a14="http://schemas.microsoft.com/office/drawing/2010/main" val="0"/>
+              </a:ext>
+            </a:extLst>
+          </a:blip>
+          <a:srcRect r="61364"/>
+          <a:stretch/>
+        </p:blipFill>
+        <p:spPr>
+          <a:xfrm>
+            <a:off x="839788" y="2197170"/>
+            <a:ext cx="1349639" cy="1800000"/>
+          </a:xfrm>
+          <a:prstGeom prst="rect">
+            <a:avLst/>
+          </a:prstGeom>
+        </p:spPr>
+      </p:pic>
+      <p:graphicFrame>
+        <p:nvGraphicFramePr>
+          <p:cNvPr id="3" name="표 1">
+            <a:extLst>
+              <a:ext uri="{FF2B5EF4-FFF2-40B4-BE49-F238E27FC236}">
+                <a16:creationId xmlns:a16="http://schemas.microsoft.com/office/drawing/2014/main" id="{9CF1248D-21A9-76D0-C31D-6A8C454384F3}"/>
+              </a:ext>
+            </a:extLst>
+          </p:cNvPr>
+          <p:cNvGraphicFramePr>
+            <a:graphicFrameLocks noGrp="1"/>
+          </p:cNvGraphicFramePr>
+          <p:nvPr>
+            <p:extLst>
+              <p:ext uri="{D42A27DB-BD31-4B8C-83A1-F6EECF244321}">
+                <p14:modId xmlns:p14="http://schemas.microsoft.com/office/powerpoint/2010/main" val="1288608479"/>
+              </p:ext>
+            </p:extLst>
+          </p:nvPr>
+        </p:nvGraphicFramePr>
+        <p:xfrm>
+          <a:off x="2354051" y="2090060"/>
+          <a:ext cx="8998160" cy="2014220"/>
+        </p:xfrm>
+        <a:graphic>
+          <a:graphicData uri="http://schemas.openxmlformats.org/drawingml/2006/table">
+            <a:tbl>
+              <a:tblPr firstRow="1" bandRow="1">
+                <a:tableStyleId>{5C22544A-7EE6-4342-B048-85BDC9FD1C3A}</a:tableStyleId>
+              </a:tblPr>
+              <a:tblGrid>
+                <a:gridCol w="8998160">
+                  <a:extLst>
+                    <a:ext uri="{9D8B030D-6E8A-4147-A177-3AD203B41FA5}">
+                      <a16:colId xmlns:a16="http://schemas.microsoft.com/office/drawing/2014/main" val="20000"/>
+                    </a:ext>
+                  </a:extLst>
+                </a:gridCol>
+              </a:tblGrid>
+              <a:tr h="0">
+                <a:tc>
+                  <a:txBody>
+                    <a:bodyPr/>
+                    <a:lstStyle/>
+                    <a:p>
+                      <a:pPr marL="0" marR="0" lvl="0" indent="0" algn="l" defTabSz="914400" rtl="0" eaLnBrk="1" fontAlgn="auto" latinLnBrk="1" hangingPunct="1">
+                        <a:lnSpc>
+                          <a:spcPct val="100000"/>
+                        </a:lnSpc>
+                        <a:spcBef>
+                          <a:spcPts val="0"/>
+                        </a:spcBef>
+                        <a:spcAft>
+                          <a:spcPts val="0"/>
+                        </a:spcAft>
+                        <a:buClrTx/>
+                        <a:buSzTx/>
+                        <a:buFontTx/>
+                        <a:buNone/>
+                        <a:tabLst/>
+                        <a:defRPr/>
+                      </a:pPr>
+                      <a:r>
+                        <a:rPr lang="ko-KR" altLang="en-US" sz="1400" b="0" i="0" kern="1200" dirty="0">
+                          <a:solidFill>
+                            <a:schemeClr val="tx1"/>
+                          </a:solidFill>
+                          <a:latin typeface="맑은 고딕" charset="0"/>
+                          <a:ea typeface="맑은 고딕" charset="0"/>
+                        </a:rPr>
+                        <a:t>과도한 랜덤성을 줄이는 법에는 크게 </a:t>
+                      </a:r>
+                      <a:r>
+                        <a:rPr lang="en-US" altLang="ko-KR" sz="1400" b="0" i="0" kern="1200" dirty="0">
+                          <a:solidFill>
+                            <a:schemeClr val="tx1"/>
+                          </a:solidFill>
+                          <a:latin typeface="맑은 고딕" charset="0"/>
+                          <a:ea typeface="맑은 고딕" charset="0"/>
+                        </a:rPr>
+                        <a:t>2</a:t>
+                      </a:r>
+                      <a:r>
+                        <a:rPr lang="ko-KR" altLang="en-US" sz="1400" b="0" i="0" kern="1200" dirty="0">
+                          <a:solidFill>
+                            <a:schemeClr val="tx1"/>
+                          </a:solidFill>
+                          <a:latin typeface="맑은 고딕" charset="0"/>
+                          <a:ea typeface="맑은 고딕" charset="0"/>
+                        </a:rPr>
+                        <a:t>가지 방법이 있다</a:t>
+                      </a:r>
+                      <a:r>
+                        <a:rPr lang="en-US" altLang="ko-KR" sz="1400" b="0" i="0" kern="1200" dirty="0">
+                          <a:solidFill>
+                            <a:schemeClr val="tx1"/>
+                          </a:solidFill>
+                          <a:latin typeface="맑은 고딕" charset="0"/>
+                          <a:ea typeface="맑은 고딕" charset="0"/>
+                        </a:rPr>
+                        <a:t>.</a:t>
+                      </a:r>
+                    </a:p>
+                    <a:p>
+                      <a:pPr marL="0" marR="0" lvl="0" indent="0" algn="l" defTabSz="914400" rtl="0" eaLnBrk="1" fontAlgn="auto" latinLnBrk="1" hangingPunct="1">
+                        <a:lnSpc>
+                          <a:spcPct val="100000"/>
+                        </a:lnSpc>
+                        <a:spcBef>
+                          <a:spcPts val="0"/>
+                        </a:spcBef>
+                        <a:spcAft>
+                          <a:spcPts val="0"/>
+                        </a:spcAft>
+                        <a:buClrTx/>
+                        <a:buSzTx/>
+                        <a:buFontTx/>
+                        <a:buNone/>
+                        <a:tabLst/>
+                        <a:defRPr/>
+                      </a:pPr>
+                      <a:endParaRPr lang="en-US" altLang="ko-KR" sz="1400" b="0" i="0" kern="1200" dirty="0">
+                        <a:solidFill>
+                          <a:schemeClr val="tx1"/>
+                        </a:solidFill>
+                        <a:latin typeface="맑은 고딕" charset="0"/>
+                        <a:ea typeface="맑은 고딕" charset="0"/>
+                      </a:endParaRPr>
+                    </a:p>
+                    <a:p>
+                      <a:pPr marL="0" marR="0" lvl="0" indent="0" algn="l" defTabSz="914400" rtl="0" eaLnBrk="1" fontAlgn="auto" latinLnBrk="1" hangingPunct="1">
+                        <a:lnSpc>
+                          <a:spcPct val="100000"/>
+                        </a:lnSpc>
+                        <a:spcBef>
+                          <a:spcPts val="0"/>
+                        </a:spcBef>
+                        <a:spcAft>
+                          <a:spcPts val="0"/>
+                        </a:spcAft>
+                        <a:buClrTx/>
+                        <a:buSzTx/>
+                        <a:buFontTx/>
+                        <a:buNone/>
+                        <a:tabLst/>
+                        <a:defRPr/>
+                      </a:pPr>
+                      <a:r>
+                        <a:rPr lang="en-US" altLang="ko-KR" sz="1400" b="0" i="0" kern="1200" dirty="0">
+                          <a:solidFill>
+                            <a:schemeClr val="tx1"/>
+                          </a:solidFill>
+                          <a:latin typeface="맑은 고딕" charset="0"/>
+                          <a:ea typeface="맑은 고딕" charset="0"/>
+                        </a:rPr>
+                        <a:t>1</a:t>
+                      </a:r>
+                      <a:r>
+                        <a:rPr lang="ko-KR" altLang="en-US" sz="1400" b="0" i="0" kern="1200" dirty="0">
+                          <a:solidFill>
+                            <a:schemeClr val="tx1"/>
+                          </a:solidFill>
+                          <a:latin typeface="맑은 고딕" charset="0"/>
+                          <a:ea typeface="맑은 고딕" charset="0"/>
+                        </a:rPr>
+                        <a:t>번째는 랜덤성에 범위를 한정하는 것이다</a:t>
+                      </a:r>
+                      <a:r>
+                        <a:rPr lang="en-US" altLang="ko-KR" sz="1400" b="0" i="0" kern="1200" dirty="0">
+                          <a:solidFill>
+                            <a:schemeClr val="tx1"/>
+                          </a:solidFill>
+                          <a:latin typeface="맑은 고딕" charset="0"/>
+                          <a:ea typeface="맑은 고딕" charset="0"/>
+                        </a:rPr>
+                        <a:t>. </a:t>
+                      </a:r>
+                      <a:r>
+                        <a:rPr lang="ko-KR" altLang="en-US" sz="1400" b="0" i="0" kern="1200" dirty="0">
+                          <a:solidFill>
+                            <a:schemeClr val="tx1"/>
+                          </a:solidFill>
+                          <a:latin typeface="맑은 고딕" charset="0"/>
+                          <a:ea typeface="맑은 고딕" charset="0"/>
+                        </a:rPr>
+                        <a:t>예시로 </a:t>
+                      </a:r>
+                      <a:r>
+                        <a:rPr lang="en-US" altLang="ko-KR" sz="1400" b="0" i="0" kern="1200" dirty="0">
+                          <a:solidFill>
+                            <a:schemeClr val="tx1"/>
+                          </a:solidFill>
+                          <a:latin typeface="맑은 고딕" charset="0"/>
+                          <a:ea typeface="맑은 고딕" charset="0"/>
+                        </a:rPr>
+                        <a:t>Shadowverse</a:t>
+                      </a:r>
+                      <a:r>
+                        <a:rPr lang="ko-KR" altLang="en-US" sz="1400" b="0" i="0" kern="1200" dirty="0">
+                          <a:solidFill>
+                            <a:schemeClr val="tx1"/>
+                          </a:solidFill>
+                          <a:latin typeface="맑은 고딕" charset="0"/>
+                          <a:ea typeface="맑은 고딕" charset="0"/>
+                        </a:rPr>
+                        <a:t>의 </a:t>
+                      </a:r>
+                      <a:r>
+                        <a:rPr lang="en-US" altLang="ko-KR" sz="1400" b="0" i="0" kern="1200" dirty="0">
+                          <a:solidFill>
+                            <a:schemeClr val="tx1"/>
+                          </a:solidFill>
+                          <a:latin typeface="맑은 고딕" charset="0"/>
+                          <a:ea typeface="맑은 고딕" charset="0"/>
+                        </a:rPr>
+                        <a:t>‘</a:t>
+                      </a:r>
+                      <a:r>
+                        <a:rPr lang="ko-KR" altLang="en-US" sz="1400" b="0" i="0" kern="1200" dirty="0">
+                          <a:solidFill>
+                            <a:schemeClr val="tx1"/>
+                          </a:solidFill>
+                          <a:latin typeface="맑은 고딕" charset="0"/>
+                          <a:ea typeface="맑은 고딕" charset="0"/>
+                        </a:rPr>
+                        <a:t>얼음지옥의 왕 사탄</a:t>
+                      </a:r>
+                      <a:r>
+                        <a:rPr lang="en-US" altLang="ko-KR" sz="1400" b="0" i="0" kern="1200" dirty="0">
+                          <a:solidFill>
+                            <a:schemeClr val="tx1"/>
+                          </a:solidFill>
+                          <a:latin typeface="맑은 고딕" charset="0"/>
+                          <a:ea typeface="맑은 고딕" charset="0"/>
+                        </a:rPr>
+                        <a:t>’</a:t>
+                      </a:r>
+                      <a:r>
+                        <a:rPr lang="ko-KR" altLang="en-US" sz="1400" b="0" i="0" kern="1200" dirty="0">
+                          <a:solidFill>
+                            <a:schemeClr val="tx1"/>
+                          </a:solidFill>
+                          <a:latin typeface="맑은 고딕" charset="0"/>
+                          <a:ea typeface="맑은 고딕" charset="0"/>
+                        </a:rPr>
+                        <a:t>이라는 카드의 효과를 들겠다</a:t>
+                      </a:r>
+                      <a:r>
+                        <a:rPr lang="en-US" altLang="ko-KR" sz="1400" b="0" i="0" kern="1200" dirty="0">
+                          <a:solidFill>
+                            <a:schemeClr val="tx1"/>
+                          </a:solidFill>
+                          <a:latin typeface="맑은 고딕" charset="0"/>
+                          <a:ea typeface="맑은 고딕" charset="0"/>
+                        </a:rPr>
+                        <a:t>. </a:t>
+                      </a:r>
+                      <a:r>
+                        <a:rPr lang="ko-KR" altLang="en-US" sz="1400" b="0" i="0" kern="1200" dirty="0">
+                          <a:solidFill>
+                            <a:schemeClr val="tx1"/>
+                          </a:solidFill>
+                          <a:latin typeface="맑은 고딕" charset="0"/>
+                          <a:ea typeface="맑은 고딕" charset="0"/>
+                        </a:rPr>
+                        <a:t>해당 카드의 가속화 효과는 </a:t>
+                      </a:r>
+                      <a:r>
+                        <a:rPr lang="en-US" altLang="ko-KR" sz="1400" b="0" i="0" kern="1200" dirty="0">
+                          <a:solidFill>
+                            <a:schemeClr val="tx1"/>
+                          </a:solidFill>
+                          <a:latin typeface="맑은 고딕" charset="0"/>
+                          <a:ea typeface="맑은 고딕" charset="0"/>
+                        </a:rPr>
+                        <a:t>‘</a:t>
+                      </a:r>
+                      <a:r>
+                        <a:rPr lang="ko-KR" altLang="en-US" sz="1400" b="0" i="0" kern="1200" dirty="0" err="1">
+                          <a:solidFill>
+                            <a:schemeClr val="tx1"/>
+                          </a:solidFill>
+                          <a:latin typeface="맑은 고딕" charset="0"/>
+                          <a:ea typeface="맑은 고딕" charset="0"/>
+                        </a:rPr>
+                        <a:t>코퀴토스</a:t>
+                      </a:r>
+                      <a:r>
+                        <a:rPr lang="ko-KR" altLang="en-US" sz="1400" b="0" i="0" kern="1200" dirty="0">
+                          <a:solidFill>
+                            <a:schemeClr val="tx1"/>
+                          </a:solidFill>
+                          <a:latin typeface="맑은 고딕" charset="0"/>
+                          <a:ea typeface="맑은 고딕" charset="0"/>
+                        </a:rPr>
+                        <a:t> 카드</a:t>
+                      </a:r>
+                      <a:r>
+                        <a:rPr lang="en-US" altLang="ko-KR" sz="1400" b="0" i="0" kern="1200" dirty="0">
+                          <a:solidFill>
+                            <a:schemeClr val="tx1"/>
+                          </a:solidFill>
+                          <a:latin typeface="맑은 고딕" charset="0"/>
+                          <a:ea typeface="맑은 고딕" charset="0"/>
+                        </a:rPr>
+                        <a:t>’</a:t>
+                      </a:r>
+                      <a:r>
+                        <a:rPr lang="ko-KR" altLang="en-US" sz="1400" b="0" i="0" kern="1200" dirty="0">
+                          <a:solidFill>
+                            <a:schemeClr val="tx1"/>
+                          </a:solidFill>
+                          <a:latin typeface="맑은 고딕" charset="0"/>
+                          <a:ea typeface="맑은 고딕" charset="0"/>
+                        </a:rPr>
+                        <a:t>라는 특정 카드들 중에서 </a:t>
+                      </a:r>
+                      <a:r>
+                        <a:rPr lang="ko-KR" altLang="en-US" sz="1400" b="0" i="0" kern="1200" dirty="0" err="1">
+                          <a:solidFill>
+                            <a:schemeClr val="tx1"/>
+                          </a:solidFill>
+                          <a:latin typeface="맑은 고딕" charset="0"/>
+                          <a:ea typeface="맑은 고딕" charset="0"/>
+                        </a:rPr>
+                        <a:t>랜덤한</a:t>
+                      </a:r>
+                      <a:r>
+                        <a:rPr lang="ko-KR" altLang="en-US" sz="1400" b="0" i="0" kern="1200" dirty="0">
+                          <a:solidFill>
+                            <a:schemeClr val="tx1"/>
+                          </a:solidFill>
+                          <a:latin typeface="맑은 고딕" charset="0"/>
+                          <a:ea typeface="맑은 고딕" charset="0"/>
+                        </a:rPr>
+                        <a:t> </a:t>
+                      </a:r>
+                      <a:r>
+                        <a:rPr lang="en-US" altLang="ko-KR" sz="1400" b="0" i="0" kern="1200" dirty="0">
+                          <a:solidFill>
+                            <a:schemeClr val="tx1"/>
+                          </a:solidFill>
+                          <a:latin typeface="맑은 고딕" charset="0"/>
+                          <a:ea typeface="맑은 고딕" charset="0"/>
+                        </a:rPr>
+                        <a:t>4</a:t>
+                      </a:r>
+                      <a:r>
+                        <a:rPr lang="ko-KR" altLang="en-US" sz="1400" b="0" i="0" kern="1200" dirty="0">
+                          <a:solidFill>
+                            <a:schemeClr val="tx1"/>
+                          </a:solidFill>
+                          <a:latin typeface="맑은 고딕" charset="0"/>
+                          <a:ea typeface="맑은 고딕" charset="0"/>
+                        </a:rPr>
+                        <a:t>장을 골라 </a:t>
+                      </a:r>
+                      <a:r>
+                        <a:rPr lang="ko-KR" altLang="en-US" sz="1400" b="0" i="0" kern="1200" dirty="0" err="1">
+                          <a:solidFill>
+                            <a:schemeClr val="tx1"/>
+                          </a:solidFill>
+                          <a:latin typeface="맑은 고딕" charset="0"/>
+                          <a:ea typeface="맑은 고딕" charset="0"/>
+                        </a:rPr>
+                        <a:t>덱에</a:t>
+                      </a:r>
+                      <a:r>
+                        <a:rPr lang="ko-KR" altLang="en-US" sz="1400" b="0" i="0" kern="1200" dirty="0">
+                          <a:solidFill>
+                            <a:schemeClr val="tx1"/>
+                          </a:solidFill>
+                          <a:latin typeface="맑은 고딕" charset="0"/>
+                          <a:ea typeface="맑은 고딕" charset="0"/>
+                        </a:rPr>
+                        <a:t> 넣는 효과로 </a:t>
+                      </a:r>
+                      <a:r>
+                        <a:rPr lang="en-US" altLang="ko-KR" sz="1400" b="0" i="0" kern="1200" dirty="0">
+                          <a:solidFill>
+                            <a:schemeClr val="tx1"/>
+                          </a:solidFill>
+                          <a:latin typeface="맑은 고딕" charset="0"/>
+                          <a:ea typeface="맑은 고딕" charset="0"/>
+                        </a:rPr>
+                        <a:t>‘</a:t>
+                      </a:r>
+                      <a:r>
+                        <a:rPr lang="ko-KR" altLang="en-US" sz="1400" b="0" i="0" kern="1200" dirty="0">
+                          <a:solidFill>
+                            <a:schemeClr val="tx1"/>
+                          </a:solidFill>
+                          <a:latin typeface="맑은 고딕" charset="0"/>
+                          <a:ea typeface="맑은 고딕" charset="0"/>
+                        </a:rPr>
+                        <a:t>하스스톤</a:t>
+                      </a:r>
+                      <a:r>
+                        <a:rPr lang="en-US" altLang="ko-KR" sz="1400" b="0" i="0" kern="1200" dirty="0">
+                          <a:solidFill>
+                            <a:schemeClr val="tx1"/>
+                          </a:solidFill>
+                          <a:latin typeface="맑은 고딕" charset="0"/>
+                          <a:ea typeface="맑은 고딕" charset="0"/>
+                        </a:rPr>
+                        <a:t>’</a:t>
+                      </a:r>
+                      <a:r>
+                        <a:rPr lang="ko-KR" altLang="en-US" sz="1400" b="0" i="0" kern="1200" dirty="0">
+                          <a:solidFill>
+                            <a:schemeClr val="tx1"/>
+                          </a:solidFill>
+                          <a:latin typeface="맑은 고딕" charset="0"/>
+                          <a:ea typeface="맑은 고딕" charset="0"/>
+                        </a:rPr>
+                        <a:t>의 </a:t>
+                      </a:r>
+                      <a:r>
+                        <a:rPr lang="en-US" altLang="ko-KR" sz="1400" b="0" i="0" kern="1200" dirty="0">
+                          <a:solidFill>
+                            <a:schemeClr val="tx1"/>
+                          </a:solidFill>
+                          <a:latin typeface="맑은 고딕" charset="0"/>
+                          <a:ea typeface="맑은 고딕" charset="0"/>
+                        </a:rPr>
+                        <a:t>‘</a:t>
+                      </a:r>
+                      <a:r>
+                        <a:rPr lang="ko-KR" altLang="en-US" sz="1400" b="0" i="0" kern="1200" dirty="0">
+                          <a:solidFill>
+                            <a:schemeClr val="tx1"/>
+                          </a:solidFill>
+                          <a:latin typeface="맑은 고딕" charset="0"/>
+                          <a:ea typeface="맑은 고딕" charset="0"/>
+                        </a:rPr>
+                        <a:t>무작위</a:t>
+                      </a:r>
+                      <a:r>
+                        <a:rPr lang="en-US" altLang="ko-KR" sz="1400" b="0" i="0" kern="1200" dirty="0">
+                          <a:solidFill>
+                            <a:schemeClr val="tx1"/>
+                          </a:solidFill>
+                          <a:latin typeface="맑은 고딕" charset="0"/>
+                          <a:ea typeface="맑은 고딕" charset="0"/>
+                        </a:rPr>
+                        <a:t>’ </a:t>
+                      </a:r>
+                      <a:r>
+                        <a:rPr lang="ko-KR" altLang="en-US" sz="1400" b="0" i="0" kern="1200" dirty="0">
+                          <a:solidFill>
+                            <a:schemeClr val="tx1"/>
+                          </a:solidFill>
+                          <a:latin typeface="맑은 고딕" charset="0"/>
+                          <a:ea typeface="맑은 고딕" charset="0"/>
+                        </a:rPr>
+                        <a:t>텍스트와 달리 그 효과의 범위를 한정하고 있다</a:t>
+                      </a:r>
+                      <a:r>
+                        <a:rPr lang="en-US" altLang="ko-KR" sz="1400" b="0" i="0" kern="1200" dirty="0">
+                          <a:solidFill>
+                            <a:schemeClr val="tx1"/>
+                          </a:solidFill>
+                          <a:latin typeface="맑은 고딕" charset="0"/>
+                          <a:ea typeface="맑은 고딕" charset="0"/>
+                        </a:rPr>
+                        <a:t>.</a:t>
+                      </a:r>
+                    </a:p>
+                    <a:p>
+                      <a:pPr marL="0" marR="0" lvl="0" indent="0" algn="l" defTabSz="914400" rtl="0" eaLnBrk="1" fontAlgn="auto" latinLnBrk="1" hangingPunct="1">
+                        <a:lnSpc>
+                          <a:spcPct val="100000"/>
+                        </a:lnSpc>
+                        <a:spcBef>
+                          <a:spcPts val="0"/>
+                        </a:spcBef>
+                        <a:spcAft>
+                          <a:spcPts val="0"/>
+                        </a:spcAft>
+                        <a:buClrTx/>
+                        <a:buSzTx/>
+                        <a:buFontTx/>
+                        <a:buNone/>
+                        <a:tabLst/>
+                        <a:defRPr/>
+                      </a:pPr>
+                      <a:endParaRPr lang="en-US" altLang="ko-KR" sz="1400" b="0" i="0" kern="1200" dirty="0">
+                        <a:solidFill>
+                          <a:schemeClr val="tx1"/>
+                        </a:solidFill>
+                        <a:latin typeface="맑은 고딕" charset="0"/>
+                        <a:ea typeface="맑은 고딕" charset="0"/>
+                      </a:endParaRPr>
+                    </a:p>
+                    <a:p>
+                      <a:pPr marL="0" marR="0" lvl="0" indent="0" algn="l" defTabSz="914400" rtl="0" eaLnBrk="1" fontAlgn="auto" latinLnBrk="1" hangingPunct="1">
+                        <a:lnSpc>
+                          <a:spcPct val="100000"/>
+                        </a:lnSpc>
+                        <a:spcBef>
+                          <a:spcPts val="0"/>
+                        </a:spcBef>
+                        <a:spcAft>
+                          <a:spcPts val="0"/>
+                        </a:spcAft>
+                        <a:buClrTx/>
+                        <a:buSzTx/>
+                        <a:buFontTx/>
+                        <a:buNone/>
+                        <a:tabLst/>
+                        <a:defRPr/>
+                      </a:pPr>
+                      <a:r>
+                        <a:rPr lang="en-US" altLang="ko-KR" sz="1400" b="0" i="0" kern="1200" dirty="0">
+                          <a:solidFill>
+                            <a:schemeClr val="tx1"/>
+                          </a:solidFill>
+                          <a:latin typeface="맑은 고딕" charset="0"/>
+                          <a:ea typeface="맑은 고딕" charset="0"/>
+                        </a:rPr>
+                        <a:t>2</a:t>
+                      </a:r>
+                      <a:r>
+                        <a:rPr lang="ko-KR" altLang="en-US" sz="1400" b="0" i="0" kern="1200" dirty="0">
+                          <a:solidFill>
+                            <a:schemeClr val="tx1"/>
+                          </a:solidFill>
+                          <a:latin typeface="맑은 고딕" charset="0"/>
+                          <a:ea typeface="맑은 고딕" charset="0"/>
+                        </a:rPr>
+                        <a:t>번째는 랜덤성을 드로우와 같은 방법 등으로 한정하는 것이다</a:t>
+                      </a:r>
+                      <a:r>
+                        <a:rPr lang="en-US" altLang="ko-KR" sz="1400" b="0" i="0" kern="1200" dirty="0">
+                          <a:solidFill>
+                            <a:schemeClr val="tx1"/>
+                          </a:solidFill>
+                          <a:latin typeface="맑은 고딕" charset="0"/>
+                          <a:ea typeface="맑은 고딕" charset="0"/>
+                        </a:rPr>
+                        <a:t>. ‘Yu-Gi-Oh Master Duel’</a:t>
+                      </a:r>
+                      <a:r>
+                        <a:rPr lang="ko-KR" altLang="en-US" sz="1400" b="0" i="0" kern="1200" dirty="0">
+                          <a:solidFill>
+                            <a:schemeClr val="tx1"/>
+                          </a:solidFill>
+                          <a:latin typeface="맑은 고딕" charset="0"/>
+                          <a:ea typeface="맑은 고딕" charset="0"/>
+                        </a:rPr>
+                        <a:t>의 경우는 게임의 기초를 오프라인 환경에 두고 있기 때문에 랜덤성 효과를 모두 </a:t>
+                      </a:r>
+                      <a:r>
+                        <a:rPr lang="ko-KR" altLang="en-US" sz="1400" b="0" i="0" kern="1200" dirty="0" err="1">
+                          <a:solidFill>
+                            <a:schemeClr val="tx1"/>
+                          </a:solidFill>
+                          <a:latin typeface="맑은 고딕" charset="0"/>
+                          <a:ea typeface="맑은 고딕" charset="0"/>
+                        </a:rPr>
+                        <a:t>덱에서</a:t>
+                      </a:r>
+                      <a:r>
+                        <a:rPr lang="ko-KR" altLang="en-US" sz="1400" b="0" i="0" kern="1200" dirty="0">
+                          <a:solidFill>
+                            <a:schemeClr val="tx1"/>
+                          </a:solidFill>
+                          <a:latin typeface="맑은 고딕" charset="0"/>
+                          <a:ea typeface="맑은 고딕" charset="0"/>
+                        </a:rPr>
+                        <a:t> 카드를 뽑는 드로우나</a:t>
+                      </a:r>
+                      <a:r>
+                        <a:rPr lang="en-US" altLang="ko-KR" sz="1400" b="0" i="0" kern="1200" dirty="0">
+                          <a:solidFill>
+                            <a:schemeClr val="tx1"/>
+                          </a:solidFill>
+                          <a:latin typeface="맑은 고딕" charset="0"/>
+                          <a:ea typeface="맑은 고딕" charset="0"/>
+                        </a:rPr>
+                        <a:t> </a:t>
+                      </a:r>
+                      <a:r>
+                        <a:rPr lang="ko-KR" altLang="en-US" sz="1400" b="0" i="0" kern="1200" dirty="0">
+                          <a:solidFill>
+                            <a:schemeClr val="tx1"/>
+                          </a:solidFill>
+                          <a:latin typeface="맑은 고딕" charset="0"/>
+                          <a:ea typeface="맑은 고딕" charset="0"/>
+                        </a:rPr>
+                        <a:t>카드를 넘겨 확인하는 등의 방법으로 구현되어 있다</a:t>
+                      </a:r>
+                      <a:r>
+                        <a:rPr lang="en-US" altLang="ko-KR" sz="1400" b="0" i="0" kern="1200" dirty="0">
+                          <a:solidFill>
+                            <a:schemeClr val="tx1"/>
+                          </a:solidFill>
+                          <a:latin typeface="맑은 고딕" charset="0"/>
+                          <a:ea typeface="맑은 고딕" charset="0"/>
+                        </a:rPr>
+                        <a:t>.</a:t>
+                      </a:r>
+                    </a:p>
+                  </a:txBody>
+                  <a:tcPr marL="90170" marR="90170" marT="46990" marB="46990" anchor="ctr">
+                    <a:lnL w="12700" cmpd="sng">
+                      <a:noFill/>
+                    </a:lnL>
+                    <a:lnR w="12700" cmpd="sng">
+                      <a:noFill/>
+                    </a:lnR>
+                    <a:lnT w="12700" cap="flat" cmpd="sng" algn="ctr">
+                      <a:noFill/>
+                      <a:prstDash val="solid"/>
+                      <a:round/>
+                      <a:headEnd type="none" w="med" len="med"/>
+                      <a:tailEnd type="none" w="med" len="med"/>
+                    </a:lnT>
+                    <a:lnB w="12700" cap="flat" cmpd="sng" algn="ctr">
+                      <a:noFill/>
+                      <a:prstDash val="solid"/>
+                      <a:round/>
+                      <a:headEnd type="none" w="med" len="med"/>
+                      <a:tailEnd type="none" w="med" len="med"/>
+                    </a:lnB>
+                    <a:lnTlToBr w="12700" cmpd="sng">
+                      <a:noFill/>
+                      <a:prstDash val="solid"/>
+                    </a:lnTlToBr>
+                    <a:lnBlToTr w="12700" cmpd="sng">
+                      <a:noFill/>
+                      <a:prstDash val="solid"/>
+                    </a:lnBlToTr>
+                    <a:noFill/>
+                  </a:tcPr>
+                </a:tc>
+                <a:extLst>
+                  <a:ext uri="{0D108BD9-81ED-4DB2-BD59-A6C34878D82A}">
+                    <a16:rowId xmlns:a16="http://schemas.microsoft.com/office/drawing/2014/main" val="10001"/>
+                  </a:ext>
+                </a:extLst>
+              </a:tr>
+            </a:tbl>
+          </a:graphicData>
+        </a:graphic>
+      </p:graphicFrame>
+      <p:graphicFrame>
+        <p:nvGraphicFramePr>
+          <p:cNvPr id="11" name="표 1">
+            <a:extLst>
+              <a:ext uri="{FF2B5EF4-FFF2-40B4-BE49-F238E27FC236}">
+                <a16:creationId xmlns:a16="http://schemas.microsoft.com/office/drawing/2014/main" id="{53657AC7-C305-CC9A-5319-CAC8DE11A523}"/>
+              </a:ext>
+            </a:extLst>
+          </p:cNvPr>
+          <p:cNvGraphicFramePr>
+            <a:graphicFrameLocks noGrp="1"/>
+          </p:cNvGraphicFramePr>
+          <p:nvPr>
+            <p:extLst>
+              <p:ext uri="{D42A27DB-BD31-4B8C-83A1-F6EECF244321}">
+                <p14:modId xmlns:p14="http://schemas.microsoft.com/office/powerpoint/2010/main" val="720235515"/>
+              </p:ext>
+            </p:extLst>
+          </p:nvPr>
+        </p:nvGraphicFramePr>
+        <p:xfrm>
+          <a:off x="839787" y="4471140"/>
+          <a:ext cx="10512424" cy="520700"/>
+        </p:xfrm>
+        <a:graphic>
+          <a:graphicData uri="http://schemas.openxmlformats.org/drawingml/2006/table">
+            <a:tbl>
+              <a:tblPr firstRow="1" bandRow="1">
+                <a:tableStyleId>{5C22544A-7EE6-4342-B048-85BDC9FD1C3A}</a:tableStyleId>
+              </a:tblPr>
+              <a:tblGrid>
+                <a:gridCol w="10512424">
+                  <a:extLst>
+                    <a:ext uri="{9D8B030D-6E8A-4147-A177-3AD203B41FA5}">
+                      <a16:colId xmlns:a16="http://schemas.microsoft.com/office/drawing/2014/main" val="20000"/>
+                    </a:ext>
+                  </a:extLst>
+                </a:gridCol>
+              </a:tblGrid>
+              <a:tr h="0">
+                <a:tc>
+                  <a:txBody>
+                    <a:bodyPr/>
+                    <a:lstStyle/>
+                    <a:p>
+                      <a:pPr marL="0" marR="0" lvl="0" indent="0" algn="l" defTabSz="914400" rtl="0" eaLnBrk="1" fontAlgn="auto" latinLnBrk="1" hangingPunct="1">
+                        <a:lnSpc>
+                          <a:spcPct val="100000"/>
+                        </a:lnSpc>
+                        <a:spcBef>
+                          <a:spcPts val="0"/>
+                        </a:spcBef>
+                        <a:spcAft>
+                          <a:spcPts val="0"/>
+                        </a:spcAft>
+                        <a:buClrTx/>
+                        <a:buSzTx/>
+                        <a:buFontTx/>
+                        <a:buNone/>
+                        <a:tabLst/>
+                        <a:defRPr/>
+                      </a:pPr>
+                      <a:r>
+                        <a:rPr lang="ko-KR" altLang="en-US" sz="1400" b="0" i="0" kern="1200" dirty="0">
+                          <a:solidFill>
+                            <a:schemeClr val="tx1"/>
+                          </a:solidFill>
+                          <a:latin typeface="맑은 고딕" charset="0"/>
+                          <a:ea typeface="맑은 고딕" charset="0"/>
+                        </a:rPr>
+                        <a:t>이러한 텍스트들은 게임의 승패가 극단적으로 운으로 결정되는 상황을 방지하고</a:t>
+                      </a:r>
+                      <a:r>
+                        <a:rPr lang="en-US" altLang="ko-KR" sz="1400" b="0" i="0" kern="1200" dirty="0">
+                          <a:solidFill>
+                            <a:schemeClr val="tx1"/>
+                          </a:solidFill>
+                          <a:latin typeface="맑은 고딕" charset="0"/>
+                          <a:ea typeface="맑은 고딕" charset="0"/>
+                        </a:rPr>
+                        <a:t>, </a:t>
+                      </a:r>
+                      <a:r>
+                        <a:rPr lang="ko-KR" altLang="en-US" sz="1400" b="0" i="0" kern="1200" dirty="0">
+                          <a:solidFill>
+                            <a:schemeClr val="tx1"/>
+                          </a:solidFill>
+                          <a:latin typeface="맑은 고딕" charset="0"/>
+                          <a:ea typeface="맑은 고딕" charset="0"/>
+                        </a:rPr>
+                        <a:t>동시에 플레이어에게 단순한 운으로 인한 패배라는 불쾌감을 경험을 줄이게 되어 장기적으로 게임을 이용하는 플레이어의 숫자를 유지하는데 효과를 가지게 될 것이다</a:t>
+                      </a:r>
+                      <a:r>
+                        <a:rPr lang="en-US" altLang="ko-KR" sz="1400" b="0" i="0" kern="1200" dirty="0">
+                          <a:solidFill>
+                            <a:schemeClr val="tx1"/>
+                          </a:solidFill>
+                          <a:latin typeface="맑은 고딕" charset="0"/>
+                          <a:ea typeface="맑은 고딕" charset="0"/>
+                        </a:rPr>
+                        <a:t>.</a:t>
+                      </a:r>
+                    </a:p>
+                  </a:txBody>
+                  <a:tcPr marL="90170" marR="90170" marT="46990" marB="46990" anchor="ctr">
+                    <a:lnL w="12700" cmpd="sng">
+                      <a:noFill/>
+                    </a:lnL>
+                    <a:lnR w="12700" cmpd="sng">
+                      <a:noFill/>
+                    </a:lnR>
+                    <a:lnT w="12700" cap="flat" cmpd="sng" algn="ctr">
+                      <a:noFill/>
+                      <a:prstDash val="solid"/>
+                      <a:round/>
+                      <a:headEnd type="none" w="med" len="med"/>
+                      <a:tailEnd type="none" w="med" len="med"/>
+                    </a:lnT>
+                    <a:lnB w="12700" cap="flat" cmpd="sng" algn="ctr">
+                      <a:noFill/>
+                      <a:prstDash val="solid"/>
+                      <a:round/>
+                      <a:headEnd type="none" w="med" len="med"/>
+                      <a:tailEnd type="none" w="med" len="med"/>
+                    </a:lnB>
+                    <a:lnTlToBr w="12700" cmpd="sng">
+                      <a:noFill/>
+                      <a:prstDash val="solid"/>
+                    </a:lnTlToBr>
+                    <a:lnBlToTr w="12700" cmpd="sng">
+                      <a:noFill/>
+                      <a:prstDash val="solid"/>
+                    </a:lnBlToTr>
+                    <a:noFill/>
+                  </a:tcPr>
+                </a:tc>
+                <a:extLst>
+                  <a:ext uri="{0D108BD9-81ED-4DB2-BD59-A6C34878D82A}">
+                    <a16:rowId xmlns:a16="http://schemas.microsoft.com/office/drawing/2014/main" val="10001"/>
+                  </a:ext>
+                </a:extLst>
+              </a:tr>
+            </a:tbl>
+          </a:graphicData>
+        </a:graphic>
+      </p:graphicFrame>
+    </p:spTree>
+    <p:extLst>
+      <p:ext uri="{BB962C8B-B14F-4D97-AF65-F5344CB8AC3E}">
+        <p14:creationId xmlns:p14="http://schemas.microsoft.com/office/powerpoint/2010/main" val="2423305097"/>
       </p:ext>
     </p:extLst>
   </p:cSld>
@@ -9583,15 +9781,7 @@
             </a:pPr>
             <a:r>
               <a:rPr lang="ko-KR" altLang="en-US" dirty="0"/>
-              <a:t>가독성이 떨어지는 텍스트</a:t>
-            </a:r>
-            <a:r>
-              <a:rPr lang="en-US" altLang="ko-KR" dirty="0"/>
-              <a:t>-</a:t>
-            </a:r>
-            <a:r>
-              <a:rPr lang="ko-KR" altLang="en-US" dirty="0"/>
-              <a:t>예시</a:t>
+              <a:t>사견 및 이유</a:t>
             </a:r>
           </a:p>
         </p:txBody>
@@ -9633,84 +9823,12 @@
           </a:p>
         </p:txBody>
       </p:sp>
-      <p:pic>
-        <p:nvPicPr>
-          <p:cNvPr id="6" name="그림 5" descr="텍스트, 스크린샷, 멀티미디어이(가) 표시된 사진&#10;&#10;자동 생성된 설명">
+      <p:graphicFrame>
+        <p:nvGraphicFramePr>
+          <p:cNvPr id="5" name="표 1">
             <a:extLst>
               <a:ext uri="{FF2B5EF4-FFF2-40B4-BE49-F238E27FC236}">
-                <a16:creationId xmlns:a16="http://schemas.microsoft.com/office/drawing/2014/main" id="{7B272175-371B-05CF-E76C-0DC118E90D3D}"/>
-              </a:ext>
-            </a:extLst>
-          </p:cNvPr>
-          <p:cNvPicPr>
-            <a:picLocks noChangeAspect="1"/>
-          </p:cNvPicPr>
-          <p:nvPr/>
-        </p:nvPicPr>
-        <p:blipFill>
-          <a:blip r:embed="rId3">
-            <a:extLst>
-              <a:ext uri="{28A0092B-C50C-407E-A947-70E740481C1C}">
-                <a14:useLocalDpi xmlns:a14="http://schemas.microsoft.com/office/drawing/2010/main" val="0"/>
-              </a:ext>
-            </a:extLst>
-          </a:blip>
-          <a:stretch>
-            <a:fillRect/>
-          </a:stretch>
-        </p:blipFill>
-        <p:spPr>
-          <a:xfrm>
-            <a:off x="7340338" y="1449388"/>
-            <a:ext cx="1885238" cy="2720408"/>
-          </a:xfrm>
-          <a:prstGeom prst="rect">
-            <a:avLst/>
-          </a:prstGeom>
-        </p:spPr>
-      </p:pic>
-      <p:pic>
-        <p:nvPicPr>
-          <p:cNvPr id="8" name="그림 7" descr="텍스트, 만화 영화, 소설, 스크린샷이(가) 표시된 사진&#10;&#10;자동 생성된 설명">
-            <a:extLst>
-              <a:ext uri="{FF2B5EF4-FFF2-40B4-BE49-F238E27FC236}">
-                <a16:creationId xmlns:a16="http://schemas.microsoft.com/office/drawing/2014/main" id="{BF777B9D-AF44-82A0-4BAF-6ADDDE4A5DCA}"/>
-              </a:ext>
-            </a:extLst>
-          </p:cNvPr>
-          <p:cNvPicPr>
-            <a:picLocks noChangeAspect="1"/>
-          </p:cNvPicPr>
-          <p:nvPr/>
-        </p:nvPicPr>
-        <p:blipFill>
-          <a:blip r:embed="rId4">
-            <a:extLst>
-              <a:ext uri="{28A0092B-C50C-407E-A947-70E740481C1C}">
-                <a14:useLocalDpi xmlns:a14="http://schemas.microsoft.com/office/drawing/2010/main" val="0"/>
-              </a:ext>
-            </a:extLst>
-          </a:blip>
-          <a:stretch>
-            <a:fillRect/>
-          </a:stretch>
-        </p:blipFill>
-        <p:spPr>
-          <a:xfrm>
-            <a:off x="5151858" y="1449387"/>
-            <a:ext cx="1888283" cy="2720407"/>
-          </a:xfrm>
-          <a:prstGeom prst="rect">
-            <a:avLst/>
-          </a:prstGeom>
-        </p:spPr>
-      </p:pic>
-      <p:graphicFrame>
-        <p:nvGraphicFramePr>
-          <p:cNvPr id="9" name="표 1">
-            <a:extLst>
-              <a:ext uri="{FF2B5EF4-FFF2-40B4-BE49-F238E27FC236}">
-                <a16:creationId xmlns:a16="http://schemas.microsoft.com/office/drawing/2014/main" id="{6ED3582C-42E2-173B-25CE-D47843F62C4E}"/>
+                <a16:creationId xmlns:a16="http://schemas.microsoft.com/office/drawing/2014/main" id="{ECF2151A-E419-41B5-BD66-4966FED48CFB}"/>
               </a:ext>
             </a:extLst>
           </p:cNvPr>
@@ -9720,14 +9838,14 @@
           <p:nvPr>
             <p:extLst>
               <p:ext uri="{D42A27DB-BD31-4B8C-83A1-F6EECF244321}">
-                <p14:modId xmlns:p14="http://schemas.microsoft.com/office/powerpoint/2010/main" val="1441374563"/>
+                <p14:modId xmlns:p14="http://schemas.microsoft.com/office/powerpoint/2010/main" val="850618456"/>
               </p:ext>
             </p:extLst>
           </p:nvPr>
         </p:nvGraphicFramePr>
         <p:xfrm>
-          <a:off x="1213167" y="4327797"/>
-          <a:ext cx="9765665" cy="1587500"/>
+          <a:off x="839787" y="1457166"/>
+          <a:ext cx="10512425" cy="4361180"/>
         </p:xfrm>
         <a:graphic>
           <a:graphicData uri="http://schemas.openxmlformats.org/drawingml/2006/table">
@@ -9736,7 +9854,7 @@
                 <a:tableStyleId>{5C22544A-7EE6-4342-B048-85BDC9FD1C3A}</a:tableStyleId>
               </a:tblPr>
               <a:tblGrid>
-                <a:gridCol w="9765665">
+                <a:gridCol w="10512425">
                   <a:extLst>
                     <a:ext uri="{9D8B030D-6E8A-4147-A177-3AD203B41FA5}">
                       <a16:colId xmlns:a16="http://schemas.microsoft.com/office/drawing/2014/main" val="20000"/>
@@ -9768,16 +9886,6 @@
                         <a:defRPr/>
                       </a:pPr>
                       <a:r>
-                        <a:rPr lang="ko-KR" altLang="en-US" sz="1400" b="0" i="0" kern="1200" dirty="0">
-                          <a:solidFill>
-                            <a:schemeClr val="tx1"/>
-                          </a:solidFill>
-                          <a:latin typeface="맑은 고딕" charset="0"/>
-                          <a:ea typeface="맑은 고딕" charset="0"/>
-                        </a:rPr>
-                        <a:t>카드 게임에서 </a:t>
-                      </a:r>
-                      <a:r>
                         <a:rPr lang="en-US" altLang="ko-KR" sz="1400" b="0" i="0" kern="1200" dirty="0">
                           <a:solidFill>
                             <a:schemeClr val="tx1"/>
@@ -9795,7 +9903,7 @@
                           <a:latin typeface="맑은 고딕" charset="0"/>
                           <a:ea typeface="맑은 고딕" charset="0"/>
                         </a:rPr>
-                        <a:t>고유 명사</a:t>
+                        <a:t>하스스톤</a:t>
                       </a:r>
                       <a:r>
                         <a:rPr lang="en-US" altLang="ko-KR" sz="1400" b="0" i="0" kern="1200" dirty="0">
@@ -9815,46 +9923,27 @@
                           <a:latin typeface="맑은 고딕" charset="0"/>
                           <a:ea typeface="맑은 고딕" charset="0"/>
                         </a:rPr>
-                        <a:t>는 원래 카드 효과 텍스트를 축약하기 위해서 사용된다</a:t>
-                      </a:r>
-                      <a:r>
-                        <a:rPr lang="en-US" altLang="ko-KR" sz="1400" b="0" i="0" kern="1200" dirty="0">
-                          <a:solidFill>
-                            <a:schemeClr val="tx1"/>
-                          </a:solidFill>
-                          <a:latin typeface="맑은 고딕" charset="0"/>
-                          <a:ea typeface="맑은 고딕" charset="0"/>
-                        </a:rPr>
-                        <a:t>.</a:t>
-                      </a:r>
-                    </a:p>
-                    <a:p>
-                      <a:pPr marL="0" marR="0" lvl="0" indent="0" algn="l" defTabSz="914400" rtl="0" eaLnBrk="1" fontAlgn="auto" latinLnBrk="1" hangingPunct="1">
-                        <a:lnSpc>
-                          <a:spcPct val="100000"/>
-                        </a:lnSpc>
-                        <a:spcBef>
-                          <a:spcPts val="0"/>
-                        </a:spcBef>
-                        <a:spcAft>
-                          <a:spcPts val="0"/>
-                        </a:spcAft>
-                        <a:buClrTx/>
-                        <a:buSzTx/>
-                        <a:buFontTx/>
-                        <a:buNone/>
-                        <a:tabLst/>
-                        <a:defRPr/>
-                      </a:pPr>
-                      <a:r>
-                        <a:rPr lang="ko-KR" altLang="en-US" sz="1400" b="0" i="0" kern="1200" dirty="0">
-                          <a:solidFill>
-                            <a:schemeClr val="tx1"/>
-                          </a:solidFill>
-                          <a:latin typeface="맑은 고딕" charset="0"/>
-                          <a:ea typeface="맑은 고딕" charset="0"/>
-                        </a:rPr>
-                        <a:t>하지만 </a:t>
+                        <a:t>의 랜덤성은 그 역사가 매우 깊다</a:t>
+                      </a:r>
+                      <a:r>
+                        <a:rPr lang="en-US" altLang="ko-KR" sz="1400" b="0" i="0" kern="1200" dirty="0">
+                          <a:solidFill>
+                            <a:schemeClr val="tx1"/>
+                          </a:solidFill>
+                          <a:latin typeface="맑은 고딕" charset="0"/>
+                          <a:ea typeface="맑은 고딕" charset="0"/>
+                        </a:rPr>
+                        <a:t>. </a:t>
+                      </a:r>
+                      <a:r>
+                        <a:rPr lang="ko-KR" altLang="en-US" sz="1400" b="0" i="0" kern="1200" dirty="0">
+                          <a:solidFill>
+                            <a:schemeClr val="tx1"/>
+                          </a:solidFill>
+                          <a:latin typeface="맑은 고딕" charset="0"/>
+                          <a:ea typeface="맑은 고딕" charset="0"/>
+                        </a:rPr>
+                        <a:t>온라인 환경에서 개발된 게임이기 때문인지 발매 초기 부터 </a:t>
                       </a:r>
                       <a:r>
                         <a:rPr lang="en-US" altLang="ko-KR" sz="1400" b="0" i="0" kern="1200" dirty="0">
@@ -9874,7 +9963,7 @@
                           <a:latin typeface="맑은 고딕" charset="0"/>
                           <a:ea typeface="맑은 고딕" charset="0"/>
                         </a:rPr>
-                        <a:t>고유 명사</a:t>
+                        <a:t>무작위</a:t>
                       </a:r>
                       <a:r>
                         <a:rPr lang="en-US" altLang="ko-KR" sz="1400" b="0" i="0" kern="1200" dirty="0">
@@ -9894,56 +9983,87 @@
                           <a:latin typeface="맑은 고딕" charset="0"/>
                           <a:ea typeface="맑은 고딕" charset="0"/>
                         </a:rPr>
-                        <a:t>로 인하여 가독성이 떨어지는 텍스트를 가진 카드들 또한 있다</a:t>
-                      </a:r>
-                      <a:r>
-                        <a:rPr lang="en-US" altLang="ko-KR" sz="1400" b="0" i="0" kern="1200" dirty="0">
-                          <a:solidFill>
-                            <a:schemeClr val="tx1"/>
-                          </a:solidFill>
-                          <a:latin typeface="맑은 고딕" charset="0"/>
-                          <a:ea typeface="맑은 고딕" charset="0"/>
-                        </a:rPr>
-                        <a:t>.</a:t>
-                      </a:r>
-                    </a:p>
-                    <a:p>
-                      <a:pPr marL="0" marR="0" lvl="0" indent="0" algn="l" defTabSz="914400" rtl="0" eaLnBrk="1" fontAlgn="auto" latinLnBrk="1" hangingPunct="1">
-                        <a:lnSpc>
-                          <a:spcPct val="100000"/>
-                        </a:lnSpc>
-                        <a:spcBef>
-                          <a:spcPts val="0"/>
-                        </a:spcBef>
-                        <a:spcAft>
-                          <a:spcPts val="0"/>
-                        </a:spcAft>
-                        <a:buClrTx/>
-                        <a:buSzTx/>
-                        <a:buFontTx/>
-                        <a:buNone/>
-                        <a:tabLst/>
-                        <a:defRPr/>
-                      </a:pPr>
-                      <a:r>
-                        <a:rPr lang="en-US" altLang="ko-KR" sz="1400" b="0" i="0" kern="1200" dirty="0">
-                          <a:solidFill>
-                            <a:schemeClr val="tx1"/>
-                          </a:solidFill>
-                          <a:latin typeface="맑은 고딕" charset="0"/>
-                          <a:ea typeface="맑은 고딕" charset="0"/>
-                        </a:rPr>
-                        <a:t>‘</a:t>
-                      </a:r>
-                      <a:r>
-                        <a:rPr lang="ko-KR" altLang="en-US" sz="1400" b="0" i="0" kern="1200" dirty="0">
-                          <a:solidFill>
-                            <a:schemeClr val="tx1"/>
-                          </a:solidFill>
-                          <a:latin typeface="맑은 고딕" charset="0"/>
-                          <a:ea typeface="맑은 고딕" charset="0"/>
-                        </a:rPr>
-                        <a:t>하스스톤</a:t>
+                        <a:t>라는 텍스트는 꾸준히 등장하였고</a:t>
+                      </a:r>
+                      <a:r>
+                        <a:rPr lang="en-US" altLang="ko-KR" sz="1400" b="0" i="0" kern="1200" dirty="0">
+                          <a:solidFill>
+                            <a:schemeClr val="tx1"/>
+                          </a:solidFill>
+                          <a:latin typeface="맑은 고딕" charset="0"/>
+                          <a:ea typeface="맑은 고딕" charset="0"/>
+                        </a:rPr>
+                        <a:t>, </a:t>
+                      </a:r>
+                      <a:r>
+                        <a:rPr lang="ko-KR" altLang="en-US" sz="1400" b="0" i="0" kern="1200" dirty="0">
+                          <a:solidFill>
+                            <a:schemeClr val="tx1"/>
+                          </a:solidFill>
+                          <a:latin typeface="맑은 고딕" charset="0"/>
+                          <a:ea typeface="맑은 고딕" charset="0"/>
+                        </a:rPr>
+                        <a:t>이는 당시 오프라인에 뿌리를 두고 있는 다른 카드 게임과의 차별점이 되었을 것이다</a:t>
+                      </a:r>
+                      <a:r>
+                        <a:rPr lang="en-US" altLang="ko-KR" sz="1400" b="0" i="0" kern="1200" dirty="0">
+                          <a:solidFill>
+                            <a:schemeClr val="tx1"/>
+                          </a:solidFill>
+                          <a:latin typeface="맑은 고딕" charset="0"/>
+                          <a:ea typeface="맑은 고딕" charset="0"/>
+                        </a:rPr>
+                        <a:t>. </a:t>
+                      </a:r>
+                      <a:r>
+                        <a:rPr lang="ko-KR" altLang="en-US" sz="1400" b="0" i="0" kern="1200" dirty="0">
+                          <a:solidFill>
+                            <a:schemeClr val="tx1"/>
+                          </a:solidFill>
+                          <a:latin typeface="맑은 고딕" charset="0"/>
+                          <a:ea typeface="맑은 고딕" charset="0"/>
+                        </a:rPr>
+                        <a:t>하지만 새로운 </a:t>
+                      </a:r>
+                      <a:r>
+                        <a:rPr lang="ko-KR" altLang="en-US" sz="1400" b="0" i="0" kern="1200" dirty="0" err="1">
+                          <a:solidFill>
+                            <a:schemeClr val="tx1"/>
+                          </a:solidFill>
+                          <a:latin typeface="맑은 고딕" charset="0"/>
+                          <a:ea typeface="맑은 고딕" charset="0"/>
+                        </a:rPr>
+                        <a:t>확장팩을</a:t>
+                      </a:r>
+                      <a:r>
+                        <a:rPr lang="ko-KR" altLang="en-US" sz="1400" b="0" i="0" kern="1200" dirty="0">
+                          <a:solidFill>
+                            <a:schemeClr val="tx1"/>
+                          </a:solidFill>
+                          <a:latin typeface="맑은 고딕" charset="0"/>
+                          <a:ea typeface="맑은 고딕" charset="0"/>
+                        </a:rPr>
+                        <a:t> 추가 될 때 마다 동시에 수많은 카드들이 추가되었고</a:t>
+                      </a:r>
+                      <a:r>
+                        <a:rPr lang="en-US" altLang="ko-KR" sz="1400" b="0" i="0" kern="1200" dirty="0">
+                          <a:solidFill>
+                            <a:schemeClr val="tx1"/>
+                          </a:solidFill>
+                          <a:latin typeface="맑은 고딕" charset="0"/>
+                          <a:ea typeface="맑은 고딕" charset="0"/>
+                        </a:rPr>
+                        <a:t>, ‘</a:t>
+                      </a:r>
+                      <a:r>
+                        <a:rPr lang="ko-KR" altLang="en-US" sz="1400" b="0" i="0" kern="1200" dirty="0">
+                          <a:solidFill>
+                            <a:schemeClr val="tx1"/>
+                          </a:solidFill>
+                          <a:latin typeface="맑은 고딕" charset="0"/>
+                          <a:ea typeface="맑은 고딕" charset="0"/>
+                        </a:rPr>
+                        <a:t>무작위</a:t>
                       </a:r>
                       <a:r>
                         <a:rPr lang="en-US" altLang="ko-KR" sz="1400" b="0" i="0" kern="1200" dirty="0">
@@ -9963,73 +10083,17 @@
                           <a:latin typeface="맑은 고딕" charset="0"/>
                           <a:ea typeface="맑은 고딕" charset="0"/>
                         </a:rPr>
-                        <a:t>의 일부 카드들로 그 효과를 과도하게 축약한 카드들이 존재하며</a:t>
-                      </a:r>
-                      <a:r>
-                        <a:rPr lang="en-US" altLang="ko-KR" sz="1400" b="0" i="0" kern="1200" dirty="0">
-                          <a:solidFill>
-                            <a:schemeClr val="tx1"/>
-                          </a:solidFill>
-                          <a:latin typeface="맑은 고딕" charset="0"/>
-                          <a:ea typeface="맑은 고딕" charset="0"/>
-                        </a:rPr>
-                        <a:t>, </a:t>
-                      </a:r>
-                      <a:r>
-                        <a:rPr lang="ko-KR" altLang="en-US" sz="1400" b="0" i="0" kern="1200" dirty="0">
-                          <a:solidFill>
-                            <a:schemeClr val="tx1"/>
-                          </a:solidFill>
-                          <a:latin typeface="맑은 고딕" charset="0"/>
-                          <a:ea typeface="맑은 고딕" charset="0"/>
-                        </a:rPr>
-                        <a:t>해당 카드들의 정확한 효과를 알기 위해서는</a:t>
-                      </a:r>
-                      <a:endParaRPr lang="en-US" altLang="ko-KR" sz="1400" b="0" i="0" kern="1200" dirty="0">
-                        <a:solidFill>
-                          <a:schemeClr val="tx1"/>
-                        </a:solidFill>
-                        <a:latin typeface="맑은 고딕" charset="0"/>
-                        <a:ea typeface="맑은 고딕" charset="0"/>
-                      </a:endParaRPr>
-                    </a:p>
-                    <a:p>
-                      <a:pPr marL="0" marR="0" lvl="0" indent="0" algn="l" defTabSz="914400" rtl="0" eaLnBrk="1" fontAlgn="auto" latinLnBrk="1" hangingPunct="1">
-                        <a:lnSpc>
-                          <a:spcPct val="100000"/>
-                        </a:lnSpc>
-                        <a:spcBef>
-                          <a:spcPts val="0"/>
-                        </a:spcBef>
-                        <a:spcAft>
-                          <a:spcPts val="0"/>
-                        </a:spcAft>
-                        <a:buClrTx/>
-                        <a:buSzTx/>
-                        <a:buFontTx/>
-                        <a:buNone/>
-                        <a:tabLst/>
-                        <a:defRPr/>
-                      </a:pPr>
-                      <a:r>
-                        <a:rPr lang="ko-KR" altLang="en-US" sz="1400" b="0" i="0" kern="1200" dirty="0">
-                          <a:solidFill>
-                            <a:schemeClr val="tx1"/>
-                          </a:solidFill>
-                          <a:latin typeface="맑은 고딕" charset="0"/>
-                          <a:ea typeface="맑은 고딕" charset="0"/>
-                        </a:rPr>
-                        <a:t>별도의 검색을 필요로 한다</a:t>
-                      </a:r>
-                      <a:r>
-                        <a:rPr lang="en-US" altLang="ko-KR" sz="1400" b="0" i="0" kern="1200" dirty="0">
-                          <a:solidFill>
-                            <a:schemeClr val="tx1"/>
-                          </a:solidFill>
-                          <a:latin typeface="맑은 고딕" charset="0"/>
-                          <a:ea typeface="맑은 고딕" charset="0"/>
-                        </a:rPr>
-                        <a:t>.</a:t>
+                        <a:t>라는 키워드의 편차는 점점 커져갔다</a:t>
+                      </a:r>
+                      <a:r>
+                        <a:rPr lang="en-US" altLang="ko-KR" sz="1400" b="0" i="0" kern="1200" dirty="0">
+                          <a:solidFill>
+                            <a:schemeClr val="tx1"/>
+                          </a:solidFill>
+                          <a:latin typeface="맑은 고딕" charset="0"/>
+                          <a:ea typeface="맑은 고딕" charset="0"/>
+                        </a:rPr>
+                        <a:t>. </a:t>
                       </a:r>
                     </a:p>
                     <a:p>
@@ -10077,398 +10141,6 @@
                         <a:defRPr/>
                       </a:pPr>
                       <a:r>
-                        <a:rPr lang="ko-KR" altLang="en-US" sz="1400" b="0" i="0" kern="1200" dirty="0">
-                          <a:solidFill>
-                            <a:schemeClr val="tx1"/>
-                          </a:solidFill>
-                          <a:latin typeface="맑은 고딕" charset="0"/>
-                          <a:ea typeface="맑은 고딕" charset="0"/>
-                        </a:rPr>
-                        <a:t>반대로 텍스트를 축약하지 못하여 문제가 되는 </a:t>
-                      </a:r>
-                      <a:r>
-                        <a:rPr lang="en-US" altLang="ko-KR" sz="1400" b="0" i="0" kern="1200" dirty="0">
-                          <a:solidFill>
-                            <a:schemeClr val="tx1"/>
-                          </a:solidFill>
-                          <a:latin typeface="맑은 고딕" charset="0"/>
-                          <a:ea typeface="맑은 고딕" charset="0"/>
-                        </a:rPr>
-                        <a:t>‘Yu-Gi-Oh Master Duel’ </a:t>
-                      </a:r>
-                      <a:r>
-                        <a:rPr lang="ko-KR" altLang="en-US" sz="1400" b="0" i="0" kern="1200" dirty="0">
-                          <a:solidFill>
-                            <a:schemeClr val="tx1"/>
-                          </a:solidFill>
-                          <a:latin typeface="맑은 고딕" charset="0"/>
-                          <a:ea typeface="맑은 고딕" charset="0"/>
-                        </a:rPr>
-                        <a:t>같은 경우 또한 존재한다</a:t>
-                      </a:r>
-                      <a:r>
-                        <a:rPr lang="en-US" altLang="ko-KR" sz="1400" b="0" i="0" kern="1200" dirty="0">
-                          <a:solidFill>
-                            <a:schemeClr val="tx1"/>
-                          </a:solidFill>
-                          <a:latin typeface="맑은 고딕" charset="0"/>
-                          <a:ea typeface="맑은 고딕" charset="0"/>
-                        </a:rPr>
-                        <a:t>.</a:t>
-                      </a:r>
-                    </a:p>
-                    <a:p>
-                      <a:pPr marL="0" marR="0" lvl="0" indent="0" algn="l" defTabSz="914400" rtl="0" eaLnBrk="1" fontAlgn="auto" latinLnBrk="1" hangingPunct="1">
-                        <a:lnSpc>
-                          <a:spcPct val="100000"/>
-                        </a:lnSpc>
-                        <a:spcBef>
-                          <a:spcPts val="0"/>
-                        </a:spcBef>
-                        <a:spcAft>
-                          <a:spcPts val="0"/>
-                        </a:spcAft>
-                        <a:buClrTx/>
-                        <a:buSzTx/>
-                        <a:buFontTx/>
-                        <a:buNone/>
-                        <a:tabLst/>
-                        <a:defRPr/>
-                      </a:pPr>
-                      <a:r>
-                        <a:rPr lang="ko-KR" altLang="en-US" sz="1400" b="0" i="0" kern="1200" dirty="0">
-                          <a:solidFill>
-                            <a:schemeClr val="tx1"/>
-                          </a:solidFill>
-                          <a:latin typeface="맑은 고딕" charset="0"/>
-                          <a:ea typeface="맑은 고딕" charset="0"/>
-                        </a:rPr>
-                        <a:t>해당 카드들은 과도하게 긴 텍스트로 인하여 정확한 효과를 파악하는데 많은 노력을 요구한다</a:t>
-                      </a:r>
-                      <a:r>
-                        <a:rPr lang="en-US" altLang="ko-KR" sz="1400" b="0" i="0" kern="1200" dirty="0">
-                          <a:solidFill>
-                            <a:schemeClr val="tx1"/>
-                          </a:solidFill>
-                          <a:latin typeface="맑은 고딕" charset="0"/>
-                          <a:ea typeface="맑은 고딕" charset="0"/>
-                        </a:rPr>
-                        <a:t>.</a:t>
-                      </a:r>
-                    </a:p>
-                  </a:txBody>
-                  <a:tcPr marL="90170" marR="90170" marT="46990" marB="46990" anchor="ctr">
-                    <a:lnL w="12700" cmpd="sng">
-                      <a:noFill/>
-                    </a:lnL>
-                    <a:lnR w="12700" cmpd="sng">
-                      <a:noFill/>
-                    </a:lnR>
-                    <a:lnT w="12700" cap="flat" cmpd="sng" algn="ctr">
-                      <a:noFill/>
-                      <a:prstDash val="solid"/>
-                      <a:round/>
-                      <a:headEnd type="none" w="med" len="med"/>
-                      <a:tailEnd type="none" w="med" len="med"/>
-                    </a:lnT>
-                    <a:lnB w="12700" cap="flat" cmpd="sng" algn="ctr">
-                      <a:noFill/>
-                      <a:prstDash val="solid"/>
-                      <a:round/>
-                      <a:headEnd type="none" w="med" len="med"/>
-                      <a:tailEnd type="none" w="med" len="med"/>
-                    </a:lnB>
-                    <a:lnTlToBr w="12700" cmpd="sng">
-                      <a:noFill/>
-                      <a:prstDash val="solid"/>
-                    </a:lnTlToBr>
-                    <a:lnBlToTr w="12700" cmpd="sng">
-                      <a:noFill/>
-                      <a:prstDash val="solid"/>
-                    </a:lnBlToTr>
-                    <a:noFill/>
-                  </a:tcPr>
-                </a:tc>
-                <a:extLst>
-                  <a:ext uri="{0D108BD9-81ED-4DB2-BD59-A6C34878D82A}">
-                    <a16:rowId xmlns:a16="http://schemas.microsoft.com/office/drawing/2014/main" val="10001"/>
-                  </a:ext>
-                </a:extLst>
-              </a:tr>
-            </a:tbl>
-          </a:graphicData>
-        </a:graphic>
-      </p:graphicFrame>
-      <p:pic>
-        <p:nvPicPr>
-          <p:cNvPr id="11" name="그림 10" descr="텍스트, 만화 영화, 스크린샷, 그래픽 디자인이(가) 표시된 사진&#10;&#10;자동 생성된 설명">
-            <a:extLst>
-              <a:ext uri="{FF2B5EF4-FFF2-40B4-BE49-F238E27FC236}">
-                <a16:creationId xmlns:a16="http://schemas.microsoft.com/office/drawing/2014/main" id="{13BE41F1-2044-A009-8243-227FEDE8AA91}"/>
-              </a:ext>
-            </a:extLst>
-          </p:cNvPr>
-          <p:cNvPicPr>
-            <a:picLocks noChangeAspect="1"/>
-          </p:cNvPicPr>
-          <p:nvPr/>
-        </p:nvPicPr>
-        <p:blipFill>
-          <a:blip r:embed="rId5">
-            <a:extLst>
-              <a:ext uri="{28A0092B-C50C-407E-A947-70E740481C1C}">
-                <a14:useLocalDpi xmlns:a14="http://schemas.microsoft.com/office/drawing/2010/main" val="0"/>
-              </a:ext>
-            </a:extLst>
-          </a:blip>
-          <a:stretch>
-            <a:fillRect/>
-          </a:stretch>
-        </p:blipFill>
-        <p:spPr>
-          <a:xfrm>
-            <a:off x="2934495" y="1449389"/>
-            <a:ext cx="1917166" cy="2720406"/>
-          </a:xfrm>
-          <a:prstGeom prst="rect">
-            <a:avLst/>
-          </a:prstGeom>
-        </p:spPr>
-      </p:pic>
-    </p:spTree>
-    <p:extLst>
-      <p:ext uri="{BB962C8B-B14F-4D97-AF65-F5344CB8AC3E}">
-        <p14:creationId xmlns:p14="http://schemas.microsoft.com/office/powerpoint/2010/main" val="1004290728"/>
-      </p:ext>
-    </p:extLst>
-  </p:cSld>
-  <p:clrMapOvr>
-    <a:masterClrMapping/>
-  </p:clrMapOvr>
-</p:sld>
-</file>
-
-<file path=ppt/slides/slide9.xml><?xml version="1.0" encoding="utf-8"?>
-<p:sld xmlns:a="http://schemas.openxmlformats.org/drawingml/2006/main" xmlns:r="http://schemas.openxmlformats.org/officeDocument/2006/relationships" xmlns:p="http://schemas.openxmlformats.org/presentationml/2006/main">
-  <p:cSld>
-    <p:spTree>
-      <p:nvGrpSpPr>
-        <p:cNvPr id="1" name=""/>
-        <p:cNvGrpSpPr/>
-        <p:nvPr/>
-      </p:nvGrpSpPr>
-      <p:grpSpPr>
-        <a:xfrm>
-          <a:off x="0" y="0"/>
-          <a:ext cx="0" cy="0"/>
-          <a:chOff x="0" y="0"/>
-          <a:chExt cx="0" cy="0"/>
-        </a:xfrm>
-      </p:grpSpPr>
-      <p:sp>
-        <p:nvSpPr>
-          <p:cNvPr id="2" name="제목 1"/>
-          <p:cNvSpPr txBox="1">
-            <a:spLocks noGrp="1"/>
-          </p:cNvSpPr>
-          <p:nvPr>
-            <p:ph type="title"/>
-          </p:nvPr>
-        </p:nvSpPr>
-        <p:spPr>
-          <a:xfrm>
-            <a:off x="839788" y="368301"/>
-            <a:ext cx="10512425" cy="1071562"/>
-          </a:xfrm>
-          <a:prstGeom prst="rect">
-            <a:avLst/>
-          </a:prstGeom>
-        </p:spPr>
-        <p:txBody>
-          <a:bodyPr vert="horz" wrap="square" lIns="91440" tIns="45720" rIns="91440" bIns="45720" numCol="1" anchor="ctr">
-            <a:normAutofit/>
-          </a:bodyPr>
-          <a:lstStyle/>
-          <a:p>
-            <a:pPr marL="0" indent="0" rtl="0" latinLnBrk="0">
-              <a:buFontTx/>
-              <a:buNone/>
-            </a:pPr>
-            <a:r>
-              <a:rPr lang="ko-KR" altLang="en-US" dirty="0"/>
-              <a:t>가독성이 떨어지는 텍스트</a:t>
-            </a:r>
-            <a:r>
-              <a:rPr lang="en-US" altLang="ko-KR" dirty="0"/>
-              <a:t>-</a:t>
-            </a:r>
-            <a:r>
-              <a:rPr lang="ko-KR" altLang="en-US" dirty="0"/>
-              <a:t>개선 방향</a:t>
-            </a:r>
-          </a:p>
-        </p:txBody>
-      </p:sp>
-      <p:sp>
-        <p:nvSpPr>
-          <p:cNvPr id="4" name="Rect 0"/>
-          <p:cNvSpPr txBox="1">
-            <a:spLocks noGrp="1"/>
-          </p:cNvSpPr>
-          <p:nvPr>
-            <p:ph type="sldNum" idx="12"/>
-          </p:nvPr>
-        </p:nvSpPr>
-        <p:spPr>
-          <a:xfrm>
-            <a:off x="8610600" y="6356350"/>
-            <a:ext cx="2743835" cy="365760"/>
-          </a:xfrm>
-          <a:prstGeom prst="rect">
-            <a:avLst/>
-          </a:prstGeom>
-        </p:spPr>
-        <p:txBody>
-          <a:bodyPr vert="horz" wrap="square" lIns="91440" tIns="45720" rIns="91440" bIns="45720" anchor="ctr">
-            <a:noAutofit/>
-          </a:bodyPr>
-          <a:lstStyle/>
-          <a:p>
-            <a:pPr marL="0" indent="0" latinLnBrk="0">
-              <a:buFontTx/>
-              <a:buNone/>
-            </a:pPr>
-            <a:fld id="{B9320F77-B9A0-41C5-862A-B4B631284C64}" type="slidenum">
-              <a:rPr lang="ko-KR" altLang="en-US"/>
-              <a:t>9</a:t>
-            </a:fld>
-            <a:endParaRPr lang="ko-KR" altLang="en-US"/>
-          </a:p>
-        </p:txBody>
-      </p:sp>
-      <p:graphicFrame>
-        <p:nvGraphicFramePr>
-          <p:cNvPr id="9" name="표 1">
-            <a:extLst>
-              <a:ext uri="{FF2B5EF4-FFF2-40B4-BE49-F238E27FC236}">
-                <a16:creationId xmlns:a16="http://schemas.microsoft.com/office/drawing/2014/main" id="{6ED3582C-42E2-173B-25CE-D47843F62C4E}"/>
-              </a:ext>
-            </a:extLst>
-          </p:cNvPr>
-          <p:cNvGraphicFramePr>
-            <a:graphicFrameLocks noGrp="1"/>
-          </p:cNvGraphicFramePr>
-          <p:nvPr>
-            <p:extLst>
-              <p:ext uri="{D42A27DB-BD31-4B8C-83A1-F6EECF244321}">
-                <p14:modId xmlns:p14="http://schemas.microsoft.com/office/powerpoint/2010/main" val="1361717511"/>
-              </p:ext>
-            </p:extLst>
-          </p:nvPr>
-        </p:nvGraphicFramePr>
-        <p:xfrm>
-          <a:off x="918591" y="4403211"/>
-          <a:ext cx="10354818" cy="947420"/>
-        </p:xfrm>
-        <a:graphic>
-          <a:graphicData uri="http://schemas.openxmlformats.org/drawingml/2006/table">
-            <a:tbl>
-              <a:tblPr firstRow="1" bandRow="1">
-                <a:tableStyleId>{5C22544A-7EE6-4342-B048-85BDC9FD1C3A}</a:tableStyleId>
-              </a:tblPr>
-              <a:tblGrid>
-                <a:gridCol w="10354818">
-                  <a:extLst>
-                    <a:ext uri="{9D8B030D-6E8A-4147-A177-3AD203B41FA5}">
-                      <a16:colId xmlns:a16="http://schemas.microsoft.com/office/drawing/2014/main" val="20000"/>
-                    </a:ext>
-                  </a:extLst>
-                </a:gridCol>
-              </a:tblGrid>
-              <a:tr h="0">
-                <a:tc>
-                  <a:txBody>
-                    <a:bodyPr/>
-                    <a:lstStyle/>
-                    <a:p>
-                      <a:pPr marL="0" marR="0" lvl="0" indent="0" algn="l" defTabSz="914400" rtl="0" eaLnBrk="1" fontAlgn="auto" latinLnBrk="1" hangingPunct="1">
-                        <a:lnSpc>
-                          <a:spcPct val="100000"/>
-                        </a:lnSpc>
-                        <a:spcBef>
-                          <a:spcPts val="0"/>
-                        </a:spcBef>
-                        <a:spcAft>
-                          <a:spcPts val="0"/>
-                        </a:spcAft>
-                        <a:buClrTx/>
-                        <a:buSzTx/>
-                        <a:buFontTx/>
-                        <a:buNone/>
-                        <a:tabLst/>
-                        <a:defRPr/>
-                      </a:pPr>
-                      <a:r>
-                        <a:rPr lang="en-US" altLang="ko-KR" sz="1400" b="0" i="0" kern="1200" dirty="0">
-                          <a:solidFill>
-                            <a:schemeClr val="tx1"/>
-                          </a:solidFill>
-                          <a:latin typeface="맑은 고딕" charset="0"/>
-                          <a:ea typeface="맑은 고딕" charset="0"/>
-                        </a:rPr>
-                        <a:t>‘Shadowverse’</a:t>
-                      </a:r>
-                      <a:r>
-                        <a:rPr lang="ko-KR" altLang="en-US" sz="1400" b="0" i="0" kern="1200" dirty="0">
-                          <a:solidFill>
-                            <a:schemeClr val="tx1"/>
-                          </a:solidFill>
-                          <a:latin typeface="맑은 고딕" charset="0"/>
-                          <a:ea typeface="맑은 고딕" charset="0"/>
-                        </a:rPr>
-                        <a:t>의</a:t>
-                      </a:r>
-                      <a:r>
-                        <a:rPr lang="en-US" altLang="ko-KR" sz="1400" b="0" i="0" kern="1200" dirty="0">
-                          <a:solidFill>
-                            <a:schemeClr val="tx1"/>
-                          </a:solidFill>
-                          <a:latin typeface="맑은 고딕" charset="0"/>
-                          <a:ea typeface="맑은 고딕" charset="0"/>
-                        </a:rPr>
-                        <a:t> </a:t>
-                      </a:r>
-                      <a:r>
-                        <a:rPr lang="ko-KR" altLang="en-US" sz="1400" b="0" i="0" kern="1200" dirty="0">
-                          <a:solidFill>
-                            <a:schemeClr val="tx1"/>
-                          </a:solidFill>
-                          <a:latin typeface="맑은 고딕" charset="0"/>
-                          <a:ea typeface="맑은 고딕" charset="0"/>
-                        </a:rPr>
-                        <a:t>경우 과도한 축약을 하지 않고</a:t>
-                      </a:r>
-                      <a:r>
-                        <a:rPr lang="en-US" altLang="ko-KR" sz="1400" b="0" i="0" kern="1200" dirty="0">
-                          <a:solidFill>
-                            <a:schemeClr val="tx1"/>
-                          </a:solidFill>
-                          <a:latin typeface="맑은 고딕" charset="0"/>
-                          <a:ea typeface="맑은 고딕" charset="0"/>
-                        </a:rPr>
-                        <a:t>,</a:t>
-                      </a:r>
-                      <a:r>
-                        <a:rPr lang="ko-KR" altLang="en-US" sz="1400" b="0" i="0" kern="1200" dirty="0">
-                          <a:solidFill>
-                            <a:schemeClr val="tx1"/>
-                          </a:solidFill>
-                          <a:latin typeface="맑은 고딕" charset="0"/>
-                          <a:ea typeface="맑은 고딕" charset="0"/>
-                        </a:rPr>
-                        <a:t> </a:t>
-                      </a:r>
-                      <a:r>
                         <a:rPr lang="en-US" altLang="ko-KR" sz="1400" b="0" i="0" kern="1200" dirty="0">
                           <a:solidFill>
                             <a:schemeClr val="tx1"/>
@@ -10486,7 +10158,7 @@
                           <a:latin typeface="맑은 고딕" charset="0"/>
                           <a:ea typeface="맑은 고딕" charset="0"/>
                         </a:rPr>
-                        <a:t>고유 명사</a:t>
+                        <a:t>하스스톤</a:t>
                       </a:r>
                       <a:r>
                         <a:rPr lang="en-US" altLang="ko-KR" sz="1400" b="0" i="0" kern="1200" dirty="0">
@@ -10506,27 +10178,167 @@
                           <a:latin typeface="맑은 고딕" charset="0"/>
                           <a:ea typeface="맑은 고딕" charset="0"/>
                         </a:rPr>
-                        <a:t>를</a:t>
-                      </a:r>
-                      <a:r>
-                        <a:rPr lang="en-US" altLang="ko-KR" sz="1400" b="0" i="0" kern="1200" dirty="0">
-                          <a:solidFill>
-                            <a:schemeClr val="tx1"/>
-                          </a:solidFill>
-                          <a:latin typeface="맑은 고딕" charset="0"/>
-                          <a:ea typeface="맑은 고딕" charset="0"/>
-                        </a:rPr>
-                        <a:t> </a:t>
-                      </a:r>
-                      <a:r>
-                        <a:rPr lang="ko-KR" altLang="en-US" sz="1400" b="0" i="0" kern="1200" dirty="0">
-                          <a:solidFill>
-                            <a:schemeClr val="tx1"/>
-                          </a:solidFill>
-                          <a:latin typeface="맑은 고딕" charset="0"/>
-                          <a:ea typeface="맑은 고딕" charset="0"/>
-                        </a:rPr>
-                        <a:t>대전 내에서 확인할 수 있는 수단을 마련하여 문제를 해결하였다</a:t>
+                        <a:t>의 운영진 또한 이 문제를 알고 있었지만</a:t>
+                      </a:r>
+                      <a:r>
+                        <a:rPr lang="en-US" altLang="ko-KR" sz="1400" b="0" i="0" kern="1200" dirty="0">
+                          <a:solidFill>
+                            <a:schemeClr val="tx1"/>
+                          </a:solidFill>
+                          <a:latin typeface="맑은 고딕" charset="0"/>
+                          <a:ea typeface="맑은 고딕" charset="0"/>
+                        </a:rPr>
+                        <a:t>, </a:t>
+                      </a:r>
+                      <a:r>
+                        <a:rPr lang="ko-KR" altLang="en-US" sz="1400" b="0" i="0" kern="1200" dirty="0">
+                          <a:solidFill>
+                            <a:schemeClr val="tx1"/>
+                          </a:solidFill>
+                          <a:latin typeface="맑은 고딕" charset="0"/>
+                          <a:ea typeface="맑은 고딕" charset="0"/>
+                        </a:rPr>
+                        <a:t>그들은 이 문제를 </a:t>
+                      </a:r>
+                      <a:r>
+                        <a:rPr lang="en-US" altLang="ko-KR" sz="1400" b="0" i="0" kern="1200" dirty="0">
+                          <a:solidFill>
+                            <a:schemeClr val="tx1"/>
+                          </a:solidFill>
+                          <a:latin typeface="맑은 고딕" charset="0"/>
+                          <a:ea typeface="맑은 고딕" charset="0"/>
+                        </a:rPr>
+                        <a:t>‘</a:t>
+                      </a:r>
+                      <a:r>
+                        <a:rPr lang="ko-KR" altLang="en-US" sz="1400" b="0" i="0" kern="1200" dirty="0">
+                          <a:solidFill>
+                            <a:schemeClr val="tx1"/>
+                          </a:solidFill>
+                          <a:latin typeface="맑은 고딕" charset="0"/>
+                          <a:ea typeface="맑은 고딕" charset="0"/>
+                        </a:rPr>
+                        <a:t>무작위</a:t>
+                      </a:r>
+                      <a:r>
+                        <a:rPr lang="en-US" altLang="ko-KR" sz="1400" b="0" i="0" kern="1200" dirty="0">
+                          <a:solidFill>
+                            <a:schemeClr val="tx1"/>
+                          </a:solidFill>
+                          <a:latin typeface="맑은 고딕" charset="0"/>
+                          <a:ea typeface="맑은 고딕" charset="0"/>
+                        </a:rPr>
+                        <a:t>’ </a:t>
+                      </a:r>
+                      <a:r>
+                        <a:rPr lang="ko-KR" altLang="en-US" sz="1400" b="0" i="0" kern="1200" dirty="0">
+                          <a:solidFill>
+                            <a:schemeClr val="tx1"/>
+                          </a:solidFill>
+                          <a:latin typeface="맑은 고딕" charset="0"/>
+                          <a:ea typeface="맑은 고딕" charset="0"/>
+                        </a:rPr>
+                        <a:t>텍스트를 사용하지 않는 방식이 아닌 해당 텍스트의 효율을 떨어트리는 카드를 추가하는 것으로 문제를 해결하려 하였다</a:t>
+                      </a:r>
+                      <a:r>
+                        <a:rPr lang="en-US" altLang="ko-KR" sz="1400" b="0" i="0" kern="1200" dirty="0">
+                          <a:solidFill>
+                            <a:schemeClr val="tx1"/>
+                          </a:solidFill>
+                          <a:latin typeface="맑은 고딕" charset="0"/>
+                          <a:ea typeface="맑은 고딕" charset="0"/>
+                        </a:rPr>
+                        <a:t>. </a:t>
+                      </a:r>
+                      <a:r>
+                        <a:rPr lang="ko-KR" altLang="en-US" sz="1400" b="0" i="0" kern="1200" dirty="0">
+                          <a:solidFill>
+                            <a:schemeClr val="tx1"/>
+                          </a:solidFill>
+                          <a:latin typeface="맑은 고딕" charset="0"/>
+                          <a:ea typeface="맑은 고딕" charset="0"/>
+                        </a:rPr>
+                        <a:t>해당 방법은 </a:t>
+                      </a:r>
+                      <a:r>
+                        <a:rPr lang="en-US" altLang="ko-KR" sz="1400" b="0" i="0" kern="1200" dirty="0">
+                          <a:solidFill>
+                            <a:schemeClr val="tx1"/>
+                          </a:solidFill>
+                          <a:latin typeface="맑은 고딕" charset="0"/>
+                          <a:ea typeface="맑은 고딕" charset="0"/>
+                        </a:rPr>
+                        <a:t>‘</a:t>
+                      </a:r>
+                      <a:r>
+                        <a:rPr lang="ko-KR" altLang="en-US" sz="1400" b="0" i="0" kern="1200" dirty="0">
+                          <a:solidFill>
+                            <a:schemeClr val="tx1"/>
+                          </a:solidFill>
+                          <a:latin typeface="맑은 고딕" charset="0"/>
+                          <a:ea typeface="맑은 고딕" charset="0"/>
+                        </a:rPr>
+                        <a:t>무작위</a:t>
+                      </a:r>
+                      <a:r>
+                        <a:rPr lang="en-US" altLang="ko-KR" sz="1400" b="0" i="0" kern="1200" dirty="0">
+                          <a:solidFill>
+                            <a:schemeClr val="tx1"/>
+                          </a:solidFill>
+                          <a:latin typeface="맑은 고딕" charset="0"/>
+                          <a:ea typeface="맑은 고딕" charset="0"/>
+                        </a:rPr>
+                        <a:t>’ </a:t>
+                      </a:r>
+                      <a:r>
+                        <a:rPr lang="ko-KR" altLang="en-US" sz="1400" b="0" i="0" kern="1200" dirty="0">
+                          <a:solidFill>
+                            <a:schemeClr val="tx1"/>
+                          </a:solidFill>
+                          <a:latin typeface="맑은 고딕" charset="0"/>
+                          <a:ea typeface="맑은 고딕" charset="0"/>
+                        </a:rPr>
+                        <a:t>텍스트를 계속해서 사용할 수 있는 동시에 사용시 리스크를 높여 실전성을 떨어트려 </a:t>
+                      </a:r>
+                      <a:r>
+                        <a:rPr lang="en-US" altLang="ko-KR" sz="1400" b="0" i="0" kern="1200" dirty="0">
+                          <a:solidFill>
+                            <a:schemeClr val="tx1"/>
+                          </a:solidFill>
+                          <a:latin typeface="맑은 고딕" charset="0"/>
+                          <a:ea typeface="맑은 고딕" charset="0"/>
+                        </a:rPr>
+                        <a:t>‘</a:t>
+                      </a:r>
+                      <a:r>
+                        <a:rPr lang="ko-KR" altLang="en-US" sz="1400" b="0" i="0" kern="1200" dirty="0">
+                          <a:solidFill>
+                            <a:schemeClr val="tx1"/>
+                          </a:solidFill>
+                          <a:latin typeface="맑은 고딕" charset="0"/>
+                          <a:ea typeface="맑은 고딕" charset="0"/>
+                        </a:rPr>
+                        <a:t>무작위</a:t>
+                      </a:r>
+                      <a:r>
+                        <a:rPr lang="en-US" altLang="ko-KR" sz="1400" b="0" i="0" kern="1200" dirty="0">
+                          <a:solidFill>
+                            <a:schemeClr val="tx1"/>
+                          </a:solidFill>
+                          <a:latin typeface="맑은 고딕" charset="0"/>
+                          <a:ea typeface="맑은 고딕" charset="0"/>
+                        </a:rPr>
+                        <a:t>’ </a:t>
+                      </a:r>
+                      <a:r>
+                        <a:rPr lang="ko-KR" altLang="en-US" sz="1400" b="0" i="0" kern="1200" dirty="0">
+                          <a:solidFill>
+                            <a:schemeClr val="tx1"/>
+                          </a:solidFill>
+                          <a:latin typeface="맑은 고딕" charset="0"/>
+                          <a:ea typeface="맑은 고딕" charset="0"/>
+                        </a:rPr>
+                        <a:t>텍스트의 카드들이 예능 카드의 범주에 들어가게끔 만들었다</a:t>
                       </a:r>
                       <a:r>
                         <a:rPr lang="en-US" altLang="ko-KR" sz="1400" b="0" i="0" kern="1200" dirty="0">
@@ -10591,7 +10403,7 @@
                           <a:latin typeface="맑은 고딕" charset="0"/>
                           <a:ea typeface="맑은 고딕" charset="0"/>
                         </a:rPr>
-                        <a:t>카드의 효과 중 과도하게 겹치는 효과들을 묶어서 </a:t>
+                        <a:t>해당 해결법은 </a:t>
                       </a:r>
                       <a:r>
                         <a:rPr lang="en-US" altLang="ko-KR" sz="1400" b="0" i="0" kern="1200" dirty="0">
@@ -10611,47 +10423,451 @@
                           <a:latin typeface="맑은 고딕" charset="0"/>
                           <a:ea typeface="맑은 고딕" charset="0"/>
                         </a:rPr>
-                        <a:t>고유 명사</a:t>
-                      </a:r>
-                      <a:r>
-                        <a:rPr lang="en-US" altLang="ko-KR" sz="1400" b="0" i="0" kern="1200" dirty="0">
-                          <a:solidFill>
-                            <a:schemeClr val="tx1"/>
-                          </a:solidFill>
-                          <a:latin typeface="맑은 고딕" charset="0"/>
-                          <a:ea typeface="맑은 고딕" charset="0"/>
-                        </a:rPr>
-                        <a:t>’</a:t>
-                      </a:r>
-                      <a:r>
-                        <a:rPr lang="ko-KR" altLang="en-US" sz="1400" b="0" i="0" kern="1200" dirty="0">
-                          <a:solidFill>
-                            <a:schemeClr val="tx1"/>
-                          </a:solidFill>
-                          <a:latin typeface="맑은 고딕" charset="0"/>
-                          <a:ea typeface="맑은 고딕" charset="0"/>
-                        </a:rPr>
-                        <a:t>로 만들어 너무 긴 텍스트를 만들지 않고</a:t>
-                      </a:r>
-                      <a:r>
-                        <a:rPr lang="en-US" altLang="ko-KR" sz="1400" b="0" i="0" kern="1200" dirty="0">
-                          <a:solidFill>
-                            <a:schemeClr val="tx1"/>
-                          </a:solidFill>
-                          <a:latin typeface="맑은 고딕" charset="0"/>
-                          <a:ea typeface="맑은 고딕" charset="0"/>
-                        </a:rPr>
-                        <a:t>,</a:t>
-                      </a:r>
-                      <a:r>
-                        <a:rPr lang="ko-KR" altLang="en-US" sz="1400" b="0" i="0" kern="1200" dirty="0">
-                          <a:solidFill>
-                            <a:schemeClr val="tx1"/>
-                          </a:solidFill>
-                          <a:latin typeface="맑은 고딕" charset="0"/>
-                          <a:ea typeface="맑은 고딕" charset="0"/>
-                        </a:rPr>
-                        <a:t> 대전 중에 확인 할 수 있는 수단을 마련하여 플레이어가 카드의 효과를 이해하는데 어려움이 없게 만들어야 한다</a:t>
+                        <a:t>무작위</a:t>
+                      </a:r>
+                      <a:r>
+                        <a:rPr lang="en-US" altLang="ko-KR" sz="1400" b="0" i="0" kern="1200" dirty="0">
+                          <a:solidFill>
+                            <a:schemeClr val="tx1"/>
+                          </a:solidFill>
+                          <a:latin typeface="맑은 고딕" charset="0"/>
+                          <a:ea typeface="맑은 고딕" charset="0"/>
+                        </a:rPr>
+                        <a:t>’ </a:t>
+                      </a:r>
+                      <a:r>
+                        <a:rPr lang="ko-KR" altLang="en-US" sz="1400" b="0" i="0" kern="1200" dirty="0">
+                          <a:solidFill>
+                            <a:schemeClr val="tx1"/>
+                          </a:solidFill>
+                          <a:latin typeface="맑은 고딕" charset="0"/>
+                          <a:ea typeface="맑은 고딕" charset="0"/>
+                        </a:rPr>
+                        <a:t>텍스트를 계속 사용할 수 있는 동시에 과거에 발매된 카드들의 성능에도 영향을 끼쳐 밸런스를 잡을 수 있는 방법이다</a:t>
+                      </a:r>
+                      <a:r>
+                        <a:rPr lang="en-US" altLang="ko-KR" sz="1400" b="0" i="0" kern="1200" dirty="0">
+                          <a:solidFill>
+                            <a:schemeClr val="tx1"/>
+                          </a:solidFill>
+                          <a:latin typeface="맑은 고딕" charset="0"/>
+                          <a:ea typeface="맑은 고딕" charset="0"/>
+                        </a:rPr>
+                        <a:t>. </a:t>
+                      </a:r>
+                      <a:r>
+                        <a:rPr lang="ko-KR" altLang="en-US" sz="1400" b="0" i="0" kern="1200" dirty="0">
+                          <a:solidFill>
+                            <a:schemeClr val="tx1"/>
+                          </a:solidFill>
+                          <a:latin typeface="맑은 고딕" charset="0"/>
+                          <a:ea typeface="맑은 고딕" charset="0"/>
+                        </a:rPr>
+                        <a:t>하지만 해당 방법의 문제점 중 하나인 운에 의하여 승패를 결정하는 방식은 별로 좋은 방식이 아니라 생각한다</a:t>
+                      </a:r>
+                      <a:r>
+                        <a:rPr lang="en-US" altLang="ko-KR" sz="1400" b="0" i="0" kern="1200" dirty="0">
+                          <a:solidFill>
+                            <a:schemeClr val="tx1"/>
+                          </a:solidFill>
+                          <a:latin typeface="맑은 고딕" charset="0"/>
+                          <a:ea typeface="맑은 고딕" charset="0"/>
+                        </a:rPr>
+                        <a:t>. </a:t>
+                      </a:r>
+                      <a:r>
+                        <a:rPr lang="ko-KR" altLang="en-US" sz="1400" b="0" i="0" kern="1200" dirty="0">
+                          <a:solidFill>
+                            <a:schemeClr val="tx1"/>
+                          </a:solidFill>
+                          <a:latin typeface="맑은 고딕" charset="0"/>
+                          <a:ea typeface="맑은 고딕" charset="0"/>
+                        </a:rPr>
+                        <a:t>전략 카드 게임은 상대방이 사용하는 카드와 카드를 사용하는 전략을 파악하고 자신이 사용할 수 있는 수단들을 최대한 효율적으로 사용하고</a:t>
+                      </a:r>
+                      <a:r>
+                        <a:rPr lang="en-US" altLang="ko-KR" sz="1400" b="0" i="0" kern="1200" dirty="0">
+                          <a:solidFill>
+                            <a:schemeClr val="tx1"/>
+                          </a:solidFill>
+                          <a:latin typeface="맑은 고딕" charset="0"/>
+                          <a:ea typeface="맑은 고딕" charset="0"/>
+                        </a:rPr>
+                        <a:t>, </a:t>
+                      </a:r>
+                      <a:r>
+                        <a:rPr lang="ko-KR" altLang="en-US" sz="1400" b="0" i="0" kern="1200" dirty="0">
+                          <a:solidFill>
+                            <a:schemeClr val="tx1"/>
+                          </a:solidFill>
+                          <a:latin typeface="맑은 고딕" charset="0"/>
+                          <a:ea typeface="맑은 고딕" charset="0"/>
+                        </a:rPr>
+                        <a:t>상대의 행동을 예측하는 게임이라고 생각한다</a:t>
+                      </a:r>
+                      <a:r>
+                        <a:rPr lang="en-US" altLang="ko-KR" sz="1400" b="0" i="0" kern="1200" dirty="0">
+                          <a:solidFill>
+                            <a:schemeClr val="tx1"/>
+                          </a:solidFill>
+                          <a:latin typeface="맑은 고딕" charset="0"/>
+                          <a:ea typeface="맑은 고딕" charset="0"/>
+                        </a:rPr>
+                        <a:t>. </a:t>
+                      </a:r>
+                      <a:r>
+                        <a:rPr lang="ko-KR" altLang="en-US" sz="1400" b="0" i="0" kern="1200" dirty="0">
+                          <a:solidFill>
+                            <a:schemeClr val="tx1"/>
+                          </a:solidFill>
+                          <a:latin typeface="맑은 고딕" charset="0"/>
+                          <a:ea typeface="맑은 고딕" charset="0"/>
+                        </a:rPr>
+                        <a:t>하지만 </a:t>
+                      </a:r>
+                      <a:r>
+                        <a:rPr lang="en-US" altLang="ko-KR" sz="1400" b="0" i="0" kern="1200" dirty="0">
+                          <a:solidFill>
+                            <a:schemeClr val="tx1"/>
+                          </a:solidFill>
+                          <a:latin typeface="맑은 고딕" charset="0"/>
+                          <a:ea typeface="맑은 고딕" charset="0"/>
+                        </a:rPr>
+                        <a:t>‘</a:t>
+                      </a:r>
+                      <a:r>
+                        <a:rPr lang="ko-KR" altLang="en-US" sz="1400" b="0" i="0" kern="1200" dirty="0">
+                          <a:solidFill>
+                            <a:schemeClr val="tx1"/>
+                          </a:solidFill>
+                          <a:latin typeface="맑은 고딕" charset="0"/>
+                          <a:ea typeface="맑은 고딕" charset="0"/>
+                        </a:rPr>
+                        <a:t>무작위</a:t>
+                      </a:r>
+                      <a:r>
+                        <a:rPr lang="en-US" altLang="ko-KR" sz="1400" b="0" i="0" kern="1200" dirty="0">
+                          <a:solidFill>
+                            <a:schemeClr val="tx1"/>
+                          </a:solidFill>
+                          <a:latin typeface="맑은 고딕" charset="0"/>
+                          <a:ea typeface="맑은 고딕" charset="0"/>
+                        </a:rPr>
+                        <a:t>’ </a:t>
+                      </a:r>
+                      <a:r>
+                        <a:rPr lang="ko-KR" altLang="en-US" sz="1400" b="0" i="0" kern="1200" dirty="0">
+                          <a:solidFill>
+                            <a:schemeClr val="tx1"/>
+                          </a:solidFill>
+                          <a:latin typeface="맑은 고딕" charset="0"/>
+                          <a:ea typeface="맑은 고딕" charset="0"/>
+                        </a:rPr>
+                        <a:t>텍스트와 같이 예측할 수 없고</a:t>
+                      </a:r>
+                      <a:r>
+                        <a:rPr lang="en-US" altLang="ko-KR" sz="1400" b="0" i="0" kern="1200" dirty="0">
+                          <a:solidFill>
+                            <a:schemeClr val="tx1"/>
+                          </a:solidFill>
+                          <a:latin typeface="맑은 고딕" charset="0"/>
+                          <a:ea typeface="맑은 고딕" charset="0"/>
+                        </a:rPr>
+                        <a:t>, </a:t>
+                      </a:r>
+                      <a:r>
+                        <a:rPr lang="ko-KR" altLang="en-US" sz="1400" b="0" i="0" kern="1200" dirty="0">
+                          <a:solidFill>
+                            <a:schemeClr val="tx1"/>
+                          </a:solidFill>
+                          <a:latin typeface="맑은 고딕" charset="0"/>
+                          <a:ea typeface="맑은 고딕" charset="0"/>
+                        </a:rPr>
+                        <a:t>운에 모든 것을 맡기는 방식의 텍스트는 이러한 전략적이고 예측을 필요로 하는 게임의 독이라 생각하기에 현재 기획중인 게임의 카드 디자인에 어울리지 않다고 생각한다</a:t>
+                      </a:r>
+                      <a:r>
+                        <a:rPr lang="en-US" altLang="ko-KR" sz="1400" b="0" i="0" kern="1200" dirty="0">
+                          <a:solidFill>
+                            <a:schemeClr val="tx1"/>
+                          </a:solidFill>
+                          <a:latin typeface="맑은 고딕" charset="0"/>
+                          <a:ea typeface="맑은 고딕" charset="0"/>
+                        </a:rPr>
+                        <a:t>. </a:t>
+                      </a:r>
+                    </a:p>
+                    <a:p>
+                      <a:pPr marL="0" marR="0" lvl="0" indent="0" algn="l" defTabSz="914400" rtl="0" eaLnBrk="1" fontAlgn="auto" latinLnBrk="1" hangingPunct="1">
+                        <a:lnSpc>
+                          <a:spcPct val="100000"/>
+                        </a:lnSpc>
+                        <a:spcBef>
+                          <a:spcPts val="0"/>
+                        </a:spcBef>
+                        <a:spcAft>
+                          <a:spcPts val="0"/>
+                        </a:spcAft>
+                        <a:buClrTx/>
+                        <a:buSzTx/>
+                        <a:buFontTx/>
+                        <a:buNone/>
+                        <a:tabLst/>
+                        <a:defRPr/>
+                      </a:pPr>
+                      <a:endParaRPr lang="en-US" altLang="ko-KR" sz="1400" b="0" i="0" kern="1200" dirty="0">
+                        <a:solidFill>
+                          <a:schemeClr val="tx1"/>
+                        </a:solidFill>
+                        <a:latin typeface="맑은 고딕" charset="0"/>
+                        <a:ea typeface="맑은 고딕" charset="0"/>
+                      </a:endParaRPr>
+                    </a:p>
+                    <a:p>
+                      <a:pPr marL="0" marR="0" lvl="0" indent="0" algn="l" defTabSz="914400" rtl="0" eaLnBrk="1" fontAlgn="auto" latinLnBrk="1" hangingPunct="1">
+                        <a:lnSpc>
+                          <a:spcPct val="100000"/>
+                        </a:lnSpc>
+                        <a:spcBef>
+                          <a:spcPts val="0"/>
+                        </a:spcBef>
+                        <a:spcAft>
+                          <a:spcPts val="0"/>
+                        </a:spcAft>
+                        <a:buClrTx/>
+                        <a:buSzTx/>
+                        <a:buFontTx/>
+                        <a:buNone/>
+                        <a:tabLst/>
+                        <a:defRPr/>
+                      </a:pPr>
+                      <a:r>
+                        <a:rPr lang="ko-KR" altLang="en-US" sz="1400" b="0" i="0" kern="1200" dirty="0">
+                          <a:solidFill>
+                            <a:schemeClr val="tx1"/>
+                          </a:solidFill>
+                          <a:latin typeface="맑은 고딕" charset="0"/>
+                          <a:ea typeface="맑은 고딕" charset="0"/>
+                        </a:rPr>
+                        <a:t>결론적으로 카드의 효과를 디자인의 기준을 오프라인을 가정으로 하고 만들어야 한다고 생각한다</a:t>
+                      </a:r>
+                      <a:r>
+                        <a:rPr lang="en-US" altLang="ko-KR" sz="1400" b="0" i="0" kern="1200" dirty="0">
+                          <a:solidFill>
+                            <a:schemeClr val="tx1"/>
+                          </a:solidFill>
+                          <a:latin typeface="맑은 고딕" charset="0"/>
+                          <a:ea typeface="맑은 고딕" charset="0"/>
+                        </a:rPr>
+                        <a:t>. </a:t>
+                      </a:r>
+                      <a:r>
+                        <a:rPr lang="ko-KR" altLang="en-US" sz="1400" b="0" i="0" kern="1200" dirty="0">
+                          <a:solidFill>
+                            <a:schemeClr val="tx1"/>
+                          </a:solidFill>
+                          <a:latin typeface="맑은 고딕" charset="0"/>
+                          <a:ea typeface="맑은 고딕" charset="0"/>
+                        </a:rPr>
+                        <a:t>오프라인을 가정하고 카드를 디자인하게 될 경우 자연스럽게 </a:t>
+                      </a:r>
+                      <a:r>
+                        <a:rPr lang="en-US" altLang="ko-KR" sz="1400" b="0" i="0" kern="1200" dirty="0">
+                          <a:solidFill>
+                            <a:schemeClr val="tx1"/>
+                          </a:solidFill>
+                          <a:latin typeface="맑은 고딕" charset="0"/>
+                          <a:ea typeface="맑은 고딕" charset="0"/>
+                        </a:rPr>
+                        <a:t>‘</a:t>
+                      </a:r>
+                      <a:r>
+                        <a:rPr lang="ko-KR" altLang="en-US" sz="1400" b="0" i="0" kern="1200" dirty="0">
+                          <a:solidFill>
+                            <a:schemeClr val="tx1"/>
+                          </a:solidFill>
+                          <a:latin typeface="맑은 고딕" charset="0"/>
+                          <a:ea typeface="맑은 고딕" charset="0"/>
+                        </a:rPr>
+                        <a:t>무작위</a:t>
+                      </a:r>
+                      <a:r>
+                        <a:rPr lang="en-US" altLang="ko-KR" sz="1400" b="0" i="0" kern="1200" dirty="0">
+                          <a:solidFill>
+                            <a:schemeClr val="tx1"/>
+                          </a:solidFill>
+                          <a:latin typeface="맑은 고딕" charset="0"/>
+                          <a:ea typeface="맑은 고딕" charset="0"/>
+                        </a:rPr>
+                        <a:t> </a:t>
+                      </a:r>
+                      <a:r>
+                        <a:rPr lang="ko-KR" altLang="en-US" sz="1400" b="0" i="0" kern="1200" dirty="0">
+                          <a:solidFill>
+                            <a:schemeClr val="tx1"/>
+                          </a:solidFill>
+                          <a:latin typeface="맑은 고딕" charset="0"/>
+                          <a:ea typeface="맑은 고딕" charset="0"/>
+                        </a:rPr>
+                        <a:t>카드를 생성한다</a:t>
+                      </a:r>
+                      <a:r>
+                        <a:rPr lang="en-US" altLang="ko-KR" sz="1400" b="0" i="0" kern="1200" dirty="0">
+                          <a:solidFill>
+                            <a:schemeClr val="tx1"/>
+                          </a:solidFill>
+                          <a:latin typeface="맑은 고딕" charset="0"/>
+                          <a:ea typeface="맑은 고딕" charset="0"/>
+                        </a:rPr>
+                        <a:t>.’</a:t>
+                      </a:r>
+                      <a:r>
+                        <a:rPr lang="ko-KR" altLang="en-US" sz="1400" b="0" i="0" kern="1200" dirty="0">
+                          <a:solidFill>
+                            <a:schemeClr val="tx1"/>
+                          </a:solidFill>
+                          <a:latin typeface="맑은 고딕" charset="0"/>
+                          <a:ea typeface="맑은 고딕" charset="0"/>
+                        </a:rPr>
+                        <a:t>와 같은 텍스트는 사용할 수 없다</a:t>
+                      </a:r>
+                      <a:r>
+                        <a:rPr lang="en-US" altLang="ko-KR" sz="1400" b="0" i="0" kern="1200" dirty="0">
+                          <a:solidFill>
+                            <a:schemeClr val="tx1"/>
+                          </a:solidFill>
+                          <a:latin typeface="맑은 고딕" charset="0"/>
+                          <a:ea typeface="맑은 고딕" charset="0"/>
+                        </a:rPr>
+                        <a:t>. </a:t>
+                      </a:r>
+                      <a:r>
+                        <a:rPr lang="ko-KR" altLang="en-US" sz="1400" b="0" i="0" kern="1200" dirty="0">
+                          <a:solidFill>
+                            <a:schemeClr val="tx1"/>
+                          </a:solidFill>
+                          <a:latin typeface="맑은 고딕" charset="0"/>
+                          <a:ea typeface="맑은 고딕" charset="0"/>
+                        </a:rPr>
+                        <a:t>이는 카드를 디자인 하는데 제약인 동시에 안전장치의 역할을 하게 될 것이다</a:t>
+                      </a:r>
+                      <a:r>
+                        <a:rPr lang="en-US" altLang="ko-KR" sz="1400" b="0" i="0" kern="1200" dirty="0">
+                          <a:solidFill>
+                            <a:schemeClr val="tx1"/>
+                          </a:solidFill>
+                          <a:latin typeface="맑은 고딕" charset="0"/>
+                          <a:ea typeface="맑은 고딕" charset="0"/>
+                        </a:rPr>
+                        <a:t>. </a:t>
+                      </a:r>
+                    </a:p>
+                    <a:p>
+                      <a:pPr marL="0" marR="0" lvl="0" indent="0" algn="l" defTabSz="914400" rtl="0" eaLnBrk="1" fontAlgn="auto" latinLnBrk="1" hangingPunct="1">
+                        <a:lnSpc>
+                          <a:spcPct val="100000"/>
+                        </a:lnSpc>
+                        <a:spcBef>
+                          <a:spcPts val="0"/>
+                        </a:spcBef>
+                        <a:spcAft>
+                          <a:spcPts val="0"/>
+                        </a:spcAft>
+                        <a:buClrTx/>
+                        <a:buSzTx/>
+                        <a:buFontTx/>
+                        <a:buNone/>
+                        <a:tabLst/>
+                        <a:defRPr/>
+                      </a:pPr>
+                      <a:r>
+                        <a:rPr lang="ko-KR" altLang="en-US" sz="1400" b="0" i="0" kern="1200" dirty="0">
+                          <a:solidFill>
+                            <a:schemeClr val="tx1"/>
+                          </a:solidFill>
+                          <a:latin typeface="맑은 고딕" charset="0"/>
+                          <a:ea typeface="맑은 고딕" charset="0"/>
+                        </a:rPr>
+                        <a:t>또한</a:t>
+                      </a:r>
+                      <a:r>
+                        <a:rPr lang="en-US" altLang="ko-KR" sz="1400" b="0" i="0" kern="1200" dirty="0">
+                          <a:solidFill>
+                            <a:schemeClr val="tx1"/>
+                          </a:solidFill>
+                          <a:latin typeface="맑은 고딕" charset="0"/>
+                          <a:ea typeface="맑은 고딕" charset="0"/>
+                        </a:rPr>
+                        <a:t>, </a:t>
+                      </a:r>
+                      <a:r>
+                        <a:rPr lang="ko-KR" altLang="en-US" sz="1400" b="0" i="0" kern="1200" dirty="0">
+                          <a:solidFill>
+                            <a:schemeClr val="tx1"/>
+                          </a:solidFill>
+                          <a:latin typeface="맑은 고딕" charset="0"/>
+                          <a:ea typeface="맑은 고딕" charset="0"/>
+                        </a:rPr>
+                        <a:t>여러 카드에서 사용하는 등장 빈도가 높은 텍스트를 축약하여</a:t>
+                      </a:r>
+                      <a:r>
+                        <a:rPr lang="en-US" altLang="ko-KR" sz="1400" b="0" i="0" kern="1200" dirty="0">
+                          <a:solidFill>
+                            <a:schemeClr val="tx1"/>
+                          </a:solidFill>
+                          <a:latin typeface="맑은 고딕" charset="0"/>
+                          <a:ea typeface="맑은 고딕" charset="0"/>
+                        </a:rPr>
+                        <a:t>, </a:t>
+                      </a:r>
+                      <a:r>
+                        <a:rPr lang="ko-KR" altLang="en-US" sz="1400" b="0" i="0" kern="1200" dirty="0">
+                          <a:solidFill>
+                            <a:schemeClr val="tx1"/>
+                          </a:solidFill>
+                          <a:latin typeface="맑은 고딕" charset="0"/>
+                          <a:ea typeface="맑은 고딕" charset="0"/>
+                        </a:rPr>
+                        <a:t>키워드로 정리해야 한다</a:t>
+                      </a:r>
+                      <a:r>
+                        <a:rPr lang="en-US" altLang="ko-KR" sz="1400" b="0" i="0" kern="1200" dirty="0">
+                          <a:solidFill>
+                            <a:schemeClr val="tx1"/>
+                          </a:solidFill>
+                          <a:latin typeface="맑은 고딕" charset="0"/>
+                          <a:ea typeface="맑은 고딕" charset="0"/>
+                        </a:rPr>
+                        <a:t>. </a:t>
+                      </a:r>
+                      <a:r>
+                        <a:rPr lang="ko-KR" altLang="en-US" sz="1400" b="0" i="0" kern="1200" dirty="0">
+                          <a:solidFill>
+                            <a:schemeClr val="tx1"/>
+                          </a:solidFill>
+                          <a:latin typeface="맑은 고딕" charset="0"/>
+                          <a:ea typeface="맑은 고딕" charset="0"/>
+                        </a:rPr>
+                        <a:t>이러한 방식은 과도하게 길어질 수 있는 텍스트를 읽기 쉽게 줄일 수 있으며</a:t>
+                      </a:r>
+                      <a:r>
+                        <a:rPr lang="en-US" altLang="ko-KR" sz="1400" b="0" i="0" kern="1200" dirty="0">
+                          <a:solidFill>
+                            <a:schemeClr val="tx1"/>
+                          </a:solidFill>
+                          <a:latin typeface="맑은 고딕" charset="0"/>
+                          <a:ea typeface="맑은 고딕" charset="0"/>
+                        </a:rPr>
+                        <a:t>, </a:t>
+                      </a:r>
+                      <a:r>
+                        <a:rPr lang="ko-KR" altLang="en-US" sz="1400" b="0" i="0" kern="1200" dirty="0">
+                          <a:solidFill>
+                            <a:schemeClr val="tx1"/>
+                          </a:solidFill>
+                          <a:latin typeface="맑은 고딕" charset="0"/>
+                          <a:ea typeface="맑은 고딕" charset="0"/>
+                        </a:rPr>
+                        <a:t>동시에 플레이어가 카드의 효과를 이해하는데 큰 도움을 주게 될 것이다</a:t>
                       </a:r>
                       <a:r>
                         <a:rPr lang="en-US" altLang="ko-KR" sz="1400" b="0" i="0" kern="1200" dirty="0">
@@ -10707,46 +10923,10 @@
           </a:graphicData>
         </a:graphic>
       </p:graphicFrame>
-      <p:pic>
-        <p:nvPicPr>
-          <p:cNvPr id="5" name="그림 4" descr="텍스트, 스크린샷, 멀티미디어 소프트웨어, 소프트웨어이(가) 표시된 사진&#10;&#10;자동 생성된 설명">
-            <a:extLst>
-              <a:ext uri="{FF2B5EF4-FFF2-40B4-BE49-F238E27FC236}">
-                <a16:creationId xmlns:a16="http://schemas.microsoft.com/office/drawing/2014/main" id="{5979C4C5-1246-4FE1-4CD3-4AF2384FD0C2}"/>
-              </a:ext>
-            </a:extLst>
-          </p:cNvPr>
-          <p:cNvPicPr>
-            <a:picLocks noChangeAspect="1"/>
-          </p:cNvPicPr>
-          <p:nvPr/>
-        </p:nvPicPr>
-        <p:blipFill>
-          <a:blip r:embed="rId3">
-            <a:extLst>
-              <a:ext uri="{28A0092B-C50C-407E-A947-70E740481C1C}">
-                <a14:useLocalDpi xmlns:a14="http://schemas.microsoft.com/office/drawing/2010/main" val="0"/>
-              </a:ext>
-            </a:extLst>
-          </a:blip>
-          <a:stretch>
-            <a:fillRect/>
-          </a:stretch>
-        </p:blipFill>
-        <p:spPr>
-          <a:xfrm>
-            <a:off x="3584359" y="1449389"/>
-            <a:ext cx="5023282" cy="2726686"/>
-          </a:xfrm>
-          <a:prstGeom prst="rect">
-            <a:avLst/>
-          </a:prstGeom>
-        </p:spPr>
-      </p:pic>
     </p:spTree>
     <p:extLst>
       <p:ext uri="{BB962C8B-B14F-4D97-AF65-F5344CB8AC3E}">
-        <p14:creationId xmlns:p14="http://schemas.microsoft.com/office/powerpoint/2010/main" val="699428180"/>
+        <p14:creationId xmlns:p14="http://schemas.microsoft.com/office/powerpoint/2010/main" val="4182938130"/>
       </p:ext>
     </p:extLst>
   </p:cSld>
